--- a/docs/cheat_sheets/DLMtool_CheatSheets.pptx
+++ b/docs/cheat_sheets/DLMtool_CheatSheets.pptx
@@ -2125,7 +2125,7 @@
           </a:ln>
           <a:extLst>
             <a:ext uri="{C572A759-6A51-4108-AA02-DFA0A04FC94B}">
-              <ma14:wrappingTextBoxFlag xmlns="" xmlns:ma14="http://schemas.microsoft.com/office/mac/drawingml/2011/main" val="1"/>
+              <ma14:wrappingTextBoxFlag xmlns:ma14="http://schemas.microsoft.com/office/mac/drawingml/2011/main" xmlns="" val="1"/>
             </a:ext>
           </a:extLst>
         </p:spPr>
@@ -2164,7 +2164,7 @@
           </a:ln>
           <a:extLst>
             <a:ext uri="{C572A759-6A51-4108-AA02-DFA0A04FC94B}">
-              <ma14:wrappingTextBoxFlag xmlns="" xmlns:ma14="http://schemas.microsoft.com/office/mac/drawingml/2011/main" val="1"/>
+              <ma14:wrappingTextBoxFlag xmlns:ma14="http://schemas.microsoft.com/office/mac/drawingml/2011/main" xmlns="" val="1"/>
             </a:ext>
           </a:extLst>
         </p:spPr>
@@ -3245,7 +3245,7 @@
           </a:ln>
           <a:extLst>
             <a:ext uri="{C572A759-6A51-4108-AA02-DFA0A04FC94B}">
-              <ma14:wrappingTextBoxFlag xmlns="" xmlns:ma14="http://schemas.microsoft.com/office/mac/drawingml/2011/main" val="1"/>
+              <ma14:wrappingTextBoxFlag xmlns:ma14="http://schemas.microsoft.com/office/mac/drawingml/2011/main" xmlns="" val="1"/>
             </a:ext>
           </a:extLst>
         </p:spPr>
@@ -3337,7 +3337,7 @@
           </a:ln>
           <a:extLst>
             <a:ext uri="{C572A759-6A51-4108-AA02-DFA0A04FC94B}">
-              <ma14:wrappingTextBoxFlag xmlns="" xmlns:ma14="http://schemas.microsoft.com/office/mac/drawingml/2011/main" val="1"/>
+              <ma14:wrappingTextBoxFlag xmlns:ma14="http://schemas.microsoft.com/office/mac/drawingml/2011/main" xmlns="" val="1"/>
             </a:ext>
           </a:extLst>
         </p:spPr>
@@ -5081,7 +5081,7 @@
             </a:ln>
             <a:extLst>
               <a:ext uri="{C572A759-6A51-4108-AA02-DFA0A04FC94B}">
-                <ma14:wrappingTextBoxFlag xmlns="" xmlns:ma14="http://schemas.microsoft.com/office/mac/drawingml/2011/main" val="1"/>
+                <ma14:wrappingTextBoxFlag xmlns:ma14="http://schemas.microsoft.com/office/mac/drawingml/2011/main" xmlns="" val="1"/>
               </a:ext>
             </a:extLst>
           </p:spPr>
@@ -5131,7 +5131,7 @@
             </a:ln>
             <a:extLst>
               <a:ext uri="{C572A759-6A51-4108-AA02-DFA0A04FC94B}">
-                <ma14:wrappingTextBoxFlag xmlns="" xmlns:ma14="http://schemas.microsoft.com/office/mac/drawingml/2011/main" val="1"/>
+                <ma14:wrappingTextBoxFlag xmlns:ma14="http://schemas.microsoft.com/office/mac/drawingml/2011/main" xmlns="" val="1"/>
               </a:ext>
             </a:extLst>
           </p:spPr>
@@ -5408,7 +5408,7 @@
           </a:ln>
           <a:extLst>
             <a:ext uri="{C572A759-6A51-4108-AA02-DFA0A04FC94B}">
-              <ma14:wrappingTextBoxFlag xmlns="" xmlns:ma14="http://schemas.microsoft.com/office/mac/drawingml/2011/main" val="1"/>
+              <ma14:wrappingTextBoxFlag xmlns:ma14="http://schemas.microsoft.com/office/mac/drawingml/2011/main" xmlns="" val="1"/>
             </a:ext>
           </a:extLst>
         </p:spPr>
@@ -5598,7 +5598,7 @@
           </a:ln>
           <a:extLst>
             <a:ext uri="{C572A759-6A51-4108-AA02-DFA0A04FC94B}">
-              <ma14:wrappingTextBoxFlag xmlns="" xmlns:ma14="http://schemas.microsoft.com/office/mac/drawingml/2011/main" val="1"/>
+              <ma14:wrappingTextBoxFlag xmlns:ma14="http://schemas.microsoft.com/office/mac/drawingml/2011/main" xmlns="" val="1"/>
             </a:ext>
           </a:extLst>
         </p:spPr>
@@ -5637,10 +5637,10 @@
         </p:nvGrpSpPr>
         <p:grpSpPr>
           <a:xfrm>
-            <a:off x="143701" y="907681"/>
-            <a:ext cx="4103904" cy="1518718"/>
-            <a:chOff x="143701" y="907681"/>
-            <a:chExt cx="4103904" cy="1518718"/>
+            <a:off x="143701" y="819180"/>
+            <a:ext cx="4103904" cy="1758543"/>
+            <a:chOff x="143701" y="819180"/>
+            <a:chExt cx="4103904" cy="1758543"/>
           </a:xfrm>
         </p:grpSpPr>
         <p:sp>
@@ -5651,7 +5651,7 @@
           </p:nvSpPr>
           <p:spPr>
             <a:xfrm>
-              <a:off x="143701" y="907681"/>
+              <a:off x="143701" y="819180"/>
               <a:ext cx="2183290" cy="333425"/>
             </a:xfrm>
             <a:prstGeom prst="rect">
@@ -5662,7 +5662,7 @@
             </a:ln>
             <a:extLst>
               <a:ext uri="{C572A759-6A51-4108-AA02-DFA0A04FC94B}">
-                <ma14:wrappingTextBoxFlag xmlns="" xmlns:ma14="http://schemas.microsoft.com/office/mac/drawingml/2011/main" val="1"/>
+                <ma14:wrappingTextBoxFlag xmlns:ma14="http://schemas.microsoft.com/office/mac/drawingml/2011/main" xmlns="" val="1"/>
               </a:ext>
             </a:extLst>
           </p:spPr>
@@ -5701,8 +5701,8 @@
           </p:nvSpPr>
           <p:spPr>
             <a:xfrm>
-              <a:off x="192008" y="1215811"/>
-              <a:ext cx="4055597" cy="1210588"/>
+              <a:off x="192008" y="1064488"/>
+              <a:ext cx="4055597" cy="1513235"/>
             </a:xfrm>
             <a:prstGeom prst="rect">
               <a:avLst/>
@@ -5712,7 +5712,7 @@
             </a:ln>
             <a:extLst>
               <a:ext uri="{C572A759-6A51-4108-AA02-DFA0A04FC94B}">
-                <ma14:wrappingTextBoxFlag xmlns="" xmlns:ma14="http://schemas.microsoft.com/office/mac/drawingml/2011/main" val="1"/>
+                <ma14:wrappingTextBoxFlag xmlns:ma14="http://schemas.microsoft.com/office/mac/drawingml/2011/main" xmlns="" val="1"/>
               </a:ext>
             </a:extLst>
           </p:spPr>
@@ -5762,6 +5762,30 @@
                 <a:rPr lang="en-US" b="0" dirty="0" smtClean="0"/>
                 <a:t>()</a:t>
               </a:r>
+            </a:p>
+            <a:p>
+              <a:pPr lvl="1" indent="0">
+                <a:lnSpc>
+                  <a:spcPct val="150000"/>
+                </a:lnSpc>
+              </a:pPr>
+              <a:r>
+                <a:rPr lang="en-US" dirty="0" smtClean="0"/>
+                <a:t>Cheat Sheets:</a:t>
+              </a:r>
+              <a:r>
+                <a:rPr lang="en-US" b="0" dirty="0" smtClean="0"/>
+                <a:t> </a:t>
+              </a:r>
+              <a:r>
+                <a:rPr lang="en-US" b="0" dirty="0" err="1" smtClean="0"/>
+                <a:t>cheatsheets</a:t>
+              </a:r>
+              <a:r>
+                <a:rPr lang="en-US" b="0" dirty="0" smtClean="0"/>
+                <a:t>()</a:t>
+              </a:r>
+              <a:endParaRPr lang="en-US" b="0" dirty="0" smtClean="0"/>
             </a:p>
             <a:p>
               <a:pPr lvl="1" indent="0">
@@ -5883,7 +5907,7 @@
           </a:ln>
           <a:extLst>
             <a:ext uri="{C572A759-6A51-4108-AA02-DFA0A04FC94B}">
-              <ma14:wrappingTextBoxFlag xmlns:ma14="http://schemas.microsoft.com/office/mac/drawingml/2011/main" xmlns="" val="1"/>
+              <ma14:wrappingTextBoxFlag xmlns="" xmlns:ma14="http://schemas.microsoft.com/office/mac/drawingml/2011/main" val="1"/>
             </a:ext>
           </a:extLst>
         </p:spPr>
@@ -6660,7 +6684,7 @@
             </a:ln>
             <a:extLst>
               <a:ext uri="{C572A759-6A51-4108-AA02-DFA0A04FC94B}">
-                <ma14:wrappingTextBoxFlag xmlns="" xmlns:ma14="http://schemas.microsoft.com/office/mac/drawingml/2011/main" val="1"/>
+                <ma14:wrappingTextBoxFlag xmlns:ma14="http://schemas.microsoft.com/office/mac/drawingml/2011/main" xmlns="" val="1"/>
               </a:ext>
             </a:extLst>
           </p:spPr>
@@ -6710,7 +6734,7 @@
             </a:ln>
             <a:extLst>
               <a:ext uri="{C572A759-6A51-4108-AA02-DFA0A04FC94B}">
-                <ma14:wrappingTextBoxFlag xmlns="" xmlns:ma14="http://schemas.microsoft.com/office/mac/drawingml/2011/main" val="1"/>
+                <ma14:wrappingTextBoxFlag xmlns:ma14="http://schemas.microsoft.com/office/mac/drawingml/2011/main" xmlns="" val="1"/>
               </a:ext>
             </a:extLst>
           </p:spPr>
@@ -7354,7 +7378,7 @@
             </a:ln>
             <a:extLst>
               <a:ext uri="{C572A759-6A51-4108-AA02-DFA0A04FC94B}">
-                <ma14:wrappingTextBoxFlag xmlns="" xmlns:ma14="http://schemas.microsoft.com/office/mac/drawingml/2011/main" val="1"/>
+                <ma14:wrappingTextBoxFlag xmlns:ma14="http://schemas.microsoft.com/office/mac/drawingml/2011/main" xmlns="" val="1"/>
               </a:ext>
             </a:extLst>
           </p:spPr>
@@ -7404,7 +7428,7 @@
             </a:ln>
             <a:extLst>
               <a:ext uri="{C572A759-6A51-4108-AA02-DFA0A04FC94B}">
-                <ma14:wrappingTextBoxFlag xmlns="" xmlns:ma14="http://schemas.microsoft.com/office/mac/drawingml/2011/main" val="1"/>
+                <ma14:wrappingTextBoxFlag xmlns:ma14="http://schemas.microsoft.com/office/mac/drawingml/2011/main" xmlns="" val="1"/>
               </a:ext>
             </a:extLst>
           </p:spPr>
@@ -7651,7 +7675,7 @@
           </a:ln>
           <a:extLst>
             <a:ext uri="{C572A759-6A51-4108-AA02-DFA0A04FC94B}">
-              <ma14:wrappingTextBoxFlag xmlns="" xmlns:ma14="http://schemas.microsoft.com/office/mac/drawingml/2011/main" val="1"/>
+              <ma14:wrappingTextBoxFlag xmlns:ma14="http://schemas.microsoft.com/office/mac/drawingml/2011/main" xmlns="" val="1"/>
             </a:ext>
           </a:extLst>
         </p:spPr>
@@ -7932,7 +7956,7 @@
             </a:ln>
             <a:extLst>
               <a:ext uri="{C572A759-6A51-4108-AA02-DFA0A04FC94B}">
-                <ma14:wrappingTextBoxFlag xmlns="" xmlns:ma14="http://schemas.microsoft.com/office/mac/drawingml/2011/main" val="1"/>
+                <ma14:wrappingTextBoxFlag xmlns:ma14="http://schemas.microsoft.com/office/mac/drawingml/2011/main" xmlns="" val="1"/>
               </a:ext>
             </a:extLst>
           </p:spPr>
@@ -7982,7 +8006,7 @@
             </a:ln>
             <a:extLst>
               <a:ext uri="{C572A759-6A51-4108-AA02-DFA0A04FC94B}">
-                <ma14:wrappingTextBoxFlag xmlns="" xmlns:ma14="http://schemas.microsoft.com/office/mac/drawingml/2011/main" val="1"/>
+                <ma14:wrappingTextBoxFlag xmlns:ma14="http://schemas.microsoft.com/office/mac/drawingml/2011/main" xmlns="" val="1"/>
               </a:ext>
             </a:extLst>
           </p:spPr>
@@ -8385,7 +8409,7 @@
           </a:ln>
           <a:extLst>
             <a:ext uri="{C572A759-6A51-4108-AA02-DFA0A04FC94B}">
-              <ma14:wrappingTextBoxFlag xmlns="" xmlns:ma14="http://schemas.microsoft.com/office/mac/drawingml/2011/main" val="1"/>
+              <ma14:wrappingTextBoxFlag xmlns:ma14="http://schemas.microsoft.com/office/mac/drawingml/2011/main" xmlns="" val="1"/>
             </a:ext>
           </a:extLst>
         </p:spPr>
@@ -8620,7 +8644,7 @@
           </a:ln>
           <a:extLst>
             <a:ext uri="{C572A759-6A51-4108-AA02-DFA0A04FC94B}">
-              <ma14:wrappingTextBoxFlag xmlns:ma14="http://schemas.microsoft.com/office/mac/drawingml/2011/main" xmlns="" val="1"/>
+              <ma14:wrappingTextBoxFlag xmlns="" xmlns:ma14="http://schemas.microsoft.com/office/mac/drawingml/2011/main" val="1"/>
             </a:ext>
           </a:extLst>
         </p:spPr>
@@ -8810,7 +8834,7 @@
           </a:ln>
           <a:extLst>
             <a:ext uri="{C572A759-6A51-4108-AA02-DFA0A04FC94B}">
-              <ma14:wrappingTextBoxFlag xmlns="" xmlns:ma14="http://schemas.microsoft.com/office/mac/drawingml/2011/main" val="1"/>
+              <ma14:wrappingTextBoxFlag xmlns:ma14="http://schemas.microsoft.com/office/mac/drawingml/2011/main" xmlns="" val="1"/>
             </a:ext>
           </a:extLst>
         </p:spPr>
@@ -8860,7 +8884,7 @@
           </a:ln>
           <a:extLst>
             <a:ext uri="{C572A759-6A51-4108-AA02-DFA0A04FC94B}">
-              <ma14:wrappingTextBoxFlag xmlns="" xmlns:ma14="http://schemas.microsoft.com/office/mac/drawingml/2011/main" val="1"/>
+              <ma14:wrappingTextBoxFlag xmlns:ma14="http://schemas.microsoft.com/office/mac/drawingml/2011/main" xmlns="" val="1"/>
             </a:ext>
           </a:extLst>
         </p:spPr>
@@ -8910,7 +8934,7 @@
           </a:ln>
           <a:extLst>
             <a:ext uri="{C572A759-6A51-4108-AA02-DFA0A04FC94B}">
-              <ma14:wrappingTextBoxFlag xmlns="" xmlns:ma14="http://schemas.microsoft.com/office/mac/drawingml/2011/main" val="1"/>
+              <ma14:wrappingTextBoxFlag xmlns:ma14="http://schemas.microsoft.com/office/mac/drawingml/2011/main" xmlns="" val="1"/>
             </a:ext>
           </a:extLst>
         </p:spPr>
@@ -9002,7 +9026,7 @@
           </a:ln>
           <a:extLst>
             <a:ext uri="{C572A759-6A51-4108-AA02-DFA0A04FC94B}">
-              <ma14:wrappingTextBoxFlag xmlns="" xmlns:ma14="http://schemas.microsoft.com/office/mac/drawingml/2011/main" val="1"/>
+              <ma14:wrappingTextBoxFlag xmlns:ma14="http://schemas.microsoft.com/office/mac/drawingml/2011/main" xmlns="" val="1"/>
             </a:ext>
           </a:extLst>
         </p:spPr>
@@ -9391,19 +9415,8 @@
                 <a:latin typeface="Segoe UI" panose="020B0502040204020203" pitchFamily="34" charset="0"/>
                 <a:cs typeface="Segoe UI" panose="020B0502040204020203" pitchFamily="34" charset="0"/>
               </a:rPr>
-              <a:t>(MSE</a:t>
-            </a:r>
-            <a:r>
-              <a:rPr lang="en-US" b="0" dirty="0" smtClean="0">
-                <a:latin typeface="Segoe UI" panose="020B0502040204020203" pitchFamily="34" charset="0"/>
-                <a:cs typeface="Segoe UI" panose="020B0502040204020203" pitchFamily="34" charset="0"/>
-              </a:rPr>
-              <a:t>)</a:t>
-            </a:r>
-            <a:endParaRPr lang="en-US" b="0" dirty="0" smtClean="0">
-              <a:latin typeface="Segoe UI" panose="020B0502040204020203" pitchFamily="34" charset="0"/>
-              <a:cs typeface="Segoe UI" panose="020B0502040204020203" pitchFamily="34" charset="0"/>
-            </a:endParaRPr>
+              <a:t>(MSE)</a:t>
+            </a:r>
           </a:p>
         </p:txBody>
       </p:sp>
@@ -9426,7 +9439,7 @@
           </a:ln>
           <a:extLst>
             <a:ext uri="{C572A759-6A51-4108-AA02-DFA0A04FC94B}">
-              <ma14:wrappingTextBoxFlag xmlns="" xmlns:ma14="http://schemas.microsoft.com/office/mac/drawingml/2011/main" val="1"/>
+              <ma14:wrappingTextBoxFlag xmlns:ma14="http://schemas.microsoft.com/office/mac/drawingml/2011/main" xmlns="" val="1"/>
             </a:ext>
           </a:extLst>
         </p:spPr>
@@ -9572,7 +9585,7 @@
           </a:ln>
           <a:extLst>
             <a:ext uri="{C572A759-6A51-4108-AA02-DFA0A04FC94B}">
-              <ma14:wrappingTextBoxFlag xmlns="" xmlns:ma14="http://schemas.microsoft.com/office/mac/drawingml/2011/main" val="1"/>
+              <ma14:wrappingTextBoxFlag xmlns:ma14="http://schemas.microsoft.com/office/mac/drawingml/2011/main" xmlns="" val="1"/>
             </a:ext>
           </a:extLst>
         </p:spPr>
@@ -9664,7 +9677,7 @@
           </a:ln>
           <a:extLst>
             <a:ext uri="{C572A759-6A51-4108-AA02-DFA0A04FC94B}">
-              <ma14:wrappingTextBoxFlag xmlns="" xmlns:ma14="http://schemas.microsoft.com/office/mac/drawingml/2011/main" val="1"/>
+              <ma14:wrappingTextBoxFlag xmlns:ma14="http://schemas.microsoft.com/office/mac/drawingml/2011/main" xmlns="" val="1"/>
             </a:ext>
           </a:extLst>
         </p:spPr>
@@ -9926,7 +9939,7 @@
           </a:ln>
           <a:extLst>
             <a:ext uri="{C572A759-6A51-4108-AA02-DFA0A04FC94B}">
-              <ma14:wrappingTextBoxFlag xmlns="" xmlns:ma14="http://schemas.microsoft.com/office/mac/drawingml/2011/main" val="1"/>
+              <ma14:wrappingTextBoxFlag xmlns:ma14="http://schemas.microsoft.com/office/mac/drawingml/2011/main" xmlns="" val="1"/>
             </a:ext>
           </a:extLst>
         </p:spPr>
@@ -10191,7 +10204,7 @@
           </a:ln>
           <a:extLst>
             <a:ext uri="{C572A759-6A51-4108-AA02-DFA0A04FC94B}">
-              <ma14:wrappingTextBoxFlag xmlns="" xmlns:ma14="http://schemas.microsoft.com/office/mac/drawingml/2011/main" val="1"/>
+              <ma14:wrappingTextBoxFlag xmlns:ma14="http://schemas.microsoft.com/office/mac/drawingml/2011/main" xmlns="" val="1"/>
             </a:ext>
           </a:extLst>
         </p:spPr>
@@ -10241,7 +10254,7 @@
           </a:ln>
           <a:extLst>
             <a:ext uri="{C572A759-6A51-4108-AA02-DFA0A04FC94B}">
-              <ma14:wrappingTextBoxFlag xmlns="" xmlns:ma14="http://schemas.microsoft.com/office/mac/drawingml/2011/main" val="1"/>
+              <ma14:wrappingTextBoxFlag xmlns:ma14="http://schemas.microsoft.com/office/mac/drawingml/2011/main" xmlns="" val="1"/>
             </a:ext>
           </a:extLst>
         </p:spPr>
@@ -10477,7 +10490,7 @@
           </a:ln>
           <a:extLst>
             <a:ext uri="{C572A759-6A51-4108-AA02-DFA0A04FC94B}">
-              <ma14:wrappingTextBoxFlag xmlns="" xmlns:ma14="http://schemas.microsoft.com/office/mac/drawingml/2011/main" val="1"/>
+              <ma14:wrappingTextBoxFlag xmlns:ma14="http://schemas.microsoft.com/office/mac/drawingml/2011/main" xmlns="" val="1"/>
             </a:ext>
           </a:extLst>
         </p:spPr>
@@ -10756,7 +10769,7 @@
           </a:ln>
           <a:extLst>
             <a:ext uri="{C572A759-6A51-4108-AA02-DFA0A04FC94B}">
-              <ma14:wrappingTextBoxFlag xmlns="" xmlns:ma14="http://schemas.microsoft.com/office/mac/drawingml/2011/main" val="1"/>
+              <ma14:wrappingTextBoxFlag xmlns:ma14="http://schemas.microsoft.com/office/mac/drawingml/2011/main" xmlns="" val="1"/>
             </a:ext>
           </a:extLst>
         </p:spPr>
@@ -10848,7 +10861,7 @@
           </a:ln>
           <a:extLst>
             <a:ext uri="{C572A759-6A51-4108-AA02-DFA0A04FC94B}">
-              <ma14:wrappingTextBoxFlag xmlns="" xmlns:ma14="http://schemas.microsoft.com/office/mac/drawingml/2011/main" val="1"/>
+              <ma14:wrappingTextBoxFlag xmlns:ma14="http://schemas.microsoft.com/office/mac/drawingml/2011/main" xmlns="" val="1"/>
             </a:ext>
           </a:extLst>
         </p:spPr>
@@ -11120,7 +11133,7 @@
           </a:ln>
           <a:extLst>
             <a:ext uri="{C572A759-6A51-4108-AA02-DFA0A04FC94B}">
-              <ma14:wrappingTextBoxFlag xmlns="" xmlns:ma14="http://schemas.microsoft.com/office/mac/drawingml/2011/main" val="1"/>
+              <ma14:wrappingTextBoxFlag xmlns:ma14="http://schemas.microsoft.com/office/mac/drawingml/2011/main" xmlns="" val="1"/>
             </a:ext>
           </a:extLst>
         </p:spPr>
@@ -11170,7 +11183,7 @@
           </a:ln>
           <a:extLst>
             <a:ext uri="{C572A759-6A51-4108-AA02-DFA0A04FC94B}">
-              <ma14:wrappingTextBoxFlag xmlns="" xmlns:ma14="http://schemas.microsoft.com/office/mac/drawingml/2011/main" val="1"/>
+              <ma14:wrappingTextBoxFlag xmlns:ma14="http://schemas.microsoft.com/office/mac/drawingml/2011/main" xmlns="" val="1"/>
             </a:ext>
           </a:extLst>
         </p:spPr>
@@ -11270,7 +11283,7 @@
           </a:ln>
           <a:extLst>
             <a:ext uri="{C572A759-6A51-4108-AA02-DFA0A04FC94B}">
-              <ma14:wrappingTextBoxFlag xmlns="" xmlns:ma14="http://schemas.microsoft.com/office/mac/drawingml/2011/main" val="1"/>
+              <ma14:wrappingTextBoxFlag xmlns:ma14="http://schemas.microsoft.com/office/mac/drawingml/2011/main" xmlns="" val="1"/>
             </a:ext>
           </a:extLst>
         </p:spPr>
@@ -11362,7 +11375,7 @@
           </a:ln>
           <a:extLst>
             <a:ext uri="{C572A759-6A51-4108-AA02-DFA0A04FC94B}">
-              <ma14:wrappingTextBoxFlag xmlns="" xmlns:ma14="http://schemas.microsoft.com/office/mac/drawingml/2011/main" val="1"/>
+              <ma14:wrappingTextBoxFlag xmlns:ma14="http://schemas.microsoft.com/office/mac/drawingml/2011/main" xmlns="" val="1"/>
             </a:ext>
           </a:extLst>
         </p:spPr>
@@ -11400,14 +11413,7 @@
                 <a:latin typeface="Segoe UI" panose="020B0502040204020203" pitchFamily="34" charset="0"/>
                 <a:cs typeface="Segoe UI" panose="020B0502040204020203" pitchFamily="34" charset="0"/>
               </a:rPr>
-              <a:t>e.g</a:t>
-            </a:r>
-            <a:r>
-              <a:rPr lang="en-US" b="0" dirty="0" smtClean="0">
-                <a:latin typeface="Segoe UI" panose="020B0502040204020203" pitchFamily="34" charset="0"/>
-                <a:cs typeface="Segoe UI" panose="020B0502040204020203" pitchFamily="34" charset="0"/>
-              </a:rPr>
-              <a:t>.	MSE &lt;- </a:t>
+              <a:t>e.g.	MSE &lt;- </a:t>
             </a:r>
             <a:r>
               <a:rPr lang="en-US" b="0" dirty="0" err="1" smtClean="0">
@@ -11530,14 +11536,7 @@
                 <a:latin typeface="Segoe UI" panose="020B0502040204020203" pitchFamily="34" charset="0"/>
                 <a:cs typeface="Segoe UI" panose="020B0502040204020203" pitchFamily="34" charset="0"/>
               </a:rPr>
-              <a:t>	</a:t>
-            </a:r>
-            <a:r>
-              <a:rPr lang="en-US" b="0" dirty="0">
-                <a:latin typeface="Segoe UI" panose="020B0502040204020203" pitchFamily="34" charset="0"/>
-                <a:cs typeface="Segoe UI" panose="020B0502040204020203" pitchFamily="34" charset="0"/>
-              </a:rPr>
-              <a:t>	</a:t>
+              <a:t>		</a:t>
             </a:r>
             <a:r>
               <a:rPr lang="en-US" b="0" dirty="0" err="1" smtClean="0">
@@ -11567,10 +11566,6 @@
               </a:rPr>
               <a:t>='Index value')</a:t>
             </a:r>
-            <a:endParaRPr lang="en-US" b="0" dirty="0" smtClean="0">
-              <a:latin typeface="Segoe UI" panose="020B0502040204020203" pitchFamily="34" charset="0"/>
-              <a:cs typeface="Segoe UI" panose="020B0502040204020203" pitchFamily="34" charset="0"/>
-            </a:endParaRPr>
           </a:p>
         </p:txBody>
       </p:sp>
@@ -11926,7 +11921,7 @@
           </a:ln>
           <a:extLst>
             <a:ext uri="{C572A759-6A51-4108-AA02-DFA0A04FC94B}">
-              <ma14:wrappingTextBoxFlag xmlns="" xmlns:ma14="http://schemas.microsoft.com/office/mac/drawingml/2011/main" val="1"/>
+              <ma14:wrappingTextBoxFlag xmlns:ma14="http://schemas.microsoft.com/office/mac/drawingml/2011/main" xmlns="" val="1"/>
             </a:ext>
           </a:extLst>
         </p:spPr>
@@ -11952,6 +11947,586 @@
               </a:rPr>
               <a:t>Calculate Probability F &lt; 2 x FMSY in first 5 years:</a:t>
             </a:r>
+          </a:p>
+          <a:p>
+            <a:r>
+              <a:rPr lang="en-US" b="0" dirty="0" err="1" smtClean="0">
+                <a:latin typeface="Segoe UI" panose="020B0502040204020203" pitchFamily="34" charset="0"/>
+                <a:cs typeface="Segoe UI" panose="020B0502040204020203" pitchFamily="34" charset="0"/>
+              </a:rPr>
+              <a:t>myPM</a:t>
+            </a:r>
+            <a:r>
+              <a:rPr lang="en-US" b="0" dirty="0" smtClean="0">
+                <a:latin typeface="Segoe UI" panose="020B0502040204020203" pitchFamily="34" charset="0"/>
+                <a:cs typeface="Segoe UI" panose="020B0502040204020203" pitchFamily="34" charset="0"/>
+              </a:rPr>
+              <a:t> &lt;- function(</a:t>
+            </a:r>
+            <a:r>
+              <a:rPr lang="en-US" b="0" dirty="0" err="1" smtClean="0">
+                <a:latin typeface="Segoe UI" panose="020B0502040204020203" pitchFamily="34" charset="0"/>
+                <a:cs typeface="Segoe UI" panose="020B0502040204020203" pitchFamily="34" charset="0"/>
+              </a:rPr>
+              <a:t>MSEobj</a:t>
+            </a:r>
+            <a:r>
+              <a:rPr lang="en-US" b="0" dirty="0" smtClean="0">
+                <a:latin typeface="Segoe UI" panose="020B0502040204020203" pitchFamily="34" charset="0"/>
+                <a:cs typeface="Segoe UI" panose="020B0502040204020203" pitchFamily="34" charset="0"/>
+              </a:rPr>
+              <a:t>=NULL, Ref=2, </a:t>
+            </a:r>
+            <a:r>
+              <a:rPr lang="en-US" b="0" dirty="0" err="1" smtClean="0">
+                <a:latin typeface="Segoe UI" panose="020B0502040204020203" pitchFamily="34" charset="0"/>
+                <a:cs typeface="Segoe UI" panose="020B0502040204020203" pitchFamily="34" charset="0"/>
+              </a:rPr>
+              <a:t>Yrs</a:t>
+            </a:r>
+            <a:r>
+              <a:rPr lang="en-US" b="0" dirty="0" smtClean="0">
+                <a:latin typeface="Segoe UI" panose="020B0502040204020203" pitchFamily="34" charset="0"/>
+                <a:cs typeface="Segoe UI" panose="020B0502040204020203" pitchFamily="34" charset="0"/>
+              </a:rPr>
+              <a:t>=5) {</a:t>
+            </a:r>
+          </a:p>
+          <a:p>
+            <a:r>
+              <a:rPr lang="en-US" b="0" dirty="0" smtClean="0">
+                <a:latin typeface="Segoe UI" panose="020B0502040204020203" pitchFamily="34" charset="0"/>
+                <a:cs typeface="Segoe UI" panose="020B0502040204020203" pitchFamily="34" charset="0"/>
+              </a:rPr>
+              <a:t>  </a:t>
+            </a:r>
+            <a:r>
+              <a:rPr lang="en-US" b="0" dirty="0" err="1" smtClean="0">
+                <a:latin typeface="Segoe UI" panose="020B0502040204020203" pitchFamily="34" charset="0"/>
+                <a:cs typeface="Segoe UI" panose="020B0502040204020203" pitchFamily="34" charset="0"/>
+              </a:rPr>
+              <a:t>Yrs</a:t>
+            </a:r>
+            <a:r>
+              <a:rPr lang="en-US" b="0" dirty="0" smtClean="0">
+                <a:latin typeface="Segoe UI" panose="020B0502040204020203" pitchFamily="34" charset="0"/>
+                <a:cs typeface="Segoe UI" panose="020B0502040204020203" pitchFamily="34" charset="0"/>
+              </a:rPr>
+              <a:t> &lt;- </a:t>
+            </a:r>
+            <a:r>
+              <a:rPr lang="en-US" b="0" dirty="0" err="1" smtClean="0">
+                <a:latin typeface="Segoe UI" panose="020B0502040204020203" pitchFamily="34" charset="0"/>
+                <a:cs typeface="Segoe UI" panose="020B0502040204020203" pitchFamily="34" charset="0"/>
+              </a:rPr>
+              <a:t>ChkYrs</a:t>
+            </a:r>
+            <a:r>
+              <a:rPr lang="en-US" b="0" dirty="0" smtClean="0">
+                <a:latin typeface="Segoe UI" panose="020B0502040204020203" pitchFamily="34" charset="0"/>
+                <a:cs typeface="Segoe UI" panose="020B0502040204020203" pitchFamily="34" charset="0"/>
+              </a:rPr>
+              <a:t>(</a:t>
+            </a:r>
+            <a:r>
+              <a:rPr lang="en-US" b="0" dirty="0" err="1" smtClean="0">
+                <a:latin typeface="Segoe UI" panose="020B0502040204020203" pitchFamily="34" charset="0"/>
+                <a:cs typeface="Segoe UI" panose="020B0502040204020203" pitchFamily="34" charset="0"/>
+              </a:rPr>
+              <a:t>Yrs</a:t>
+            </a:r>
+            <a:r>
+              <a:rPr lang="en-US" b="0" dirty="0" smtClean="0">
+                <a:latin typeface="Segoe UI" panose="020B0502040204020203" pitchFamily="34" charset="0"/>
+                <a:cs typeface="Segoe UI" panose="020B0502040204020203" pitchFamily="34" charset="0"/>
+              </a:rPr>
+              <a:t>, </a:t>
+            </a:r>
+            <a:r>
+              <a:rPr lang="en-US" b="0" dirty="0" err="1" smtClean="0">
+                <a:latin typeface="Segoe UI" panose="020B0502040204020203" pitchFamily="34" charset="0"/>
+                <a:cs typeface="Segoe UI" panose="020B0502040204020203" pitchFamily="34" charset="0"/>
+              </a:rPr>
+              <a:t>MSEobj</a:t>
+            </a:r>
+            <a:r>
+              <a:rPr lang="en-US" b="0" dirty="0" smtClean="0">
+                <a:latin typeface="Segoe UI" panose="020B0502040204020203" pitchFamily="34" charset="0"/>
+                <a:cs typeface="Segoe UI" panose="020B0502040204020203" pitchFamily="34" charset="0"/>
+              </a:rPr>
+              <a:t>) # validate years</a:t>
+            </a:r>
+          </a:p>
+          <a:p>
+            <a:r>
+              <a:rPr lang="en-US" b="0" dirty="0">
+                <a:latin typeface="Segoe UI" panose="020B0502040204020203" pitchFamily="34" charset="0"/>
+                <a:cs typeface="Segoe UI" panose="020B0502040204020203" pitchFamily="34" charset="0"/>
+              </a:rPr>
+              <a:t> </a:t>
+            </a:r>
+            <a:r>
+              <a:rPr lang="en-US" b="0" dirty="0" smtClean="0">
+                <a:latin typeface="Segoe UI" panose="020B0502040204020203" pitchFamily="34" charset="0"/>
+                <a:cs typeface="Segoe UI" panose="020B0502040204020203" pitchFamily="34" charset="0"/>
+              </a:rPr>
+              <a:t> </a:t>
+            </a:r>
+            <a:r>
+              <a:rPr lang="en-US" b="0" dirty="0" err="1" smtClean="0">
+                <a:latin typeface="Segoe UI" panose="020B0502040204020203" pitchFamily="34" charset="0"/>
+                <a:cs typeface="Segoe UI" panose="020B0502040204020203" pitchFamily="34" charset="0"/>
+              </a:rPr>
+              <a:t>PMobj</a:t>
+            </a:r>
+            <a:r>
+              <a:rPr lang="en-US" b="0" dirty="0" smtClean="0">
+                <a:latin typeface="Segoe UI" panose="020B0502040204020203" pitchFamily="34" charset="0"/>
+                <a:cs typeface="Segoe UI" panose="020B0502040204020203" pitchFamily="34" charset="0"/>
+              </a:rPr>
+              <a:t> &lt;- new('</a:t>
+            </a:r>
+            <a:r>
+              <a:rPr lang="en-US" b="0" dirty="0" err="1" smtClean="0">
+                <a:latin typeface="Segoe UI" panose="020B0502040204020203" pitchFamily="34" charset="0"/>
+                <a:cs typeface="Segoe UI" panose="020B0502040204020203" pitchFamily="34" charset="0"/>
+              </a:rPr>
+              <a:t>PMobj</a:t>
+            </a:r>
+            <a:r>
+              <a:rPr lang="en-US" b="0" dirty="0" smtClean="0">
+                <a:latin typeface="Segoe UI" panose="020B0502040204020203" pitchFamily="34" charset="0"/>
+                <a:cs typeface="Segoe UI" panose="020B0502040204020203" pitchFamily="34" charset="0"/>
+              </a:rPr>
+              <a:t>') # create empty PM object</a:t>
+            </a:r>
+          </a:p>
+          <a:p>
+            <a:r>
+              <a:rPr lang="en-US" b="0" dirty="0">
+                <a:latin typeface="Segoe UI" panose="020B0502040204020203" pitchFamily="34" charset="0"/>
+                <a:cs typeface="Segoe UI" panose="020B0502040204020203" pitchFamily="34" charset="0"/>
+              </a:rPr>
+              <a:t> </a:t>
+            </a:r>
+            <a:r>
+              <a:rPr lang="en-US" b="0" dirty="0" smtClean="0">
+                <a:latin typeface="Segoe UI" panose="020B0502040204020203" pitchFamily="34" charset="0"/>
+                <a:cs typeface="Segoe UI" panose="020B0502040204020203" pitchFamily="34" charset="0"/>
+              </a:rPr>
+              <a:t> </a:t>
+            </a:r>
+            <a:r>
+              <a:rPr lang="en-US" b="0" dirty="0" err="1" smtClean="0">
+                <a:latin typeface="Segoe UI" panose="020B0502040204020203" pitchFamily="34" charset="0"/>
+                <a:cs typeface="Segoe UI" panose="020B0502040204020203" pitchFamily="34" charset="0"/>
+              </a:rPr>
+              <a:t>PMobj@Name</a:t>
+            </a:r>
+            <a:r>
+              <a:rPr lang="en-US" b="0" dirty="0" smtClean="0">
+                <a:latin typeface="Segoe UI" panose="020B0502040204020203" pitchFamily="34" charset="0"/>
+                <a:cs typeface="Segoe UI" panose="020B0502040204020203" pitchFamily="34" charset="0"/>
+              </a:rPr>
+              <a:t> &lt;- paste0('Probability F/FMSY &lt; ', Ref) # name of PM</a:t>
+            </a:r>
+          </a:p>
+          <a:p>
+            <a:r>
+              <a:rPr lang="en-US" b="0" dirty="0">
+                <a:latin typeface="Segoe UI" panose="020B0502040204020203" pitchFamily="34" charset="0"/>
+                <a:cs typeface="Segoe UI" panose="020B0502040204020203" pitchFamily="34" charset="0"/>
+              </a:rPr>
+              <a:t> </a:t>
+            </a:r>
+            <a:r>
+              <a:rPr lang="en-US" b="0" dirty="0" smtClean="0">
+                <a:latin typeface="Segoe UI" panose="020B0502040204020203" pitchFamily="34" charset="0"/>
+                <a:cs typeface="Segoe UI" panose="020B0502040204020203" pitchFamily="34" charset="0"/>
+              </a:rPr>
+              <a:t> </a:t>
+            </a:r>
+            <a:r>
+              <a:rPr lang="en-US" b="0" dirty="0" err="1" smtClean="0">
+                <a:latin typeface="Segoe UI" panose="020B0502040204020203" pitchFamily="34" charset="0"/>
+                <a:cs typeface="Segoe UI" panose="020B0502040204020203" pitchFamily="34" charset="0"/>
+              </a:rPr>
+              <a:t>PMobj@Caption</a:t>
+            </a:r>
+            <a:r>
+              <a:rPr lang="en-US" b="0" dirty="0" smtClean="0">
+                <a:latin typeface="Segoe UI" panose="020B0502040204020203" pitchFamily="34" charset="0"/>
+                <a:cs typeface="Segoe UI" panose="020B0502040204020203" pitchFamily="34" charset="0"/>
+              </a:rPr>
+              <a:t> &lt;- </a:t>
+            </a:r>
+            <a:r>
+              <a:rPr lang="en-US" b="0" dirty="0">
+                <a:latin typeface="Segoe UI" panose="020B0502040204020203" pitchFamily="34" charset="0"/>
+                <a:cs typeface="Segoe UI" panose="020B0502040204020203" pitchFamily="34" charset="0"/>
+              </a:rPr>
+              <a:t>paste0('Probability F/FMSY &lt; ', Ref</a:t>
+            </a:r>
+            <a:r>
+              <a:rPr lang="en-US" b="0" dirty="0" smtClean="0">
+                <a:latin typeface="Segoe UI" panose="020B0502040204020203" pitchFamily="34" charset="0"/>
+                <a:cs typeface="Segoe UI" panose="020B0502040204020203" pitchFamily="34" charset="0"/>
+              </a:rPr>
+              <a:t>) # caption</a:t>
+            </a:r>
+            <a:endParaRPr lang="en-US" b="0" dirty="0">
+              <a:latin typeface="Segoe UI" panose="020B0502040204020203" pitchFamily="34" charset="0"/>
+              <a:cs typeface="Segoe UI" panose="020B0502040204020203" pitchFamily="34" charset="0"/>
+            </a:endParaRPr>
+          </a:p>
+          <a:p>
+            <a:r>
+              <a:rPr lang="en-US" b="0" dirty="0" smtClean="0">
+                <a:latin typeface="Segoe UI" panose="020B0502040204020203" pitchFamily="34" charset="0"/>
+                <a:cs typeface="Segoe UI" panose="020B0502040204020203" pitchFamily="34" charset="0"/>
+              </a:rPr>
+              <a:t>  </a:t>
+            </a:r>
+            <a:r>
+              <a:rPr lang="en-US" b="0" dirty="0" err="1">
+                <a:latin typeface="Segoe UI" panose="020B0502040204020203" pitchFamily="34" charset="0"/>
+                <a:cs typeface="Segoe UI" panose="020B0502040204020203" pitchFamily="34" charset="0"/>
+              </a:rPr>
+              <a:t>PMobj@Stat</a:t>
+            </a:r>
+            <a:r>
+              <a:rPr lang="en-US" b="0" dirty="0">
+                <a:latin typeface="Segoe UI" panose="020B0502040204020203" pitchFamily="34" charset="0"/>
+                <a:cs typeface="Segoe UI" panose="020B0502040204020203" pitchFamily="34" charset="0"/>
+              </a:rPr>
+              <a:t> &lt;- </a:t>
+            </a:r>
+            <a:r>
+              <a:rPr lang="en-US" b="0" dirty="0" err="1">
+                <a:latin typeface="Segoe UI" panose="020B0502040204020203" pitchFamily="34" charset="0"/>
+                <a:cs typeface="Segoe UI" panose="020B0502040204020203" pitchFamily="34" charset="0"/>
+              </a:rPr>
+              <a:t>MSEobj@F_FMSY</a:t>
+            </a:r>
+            <a:r>
+              <a:rPr lang="en-US" b="0" dirty="0">
+                <a:latin typeface="Segoe UI" panose="020B0502040204020203" pitchFamily="34" charset="0"/>
+                <a:cs typeface="Segoe UI" panose="020B0502040204020203" pitchFamily="34" charset="0"/>
+              </a:rPr>
+              <a:t>[, , </a:t>
+            </a:r>
+            <a:r>
+              <a:rPr lang="en-US" b="0" dirty="0" err="1">
+                <a:latin typeface="Segoe UI" panose="020B0502040204020203" pitchFamily="34" charset="0"/>
+                <a:cs typeface="Segoe UI" panose="020B0502040204020203" pitchFamily="34" charset="0"/>
+              </a:rPr>
+              <a:t>Yrs</a:t>
+            </a:r>
+            <a:r>
+              <a:rPr lang="en-US" b="0" dirty="0">
+                <a:latin typeface="Segoe UI" panose="020B0502040204020203" pitchFamily="34" charset="0"/>
+                <a:cs typeface="Segoe UI" panose="020B0502040204020203" pitchFamily="34" charset="0"/>
+              </a:rPr>
+              <a:t>[1]:</a:t>
+            </a:r>
+            <a:r>
+              <a:rPr lang="en-US" b="0" dirty="0" err="1">
+                <a:latin typeface="Segoe UI" panose="020B0502040204020203" pitchFamily="34" charset="0"/>
+                <a:cs typeface="Segoe UI" panose="020B0502040204020203" pitchFamily="34" charset="0"/>
+              </a:rPr>
+              <a:t>Yrs</a:t>
+            </a:r>
+            <a:r>
+              <a:rPr lang="en-US" b="0" dirty="0">
+                <a:latin typeface="Segoe UI" panose="020B0502040204020203" pitchFamily="34" charset="0"/>
+                <a:cs typeface="Segoe UI" panose="020B0502040204020203" pitchFamily="34" charset="0"/>
+              </a:rPr>
+              <a:t>[2</a:t>
+            </a:r>
+            <a:r>
+              <a:rPr lang="en-US" b="0" dirty="0" smtClean="0">
+                <a:latin typeface="Segoe UI" panose="020B0502040204020203" pitchFamily="34" charset="0"/>
+                <a:cs typeface="Segoe UI" panose="020B0502040204020203" pitchFamily="34" charset="0"/>
+              </a:rPr>
+              <a:t>]] # statistic</a:t>
+            </a:r>
+            <a:endParaRPr lang="en-US" b="0" dirty="0">
+              <a:latin typeface="Segoe UI" panose="020B0502040204020203" pitchFamily="34" charset="0"/>
+              <a:cs typeface="Segoe UI" panose="020B0502040204020203" pitchFamily="34" charset="0"/>
+            </a:endParaRPr>
+          </a:p>
+          <a:p>
+            <a:r>
+              <a:rPr lang="en-US" b="0" dirty="0">
+                <a:latin typeface="Segoe UI" panose="020B0502040204020203" pitchFamily="34" charset="0"/>
+                <a:cs typeface="Segoe UI" panose="020B0502040204020203" pitchFamily="34" charset="0"/>
+              </a:rPr>
+              <a:t>  </a:t>
+            </a:r>
+            <a:r>
+              <a:rPr lang="en-US" b="0" dirty="0" err="1" smtClean="0">
+                <a:latin typeface="Segoe UI" panose="020B0502040204020203" pitchFamily="34" charset="0"/>
+                <a:cs typeface="Segoe UI" panose="020B0502040204020203" pitchFamily="34" charset="0"/>
+              </a:rPr>
+              <a:t>PMobj@Ref</a:t>
+            </a:r>
+            <a:r>
+              <a:rPr lang="en-US" b="0" dirty="0" smtClean="0">
+                <a:latin typeface="Segoe UI" panose="020B0502040204020203" pitchFamily="34" charset="0"/>
+                <a:cs typeface="Segoe UI" panose="020B0502040204020203" pitchFamily="34" charset="0"/>
+              </a:rPr>
+              <a:t> </a:t>
+            </a:r>
+            <a:r>
+              <a:rPr lang="en-US" b="0" dirty="0">
+                <a:latin typeface="Segoe UI" panose="020B0502040204020203" pitchFamily="34" charset="0"/>
+                <a:cs typeface="Segoe UI" panose="020B0502040204020203" pitchFamily="34" charset="0"/>
+              </a:rPr>
+              <a:t>&lt;- </a:t>
+            </a:r>
+            <a:r>
+              <a:rPr lang="en-US" b="0" dirty="0" smtClean="0">
+                <a:latin typeface="Segoe UI" panose="020B0502040204020203" pitchFamily="34" charset="0"/>
+                <a:cs typeface="Segoe UI" panose="020B0502040204020203" pitchFamily="34" charset="0"/>
+              </a:rPr>
+              <a:t>Ref # save Reference</a:t>
+            </a:r>
+            <a:endParaRPr lang="en-US" b="0" dirty="0">
+              <a:latin typeface="Segoe UI" panose="020B0502040204020203" pitchFamily="34" charset="0"/>
+              <a:cs typeface="Segoe UI" panose="020B0502040204020203" pitchFamily="34" charset="0"/>
+            </a:endParaRPr>
+          </a:p>
+          <a:p>
+            <a:r>
+              <a:rPr lang="en-US" b="0" dirty="0">
+                <a:latin typeface="Segoe UI" panose="020B0502040204020203" pitchFamily="34" charset="0"/>
+                <a:cs typeface="Segoe UI" panose="020B0502040204020203" pitchFamily="34" charset="0"/>
+              </a:rPr>
+              <a:t>  </a:t>
+            </a:r>
+            <a:r>
+              <a:rPr lang="en-US" b="0" dirty="0" err="1" smtClean="0">
+                <a:latin typeface="Segoe UI" panose="020B0502040204020203" pitchFamily="34" charset="0"/>
+                <a:cs typeface="Segoe UI" panose="020B0502040204020203" pitchFamily="34" charset="0"/>
+              </a:rPr>
+              <a:t>PMobj@Prob</a:t>
+            </a:r>
+            <a:r>
+              <a:rPr lang="en-US" b="0" dirty="0" smtClean="0">
+                <a:latin typeface="Segoe UI" panose="020B0502040204020203" pitchFamily="34" charset="0"/>
+                <a:cs typeface="Segoe UI" panose="020B0502040204020203" pitchFamily="34" charset="0"/>
+              </a:rPr>
+              <a:t> </a:t>
+            </a:r>
+            <a:r>
+              <a:rPr lang="en-US" b="0" dirty="0">
+                <a:latin typeface="Segoe UI" panose="020B0502040204020203" pitchFamily="34" charset="0"/>
+                <a:cs typeface="Segoe UI" panose="020B0502040204020203" pitchFamily="34" charset="0"/>
+              </a:rPr>
+              <a:t>&lt;- </a:t>
+            </a:r>
+            <a:r>
+              <a:rPr lang="en-US" b="0" dirty="0" err="1">
+                <a:latin typeface="Segoe UI" panose="020B0502040204020203" pitchFamily="34" charset="0"/>
+                <a:cs typeface="Segoe UI" panose="020B0502040204020203" pitchFamily="34" charset="0"/>
+              </a:rPr>
+              <a:t>calcProb</a:t>
+            </a:r>
+            <a:r>
+              <a:rPr lang="en-US" b="0" dirty="0">
+                <a:latin typeface="Segoe UI" panose="020B0502040204020203" pitchFamily="34" charset="0"/>
+                <a:cs typeface="Segoe UI" panose="020B0502040204020203" pitchFamily="34" charset="0"/>
+              </a:rPr>
+              <a:t>(</a:t>
+            </a:r>
+            <a:r>
+              <a:rPr lang="en-US" b="0" dirty="0" err="1">
+                <a:latin typeface="Segoe UI" panose="020B0502040204020203" pitchFamily="34" charset="0"/>
+                <a:cs typeface="Segoe UI" panose="020B0502040204020203" pitchFamily="34" charset="0"/>
+              </a:rPr>
+              <a:t>PMobj@Stat</a:t>
+            </a:r>
+            <a:r>
+              <a:rPr lang="en-US" b="0" dirty="0">
+                <a:latin typeface="Segoe UI" panose="020B0502040204020203" pitchFamily="34" charset="0"/>
+                <a:cs typeface="Segoe UI" panose="020B0502040204020203" pitchFamily="34" charset="0"/>
+              </a:rPr>
+              <a:t> &lt; </a:t>
+            </a:r>
+            <a:r>
+              <a:rPr lang="en-US" b="0" dirty="0" err="1">
+                <a:latin typeface="Segoe UI" panose="020B0502040204020203" pitchFamily="34" charset="0"/>
+                <a:cs typeface="Segoe UI" panose="020B0502040204020203" pitchFamily="34" charset="0"/>
+              </a:rPr>
+              <a:t>PMobj@Ref</a:t>
+            </a:r>
+            <a:r>
+              <a:rPr lang="en-US" b="0" dirty="0">
+                <a:latin typeface="Segoe UI" panose="020B0502040204020203" pitchFamily="34" charset="0"/>
+                <a:cs typeface="Segoe UI" panose="020B0502040204020203" pitchFamily="34" charset="0"/>
+              </a:rPr>
+              <a:t>, </a:t>
+            </a:r>
+            <a:r>
+              <a:rPr lang="en-US" b="0" dirty="0" err="1">
+                <a:latin typeface="Segoe UI" panose="020B0502040204020203" pitchFamily="34" charset="0"/>
+                <a:cs typeface="Segoe UI" panose="020B0502040204020203" pitchFamily="34" charset="0"/>
+              </a:rPr>
+              <a:t>MSEobj</a:t>
+            </a:r>
+            <a:r>
+              <a:rPr lang="en-US" b="0" dirty="0" smtClean="0">
+                <a:latin typeface="Segoe UI" panose="020B0502040204020203" pitchFamily="34" charset="0"/>
+                <a:cs typeface="Segoe UI" panose="020B0502040204020203" pitchFamily="34" charset="0"/>
+              </a:rPr>
+              <a:t>) # prob.</a:t>
+            </a:r>
+            <a:endParaRPr lang="en-US" b="0" dirty="0">
+              <a:latin typeface="Segoe UI" panose="020B0502040204020203" pitchFamily="34" charset="0"/>
+              <a:cs typeface="Segoe UI" panose="020B0502040204020203" pitchFamily="34" charset="0"/>
+            </a:endParaRPr>
+          </a:p>
+          <a:p>
+            <a:r>
+              <a:rPr lang="en-US" b="0" dirty="0">
+                <a:latin typeface="Segoe UI" panose="020B0502040204020203" pitchFamily="34" charset="0"/>
+                <a:cs typeface="Segoe UI" panose="020B0502040204020203" pitchFamily="34" charset="0"/>
+              </a:rPr>
+              <a:t>  </a:t>
+            </a:r>
+            <a:r>
+              <a:rPr lang="en-US" b="0" dirty="0" err="1" smtClean="0">
+                <a:latin typeface="Segoe UI" panose="020B0502040204020203" pitchFamily="34" charset="0"/>
+                <a:cs typeface="Segoe UI" panose="020B0502040204020203" pitchFamily="34" charset="0"/>
+              </a:rPr>
+              <a:t>PMobj@Mean</a:t>
+            </a:r>
+            <a:r>
+              <a:rPr lang="en-US" b="0" dirty="0" smtClean="0">
+                <a:latin typeface="Segoe UI" panose="020B0502040204020203" pitchFamily="34" charset="0"/>
+                <a:cs typeface="Segoe UI" panose="020B0502040204020203" pitchFamily="34" charset="0"/>
+              </a:rPr>
+              <a:t> </a:t>
+            </a:r>
+            <a:r>
+              <a:rPr lang="en-US" b="0" dirty="0">
+                <a:latin typeface="Segoe UI" panose="020B0502040204020203" pitchFamily="34" charset="0"/>
+                <a:cs typeface="Segoe UI" panose="020B0502040204020203" pitchFamily="34" charset="0"/>
+              </a:rPr>
+              <a:t>&lt;- </a:t>
+            </a:r>
+            <a:r>
+              <a:rPr lang="en-US" b="0" dirty="0" err="1">
+                <a:latin typeface="Segoe UI" panose="020B0502040204020203" pitchFamily="34" charset="0"/>
+                <a:cs typeface="Segoe UI" panose="020B0502040204020203" pitchFamily="34" charset="0"/>
+              </a:rPr>
+              <a:t>calcMean</a:t>
+            </a:r>
+            <a:r>
+              <a:rPr lang="en-US" b="0" dirty="0">
+                <a:latin typeface="Segoe UI" panose="020B0502040204020203" pitchFamily="34" charset="0"/>
+                <a:cs typeface="Segoe UI" panose="020B0502040204020203" pitchFamily="34" charset="0"/>
+              </a:rPr>
+              <a:t>(</a:t>
+            </a:r>
+            <a:r>
+              <a:rPr lang="en-US" b="0" dirty="0" err="1">
+                <a:latin typeface="Segoe UI" panose="020B0502040204020203" pitchFamily="34" charset="0"/>
+                <a:cs typeface="Segoe UI" panose="020B0502040204020203" pitchFamily="34" charset="0"/>
+              </a:rPr>
+              <a:t>PMobj@Prob</a:t>
+            </a:r>
+            <a:r>
+              <a:rPr lang="en-US" b="0" dirty="0" smtClean="0">
+                <a:latin typeface="Segoe UI" panose="020B0502040204020203" pitchFamily="34" charset="0"/>
+                <a:cs typeface="Segoe UI" panose="020B0502040204020203" pitchFamily="34" charset="0"/>
+              </a:rPr>
+              <a:t>) # average prob.</a:t>
+            </a:r>
+            <a:endParaRPr lang="en-US" b="0" dirty="0">
+              <a:latin typeface="Segoe UI" panose="020B0502040204020203" pitchFamily="34" charset="0"/>
+              <a:cs typeface="Segoe UI" panose="020B0502040204020203" pitchFamily="34" charset="0"/>
+            </a:endParaRPr>
+          </a:p>
+          <a:p>
+            <a:r>
+              <a:rPr lang="en-US" b="0" dirty="0">
+                <a:latin typeface="Segoe UI" panose="020B0502040204020203" pitchFamily="34" charset="0"/>
+                <a:cs typeface="Segoe UI" panose="020B0502040204020203" pitchFamily="34" charset="0"/>
+              </a:rPr>
+              <a:t>  </a:t>
+            </a:r>
+            <a:r>
+              <a:rPr lang="en-US" b="0" dirty="0" err="1" smtClean="0">
+                <a:latin typeface="Segoe UI" panose="020B0502040204020203" pitchFamily="34" charset="0"/>
+                <a:cs typeface="Segoe UI" panose="020B0502040204020203" pitchFamily="34" charset="0"/>
+              </a:rPr>
+              <a:t>PMobj@MPs</a:t>
+            </a:r>
+            <a:r>
+              <a:rPr lang="en-US" b="0" dirty="0" smtClean="0">
+                <a:latin typeface="Segoe UI" panose="020B0502040204020203" pitchFamily="34" charset="0"/>
+                <a:cs typeface="Segoe UI" panose="020B0502040204020203" pitchFamily="34" charset="0"/>
+              </a:rPr>
+              <a:t> </a:t>
+            </a:r>
+            <a:r>
+              <a:rPr lang="en-US" b="0" dirty="0">
+                <a:latin typeface="Segoe UI" panose="020B0502040204020203" pitchFamily="34" charset="0"/>
+                <a:cs typeface="Segoe UI" panose="020B0502040204020203" pitchFamily="34" charset="0"/>
+              </a:rPr>
+              <a:t>&lt;- </a:t>
+            </a:r>
+            <a:r>
+              <a:rPr lang="en-US" b="0" dirty="0" err="1" smtClean="0">
+                <a:latin typeface="Segoe UI" panose="020B0502040204020203" pitchFamily="34" charset="0"/>
+                <a:cs typeface="Segoe UI" panose="020B0502040204020203" pitchFamily="34" charset="0"/>
+              </a:rPr>
+              <a:t>MSEobj@MPs</a:t>
+            </a:r>
+            <a:r>
+              <a:rPr lang="en-US" b="0" dirty="0" smtClean="0">
+                <a:latin typeface="Segoe UI" panose="020B0502040204020203" pitchFamily="34" charset="0"/>
+                <a:cs typeface="Segoe UI" panose="020B0502040204020203" pitchFamily="34" charset="0"/>
+              </a:rPr>
+              <a:t> # record MPs</a:t>
+            </a:r>
+            <a:endParaRPr lang="en-US" b="0" dirty="0">
+              <a:latin typeface="Segoe UI" panose="020B0502040204020203" pitchFamily="34" charset="0"/>
+              <a:cs typeface="Segoe UI" panose="020B0502040204020203" pitchFamily="34" charset="0"/>
+            </a:endParaRPr>
+          </a:p>
+          <a:p>
+            <a:r>
+              <a:rPr lang="en-US" b="0" dirty="0">
+                <a:latin typeface="Segoe UI" panose="020B0502040204020203" pitchFamily="34" charset="0"/>
+                <a:cs typeface="Segoe UI" panose="020B0502040204020203" pitchFamily="34" charset="0"/>
+              </a:rPr>
+              <a:t>  </a:t>
+            </a:r>
+            <a:r>
+              <a:rPr lang="en-US" b="0" dirty="0" err="1" smtClean="0">
+                <a:latin typeface="Segoe UI" panose="020B0502040204020203" pitchFamily="34" charset="0"/>
+                <a:cs typeface="Segoe UI" panose="020B0502040204020203" pitchFamily="34" charset="0"/>
+              </a:rPr>
+              <a:t>PMobj</a:t>
+            </a:r>
+            <a:r>
+              <a:rPr lang="en-US" b="0" dirty="0" smtClean="0">
+                <a:latin typeface="Segoe UI" panose="020B0502040204020203" pitchFamily="34" charset="0"/>
+                <a:cs typeface="Segoe UI" panose="020B0502040204020203" pitchFamily="34" charset="0"/>
+              </a:rPr>
+              <a:t>  # return PM object</a:t>
+            </a:r>
+          </a:p>
+          <a:p>
+            <a:r>
+              <a:rPr lang="en-US" b="0" dirty="0">
+                <a:latin typeface="Segoe UI" panose="020B0502040204020203" pitchFamily="34" charset="0"/>
+                <a:cs typeface="Segoe UI" panose="020B0502040204020203" pitchFamily="34" charset="0"/>
+              </a:rPr>
+              <a:t>}</a:t>
+            </a:r>
             <a:endParaRPr lang="en-US" b="0" dirty="0" smtClean="0">
               <a:latin typeface="Segoe UI" panose="020B0502040204020203" pitchFamily="34" charset="0"/>
               <a:cs typeface="Segoe UI" panose="020B0502040204020203" pitchFamily="34" charset="0"/>
@@ -11959,6 +12534,13 @@
           </a:p>
           <a:p>
             <a:r>
+              <a:rPr lang="en-US" b="0" dirty="0" smtClean="0">
+                <a:latin typeface="Segoe UI" panose="020B0502040204020203" pitchFamily="34" charset="0"/>
+                <a:cs typeface="Segoe UI" panose="020B0502040204020203" pitchFamily="34" charset="0"/>
+              </a:rPr>
+              <a:t>class(</a:t>
+            </a:r>
+            <a:r>
               <a:rPr lang="en-US" b="0" dirty="0" err="1" smtClean="0">
                 <a:latin typeface="Segoe UI" panose="020B0502040204020203" pitchFamily="34" charset="0"/>
                 <a:cs typeface="Segoe UI" panose="020B0502040204020203" pitchFamily="34" charset="0"/>
@@ -11970,220 +12552,11 @@
                 <a:latin typeface="Segoe UI" panose="020B0502040204020203" pitchFamily="34" charset="0"/>
                 <a:cs typeface="Segoe UI" panose="020B0502040204020203" pitchFamily="34" charset="0"/>
               </a:rPr>
-              <a:t> &lt;- function(</a:t>
-            </a:r>
-            <a:r>
-              <a:rPr lang="en-US" b="0" dirty="0" err="1" smtClean="0">
-                <a:latin typeface="Segoe UI" panose="020B0502040204020203" pitchFamily="34" charset="0"/>
-                <a:cs typeface="Segoe UI" panose="020B0502040204020203" pitchFamily="34" charset="0"/>
-              </a:rPr>
-              <a:t>MSEobj</a:t>
-            </a:r>
-            <a:r>
-              <a:rPr lang="en-US" b="0" dirty="0" smtClean="0">
-                <a:latin typeface="Segoe UI" panose="020B0502040204020203" pitchFamily="34" charset="0"/>
-                <a:cs typeface="Segoe UI" panose="020B0502040204020203" pitchFamily="34" charset="0"/>
-              </a:rPr>
-              <a:t>=NULL, Ref=2, </a:t>
-            </a:r>
-            <a:r>
-              <a:rPr lang="en-US" b="0" dirty="0" err="1" smtClean="0">
-                <a:latin typeface="Segoe UI" panose="020B0502040204020203" pitchFamily="34" charset="0"/>
-                <a:cs typeface="Segoe UI" panose="020B0502040204020203" pitchFamily="34" charset="0"/>
-              </a:rPr>
-              <a:t>Yrs</a:t>
-            </a:r>
-            <a:r>
-              <a:rPr lang="en-US" b="0" dirty="0" smtClean="0">
-                <a:latin typeface="Segoe UI" panose="020B0502040204020203" pitchFamily="34" charset="0"/>
-                <a:cs typeface="Segoe UI" panose="020B0502040204020203" pitchFamily="34" charset="0"/>
-              </a:rPr>
-              <a:t>=5) {</a:t>
-            </a:r>
-          </a:p>
-          <a:p>
-            <a:r>
-              <a:rPr lang="en-US" b="0" dirty="0" smtClean="0">
-                <a:latin typeface="Segoe UI" panose="020B0502040204020203" pitchFamily="34" charset="0"/>
-                <a:cs typeface="Segoe UI" panose="020B0502040204020203" pitchFamily="34" charset="0"/>
-              </a:rPr>
-              <a:t>  </a:t>
-            </a:r>
-            <a:r>
-              <a:rPr lang="en-US" b="0" dirty="0" err="1" smtClean="0">
-                <a:latin typeface="Segoe UI" panose="020B0502040204020203" pitchFamily="34" charset="0"/>
-                <a:cs typeface="Segoe UI" panose="020B0502040204020203" pitchFamily="34" charset="0"/>
-              </a:rPr>
-              <a:t>Yrs</a:t>
-            </a:r>
-            <a:r>
-              <a:rPr lang="en-US" b="0" dirty="0" smtClean="0">
-                <a:latin typeface="Segoe UI" panose="020B0502040204020203" pitchFamily="34" charset="0"/>
-                <a:cs typeface="Segoe UI" panose="020B0502040204020203" pitchFamily="34" charset="0"/>
-              </a:rPr>
-              <a:t> &lt;- </a:t>
-            </a:r>
-            <a:r>
-              <a:rPr lang="en-US" b="0" dirty="0" err="1" smtClean="0">
-                <a:latin typeface="Segoe UI" panose="020B0502040204020203" pitchFamily="34" charset="0"/>
-                <a:cs typeface="Segoe UI" panose="020B0502040204020203" pitchFamily="34" charset="0"/>
-              </a:rPr>
-              <a:t>ChkYrs</a:t>
-            </a:r>
-            <a:r>
-              <a:rPr lang="en-US" b="0" dirty="0" smtClean="0">
-                <a:latin typeface="Segoe UI" panose="020B0502040204020203" pitchFamily="34" charset="0"/>
-                <a:cs typeface="Segoe UI" panose="020B0502040204020203" pitchFamily="34" charset="0"/>
-              </a:rPr>
-              <a:t>(</a:t>
-            </a:r>
-            <a:r>
-              <a:rPr lang="en-US" b="0" dirty="0" err="1" smtClean="0">
-                <a:latin typeface="Segoe UI" panose="020B0502040204020203" pitchFamily="34" charset="0"/>
-                <a:cs typeface="Segoe UI" panose="020B0502040204020203" pitchFamily="34" charset="0"/>
-              </a:rPr>
-              <a:t>Yrs</a:t>
-            </a:r>
-            <a:r>
-              <a:rPr lang="en-US" b="0" dirty="0" smtClean="0">
-                <a:latin typeface="Segoe UI" panose="020B0502040204020203" pitchFamily="34" charset="0"/>
-                <a:cs typeface="Segoe UI" panose="020B0502040204020203" pitchFamily="34" charset="0"/>
-              </a:rPr>
-              <a:t>, </a:t>
-            </a:r>
-            <a:r>
-              <a:rPr lang="en-US" b="0" dirty="0" err="1" smtClean="0">
-                <a:latin typeface="Segoe UI" panose="020B0502040204020203" pitchFamily="34" charset="0"/>
-                <a:cs typeface="Segoe UI" panose="020B0502040204020203" pitchFamily="34" charset="0"/>
-              </a:rPr>
-              <a:t>MSEobj</a:t>
-            </a:r>
-            <a:r>
-              <a:rPr lang="en-US" b="0" dirty="0" smtClean="0">
-                <a:latin typeface="Segoe UI" panose="020B0502040204020203" pitchFamily="34" charset="0"/>
-                <a:cs typeface="Segoe UI" panose="020B0502040204020203" pitchFamily="34" charset="0"/>
-              </a:rPr>
-              <a:t>) # validate years</a:t>
-            </a:r>
-          </a:p>
-          <a:p>
-            <a:r>
-              <a:rPr lang="en-US" b="0" dirty="0">
-                <a:latin typeface="Segoe UI" panose="020B0502040204020203" pitchFamily="34" charset="0"/>
-                <a:cs typeface="Segoe UI" panose="020B0502040204020203" pitchFamily="34" charset="0"/>
-              </a:rPr>
-              <a:t> </a:t>
-            </a:r>
-            <a:r>
-              <a:rPr lang="en-US" b="0" dirty="0" smtClean="0">
-                <a:latin typeface="Segoe UI" panose="020B0502040204020203" pitchFamily="34" charset="0"/>
-                <a:cs typeface="Segoe UI" panose="020B0502040204020203" pitchFamily="34" charset="0"/>
-              </a:rPr>
-              <a:t> </a:t>
-            </a:r>
-            <a:r>
-              <a:rPr lang="en-US" b="0" dirty="0" err="1" smtClean="0">
-                <a:latin typeface="Segoe UI" panose="020B0502040204020203" pitchFamily="34" charset="0"/>
-                <a:cs typeface="Segoe UI" panose="020B0502040204020203" pitchFamily="34" charset="0"/>
-              </a:rPr>
-              <a:t>PMobj</a:t>
-            </a:r>
-            <a:r>
-              <a:rPr lang="en-US" b="0" dirty="0" smtClean="0">
-                <a:latin typeface="Segoe UI" panose="020B0502040204020203" pitchFamily="34" charset="0"/>
-                <a:cs typeface="Segoe UI" panose="020B0502040204020203" pitchFamily="34" charset="0"/>
-              </a:rPr>
-              <a:t> &lt;- new('</a:t>
-            </a:r>
-            <a:r>
-              <a:rPr lang="en-US" b="0" dirty="0" err="1" smtClean="0">
-                <a:latin typeface="Segoe UI" panose="020B0502040204020203" pitchFamily="34" charset="0"/>
-                <a:cs typeface="Segoe UI" panose="020B0502040204020203" pitchFamily="34" charset="0"/>
-              </a:rPr>
-              <a:t>PMobj</a:t>
-            </a:r>
-            <a:r>
-              <a:rPr lang="en-US" b="0" dirty="0" smtClean="0">
-                <a:latin typeface="Segoe UI" panose="020B0502040204020203" pitchFamily="34" charset="0"/>
-                <a:cs typeface="Segoe UI" panose="020B0502040204020203" pitchFamily="34" charset="0"/>
-              </a:rPr>
-              <a:t>') # create empty PM object</a:t>
-            </a:r>
-          </a:p>
-          <a:p>
-            <a:r>
-              <a:rPr lang="en-US" b="0" dirty="0">
-                <a:latin typeface="Segoe UI" panose="020B0502040204020203" pitchFamily="34" charset="0"/>
-                <a:cs typeface="Segoe UI" panose="020B0502040204020203" pitchFamily="34" charset="0"/>
-              </a:rPr>
-              <a:t> </a:t>
-            </a:r>
-            <a:r>
-              <a:rPr lang="en-US" b="0" dirty="0" smtClean="0">
-                <a:latin typeface="Segoe UI" panose="020B0502040204020203" pitchFamily="34" charset="0"/>
-                <a:cs typeface="Segoe UI" panose="020B0502040204020203" pitchFamily="34" charset="0"/>
-              </a:rPr>
-              <a:t> </a:t>
-            </a:r>
-            <a:r>
-              <a:rPr lang="en-US" b="0" dirty="0" err="1" smtClean="0">
-                <a:latin typeface="Segoe UI" panose="020B0502040204020203" pitchFamily="34" charset="0"/>
-                <a:cs typeface="Segoe UI" panose="020B0502040204020203" pitchFamily="34" charset="0"/>
-              </a:rPr>
-              <a:t>PMobj@Name</a:t>
-            </a:r>
-            <a:r>
-              <a:rPr lang="en-US" b="0" dirty="0" smtClean="0">
-                <a:latin typeface="Segoe UI" panose="020B0502040204020203" pitchFamily="34" charset="0"/>
-                <a:cs typeface="Segoe UI" panose="020B0502040204020203" pitchFamily="34" charset="0"/>
-              </a:rPr>
-              <a:t> &lt;- paste0('Probability F/FMSY &lt; ', Ref) # name of PM</a:t>
-            </a:r>
-          </a:p>
-          <a:p>
-            <a:r>
-              <a:rPr lang="en-US" b="0" dirty="0">
-                <a:latin typeface="Segoe UI" panose="020B0502040204020203" pitchFamily="34" charset="0"/>
-                <a:cs typeface="Segoe UI" panose="020B0502040204020203" pitchFamily="34" charset="0"/>
-              </a:rPr>
-              <a:t> </a:t>
-            </a:r>
-            <a:r>
-              <a:rPr lang="en-US" b="0" dirty="0" smtClean="0">
-                <a:latin typeface="Segoe UI" panose="020B0502040204020203" pitchFamily="34" charset="0"/>
-                <a:cs typeface="Segoe UI" panose="020B0502040204020203" pitchFamily="34" charset="0"/>
-              </a:rPr>
-              <a:t> </a:t>
-            </a:r>
-            <a:r>
-              <a:rPr lang="en-US" b="0" dirty="0" err="1" smtClean="0">
-                <a:latin typeface="Segoe UI" panose="020B0502040204020203" pitchFamily="34" charset="0"/>
-                <a:cs typeface="Segoe UI" panose="020B0502040204020203" pitchFamily="34" charset="0"/>
-              </a:rPr>
-              <a:t>PMobj@Caption</a:t>
-            </a:r>
-            <a:r>
-              <a:rPr lang="en-US" b="0" dirty="0" smtClean="0">
-                <a:latin typeface="Segoe UI" panose="020B0502040204020203" pitchFamily="34" charset="0"/>
-                <a:cs typeface="Segoe UI" panose="020B0502040204020203" pitchFamily="34" charset="0"/>
-              </a:rPr>
-              <a:t> &lt;- </a:t>
-            </a:r>
-            <a:r>
-              <a:rPr lang="en-US" b="0" dirty="0">
-                <a:latin typeface="Segoe UI" panose="020B0502040204020203" pitchFamily="34" charset="0"/>
-                <a:cs typeface="Segoe UI" panose="020B0502040204020203" pitchFamily="34" charset="0"/>
-              </a:rPr>
-              <a:t>paste0('Probability F/FMSY &lt; ', Ref</a:t>
-            </a:r>
-            <a:r>
-              <a:rPr lang="en-US" b="0" dirty="0" smtClean="0">
-                <a:latin typeface="Segoe UI" panose="020B0502040204020203" pitchFamily="34" charset="0"/>
-                <a:cs typeface="Segoe UI" panose="020B0502040204020203" pitchFamily="34" charset="0"/>
-              </a:rPr>
-              <a:t>) # caption</a:t>
-            </a:r>
-            <a:endParaRPr lang="en-US" b="0" dirty="0">
+              <a:t>) &lt;- 'PM' # assign to class 'PM'</a:t>
+            </a:r>
+          </a:p>
+          <a:p>
+            <a:endParaRPr lang="en-US" sz="100" b="0" dirty="0">
               <a:latin typeface="Segoe UI" panose="020B0502040204020203" pitchFamily="34" charset="0"/>
               <a:cs typeface="Segoe UI" panose="020B0502040204020203" pitchFamily="34" charset="0"/>
             </a:endParaRPr>
@@ -12194,347 +12567,21 @@
                 <a:latin typeface="Segoe UI" panose="020B0502040204020203" pitchFamily="34" charset="0"/>
                 <a:cs typeface="Segoe UI" panose="020B0502040204020203" pitchFamily="34" charset="0"/>
               </a:rPr>
-              <a:t>  </a:t>
-            </a:r>
-            <a:r>
-              <a:rPr lang="en-US" b="0" dirty="0" err="1">
-                <a:latin typeface="Segoe UI" panose="020B0502040204020203" pitchFamily="34" charset="0"/>
-                <a:cs typeface="Segoe UI" panose="020B0502040204020203" pitchFamily="34" charset="0"/>
-              </a:rPr>
-              <a:t>PMobj@Stat</a:t>
-            </a:r>
-            <a:r>
-              <a:rPr lang="en-US" b="0" dirty="0">
-                <a:latin typeface="Segoe UI" panose="020B0502040204020203" pitchFamily="34" charset="0"/>
-                <a:cs typeface="Segoe UI" panose="020B0502040204020203" pitchFamily="34" charset="0"/>
-              </a:rPr>
-              <a:t> &lt;- </a:t>
-            </a:r>
-            <a:r>
-              <a:rPr lang="en-US" b="0" dirty="0" err="1">
-                <a:latin typeface="Segoe UI" panose="020B0502040204020203" pitchFamily="34" charset="0"/>
-                <a:cs typeface="Segoe UI" panose="020B0502040204020203" pitchFamily="34" charset="0"/>
-              </a:rPr>
-              <a:t>MSEobj@F_FMSY</a:t>
-            </a:r>
-            <a:r>
-              <a:rPr lang="en-US" b="0" dirty="0">
-                <a:latin typeface="Segoe UI" panose="020B0502040204020203" pitchFamily="34" charset="0"/>
-                <a:cs typeface="Segoe UI" panose="020B0502040204020203" pitchFamily="34" charset="0"/>
-              </a:rPr>
-              <a:t>[, , </a:t>
-            </a:r>
-            <a:r>
-              <a:rPr lang="en-US" b="0" dirty="0" err="1">
-                <a:latin typeface="Segoe UI" panose="020B0502040204020203" pitchFamily="34" charset="0"/>
-                <a:cs typeface="Segoe UI" panose="020B0502040204020203" pitchFamily="34" charset="0"/>
-              </a:rPr>
-              <a:t>Yrs</a:t>
-            </a:r>
-            <a:r>
-              <a:rPr lang="en-US" b="0" dirty="0">
-                <a:latin typeface="Segoe UI" panose="020B0502040204020203" pitchFamily="34" charset="0"/>
-                <a:cs typeface="Segoe UI" panose="020B0502040204020203" pitchFamily="34" charset="0"/>
-              </a:rPr>
-              <a:t>[1]:</a:t>
-            </a:r>
-            <a:r>
-              <a:rPr lang="en-US" b="0" dirty="0" err="1">
-                <a:latin typeface="Segoe UI" panose="020B0502040204020203" pitchFamily="34" charset="0"/>
-                <a:cs typeface="Segoe UI" panose="020B0502040204020203" pitchFamily="34" charset="0"/>
-              </a:rPr>
-              <a:t>Yrs</a:t>
-            </a:r>
-            <a:r>
-              <a:rPr lang="en-US" b="0" dirty="0">
-                <a:latin typeface="Segoe UI" panose="020B0502040204020203" pitchFamily="34" charset="0"/>
-                <a:cs typeface="Segoe UI" panose="020B0502040204020203" pitchFamily="34" charset="0"/>
-              </a:rPr>
-              <a:t>[2</a:t>
+              <a:t>summary(MSE, '</a:t>
+            </a:r>
+            <a:r>
+              <a:rPr lang="en-US" b="0" dirty="0" err="1" smtClean="0">
+                <a:latin typeface="Segoe UI" panose="020B0502040204020203" pitchFamily="34" charset="0"/>
+                <a:cs typeface="Segoe UI" panose="020B0502040204020203" pitchFamily="34" charset="0"/>
+              </a:rPr>
+              <a:t>myPM</a:t>
             </a:r>
             <a:r>
               <a:rPr lang="en-US" b="0" dirty="0" smtClean="0">
                 <a:latin typeface="Segoe UI" panose="020B0502040204020203" pitchFamily="34" charset="0"/>
                 <a:cs typeface="Segoe UI" panose="020B0502040204020203" pitchFamily="34" charset="0"/>
               </a:rPr>
-              <a:t>]] # statistic</a:t>
-            </a:r>
-            <a:endParaRPr lang="en-US" b="0" dirty="0">
-              <a:latin typeface="Segoe UI" panose="020B0502040204020203" pitchFamily="34" charset="0"/>
-              <a:cs typeface="Segoe UI" panose="020B0502040204020203" pitchFamily="34" charset="0"/>
-            </a:endParaRPr>
-          </a:p>
-          <a:p>
-            <a:r>
-              <a:rPr lang="en-US" b="0" dirty="0">
-                <a:latin typeface="Segoe UI" panose="020B0502040204020203" pitchFamily="34" charset="0"/>
-                <a:cs typeface="Segoe UI" panose="020B0502040204020203" pitchFamily="34" charset="0"/>
-              </a:rPr>
-              <a:t>  </a:t>
-            </a:r>
-            <a:r>
-              <a:rPr lang="en-US" b="0" dirty="0" err="1" smtClean="0">
-                <a:latin typeface="Segoe UI" panose="020B0502040204020203" pitchFamily="34" charset="0"/>
-                <a:cs typeface="Segoe UI" panose="020B0502040204020203" pitchFamily="34" charset="0"/>
-              </a:rPr>
-              <a:t>PMobj@Ref</a:t>
-            </a:r>
-            <a:r>
-              <a:rPr lang="en-US" b="0" dirty="0" smtClean="0">
-                <a:latin typeface="Segoe UI" panose="020B0502040204020203" pitchFamily="34" charset="0"/>
-                <a:cs typeface="Segoe UI" panose="020B0502040204020203" pitchFamily="34" charset="0"/>
-              </a:rPr>
-              <a:t> </a:t>
-            </a:r>
-            <a:r>
-              <a:rPr lang="en-US" b="0" dirty="0">
-                <a:latin typeface="Segoe UI" panose="020B0502040204020203" pitchFamily="34" charset="0"/>
-                <a:cs typeface="Segoe UI" panose="020B0502040204020203" pitchFamily="34" charset="0"/>
-              </a:rPr>
-              <a:t>&lt;- </a:t>
-            </a:r>
-            <a:r>
-              <a:rPr lang="en-US" b="0" dirty="0" smtClean="0">
-                <a:latin typeface="Segoe UI" panose="020B0502040204020203" pitchFamily="34" charset="0"/>
-                <a:cs typeface="Segoe UI" panose="020B0502040204020203" pitchFamily="34" charset="0"/>
-              </a:rPr>
-              <a:t>Ref # save Reference</a:t>
-            </a:r>
-            <a:endParaRPr lang="en-US" b="0" dirty="0">
-              <a:latin typeface="Segoe UI" panose="020B0502040204020203" pitchFamily="34" charset="0"/>
-              <a:cs typeface="Segoe UI" panose="020B0502040204020203" pitchFamily="34" charset="0"/>
-            </a:endParaRPr>
-          </a:p>
-          <a:p>
-            <a:r>
-              <a:rPr lang="en-US" b="0" dirty="0">
-                <a:latin typeface="Segoe UI" panose="020B0502040204020203" pitchFamily="34" charset="0"/>
-                <a:cs typeface="Segoe UI" panose="020B0502040204020203" pitchFamily="34" charset="0"/>
-              </a:rPr>
-              <a:t>  </a:t>
-            </a:r>
-            <a:r>
-              <a:rPr lang="en-US" b="0" dirty="0" err="1" smtClean="0">
-                <a:latin typeface="Segoe UI" panose="020B0502040204020203" pitchFamily="34" charset="0"/>
-                <a:cs typeface="Segoe UI" panose="020B0502040204020203" pitchFamily="34" charset="0"/>
-              </a:rPr>
-              <a:t>PMobj@Prob</a:t>
-            </a:r>
-            <a:r>
-              <a:rPr lang="en-US" b="0" dirty="0" smtClean="0">
-                <a:latin typeface="Segoe UI" panose="020B0502040204020203" pitchFamily="34" charset="0"/>
-                <a:cs typeface="Segoe UI" panose="020B0502040204020203" pitchFamily="34" charset="0"/>
-              </a:rPr>
-              <a:t> </a:t>
-            </a:r>
-            <a:r>
-              <a:rPr lang="en-US" b="0" dirty="0">
-                <a:latin typeface="Segoe UI" panose="020B0502040204020203" pitchFamily="34" charset="0"/>
-                <a:cs typeface="Segoe UI" panose="020B0502040204020203" pitchFamily="34" charset="0"/>
-              </a:rPr>
-              <a:t>&lt;- </a:t>
-            </a:r>
-            <a:r>
-              <a:rPr lang="en-US" b="0" dirty="0" err="1">
-                <a:latin typeface="Segoe UI" panose="020B0502040204020203" pitchFamily="34" charset="0"/>
-                <a:cs typeface="Segoe UI" panose="020B0502040204020203" pitchFamily="34" charset="0"/>
-              </a:rPr>
-              <a:t>calcProb</a:t>
-            </a:r>
-            <a:r>
-              <a:rPr lang="en-US" b="0" dirty="0">
-                <a:latin typeface="Segoe UI" panose="020B0502040204020203" pitchFamily="34" charset="0"/>
-                <a:cs typeface="Segoe UI" panose="020B0502040204020203" pitchFamily="34" charset="0"/>
-              </a:rPr>
-              <a:t>(</a:t>
-            </a:r>
-            <a:r>
-              <a:rPr lang="en-US" b="0" dirty="0" err="1">
-                <a:latin typeface="Segoe UI" panose="020B0502040204020203" pitchFamily="34" charset="0"/>
-                <a:cs typeface="Segoe UI" panose="020B0502040204020203" pitchFamily="34" charset="0"/>
-              </a:rPr>
-              <a:t>PMobj@Stat</a:t>
-            </a:r>
-            <a:r>
-              <a:rPr lang="en-US" b="0" dirty="0">
-                <a:latin typeface="Segoe UI" panose="020B0502040204020203" pitchFamily="34" charset="0"/>
-                <a:cs typeface="Segoe UI" panose="020B0502040204020203" pitchFamily="34" charset="0"/>
-              </a:rPr>
-              <a:t> &lt; </a:t>
-            </a:r>
-            <a:r>
-              <a:rPr lang="en-US" b="0" dirty="0" err="1">
-                <a:latin typeface="Segoe UI" panose="020B0502040204020203" pitchFamily="34" charset="0"/>
-                <a:cs typeface="Segoe UI" panose="020B0502040204020203" pitchFamily="34" charset="0"/>
-              </a:rPr>
-              <a:t>PMobj@Ref</a:t>
-            </a:r>
-            <a:r>
-              <a:rPr lang="en-US" b="0" dirty="0">
-                <a:latin typeface="Segoe UI" panose="020B0502040204020203" pitchFamily="34" charset="0"/>
-                <a:cs typeface="Segoe UI" panose="020B0502040204020203" pitchFamily="34" charset="0"/>
-              </a:rPr>
-              <a:t>, </a:t>
-            </a:r>
-            <a:r>
-              <a:rPr lang="en-US" b="0" dirty="0" err="1">
-                <a:latin typeface="Segoe UI" panose="020B0502040204020203" pitchFamily="34" charset="0"/>
-                <a:cs typeface="Segoe UI" panose="020B0502040204020203" pitchFamily="34" charset="0"/>
-              </a:rPr>
-              <a:t>MSEobj</a:t>
-            </a:r>
-            <a:r>
-              <a:rPr lang="en-US" b="0" dirty="0" smtClean="0">
-                <a:latin typeface="Segoe UI" panose="020B0502040204020203" pitchFamily="34" charset="0"/>
-                <a:cs typeface="Segoe UI" panose="020B0502040204020203" pitchFamily="34" charset="0"/>
-              </a:rPr>
-              <a:t>) # prob.</a:t>
-            </a:r>
-            <a:endParaRPr lang="en-US" b="0" dirty="0">
-              <a:latin typeface="Segoe UI" panose="020B0502040204020203" pitchFamily="34" charset="0"/>
-              <a:cs typeface="Segoe UI" panose="020B0502040204020203" pitchFamily="34" charset="0"/>
-            </a:endParaRPr>
-          </a:p>
-          <a:p>
-            <a:r>
-              <a:rPr lang="en-US" b="0" dirty="0">
-                <a:latin typeface="Segoe UI" panose="020B0502040204020203" pitchFamily="34" charset="0"/>
-                <a:cs typeface="Segoe UI" panose="020B0502040204020203" pitchFamily="34" charset="0"/>
-              </a:rPr>
-              <a:t>  </a:t>
-            </a:r>
-            <a:r>
-              <a:rPr lang="en-US" b="0" dirty="0" err="1" smtClean="0">
-                <a:latin typeface="Segoe UI" panose="020B0502040204020203" pitchFamily="34" charset="0"/>
-                <a:cs typeface="Segoe UI" panose="020B0502040204020203" pitchFamily="34" charset="0"/>
-              </a:rPr>
-              <a:t>PMobj@Mean</a:t>
-            </a:r>
-            <a:r>
-              <a:rPr lang="en-US" b="0" dirty="0" smtClean="0">
-                <a:latin typeface="Segoe UI" panose="020B0502040204020203" pitchFamily="34" charset="0"/>
-                <a:cs typeface="Segoe UI" panose="020B0502040204020203" pitchFamily="34" charset="0"/>
-              </a:rPr>
-              <a:t> </a:t>
-            </a:r>
-            <a:r>
-              <a:rPr lang="en-US" b="0" dirty="0">
-                <a:latin typeface="Segoe UI" panose="020B0502040204020203" pitchFamily="34" charset="0"/>
-                <a:cs typeface="Segoe UI" panose="020B0502040204020203" pitchFamily="34" charset="0"/>
-              </a:rPr>
-              <a:t>&lt;- </a:t>
-            </a:r>
-            <a:r>
-              <a:rPr lang="en-US" b="0" dirty="0" err="1">
-                <a:latin typeface="Segoe UI" panose="020B0502040204020203" pitchFamily="34" charset="0"/>
-                <a:cs typeface="Segoe UI" panose="020B0502040204020203" pitchFamily="34" charset="0"/>
-              </a:rPr>
-              <a:t>calcMean</a:t>
-            </a:r>
-            <a:r>
-              <a:rPr lang="en-US" b="0" dirty="0">
-                <a:latin typeface="Segoe UI" panose="020B0502040204020203" pitchFamily="34" charset="0"/>
-                <a:cs typeface="Segoe UI" panose="020B0502040204020203" pitchFamily="34" charset="0"/>
-              </a:rPr>
-              <a:t>(</a:t>
-            </a:r>
-            <a:r>
-              <a:rPr lang="en-US" b="0" dirty="0" err="1">
-                <a:latin typeface="Segoe UI" panose="020B0502040204020203" pitchFamily="34" charset="0"/>
-                <a:cs typeface="Segoe UI" panose="020B0502040204020203" pitchFamily="34" charset="0"/>
-              </a:rPr>
-              <a:t>PMobj@Prob</a:t>
-            </a:r>
-            <a:r>
-              <a:rPr lang="en-US" b="0" dirty="0" smtClean="0">
-                <a:latin typeface="Segoe UI" panose="020B0502040204020203" pitchFamily="34" charset="0"/>
-                <a:cs typeface="Segoe UI" panose="020B0502040204020203" pitchFamily="34" charset="0"/>
-              </a:rPr>
-              <a:t>) # average prob.</a:t>
-            </a:r>
-            <a:endParaRPr lang="en-US" b="0" dirty="0">
-              <a:latin typeface="Segoe UI" panose="020B0502040204020203" pitchFamily="34" charset="0"/>
-              <a:cs typeface="Segoe UI" panose="020B0502040204020203" pitchFamily="34" charset="0"/>
-            </a:endParaRPr>
-          </a:p>
-          <a:p>
-            <a:r>
-              <a:rPr lang="en-US" b="0" dirty="0">
-                <a:latin typeface="Segoe UI" panose="020B0502040204020203" pitchFamily="34" charset="0"/>
-                <a:cs typeface="Segoe UI" panose="020B0502040204020203" pitchFamily="34" charset="0"/>
-              </a:rPr>
-              <a:t>  </a:t>
-            </a:r>
-            <a:r>
-              <a:rPr lang="en-US" b="0" dirty="0" err="1" smtClean="0">
-                <a:latin typeface="Segoe UI" panose="020B0502040204020203" pitchFamily="34" charset="0"/>
-                <a:cs typeface="Segoe UI" panose="020B0502040204020203" pitchFamily="34" charset="0"/>
-              </a:rPr>
-              <a:t>PMobj@MPs</a:t>
-            </a:r>
-            <a:r>
-              <a:rPr lang="en-US" b="0" dirty="0" smtClean="0">
-                <a:latin typeface="Segoe UI" panose="020B0502040204020203" pitchFamily="34" charset="0"/>
-                <a:cs typeface="Segoe UI" panose="020B0502040204020203" pitchFamily="34" charset="0"/>
-              </a:rPr>
-              <a:t> </a:t>
-            </a:r>
-            <a:r>
-              <a:rPr lang="en-US" b="0" dirty="0">
-                <a:latin typeface="Segoe UI" panose="020B0502040204020203" pitchFamily="34" charset="0"/>
-                <a:cs typeface="Segoe UI" panose="020B0502040204020203" pitchFamily="34" charset="0"/>
-              </a:rPr>
-              <a:t>&lt;- </a:t>
-            </a:r>
-            <a:r>
-              <a:rPr lang="en-US" b="0" dirty="0" err="1" smtClean="0">
-                <a:latin typeface="Segoe UI" panose="020B0502040204020203" pitchFamily="34" charset="0"/>
-                <a:cs typeface="Segoe UI" panose="020B0502040204020203" pitchFamily="34" charset="0"/>
-              </a:rPr>
-              <a:t>MSEobj@MPs</a:t>
-            </a:r>
-            <a:r>
-              <a:rPr lang="en-US" b="0" dirty="0" smtClean="0">
-                <a:latin typeface="Segoe UI" panose="020B0502040204020203" pitchFamily="34" charset="0"/>
-                <a:cs typeface="Segoe UI" panose="020B0502040204020203" pitchFamily="34" charset="0"/>
-              </a:rPr>
-              <a:t> # record MPs</a:t>
-            </a:r>
-            <a:endParaRPr lang="en-US" b="0" dirty="0">
-              <a:latin typeface="Segoe UI" panose="020B0502040204020203" pitchFamily="34" charset="0"/>
-              <a:cs typeface="Segoe UI" panose="020B0502040204020203" pitchFamily="34" charset="0"/>
-            </a:endParaRPr>
-          </a:p>
-          <a:p>
-            <a:r>
-              <a:rPr lang="en-US" b="0" dirty="0">
-                <a:latin typeface="Segoe UI" panose="020B0502040204020203" pitchFamily="34" charset="0"/>
-                <a:cs typeface="Segoe UI" panose="020B0502040204020203" pitchFamily="34" charset="0"/>
-              </a:rPr>
-              <a:t>  </a:t>
-            </a:r>
-            <a:r>
-              <a:rPr lang="en-US" b="0" dirty="0" err="1" smtClean="0">
-                <a:latin typeface="Segoe UI" panose="020B0502040204020203" pitchFamily="34" charset="0"/>
-                <a:cs typeface="Segoe UI" panose="020B0502040204020203" pitchFamily="34" charset="0"/>
-              </a:rPr>
-              <a:t>PMobj</a:t>
-            </a:r>
-            <a:r>
-              <a:rPr lang="en-US" b="0" dirty="0" smtClean="0">
-                <a:latin typeface="Segoe UI" panose="020B0502040204020203" pitchFamily="34" charset="0"/>
-                <a:cs typeface="Segoe UI" panose="020B0502040204020203" pitchFamily="34" charset="0"/>
-              </a:rPr>
-              <a:t>  # return PM object</a:t>
-            </a:r>
-          </a:p>
-          <a:p>
-            <a:r>
-              <a:rPr lang="en-US" b="0" dirty="0">
-                <a:latin typeface="Segoe UI" panose="020B0502040204020203" pitchFamily="34" charset="0"/>
-                <a:cs typeface="Segoe UI" panose="020B0502040204020203" pitchFamily="34" charset="0"/>
-              </a:rPr>
-              <a:t>}</a:t>
+              <a:t>') # calculate performance</a:t>
             </a:r>
             <a:endParaRPr lang="en-US" b="0" dirty="0" smtClean="0">
               <a:latin typeface="Segoe UI" panose="020B0502040204020203" pitchFamily="34" charset="0"/>
@@ -12543,11 +12590,18 @@
           </a:p>
           <a:p>
             <a:r>
+              <a:rPr lang="en-US" b="0" dirty="0" err="1" smtClean="0">
+                <a:latin typeface="Segoe UI" panose="020B0502040204020203" pitchFamily="34" charset="0"/>
+                <a:cs typeface="Segoe UI" panose="020B0502040204020203" pitchFamily="34" charset="0"/>
+              </a:rPr>
+              <a:t>TradePlot</a:t>
+            </a:r>
+            <a:r>
               <a:rPr lang="en-US" b="0" dirty="0" smtClean="0">
                 <a:latin typeface="Segoe UI" panose="020B0502040204020203" pitchFamily="34" charset="0"/>
                 <a:cs typeface="Segoe UI" panose="020B0502040204020203" pitchFamily="34" charset="0"/>
               </a:rPr>
-              <a:t>class(</a:t>
+              <a:t>(MSE, '</a:t>
             </a:r>
             <a:r>
               <a:rPr lang="en-US" b="0" dirty="0" err="1" smtClean="0">
@@ -12561,66 +12615,28 @@
                 <a:latin typeface="Segoe UI" panose="020B0502040204020203" pitchFamily="34" charset="0"/>
                 <a:cs typeface="Segoe UI" panose="020B0502040204020203" pitchFamily="34" charset="0"/>
               </a:rPr>
-              <a:t>) &lt;- 'PM' # assign to class 'PM'</a:t>
-            </a:r>
-          </a:p>
-          <a:p>
-            <a:endParaRPr lang="en-US" sz="100" b="0" dirty="0">
-              <a:latin typeface="Segoe UI" panose="020B0502040204020203" pitchFamily="34" charset="0"/>
-              <a:cs typeface="Segoe UI" panose="020B0502040204020203" pitchFamily="34" charset="0"/>
-            </a:endParaRPr>
-          </a:p>
-          <a:p>
+              <a:t>', 'P50</a:t>
+            </a:r>
             <a:r>
               <a:rPr lang="en-US" b="0" dirty="0" smtClean="0">
                 <a:latin typeface="Segoe UI" panose="020B0502040204020203" pitchFamily="34" charset="0"/>
                 <a:cs typeface="Segoe UI" panose="020B0502040204020203" pitchFamily="34" charset="0"/>
               </a:rPr>
-              <a:t>summary(MSE, '</a:t>
-            </a:r>
-            <a:r>
-              <a:rPr lang="en-US" b="0" dirty="0" err="1" smtClean="0">
-                <a:latin typeface="Segoe UI" panose="020B0502040204020203" pitchFamily="34" charset="0"/>
-                <a:cs typeface="Segoe UI" panose="020B0502040204020203" pitchFamily="34" charset="0"/>
-              </a:rPr>
-              <a:t>myPM</a:t>
-            </a:r>
-            <a:r>
-              <a:rPr lang="en-US" b="0" dirty="0" smtClean="0">
-                <a:latin typeface="Segoe UI" panose="020B0502040204020203" pitchFamily="34" charset="0"/>
-                <a:cs typeface="Segoe UI" panose="020B0502040204020203" pitchFamily="34" charset="0"/>
-              </a:rPr>
-              <a:t>')</a:t>
-            </a:r>
-          </a:p>
-          <a:p>
-            <a:r>
-              <a:rPr lang="en-US" b="0" dirty="0" err="1" smtClean="0">
-                <a:latin typeface="Segoe UI" panose="020B0502040204020203" pitchFamily="34" charset="0"/>
-                <a:cs typeface="Segoe UI" panose="020B0502040204020203" pitchFamily="34" charset="0"/>
-              </a:rPr>
-              <a:t>TradePlot</a:t>
-            </a:r>
-            <a:r>
-              <a:rPr lang="en-US" b="0" dirty="0" smtClean="0">
-                <a:latin typeface="Segoe UI" panose="020B0502040204020203" pitchFamily="34" charset="0"/>
-                <a:cs typeface="Segoe UI" panose="020B0502040204020203" pitchFamily="34" charset="0"/>
-              </a:rPr>
-              <a:t>(MSE, '</a:t>
-            </a:r>
-            <a:r>
-              <a:rPr lang="en-US" b="0" dirty="0" err="1" smtClean="0">
-                <a:latin typeface="Segoe UI" panose="020B0502040204020203" pitchFamily="34" charset="0"/>
-                <a:cs typeface="Segoe UI" panose="020B0502040204020203" pitchFamily="34" charset="0"/>
-              </a:rPr>
-              <a:t>myPM</a:t>
-            </a:r>
-            <a:r>
-              <a:rPr lang="en-US" b="0" dirty="0" smtClean="0">
-                <a:latin typeface="Segoe UI" panose="020B0502040204020203" pitchFamily="34" charset="0"/>
-                <a:cs typeface="Segoe UI" panose="020B0502040204020203" pitchFamily="34" charset="0"/>
-              </a:rPr>
-              <a:t>', 'P50')</a:t>
+              <a:t>') # </a:t>
+            </a:r>
+            <a:r>
+              <a:rPr lang="en-US" b="0" smtClean="0">
+                <a:latin typeface="Segoe UI" panose="020B0502040204020203" pitchFamily="34" charset="0"/>
+                <a:cs typeface="Segoe UI" panose="020B0502040204020203" pitchFamily="34" charset="0"/>
+              </a:rPr>
+              <a:t>trad</a:t>
+            </a:r>
+            <a:r>
+              <a:rPr lang="en-US" b="0" smtClean="0">
+                <a:latin typeface="Segoe UI" panose="020B0502040204020203" pitchFamily="34" charset="0"/>
+                <a:cs typeface="Segoe UI" panose="020B0502040204020203" pitchFamily="34" charset="0"/>
+              </a:rPr>
+              <a:t>e-off plot with new PM</a:t>
             </a:r>
             <a:endParaRPr lang="en-US" b="0" dirty="0" smtClean="0">
               <a:latin typeface="Segoe UI" panose="020B0502040204020203" pitchFamily="34" charset="0"/>

--- a/docs/cheat_sheets/DLMtool_CheatSheets.pptx
+++ b/docs/cheat_sheets/DLMtool_CheatSheets.pptx
@@ -2125,7 +2125,7 @@
           </a:ln>
           <a:extLst>
             <a:ext uri="{C572A759-6A51-4108-AA02-DFA0A04FC94B}">
-              <ma14:wrappingTextBoxFlag xmlns:ma14="http://schemas.microsoft.com/office/mac/drawingml/2011/main" xmlns="" val="1"/>
+              <ma14:wrappingTextBoxFlag xmlns="" xmlns:ma14="http://schemas.microsoft.com/office/mac/drawingml/2011/main" val="1"/>
             </a:ext>
           </a:extLst>
         </p:spPr>
@@ -2164,7 +2164,7 @@
           </a:ln>
           <a:extLst>
             <a:ext uri="{C572A759-6A51-4108-AA02-DFA0A04FC94B}">
-              <ma14:wrappingTextBoxFlag xmlns:ma14="http://schemas.microsoft.com/office/mac/drawingml/2011/main" xmlns="" val="1"/>
+              <ma14:wrappingTextBoxFlag xmlns="" xmlns:ma14="http://schemas.microsoft.com/office/mac/drawingml/2011/main" val="1"/>
             </a:ext>
           </a:extLst>
         </p:spPr>
@@ -3245,7 +3245,7 @@
           </a:ln>
           <a:extLst>
             <a:ext uri="{C572A759-6A51-4108-AA02-DFA0A04FC94B}">
-              <ma14:wrappingTextBoxFlag xmlns:ma14="http://schemas.microsoft.com/office/mac/drawingml/2011/main" xmlns="" val="1"/>
+              <ma14:wrappingTextBoxFlag xmlns="" xmlns:ma14="http://schemas.microsoft.com/office/mac/drawingml/2011/main" val="1"/>
             </a:ext>
           </a:extLst>
         </p:spPr>
@@ -3337,7 +3337,7 @@
           </a:ln>
           <a:extLst>
             <a:ext uri="{C572A759-6A51-4108-AA02-DFA0A04FC94B}">
-              <ma14:wrappingTextBoxFlag xmlns:ma14="http://schemas.microsoft.com/office/mac/drawingml/2011/main" xmlns="" val="1"/>
+              <ma14:wrappingTextBoxFlag xmlns="" xmlns:ma14="http://schemas.microsoft.com/office/mac/drawingml/2011/main" val="1"/>
             </a:ext>
           </a:extLst>
         </p:spPr>
@@ -5081,7 +5081,7 @@
             </a:ln>
             <a:extLst>
               <a:ext uri="{C572A759-6A51-4108-AA02-DFA0A04FC94B}">
-                <ma14:wrappingTextBoxFlag xmlns:ma14="http://schemas.microsoft.com/office/mac/drawingml/2011/main" xmlns="" val="1"/>
+                <ma14:wrappingTextBoxFlag xmlns="" xmlns:ma14="http://schemas.microsoft.com/office/mac/drawingml/2011/main" val="1"/>
               </a:ext>
             </a:extLst>
           </p:spPr>
@@ -5131,7 +5131,7 @@
             </a:ln>
             <a:extLst>
               <a:ext uri="{C572A759-6A51-4108-AA02-DFA0A04FC94B}">
-                <ma14:wrappingTextBoxFlag xmlns:ma14="http://schemas.microsoft.com/office/mac/drawingml/2011/main" xmlns="" val="1"/>
+                <ma14:wrappingTextBoxFlag xmlns="" xmlns:ma14="http://schemas.microsoft.com/office/mac/drawingml/2011/main" val="1"/>
               </a:ext>
             </a:extLst>
           </p:spPr>
@@ -5408,7 +5408,7 @@
           </a:ln>
           <a:extLst>
             <a:ext uri="{C572A759-6A51-4108-AA02-DFA0A04FC94B}">
-              <ma14:wrappingTextBoxFlag xmlns:ma14="http://schemas.microsoft.com/office/mac/drawingml/2011/main" xmlns="" val="1"/>
+              <ma14:wrappingTextBoxFlag xmlns="" xmlns:ma14="http://schemas.microsoft.com/office/mac/drawingml/2011/main" val="1"/>
             </a:ext>
           </a:extLst>
         </p:spPr>
@@ -5598,7 +5598,7 @@
           </a:ln>
           <a:extLst>
             <a:ext uri="{C572A759-6A51-4108-AA02-DFA0A04FC94B}">
-              <ma14:wrappingTextBoxFlag xmlns:ma14="http://schemas.microsoft.com/office/mac/drawingml/2011/main" xmlns="" val="1"/>
+              <ma14:wrappingTextBoxFlag xmlns="" xmlns:ma14="http://schemas.microsoft.com/office/mac/drawingml/2011/main" val="1"/>
             </a:ext>
           </a:extLst>
         </p:spPr>
@@ -5662,7 +5662,7 @@
             </a:ln>
             <a:extLst>
               <a:ext uri="{C572A759-6A51-4108-AA02-DFA0A04FC94B}">
-                <ma14:wrappingTextBoxFlag xmlns:ma14="http://schemas.microsoft.com/office/mac/drawingml/2011/main" xmlns="" val="1"/>
+                <ma14:wrappingTextBoxFlag xmlns="" xmlns:ma14="http://schemas.microsoft.com/office/mac/drawingml/2011/main" val="1"/>
               </a:ext>
             </a:extLst>
           </p:spPr>
@@ -5712,7 +5712,7 @@
             </a:ln>
             <a:extLst>
               <a:ext uri="{C572A759-6A51-4108-AA02-DFA0A04FC94B}">
-                <ma14:wrappingTextBoxFlag xmlns:ma14="http://schemas.microsoft.com/office/mac/drawingml/2011/main" xmlns="" val="1"/>
+                <ma14:wrappingTextBoxFlag xmlns="" xmlns:ma14="http://schemas.microsoft.com/office/mac/drawingml/2011/main" val="1"/>
               </a:ext>
             </a:extLst>
           </p:spPr>
@@ -5785,7 +5785,6 @@
                 <a:rPr lang="en-US" b="0" dirty="0" smtClean="0"/>
                 <a:t>()</a:t>
               </a:r>
-              <a:endParaRPr lang="en-US" b="0" dirty="0" smtClean="0"/>
             </a:p>
             <a:p>
               <a:pPr lvl="1" indent="0">
@@ -5907,7 +5906,7 @@
           </a:ln>
           <a:extLst>
             <a:ext uri="{C572A759-6A51-4108-AA02-DFA0A04FC94B}">
-              <ma14:wrappingTextBoxFlag xmlns="" xmlns:ma14="http://schemas.microsoft.com/office/mac/drawingml/2011/main" val="1"/>
+              <ma14:wrappingTextBoxFlag xmlns:ma14="http://schemas.microsoft.com/office/mac/drawingml/2011/main" xmlns="" val="1"/>
             </a:ext>
           </a:extLst>
         </p:spPr>
@@ -6684,7 +6683,7 @@
             </a:ln>
             <a:extLst>
               <a:ext uri="{C572A759-6A51-4108-AA02-DFA0A04FC94B}">
-                <ma14:wrappingTextBoxFlag xmlns:ma14="http://schemas.microsoft.com/office/mac/drawingml/2011/main" xmlns="" val="1"/>
+                <ma14:wrappingTextBoxFlag xmlns="" xmlns:ma14="http://schemas.microsoft.com/office/mac/drawingml/2011/main" val="1"/>
               </a:ext>
             </a:extLst>
           </p:spPr>
@@ -6734,7 +6733,7 @@
             </a:ln>
             <a:extLst>
               <a:ext uri="{C572A759-6A51-4108-AA02-DFA0A04FC94B}">
-                <ma14:wrappingTextBoxFlag xmlns:ma14="http://schemas.microsoft.com/office/mac/drawingml/2011/main" xmlns="" val="1"/>
+                <ma14:wrappingTextBoxFlag xmlns="" xmlns:ma14="http://schemas.microsoft.com/office/mac/drawingml/2011/main" val="1"/>
               </a:ext>
             </a:extLst>
           </p:spPr>
@@ -7378,7 +7377,7 @@
             </a:ln>
             <a:extLst>
               <a:ext uri="{C572A759-6A51-4108-AA02-DFA0A04FC94B}">
-                <ma14:wrappingTextBoxFlag xmlns:ma14="http://schemas.microsoft.com/office/mac/drawingml/2011/main" xmlns="" val="1"/>
+                <ma14:wrappingTextBoxFlag xmlns="" xmlns:ma14="http://schemas.microsoft.com/office/mac/drawingml/2011/main" val="1"/>
               </a:ext>
             </a:extLst>
           </p:spPr>
@@ -7428,7 +7427,7 @@
             </a:ln>
             <a:extLst>
               <a:ext uri="{C572A759-6A51-4108-AA02-DFA0A04FC94B}">
-                <ma14:wrappingTextBoxFlag xmlns:ma14="http://schemas.microsoft.com/office/mac/drawingml/2011/main" xmlns="" val="1"/>
+                <ma14:wrappingTextBoxFlag xmlns="" xmlns:ma14="http://schemas.microsoft.com/office/mac/drawingml/2011/main" val="1"/>
               </a:ext>
             </a:extLst>
           </p:spPr>
@@ -7675,7 +7674,7 @@
           </a:ln>
           <a:extLst>
             <a:ext uri="{C572A759-6A51-4108-AA02-DFA0A04FC94B}">
-              <ma14:wrappingTextBoxFlag xmlns:ma14="http://schemas.microsoft.com/office/mac/drawingml/2011/main" xmlns="" val="1"/>
+              <ma14:wrappingTextBoxFlag xmlns="" xmlns:ma14="http://schemas.microsoft.com/office/mac/drawingml/2011/main" val="1"/>
             </a:ext>
           </a:extLst>
         </p:spPr>
@@ -7956,7 +7955,7 @@
             </a:ln>
             <a:extLst>
               <a:ext uri="{C572A759-6A51-4108-AA02-DFA0A04FC94B}">
-                <ma14:wrappingTextBoxFlag xmlns:ma14="http://schemas.microsoft.com/office/mac/drawingml/2011/main" xmlns="" val="1"/>
+                <ma14:wrappingTextBoxFlag xmlns="" xmlns:ma14="http://schemas.microsoft.com/office/mac/drawingml/2011/main" val="1"/>
               </a:ext>
             </a:extLst>
           </p:spPr>
@@ -8006,7 +8005,7 @@
             </a:ln>
             <a:extLst>
               <a:ext uri="{C572A759-6A51-4108-AA02-DFA0A04FC94B}">
-                <ma14:wrappingTextBoxFlag xmlns:ma14="http://schemas.microsoft.com/office/mac/drawingml/2011/main" xmlns="" val="1"/>
+                <ma14:wrappingTextBoxFlag xmlns="" xmlns:ma14="http://schemas.microsoft.com/office/mac/drawingml/2011/main" val="1"/>
               </a:ext>
             </a:extLst>
           </p:spPr>
@@ -8409,7 +8408,7 @@
           </a:ln>
           <a:extLst>
             <a:ext uri="{C572A759-6A51-4108-AA02-DFA0A04FC94B}">
-              <ma14:wrappingTextBoxFlag xmlns:ma14="http://schemas.microsoft.com/office/mac/drawingml/2011/main" xmlns="" val="1"/>
+              <ma14:wrappingTextBoxFlag xmlns="" xmlns:ma14="http://schemas.microsoft.com/office/mac/drawingml/2011/main" val="1"/>
             </a:ext>
           </a:extLst>
         </p:spPr>
@@ -8644,7 +8643,7 @@
           </a:ln>
           <a:extLst>
             <a:ext uri="{C572A759-6A51-4108-AA02-DFA0A04FC94B}">
-              <ma14:wrappingTextBoxFlag xmlns="" xmlns:ma14="http://schemas.microsoft.com/office/mac/drawingml/2011/main" val="1"/>
+              <ma14:wrappingTextBoxFlag xmlns:ma14="http://schemas.microsoft.com/office/mac/drawingml/2011/main" xmlns="" val="1"/>
             </a:ext>
           </a:extLst>
         </p:spPr>
@@ -8834,7 +8833,7 @@
           </a:ln>
           <a:extLst>
             <a:ext uri="{C572A759-6A51-4108-AA02-DFA0A04FC94B}">
-              <ma14:wrappingTextBoxFlag xmlns:ma14="http://schemas.microsoft.com/office/mac/drawingml/2011/main" xmlns="" val="1"/>
+              <ma14:wrappingTextBoxFlag xmlns="" xmlns:ma14="http://schemas.microsoft.com/office/mac/drawingml/2011/main" val="1"/>
             </a:ext>
           </a:extLst>
         </p:spPr>
@@ -8884,7 +8883,7 @@
           </a:ln>
           <a:extLst>
             <a:ext uri="{C572A759-6A51-4108-AA02-DFA0A04FC94B}">
-              <ma14:wrappingTextBoxFlag xmlns:ma14="http://schemas.microsoft.com/office/mac/drawingml/2011/main" xmlns="" val="1"/>
+              <ma14:wrappingTextBoxFlag xmlns="" xmlns:ma14="http://schemas.microsoft.com/office/mac/drawingml/2011/main" val="1"/>
             </a:ext>
           </a:extLst>
         </p:spPr>
@@ -8934,7 +8933,7 @@
           </a:ln>
           <a:extLst>
             <a:ext uri="{C572A759-6A51-4108-AA02-DFA0A04FC94B}">
-              <ma14:wrappingTextBoxFlag xmlns:ma14="http://schemas.microsoft.com/office/mac/drawingml/2011/main" xmlns="" val="1"/>
+              <ma14:wrappingTextBoxFlag xmlns="" xmlns:ma14="http://schemas.microsoft.com/office/mac/drawingml/2011/main" val="1"/>
             </a:ext>
           </a:extLst>
         </p:spPr>
@@ -9026,7 +9025,7 @@
           </a:ln>
           <a:extLst>
             <a:ext uri="{C572A759-6A51-4108-AA02-DFA0A04FC94B}">
-              <ma14:wrappingTextBoxFlag xmlns:ma14="http://schemas.microsoft.com/office/mac/drawingml/2011/main" xmlns="" val="1"/>
+              <ma14:wrappingTextBoxFlag xmlns="" xmlns:ma14="http://schemas.microsoft.com/office/mac/drawingml/2011/main" val="1"/>
             </a:ext>
           </a:extLst>
         </p:spPr>
@@ -9439,7 +9438,7 @@
           </a:ln>
           <a:extLst>
             <a:ext uri="{C572A759-6A51-4108-AA02-DFA0A04FC94B}">
-              <ma14:wrappingTextBoxFlag xmlns:ma14="http://schemas.microsoft.com/office/mac/drawingml/2011/main" xmlns="" val="1"/>
+              <ma14:wrappingTextBoxFlag xmlns="" xmlns:ma14="http://schemas.microsoft.com/office/mac/drawingml/2011/main" val="1"/>
             </a:ext>
           </a:extLst>
         </p:spPr>
@@ -9585,7 +9584,7 @@
           </a:ln>
           <a:extLst>
             <a:ext uri="{C572A759-6A51-4108-AA02-DFA0A04FC94B}">
-              <ma14:wrappingTextBoxFlag xmlns:ma14="http://schemas.microsoft.com/office/mac/drawingml/2011/main" xmlns="" val="1"/>
+              <ma14:wrappingTextBoxFlag xmlns="" xmlns:ma14="http://schemas.microsoft.com/office/mac/drawingml/2011/main" val="1"/>
             </a:ext>
           </a:extLst>
         </p:spPr>
@@ -9677,7 +9676,7 @@
           </a:ln>
           <a:extLst>
             <a:ext uri="{C572A759-6A51-4108-AA02-DFA0A04FC94B}">
-              <ma14:wrappingTextBoxFlag xmlns:ma14="http://schemas.microsoft.com/office/mac/drawingml/2011/main" xmlns="" val="1"/>
+              <ma14:wrappingTextBoxFlag xmlns="" xmlns:ma14="http://schemas.microsoft.com/office/mac/drawingml/2011/main" val="1"/>
             </a:ext>
           </a:extLst>
         </p:spPr>
@@ -9939,7 +9938,7 @@
           </a:ln>
           <a:extLst>
             <a:ext uri="{C572A759-6A51-4108-AA02-DFA0A04FC94B}">
-              <ma14:wrappingTextBoxFlag xmlns:ma14="http://schemas.microsoft.com/office/mac/drawingml/2011/main" xmlns="" val="1"/>
+              <ma14:wrappingTextBoxFlag xmlns="" xmlns:ma14="http://schemas.microsoft.com/office/mac/drawingml/2011/main" val="1"/>
             </a:ext>
           </a:extLst>
         </p:spPr>
@@ -10204,7 +10203,7 @@
           </a:ln>
           <a:extLst>
             <a:ext uri="{C572A759-6A51-4108-AA02-DFA0A04FC94B}">
-              <ma14:wrappingTextBoxFlag xmlns:ma14="http://schemas.microsoft.com/office/mac/drawingml/2011/main" xmlns="" val="1"/>
+              <ma14:wrappingTextBoxFlag xmlns="" xmlns:ma14="http://schemas.microsoft.com/office/mac/drawingml/2011/main" val="1"/>
             </a:ext>
           </a:extLst>
         </p:spPr>
@@ -10254,7 +10253,7 @@
           </a:ln>
           <a:extLst>
             <a:ext uri="{C572A759-6A51-4108-AA02-DFA0A04FC94B}">
-              <ma14:wrappingTextBoxFlag xmlns:ma14="http://schemas.microsoft.com/office/mac/drawingml/2011/main" xmlns="" val="1"/>
+              <ma14:wrappingTextBoxFlag xmlns="" xmlns:ma14="http://schemas.microsoft.com/office/mac/drawingml/2011/main" val="1"/>
             </a:ext>
           </a:extLst>
         </p:spPr>
@@ -10490,7 +10489,7 @@
           </a:ln>
           <a:extLst>
             <a:ext uri="{C572A759-6A51-4108-AA02-DFA0A04FC94B}">
-              <ma14:wrappingTextBoxFlag xmlns:ma14="http://schemas.microsoft.com/office/mac/drawingml/2011/main" xmlns="" val="1"/>
+              <ma14:wrappingTextBoxFlag xmlns="" xmlns:ma14="http://schemas.microsoft.com/office/mac/drawingml/2011/main" val="1"/>
             </a:ext>
           </a:extLst>
         </p:spPr>
@@ -10769,7 +10768,7 @@
           </a:ln>
           <a:extLst>
             <a:ext uri="{C572A759-6A51-4108-AA02-DFA0A04FC94B}">
-              <ma14:wrappingTextBoxFlag xmlns:ma14="http://schemas.microsoft.com/office/mac/drawingml/2011/main" xmlns="" val="1"/>
+              <ma14:wrappingTextBoxFlag xmlns="" xmlns:ma14="http://schemas.microsoft.com/office/mac/drawingml/2011/main" val="1"/>
             </a:ext>
           </a:extLst>
         </p:spPr>
@@ -10861,7 +10860,7 @@
           </a:ln>
           <a:extLst>
             <a:ext uri="{C572A759-6A51-4108-AA02-DFA0A04FC94B}">
-              <ma14:wrappingTextBoxFlag xmlns:ma14="http://schemas.microsoft.com/office/mac/drawingml/2011/main" xmlns="" val="1"/>
+              <ma14:wrappingTextBoxFlag xmlns="" xmlns:ma14="http://schemas.microsoft.com/office/mac/drawingml/2011/main" val="1"/>
             </a:ext>
           </a:extLst>
         </p:spPr>
@@ -11133,7 +11132,7 @@
           </a:ln>
           <a:extLst>
             <a:ext uri="{C572A759-6A51-4108-AA02-DFA0A04FC94B}">
-              <ma14:wrappingTextBoxFlag xmlns:ma14="http://schemas.microsoft.com/office/mac/drawingml/2011/main" xmlns="" val="1"/>
+              <ma14:wrappingTextBoxFlag xmlns="" xmlns:ma14="http://schemas.microsoft.com/office/mac/drawingml/2011/main" val="1"/>
             </a:ext>
           </a:extLst>
         </p:spPr>
@@ -11183,7 +11182,7 @@
           </a:ln>
           <a:extLst>
             <a:ext uri="{C572A759-6A51-4108-AA02-DFA0A04FC94B}">
-              <ma14:wrappingTextBoxFlag xmlns:ma14="http://schemas.microsoft.com/office/mac/drawingml/2011/main" xmlns="" val="1"/>
+              <ma14:wrappingTextBoxFlag xmlns="" xmlns:ma14="http://schemas.microsoft.com/office/mac/drawingml/2011/main" val="1"/>
             </a:ext>
           </a:extLst>
         </p:spPr>
@@ -11283,7 +11282,7 @@
           </a:ln>
           <a:extLst>
             <a:ext uri="{C572A759-6A51-4108-AA02-DFA0A04FC94B}">
-              <ma14:wrappingTextBoxFlag xmlns:ma14="http://schemas.microsoft.com/office/mac/drawingml/2011/main" xmlns="" val="1"/>
+              <ma14:wrappingTextBoxFlag xmlns="" xmlns:ma14="http://schemas.microsoft.com/office/mac/drawingml/2011/main" val="1"/>
             </a:ext>
           </a:extLst>
         </p:spPr>
@@ -11375,7 +11374,7 @@
           </a:ln>
           <a:extLst>
             <a:ext uri="{C572A759-6A51-4108-AA02-DFA0A04FC94B}">
-              <ma14:wrappingTextBoxFlag xmlns:ma14="http://schemas.microsoft.com/office/mac/drawingml/2011/main" xmlns="" val="1"/>
+              <ma14:wrappingTextBoxFlag xmlns="" xmlns:ma14="http://schemas.microsoft.com/office/mac/drawingml/2011/main" val="1"/>
             </a:ext>
           </a:extLst>
         </p:spPr>
@@ -11921,7 +11920,7 @@
           </a:ln>
           <a:extLst>
             <a:ext uri="{C572A759-6A51-4108-AA02-DFA0A04FC94B}">
-              <ma14:wrappingTextBoxFlag xmlns:ma14="http://schemas.microsoft.com/office/mac/drawingml/2011/main" xmlns="" val="1"/>
+              <ma14:wrappingTextBoxFlag xmlns="" xmlns:ma14="http://schemas.microsoft.com/office/mac/drawingml/2011/main" val="1"/>
             </a:ext>
           </a:extLst>
         </p:spPr>
@@ -12583,10 +12582,6 @@
               </a:rPr>
               <a:t>') # calculate performance</a:t>
             </a:r>
-            <a:endParaRPr lang="en-US" b="0" dirty="0" smtClean="0">
-              <a:latin typeface="Segoe UI" panose="020B0502040204020203" pitchFamily="34" charset="0"/>
-              <a:cs typeface="Segoe UI" panose="020B0502040204020203" pitchFamily="34" charset="0"/>
-            </a:endParaRPr>
           </a:p>
           <a:p>
             <a:r>
@@ -12615,28 +12610,14 @@
                 <a:latin typeface="Segoe UI" panose="020B0502040204020203" pitchFamily="34" charset="0"/>
                 <a:cs typeface="Segoe UI" panose="020B0502040204020203" pitchFamily="34" charset="0"/>
               </a:rPr>
-              <a:t>', 'P50</a:t>
-            </a:r>
-            <a:r>
-              <a:rPr lang="en-US" b="0" dirty="0" smtClean="0">
-                <a:latin typeface="Segoe UI" panose="020B0502040204020203" pitchFamily="34" charset="0"/>
-                <a:cs typeface="Segoe UI" panose="020B0502040204020203" pitchFamily="34" charset="0"/>
-              </a:rPr>
-              <a:t>') # </a:t>
+              <a:t>', 'P50') # </a:t>
             </a:r>
             <a:r>
               <a:rPr lang="en-US" b="0" smtClean="0">
                 <a:latin typeface="Segoe UI" panose="020B0502040204020203" pitchFamily="34" charset="0"/>
                 <a:cs typeface="Segoe UI" panose="020B0502040204020203" pitchFamily="34" charset="0"/>
               </a:rPr>
-              <a:t>trad</a:t>
-            </a:r>
-            <a:r>
-              <a:rPr lang="en-US" b="0" smtClean="0">
-                <a:latin typeface="Segoe UI" panose="020B0502040204020203" pitchFamily="34" charset="0"/>
-                <a:cs typeface="Segoe UI" panose="020B0502040204020203" pitchFamily="34" charset="0"/>
-              </a:rPr>
-              <a:t>e-off plot with new PM</a:t>
+              <a:t>trade-off plot with new PM</a:t>
             </a:r>
             <a:endParaRPr lang="en-US" b="0" dirty="0" smtClean="0">
               <a:latin typeface="Segoe UI" panose="020B0502040204020203" pitchFamily="34" charset="0"/>

--- a/docs/cheat_sheets/DLMtool_CheatSheets.pptx
+++ b/docs/cheat_sheets/DLMtool_CheatSheets.pptx
@@ -2125,7 +2125,7 @@
           </a:ln>
           <a:extLst>
             <a:ext uri="{C572A759-6A51-4108-AA02-DFA0A04FC94B}">
-              <ma14:wrappingTextBoxFlag xmlns="" xmlns:ma14="http://schemas.microsoft.com/office/mac/drawingml/2011/main" val="1"/>
+              <ma14:wrappingTextBoxFlag xmlns:ma14="http://schemas.microsoft.com/office/mac/drawingml/2011/main" xmlns="" val="1"/>
             </a:ext>
           </a:extLst>
         </p:spPr>
@@ -2164,7 +2164,7 @@
           </a:ln>
           <a:extLst>
             <a:ext uri="{C572A759-6A51-4108-AA02-DFA0A04FC94B}">
-              <ma14:wrappingTextBoxFlag xmlns="" xmlns:ma14="http://schemas.microsoft.com/office/mac/drawingml/2011/main" val="1"/>
+              <ma14:wrappingTextBoxFlag xmlns:ma14="http://schemas.microsoft.com/office/mac/drawingml/2011/main" xmlns="" val="1"/>
             </a:ext>
           </a:extLst>
         </p:spPr>
@@ -3138,11 +3138,11 @@
           <a:lstStyle/>
           <a:p>
             <a:r>
-              <a:rPr lang="en-US" dirty="0" smtClean="0"/>
+              <a:rPr lang="en-US" dirty="0"/>
               <a:t>DLMtool</a:t>
             </a:r>
             <a:r>
-              <a:rPr dirty="0" smtClean="0"/>
+              <a:rPr dirty="0"/>
               <a:t> </a:t>
             </a:r>
             <a:r>
@@ -3152,28 +3152,19 @@
                 <a:cs typeface="Source Sans Pro Semibold"/>
                 <a:sym typeface="Source Sans Pro Semibold"/>
               </a:rPr>
-              <a:t>CHEAT </a:t>
-            </a:r>
-            <a:r>
-              <a:rPr sz="3300" dirty="0" smtClean="0">
+              <a:t>CHEAT SHEET</a:t>
+            </a:r>
+            <a:r>
+              <a:rPr lang="en-US" sz="3300" dirty="0">
                 <a:latin typeface="Source Sans Pro Semibold"/>
                 <a:ea typeface="Source Sans Pro Semibold"/>
                 <a:cs typeface="Source Sans Pro Semibold"/>
                 <a:sym typeface="Source Sans Pro Semibold"/>
               </a:rPr>
-              <a:t>SHEET</a:t>
-            </a:r>
-            <a:r>
-              <a:rPr lang="en-US" sz="3300" dirty="0" smtClean="0">
-                <a:latin typeface="Source Sans Pro Semibold"/>
-                <a:ea typeface="Source Sans Pro Semibold"/>
-                <a:cs typeface="Source Sans Pro Semibold"/>
-                <a:sym typeface="Source Sans Pro Semibold"/>
-              </a:rPr>
               <a:t> 1</a:t>
             </a:r>
             <a:br>
-              <a:rPr lang="en-US" sz="3300" dirty="0" smtClean="0">
+              <a:rPr lang="en-US" sz="3300" dirty="0">
                 <a:latin typeface="Source Sans Pro Semibold"/>
                 <a:ea typeface="Source Sans Pro Semibold"/>
                 <a:cs typeface="Source Sans Pro Semibold"/>
@@ -3245,7 +3236,7 @@
           </a:ln>
           <a:extLst>
             <a:ext uri="{C572A759-6A51-4108-AA02-DFA0A04FC94B}">
-              <ma14:wrappingTextBoxFlag xmlns="" xmlns:ma14="http://schemas.microsoft.com/office/mac/drawingml/2011/main" val="1"/>
+              <ma14:wrappingTextBoxFlag xmlns:ma14="http://schemas.microsoft.com/office/mac/drawingml/2011/main" xmlns="" val="1"/>
             </a:ext>
           </a:extLst>
         </p:spPr>
@@ -3269,7 +3260,7 @@
               </a:defRPr>
             </a:pPr>
             <a:r>
-              <a:rPr lang="en-US" dirty="0" smtClean="0"/>
+              <a:rPr lang="en-US" dirty="0"/>
               <a:t>Main Object Classes</a:t>
             </a:r>
             <a:endParaRPr dirty="0"/>
@@ -3337,7 +3328,7 @@
           </a:ln>
           <a:extLst>
             <a:ext uri="{C572A759-6A51-4108-AA02-DFA0A04FC94B}">
-              <ma14:wrappingTextBoxFlag xmlns="" xmlns:ma14="http://schemas.microsoft.com/office/mac/drawingml/2011/main" val="1"/>
+              <ma14:wrappingTextBoxFlag xmlns:ma14="http://schemas.microsoft.com/office/mac/drawingml/2011/main" xmlns="" val="1"/>
             </a:ext>
           </a:extLst>
         </p:spPr>
@@ -3349,11 +3340,11 @@
           <a:p>
             <a:pPr lvl="1" indent="0"/>
             <a:r>
-              <a:rPr lang="en-US" dirty="0" smtClean="0"/>
+              <a:rPr lang="en-US" dirty="0"/>
               <a:t>Find Available Objects: </a:t>
             </a:r>
             <a:r>
-              <a:rPr lang="en-US" b="0" dirty="0" smtClean="0"/>
+              <a:rPr lang="en-US" b="0" dirty="0"/>
               <a:t>avail('Object Class')</a:t>
             </a:r>
             <a:endParaRPr dirty="0"/>
@@ -3408,10 +3399,9 @@
                     <a:p>
                       <a:pPr algn="l"/>
                       <a:r>
-                        <a:rPr lang="en-US" sz="1200" dirty="0" smtClean="0"/>
+                        <a:rPr lang="en-US" sz="1200" dirty="0"/>
                         <a:t>DLMtool</a:t>
                       </a:r>
-                      <a:endParaRPr lang="en-US" sz="1200" dirty="0"/>
                     </a:p>
                   </a:txBody>
                   <a:tcPr anchor="ctr">
@@ -3444,11 +3434,11 @@
                     <a:p>
                       <a:pPr algn="l"/>
                       <a:r>
-                        <a:rPr lang="en-US" sz="1200" dirty="0" smtClean="0"/>
+                        <a:rPr lang="en-US" sz="1200" dirty="0"/>
                         <a:t>Data-Limited Methods</a:t>
                       </a:r>
                       <a:r>
-                        <a:rPr lang="en-US" sz="1200" baseline="0" dirty="0" smtClean="0"/>
+                        <a:rPr lang="en-US" sz="1200" baseline="0" dirty="0"/>
                         <a:t> Toolkit</a:t>
                       </a:r>
                       <a:endParaRPr lang="en-US" sz="1200" dirty="0"/>
@@ -3491,10 +3481,9 @@
                     <a:p>
                       <a:pPr algn="l"/>
                       <a:r>
-                        <a:rPr lang="en-US" sz="1200" dirty="0" smtClean="0"/>
+                        <a:rPr lang="en-US" sz="1200" dirty="0"/>
                         <a:t>MP</a:t>
                       </a:r>
-                      <a:endParaRPr lang="en-US" sz="1200" dirty="0"/>
                     </a:p>
                   </a:txBody>
                   <a:tcPr anchor="ctr">
@@ -3527,11 +3516,11 @@
                     <a:p>
                       <a:pPr algn="l"/>
                       <a:r>
-                        <a:rPr lang="en-US" sz="1200" dirty="0" smtClean="0"/>
+                        <a:rPr lang="en-US" sz="1200" dirty="0"/>
                         <a:t>Management</a:t>
                       </a:r>
                       <a:r>
-                        <a:rPr lang="en-US" sz="1200" baseline="0" dirty="0" smtClean="0"/>
+                        <a:rPr lang="en-US" sz="1200" baseline="0" dirty="0"/>
                         <a:t> Procedure</a:t>
                       </a:r>
                       <a:endParaRPr lang="en-US" sz="1200" dirty="0"/>
@@ -3574,10 +3563,9 @@
                     <a:p>
                       <a:pPr algn="l"/>
                       <a:r>
-                        <a:rPr lang="en-US" sz="1200" dirty="0" smtClean="0"/>
+                        <a:rPr lang="en-US" sz="1200" dirty="0"/>
                         <a:t>MSE</a:t>
                       </a:r>
-                      <a:endParaRPr lang="en-US" sz="1200" dirty="0"/>
                     </a:p>
                   </a:txBody>
                   <a:tcPr anchor="ctr">
@@ -3610,11 +3598,11 @@
                     <a:p>
                       <a:pPr algn="l"/>
                       <a:r>
-                        <a:rPr lang="en-US" sz="1200" dirty="0" smtClean="0"/>
+                        <a:rPr lang="en-US" sz="1200" dirty="0"/>
                         <a:t>Management</a:t>
                       </a:r>
                       <a:r>
-                        <a:rPr lang="en-US" sz="1200" baseline="0" dirty="0" smtClean="0"/>
+                        <a:rPr lang="en-US" sz="1200" baseline="0" dirty="0"/>
                         <a:t> Strategy Evaluation</a:t>
                       </a:r>
                       <a:endParaRPr lang="en-US" sz="1200" dirty="0"/>
@@ -3657,10 +3645,9 @@
                     <a:p>
                       <a:pPr algn="l"/>
                       <a:r>
-                        <a:rPr lang="en-US" sz="1200" dirty="0" smtClean="0"/>
+                        <a:rPr lang="en-US" sz="1200" dirty="0"/>
                         <a:t>OM</a:t>
                       </a:r>
-                      <a:endParaRPr lang="en-US" sz="1200" dirty="0"/>
                     </a:p>
                   </a:txBody>
                   <a:tcPr anchor="ctr">
@@ -3693,10 +3680,9 @@
                     <a:p>
                       <a:pPr algn="l"/>
                       <a:r>
-                        <a:rPr lang="en-US" sz="1200" dirty="0" smtClean="0"/>
+                        <a:rPr lang="en-US" sz="1200" dirty="0"/>
                         <a:t>Operating Model</a:t>
                       </a:r>
-                      <a:endParaRPr lang="en-US" sz="1200" dirty="0"/>
                     </a:p>
                   </a:txBody>
                   <a:tcPr anchor="ctr">
@@ -3736,10 +3722,9 @@
                     <a:p>
                       <a:pPr algn="l"/>
                       <a:r>
-                        <a:rPr lang="en-US" sz="1200" dirty="0" smtClean="0"/>
+                        <a:rPr lang="en-US" sz="1200" dirty="0"/>
                         <a:t>PM</a:t>
                       </a:r>
-                      <a:endParaRPr lang="en-US" sz="1200" dirty="0"/>
                     </a:p>
                   </a:txBody>
                   <a:tcPr anchor="ctr">
@@ -3772,10 +3757,9 @@
                     <a:p>
                       <a:pPr algn="l"/>
                       <a:r>
-                        <a:rPr lang="en-US" sz="1200" dirty="0" smtClean="0"/>
+                        <a:rPr lang="en-US" sz="1200" dirty="0"/>
                         <a:t>Performance Metrics</a:t>
                       </a:r>
-                      <a:endParaRPr lang="en-US" sz="1200" dirty="0"/>
                     </a:p>
                   </a:txBody>
                   <a:tcPr anchor="ctr">
@@ -3859,10 +3843,9 @@
                     <a:p>
                       <a:pPr algn="l"/>
                       <a:r>
-                        <a:rPr lang="en-US" sz="1200" b="1" i="0" dirty="0" smtClean="0"/>
+                        <a:rPr lang="en-US" sz="1200" b="1" i="0" dirty="0"/>
                         <a:t>Class</a:t>
                       </a:r>
-                      <a:endParaRPr lang="en-US" sz="1200" b="1" i="0" dirty="0"/>
                     </a:p>
                   </a:txBody>
                   <a:tcPr anchor="ctr">
@@ -3911,10 +3894,9 @@
                     <a:p>
                       <a:pPr algn="l"/>
                       <a:r>
-                        <a:rPr lang="en-US" sz="1200" b="1" i="0" dirty="0" smtClean="0"/>
+                        <a:rPr lang="en-US" sz="1200" b="1" i="0" dirty="0"/>
                         <a:t>Contents</a:t>
                       </a:r>
-                      <a:endParaRPr lang="en-US" sz="1200" b="1" i="0" dirty="0"/>
                     </a:p>
                   </a:txBody>
                   <a:tcPr anchor="ctr">
@@ -3970,10 +3952,9 @@
                     <a:p>
                       <a:pPr algn="l"/>
                       <a:r>
-                        <a:rPr lang="en-US" sz="1200" dirty="0" smtClean="0"/>
+                        <a:rPr lang="en-US" sz="1200" dirty="0"/>
                         <a:t>Stock</a:t>
                       </a:r>
-                      <a:endParaRPr lang="en-US" sz="1200" dirty="0"/>
                     </a:p>
                   </a:txBody>
                   <a:tcPr anchor="ctr">
@@ -4022,10 +4003,9 @@
                     <a:p>
                       <a:pPr algn="l"/>
                       <a:r>
-                        <a:rPr lang="en-US" sz="1200" dirty="0" smtClean="0"/>
+                        <a:rPr lang="en-US" sz="1200" dirty="0"/>
                         <a:t>Biological Properties</a:t>
                       </a:r>
-                      <a:endParaRPr lang="en-US" sz="1200" dirty="0"/>
                     </a:p>
                   </a:txBody>
                   <a:tcPr anchor="ctr">
@@ -4081,10 +4061,9 @@
                     <a:p>
                       <a:pPr algn="l"/>
                       <a:r>
-                        <a:rPr lang="en-US" sz="1200" dirty="0" smtClean="0"/>
+                        <a:rPr lang="en-US" sz="1200" dirty="0"/>
                         <a:t>Fleet</a:t>
                       </a:r>
-                      <a:endParaRPr lang="en-US" sz="1200" dirty="0"/>
                     </a:p>
                   </a:txBody>
                   <a:tcPr anchor="ctr">
@@ -4133,11 +4112,11 @@
                     <a:p>
                       <a:pPr algn="l"/>
                       <a:r>
-                        <a:rPr lang="en-US" sz="1200" dirty="0" smtClean="0"/>
+                        <a:rPr lang="en-US" sz="1200" dirty="0"/>
                         <a:t>Exploitation</a:t>
                       </a:r>
                       <a:r>
-                        <a:rPr lang="en-US" sz="1200" baseline="0" dirty="0" smtClean="0"/>
+                        <a:rPr lang="en-US" sz="1200" baseline="0" dirty="0"/>
                         <a:t> Properties</a:t>
                       </a:r>
                       <a:endParaRPr lang="en-US" sz="1200" dirty="0"/>
@@ -4196,7 +4175,7 @@
                     <a:p>
                       <a:pPr algn="l"/>
                       <a:r>
-                        <a:rPr lang="en-US" sz="1200" dirty="0" err="1" smtClean="0"/>
+                        <a:rPr lang="en-US" sz="1200" dirty="0" err="1"/>
                         <a:t>Obs</a:t>
                       </a:r>
                       <a:endParaRPr lang="en-US" sz="1200" dirty="0"/>
@@ -4248,10 +4227,9 @@
                     <a:p>
                       <a:pPr algn="l"/>
                       <a:r>
-                        <a:rPr lang="en-US" sz="1200" dirty="0" smtClean="0"/>
+                        <a:rPr lang="en-US" sz="1200" dirty="0"/>
                         <a:t>Observation Error</a:t>
                       </a:r>
-                      <a:endParaRPr lang="en-US" sz="1200" dirty="0"/>
                     </a:p>
                   </a:txBody>
                   <a:tcPr anchor="ctr">
@@ -4307,10 +4285,9 @@
                     <a:p>
                       <a:pPr algn="l"/>
                       <a:r>
-                        <a:rPr lang="en-US" sz="1200" dirty="0" smtClean="0"/>
+                        <a:rPr lang="en-US" sz="1200" dirty="0"/>
                         <a:t>Imp</a:t>
                       </a:r>
-                      <a:endParaRPr lang="en-US" sz="1200" dirty="0"/>
                     </a:p>
                   </a:txBody>
                   <a:tcPr anchor="ctr">
@@ -4359,10 +4336,9 @@
                     <a:p>
                       <a:pPr algn="l"/>
                       <a:r>
-                        <a:rPr lang="en-US" sz="1200" dirty="0" smtClean="0"/>
+                        <a:rPr lang="en-US" sz="1200" dirty="0"/>
                         <a:t>Implementation Error</a:t>
                       </a:r>
-                      <a:endParaRPr lang="en-US" sz="1200" dirty="0"/>
                     </a:p>
                   </a:txBody>
                   <a:tcPr anchor="ctr">
@@ -4418,7 +4394,7 @@
                     <a:p>
                       <a:pPr algn="l"/>
                       <a:r>
-                        <a:rPr lang="en-US" sz="1200" dirty="0" smtClean="0"/>
+                        <a:rPr lang="en-US" sz="1200" dirty="0"/>
                         <a:t>OM </a:t>
                       </a:r>
                     </a:p>
@@ -4469,7 +4445,7 @@
                     <a:p>
                       <a:pPr algn="l"/>
                       <a:r>
-                        <a:rPr lang="en-US" sz="1200" dirty="0" smtClean="0"/>
+                        <a:rPr lang="en-US" sz="1200" dirty="0"/>
                         <a:t>Operating Model</a:t>
                       </a:r>
                       <a:endParaRPr lang="en-US" sz="1200" baseline="30000" dirty="0"/>
@@ -4528,7 +4504,7 @@
                     <a:p>
                       <a:pPr algn="l"/>
                       <a:r>
-                        <a:rPr lang="en-US" sz="1200" dirty="0" smtClean="0"/>
+                        <a:rPr lang="en-US" sz="1200" dirty="0"/>
                         <a:t>MSE</a:t>
                       </a:r>
                     </a:p>
@@ -4579,10 +4555,9 @@
                     <a:p>
                       <a:pPr algn="l"/>
                       <a:r>
-                        <a:rPr lang="en-US" sz="1200" baseline="0" dirty="0" smtClean="0"/>
+                        <a:rPr lang="en-US" sz="1200" baseline="0" dirty="0"/>
                         <a:t>Management Strategy Evaluation Results</a:t>
                       </a:r>
-                      <a:endParaRPr lang="en-US" sz="1200" baseline="0" dirty="0"/>
                     </a:p>
                   </a:txBody>
                   <a:tcPr anchor="ctr">
@@ -4638,7 +4613,7 @@
                     <a:p>
                       <a:pPr algn="l"/>
                       <a:r>
-                        <a:rPr lang="en-US" sz="1200" dirty="0" smtClean="0"/>
+                        <a:rPr lang="en-US" sz="1200" dirty="0"/>
                         <a:t>MP</a:t>
                       </a:r>
                     </a:p>
@@ -4689,10 +4664,9 @@
                     <a:p>
                       <a:pPr algn="l"/>
                       <a:r>
-                        <a:rPr lang="en-US" sz="1200" baseline="0" dirty="0" smtClean="0"/>
+                        <a:rPr lang="en-US" sz="1200" baseline="0" dirty="0"/>
                         <a:t>Management Procedure</a:t>
                       </a:r>
-                      <a:endParaRPr lang="en-US" sz="1200" baseline="0" dirty="0"/>
                     </a:p>
                   </a:txBody>
                   <a:tcPr anchor="ctr">
@@ -4766,21 +4740,21 @@
           <a:lstStyle/>
           <a:p>
             <a:r>
-              <a:rPr lang="en-US" b="0" dirty="0" smtClean="0">
+              <a:rPr lang="en-US" b="0" dirty="0">
                 <a:latin typeface="Segoe UI" panose="020B0502040204020203" pitchFamily="34" charset="0"/>
                 <a:cs typeface="Segoe UI" panose="020B0502040204020203" pitchFamily="34" charset="0"/>
               </a:rPr>
               <a:t>e.g. </a:t>
             </a:r>
             <a:r>
-              <a:rPr lang="en-US" dirty="0" smtClean="0">
+              <a:rPr lang="en-US" dirty="0">
                 <a:latin typeface="Segoe UI" panose="020B0502040204020203" pitchFamily="34" charset="0"/>
                 <a:cs typeface="Segoe UI" panose="020B0502040204020203" pitchFamily="34" charset="0"/>
               </a:rPr>
               <a:t>	</a:t>
             </a:r>
             <a:r>
-              <a:rPr lang="en-US" b="0" dirty="0" smtClean="0">
+              <a:rPr lang="en-US" b="0" dirty="0">
                 <a:latin typeface="Segoe UI" panose="020B0502040204020203" pitchFamily="34" charset="0"/>
                 <a:cs typeface="Segoe UI" panose="020B0502040204020203" pitchFamily="34" charset="0"/>
               </a:rPr>
@@ -4793,40 +4767,26 @@
                 <a:latin typeface="Segoe UI" panose="020B0502040204020203" pitchFamily="34" charset="0"/>
                 <a:cs typeface="Segoe UI" panose="020B0502040204020203" pitchFamily="34" charset="0"/>
               </a:rPr>
-              <a:t>	</a:t>
-            </a:r>
-            <a:r>
-              <a:rPr lang="en-US" b="0" dirty="0" smtClean="0">
-                <a:latin typeface="Segoe UI" panose="020B0502040204020203" pitchFamily="34" charset="0"/>
-                <a:cs typeface="Segoe UI" panose="020B0502040204020203" pitchFamily="34" charset="0"/>
-              </a:rPr>
-              <a:t>avail('Fleet')</a:t>
-            </a:r>
-          </a:p>
-          <a:p>
-            <a:r>
-              <a:rPr lang="en-US" b="0" dirty="0">
-                <a:latin typeface="Segoe UI" panose="020B0502040204020203" pitchFamily="34" charset="0"/>
-                <a:cs typeface="Segoe UI" panose="020B0502040204020203" pitchFamily="34" charset="0"/>
-              </a:rPr>
-              <a:t>	</a:t>
-            </a:r>
-            <a:r>
-              <a:rPr lang="en-US" b="0" dirty="0" smtClean="0">
-                <a:latin typeface="Segoe UI" panose="020B0502040204020203" pitchFamily="34" charset="0"/>
-                <a:cs typeface="Segoe UI" panose="020B0502040204020203" pitchFamily="34" charset="0"/>
-              </a:rPr>
-              <a:t>avail('</a:t>
-            </a:r>
-            <a:r>
-              <a:rPr lang="en-US" b="0" dirty="0" err="1" smtClean="0">
+              <a:t>	avail('Fleet')</a:t>
+            </a:r>
+          </a:p>
+          <a:p>
+            <a:r>
+              <a:rPr lang="en-US" b="0" dirty="0">
+                <a:latin typeface="Segoe UI" panose="020B0502040204020203" pitchFamily="34" charset="0"/>
+                <a:cs typeface="Segoe UI" panose="020B0502040204020203" pitchFamily="34" charset="0"/>
+              </a:rPr>
+              <a:t>	avail('</a:t>
+            </a:r>
+            <a:r>
+              <a:rPr lang="en-US" b="0" dirty="0" err="1">
                 <a:latin typeface="Segoe UI" panose="020B0502040204020203" pitchFamily="34" charset="0"/>
                 <a:cs typeface="Segoe UI" panose="020B0502040204020203" pitchFamily="34" charset="0"/>
               </a:rPr>
               <a:t>Obs</a:t>
             </a:r>
             <a:r>
-              <a:rPr lang="en-US" b="0" dirty="0" smtClean="0">
+              <a:rPr lang="en-US" b="0" dirty="0">
                 <a:latin typeface="Segoe UI" panose="020B0502040204020203" pitchFamily="34" charset="0"/>
                 <a:cs typeface="Segoe UI" panose="020B0502040204020203" pitchFamily="34" charset="0"/>
               </a:rPr>
@@ -4839,14 +4799,7 @@
                 <a:latin typeface="Segoe UI" panose="020B0502040204020203" pitchFamily="34" charset="0"/>
                 <a:cs typeface="Segoe UI" panose="020B0502040204020203" pitchFamily="34" charset="0"/>
               </a:rPr>
-              <a:t>	</a:t>
-            </a:r>
-            <a:r>
-              <a:rPr lang="en-US" b="0" dirty="0" smtClean="0">
-                <a:latin typeface="Segoe UI" panose="020B0502040204020203" pitchFamily="34" charset="0"/>
-                <a:cs typeface="Segoe UI" panose="020B0502040204020203" pitchFamily="34" charset="0"/>
-              </a:rPr>
-              <a:t>…</a:t>
+              <a:t>	…</a:t>
             </a:r>
           </a:p>
           <a:p>
@@ -5022,18 +4975,13 @@
             <a:lstStyle/>
             <a:p>
               <a:r>
-                <a:rPr lang="en-US" b="0" dirty="0" smtClean="0"/>
-                <a:t>OM = Stock </a:t>
-              </a:r>
-              <a:r>
                 <a:rPr lang="en-US" b="0" dirty="0"/>
-                <a:t>+ Fleet </a:t>
-              </a:r>
-              <a:endParaRPr lang="en-US" b="0" dirty="0" smtClean="0"/>
+                <a:t>OM = Stock + Fleet </a:t>
+              </a:r>
             </a:p>
             <a:p>
               <a:r>
-                <a:rPr lang="en-US" b="0" dirty="0" smtClean="0"/>
+                <a:rPr lang="en-US" b="0" dirty="0"/>
                 <a:t>         + </a:t>
               </a:r>
               <a:r>
@@ -5081,7 +5029,7 @@
             </a:ln>
             <a:extLst>
               <a:ext uri="{C572A759-6A51-4108-AA02-DFA0A04FC94B}">
-                <ma14:wrappingTextBoxFlag xmlns="" xmlns:ma14="http://schemas.microsoft.com/office/mac/drawingml/2011/main" val="1"/>
+                <ma14:wrappingTextBoxFlag xmlns:ma14="http://schemas.microsoft.com/office/mac/drawingml/2011/main" xmlns="" val="1"/>
               </a:ext>
             </a:extLst>
           </p:spPr>
@@ -5105,7 +5053,7 @@
                 </a:defRPr>
               </a:pPr>
               <a:r>
-                <a:rPr lang="en-US" dirty="0" smtClean="0"/>
+                <a:rPr lang="en-US" dirty="0"/>
                 <a:t>Create New OM</a:t>
               </a:r>
               <a:endParaRPr dirty="0"/>
@@ -5131,7 +5079,7 @@
             </a:ln>
             <a:extLst>
               <a:ext uri="{C572A759-6A51-4108-AA02-DFA0A04FC94B}">
-                <ma14:wrappingTextBoxFlag xmlns="" xmlns:ma14="http://schemas.microsoft.com/office/mac/drawingml/2011/main" val="1"/>
+                <ma14:wrappingTextBoxFlag xmlns:ma14="http://schemas.microsoft.com/office/mac/drawingml/2011/main" xmlns="" val="1"/>
               </a:ext>
             </a:extLst>
           </p:spPr>
@@ -5147,14 +5095,14 @@
                 </a:lnSpc>
               </a:pPr>
               <a:r>
-                <a:rPr lang="en-US" dirty="0" smtClean="0">
+                <a:rPr lang="en-US" dirty="0">
                   <a:latin typeface="Segoe UI" panose="020B0502040204020203" pitchFamily="34" charset="0"/>
                   <a:cs typeface="Segoe UI" panose="020B0502040204020203" pitchFamily="34" charset="0"/>
                 </a:rPr>
                 <a:t>Blank OM: </a:t>
               </a:r>
               <a:r>
-                <a:rPr lang="en-US" b="0" dirty="0" smtClean="0">
+                <a:rPr lang="en-US" b="0" dirty="0">
                   <a:latin typeface="Segoe UI" panose="020B0502040204020203" pitchFamily="34" charset="0"/>
                   <a:cs typeface="Segoe UI" panose="020B0502040204020203" pitchFamily="34" charset="0"/>
                 </a:rPr>
@@ -5193,14 +5141,7 @@
                   <a:latin typeface="Segoe UI" panose="020B0502040204020203" pitchFamily="34" charset="0"/>
                   <a:cs typeface="Segoe UI" panose="020B0502040204020203" pitchFamily="34" charset="0"/>
                 </a:rPr>
-                <a:t>', 'Imp</a:t>
-              </a:r>
-              <a:r>
-                <a:rPr lang="en-US" b="0" dirty="0" smtClean="0">
-                  <a:latin typeface="Segoe UI" panose="020B0502040204020203" pitchFamily="34" charset="0"/>
-                  <a:cs typeface="Segoe UI" panose="020B0502040204020203" pitchFamily="34" charset="0"/>
-                </a:rPr>
-                <a:t>')</a:t>
+                <a:t>', 'Imp')</a:t>
               </a:r>
             </a:p>
             <a:p>
@@ -5252,7 +5193,7 @@
                 <a:t>Perfect_Imp</a:t>
               </a:r>
               <a:r>
-                <a:rPr lang="en-US" b="0" dirty="0" smtClean="0">
+                <a:rPr lang="en-US" b="0" dirty="0">
                   <a:latin typeface="Segoe UI" panose="020B0502040204020203" pitchFamily="34" charset="0"/>
                   <a:cs typeface="Segoe UI" panose="020B0502040204020203" pitchFamily="34" charset="0"/>
                 </a:rPr>
@@ -5270,14 +5211,7 @@
                   <a:latin typeface="Segoe UI" panose="020B0502040204020203" pitchFamily="34" charset="0"/>
                   <a:cs typeface="Segoe UI" panose="020B0502040204020203" pitchFamily="34" charset="0"/>
                 </a:rPr>
-                <a:t>Initialize Excel </a:t>
-              </a:r>
-              <a:r>
-                <a:rPr lang="en-US" dirty="0" smtClean="0">
-                  <a:latin typeface="Segoe UI" panose="020B0502040204020203" pitchFamily="34" charset="0"/>
-                  <a:cs typeface="Segoe UI" panose="020B0502040204020203" pitchFamily="34" charset="0"/>
-                </a:rPr>
-                <a:t>OM and OM Report: </a:t>
+                <a:t>Initialize Excel OM and OM Report: </a:t>
               </a:r>
               <a:r>
                 <a:rPr lang="en-US" b="0" dirty="0" err="1">
@@ -5301,7 +5235,7 @@
                 <a:t>myOM</a:t>
               </a:r>
               <a:r>
-                <a:rPr lang="en-US" b="0" dirty="0" smtClean="0">
+                <a:rPr lang="en-US" b="0" dirty="0">
                   <a:latin typeface="Segoe UI" panose="020B0502040204020203" pitchFamily="34" charset="0"/>
                   <a:cs typeface="Segoe UI" panose="020B0502040204020203" pitchFamily="34" charset="0"/>
                 </a:rPr>
@@ -5326,33 +5260,22 @@
                   <a:latin typeface="Segoe UI" panose="020B0502040204020203" pitchFamily="34" charset="0"/>
                   <a:cs typeface="Segoe UI" panose="020B0502040204020203" pitchFamily="34" charset="0"/>
                 </a:rPr>
-                <a:t>OM &lt;- </a:t>
-              </a:r>
-              <a:r>
-                <a:rPr lang="en-US" b="0" dirty="0" smtClean="0">
+                <a:t>OM &lt;- XL2OM('</a:t>
+              </a:r>
+              <a:r>
+                <a:rPr lang="en-US" b="0" dirty="0" err="1">
                   <a:latin typeface="Segoe UI" panose="020B0502040204020203" pitchFamily="34" charset="0"/>
                   <a:cs typeface="Segoe UI" panose="020B0502040204020203" pitchFamily="34" charset="0"/>
                 </a:rPr>
-                <a:t>XL2OM('</a:t>
-              </a:r>
-              <a:r>
-                <a:rPr lang="en-US" b="0" dirty="0" err="1" smtClean="0">
+                <a:t>myOM</a:t>
+              </a:r>
+              <a:r>
+                <a:rPr lang="en-US" b="0" dirty="0">
                   <a:latin typeface="Segoe UI" panose="020B0502040204020203" pitchFamily="34" charset="0"/>
                   <a:cs typeface="Segoe UI" panose="020B0502040204020203" pitchFamily="34" charset="0"/>
                 </a:rPr>
-                <a:t>myOM</a:t>
-              </a:r>
-              <a:r>
-                <a:rPr lang="en-US" b="0" dirty="0" smtClean="0">
-                  <a:latin typeface="Segoe UI" panose="020B0502040204020203" pitchFamily="34" charset="0"/>
-                  <a:cs typeface="Segoe UI" panose="020B0502040204020203" pitchFamily="34" charset="0"/>
-                </a:rPr>
                 <a:t>')</a:t>
               </a:r>
-              <a:endParaRPr lang="en-US" b="0" dirty="0">
-                <a:latin typeface="Segoe UI" panose="020B0502040204020203" pitchFamily="34" charset="0"/>
-                <a:cs typeface="Segoe UI" panose="020B0502040204020203" pitchFamily="34" charset="0"/>
-              </a:endParaRPr>
             </a:p>
             <a:p>
               <a:pPr>
@@ -5361,21 +5284,21 @@
                 </a:lnSpc>
               </a:pPr>
               <a:r>
-                <a:rPr lang="en-US" dirty="0" smtClean="0">
+                <a:rPr lang="en-US" dirty="0">
                   <a:latin typeface="Segoe UI" panose="020B0502040204020203" pitchFamily="34" charset="0"/>
                   <a:cs typeface="Segoe UI" panose="020B0502040204020203" pitchFamily="34" charset="0"/>
                 </a:rPr>
                 <a:t>Generate OM Report: </a:t>
               </a:r>
               <a:r>
-                <a:rPr lang="en-US" b="0" dirty="0" err="1" smtClean="0">
+                <a:rPr lang="en-US" b="0" dirty="0" err="1">
                   <a:latin typeface="Segoe UI" panose="020B0502040204020203" pitchFamily="34" charset="0"/>
                   <a:cs typeface="Segoe UI" panose="020B0502040204020203" pitchFamily="34" charset="0"/>
                 </a:rPr>
                 <a:t>OMdoc</a:t>
               </a:r>
               <a:r>
-                <a:rPr lang="en-US" b="0" dirty="0" smtClean="0">
+                <a:rPr lang="en-US" b="0" dirty="0">
                   <a:latin typeface="Segoe UI" panose="020B0502040204020203" pitchFamily="34" charset="0"/>
                   <a:cs typeface="Segoe UI" panose="020B0502040204020203" pitchFamily="34" charset="0"/>
                 </a:rPr>
@@ -5408,7 +5331,7 @@
           </a:ln>
           <a:extLst>
             <a:ext uri="{C572A759-6A51-4108-AA02-DFA0A04FC94B}">
-              <ma14:wrappingTextBoxFlag xmlns="" xmlns:ma14="http://schemas.microsoft.com/office/mac/drawingml/2011/main" val="1"/>
+              <ma14:wrappingTextBoxFlag xmlns:ma14="http://schemas.microsoft.com/office/mac/drawingml/2011/main" xmlns="" val="1"/>
             </a:ext>
           </a:extLst>
         </p:spPr>
@@ -5420,15 +5343,15 @@
           <a:p>
             <a:pPr lvl="1" indent="0"/>
             <a:r>
-              <a:rPr lang="en-US" dirty="0" smtClean="0"/>
+              <a:rPr lang="en-US" dirty="0"/>
               <a:t>More Objects: </a:t>
             </a:r>
             <a:r>
-              <a:rPr lang="en-US" b="0" dirty="0" err="1" smtClean="0"/>
+              <a:rPr lang="en-US" b="0" dirty="0" err="1"/>
               <a:t>DLMextra</a:t>
             </a:r>
             <a:r>
-              <a:rPr lang="en-US" b="0" dirty="0" smtClean="0"/>
+              <a:rPr lang="en-US" b="0" dirty="0"/>
               <a:t>()</a:t>
             </a:r>
             <a:endParaRPr dirty="0"/>
@@ -5495,14 +5418,13 @@
             <a:lstStyle/>
             <a:p>
               <a:r>
-                <a:rPr lang="en-US" dirty="0" smtClean="0"/>
+                <a:rPr lang="en-US" dirty="0"/>
                 <a:t>OM Excel: </a:t>
               </a:r>
               <a:r>
-                <a:rPr lang="en-US" b="0" dirty="0" smtClean="0"/>
+                <a:rPr lang="en-US" b="0" dirty="0"/>
                 <a:t>myOM.xlsx</a:t>
               </a:r>
-              <a:endParaRPr lang="en-US" b="0" dirty="0"/>
             </a:p>
           </p:txBody>
         </p:sp>
@@ -5567,11 +5489,11 @@
             <a:lstStyle/>
             <a:p>
               <a:r>
-                <a:rPr lang="en-US" dirty="0" smtClean="0"/>
+                <a:rPr lang="en-US" dirty="0"/>
                 <a:t>OM Report: </a:t>
               </a:r>
               <a:r>
-                <a:rPr lang="en-US" b="0" dirty="0" err="1" smtClean="0"/>
+                <a:rPr lang="en-US" b="0" dirty="0" err="1"/>
                 <a:t>myOM.rmd</a:t>
               </a:r>
               <a:endParaRPr lang="en-US" b="0" dirty="0"/>
@@ -5598,7 +5520,7 @@
           </a:ln>
           <a:extLst>
             <a:ext uri="{C572A759-6A51-4108-AA02-DFA0A04FC94B}">
-              <ma14:wrappingTextBoxFlag xmlns="" xmlns:ma14="http://schemas.microsoft.com/office/mac/drawingml/2011/main" val="1"/>
+              <ma14:wrappingTextBoxFlag xmlns:ma14="http://schemas.microsoft.com/office/mac/drawingml/2011/main" xmlns="" val="1"/>
             </a:ext>
           </a:extLst>
         </p:spPr>
@@ -5622,7 +5544,7 @@
               </a:defRPr>
             </a:pPr>
             <a:r>
-              <a:rPr lang="en-US" dirty="0" smtClean="0"/>
+              <a:rPr lang="en-US" dirty="0"/>
               <a:t>Acronyms</a:t>
             </a:r>
             <a:endParaRPr dirty="0"/>
@@ -5662,7 +5584,7 @@
             </a:ln>
             <a:extLst>
               <a:ext uri="{C572A759-6A51-4108-AA02-DFA0A04FC94B}">
-                <ma14:wrappingTextBoxFlag xmlns="" xmlns:ma14="http://schemas.microsoft.com/office/mac/drawingml/2011/main" val="1"/>
+                <ma14:wrappingTextBoxFlag xmlns:ma14="http://schemas.microsoft.com/office/mac/drawingml/2011/main" xmlns="" val="1"/>
               </a:ext>
             </a:extLst>
           </p:spPr>
@@ -5686,7 +5608,7 @@
                 </a:defRPr>
               </a:pPr>
               <a:r>
-                <a:rPr lang="en-US" dirty="0" smtClean="0"/>
+                <a:rPr lang="en-US" dirty="0"/>
                 <a:t>Getting Started</a:t>
               </a:r>
               <a:endParaRPr dirty="0"/>
@@ -5712,7 +5634,7 @@
             </a:ln>
             <a:extLst>
               <a:ext uri="{C572A759-6A51-4108-AA02-DFA0A04FC94B}">
-                <ma14:wrappingTextBoxFlag xmlns="" xmlns:ma14="http://schemas.microsoft.com/office/mac/drawingml/2011/main" val="1"/>
+                <ma14:wrappingTextBoxFlag xmlns:ma14="http://schemas.microsoft.com/office/mac/drawingml/2011/main" xmlns="" val="1"/>
               </a:ext>
             </a:extLst>
           </p:spPr>
@@ -5728,15 +5650,15 @@
                 </a:lnSpc>
               </a:pPr>
               <a:r>
-                <a:rPr lang="en-US" dirty="0" smtClean="0"/>
+                <a:rPr lang="en-US" dirty="0"/>
                 <a:t>Install package: </a:t>
               </a:r>
               <a:r>
-                <a:rPr lang="en-US" b="0" dirty="0" err="1" smtClean="0"/>
+                <a:rPr lang="en-US" b="0" dirty="0" err="1"/>
                 <a:t>install.packages</a:t>
               </a:r>
               <a:r>
-                <a:rPr lang="en-US" b="0" dirty="0" smtClean="0"/>
+                <a:rPr lang="en-US" b="0" dirty="0"/>
                 <a:t>('DLMtool')</a:t>
               </a:r>
             </a:p>
@@ -5747,19 +5669,19 @@
                 </a:lnSpc>
               </a:pPr>
               <a:r>
-                <a:rPr lang="en-US" dirty="0" smtClean="0"/>
+                <a:rPr lang="en-US" dirty="0"/>
                 <a:t>User Guide:</a:t>
               </a:r>
               <a:r>
-                <a:rPr lang="en-US" b="0" dirty="0" smtClean="0"/>
+                <a:rPr lang="en-US" b="0" dirty="0"/>
                 <a:t> </a:t>
               </a:r>
               <a:r>
-                <a:rPr lang="en-US" b="0" dirty="0" err="1" smtClean="0"/>
+                <a:rPr lang="en-US" b="0" dirty="0" err="1"/>
                 <a:t>userguide</a:t>
               </a:r>
               <a:r>
-                <a:rPr lang="en-US" b="0" dirty="0" smtClean="0"/>
+                <a:rPr lang="en-US" b="0" dirty="0"/>
                 <a:t>()</a:t>
               </a:r>
             </a:p>
@@ -5770,19 +5692,19 @@
                 </a:lnSpc>
               </a:pPr>
               <a:r>
-                <a:rPr lang="en-US" dirty="0" smtClean="0"/>
+                <a:rPr lang="en-US" dirty="0"/>
                 <a:t>Cheat Sheets:</a:t>
               </a:r>
               <a:r>
-                <a:rPr lang="en-US" b="0" dirty="0" smtClean="0"/>
+                <a:rPr lang="en-US" b="0" dirty="0"/>
                 <a:t> </a:t>
               </a:r>
               <a:r>
-                <a:rPr lang="en-US" b="0" dirty="0" err="1" smtClean="0"/>
+                <a:rPr lang="en-US" b="0" dirty="0" err="1"/>
                 <a:t>cheatsheets</a:t>
               </a:r>
               <a:r>
-                <a:rPr lang="en-US" b="0" dirty="0" smtClean="0"/>
+                <a:rPr lang="en-US" b="0" dirty="0"/>
                 <a:t>()</a:t>
               </a:r>
             </a:p>
@@ -5804,15 +5726,9 @@
                 <a:rPr lang="en-US" b="0" dirty="0">
                   <a:hlinkClick r:id="rId5"/>
                 </a:rPr>
-                <a:t>http://</a:t>
-              </a:r>
-              <a:r>
-                <a:rPr lang="en-US" b="0" dirty="0" smtClean="0">
-                  <a:hlinkClick r:id="rId5"/>
-                </a:rPr>
-                <a:t>datalimitedtoolkit.org</a:t>
-              </a:r>
-              <a:endParaRPr lang="en-US" b="0" dirty="0" smtClean="0"/>
+                <a:t>http://datalimitedtoolkit.org</a:t>
+              </a:r>
+              <a:endParaRPr lang="en-US" b="0" dirty="0"/>
             </a:p>
             <a:p>
               <a:pPr lvl="1" indent="0">
@@ -5832,15 +5748,9 @@
                 <a:rPr lang="en-US" b="0" dirty="0">
                   <a:hlinkClick r:id="rId6"/>
                 </a:rPr>
-                <a:t>https://</a:t>
-              </a:r>
-              <a:r>
-                <a:rPr lang="en-US" b="0" dirty="0" smtClean="0">
-                  <a:hlinkClick r:id="rId6"/>
-                </a:rPr>
-                <a:t>github.com/DLMtool/DLMtool/issues</a:t>
-              </a:r>
-              <a:endParaRPr lang="en-US" b="0" dirty="0" smtClean="0"/>
+                <a:t>https://github.com/DLMtool/DLMtool/issues</a:t>
+              </a:r>
+              <a:endParaRPr lang="en-US" b="0" dirty="0"/>
             </a:p>
           </p:txBody>
         </p:sp>
@@ -5906,7 +5816,7 @@
           </a:ln>
           <a:extLst>
             <a:ext uri="{C572A759-6A51-4108-AA02-DFA0A04FC94B}">
-              <ma14:wrappingTextBoxFlag xmlns:ma14="http://schemas.microsoft.com/office/mac/drawingml/2011/main" xmlns="" val="1"/>
+              <ma14:wrappingTextBoxFlag xmlns="" xmlns:ma14="http://schemas.microsoft.com/office/mac/drawingml/2011/main" val="1"/>
             </a:ext>
           </a:extLst>
         </p:spPr>
@@ -5930,7 +5840,7 @@
               </a:defRPr>
             </a:pPr>
             <a:r>
-              <a:rPr dirty="0" smtClean="0"/>
+              <a:rPr dirty="0"/>
               <a:t>.    </a:t>
             </a:r>
             <a:r>
@@ -5944,91 +5854,67 @@
               <a:t> </a:t>
             </a:r>
             <a:r>
-              <a:rPr lang="en-US" dirty="0" smtClean="0"/>
+              <a:rPr lang="en-US" dirty="0"/>
               <a:t>Adrian Hordyk </a:t>
-            </a:r>
-            <a:r>
-              <a:rPr dirty="0" smtClean="0"/>
-              <a:t>•  </a:t>
-            </a:r>
-            <a:r>
-              <a:rPr lang="en-US" dirty="0" smtClean="0">
-                <a:hlinkClick r:id="rId8"/>
-              </a:rPr>
-              <a:t>a.hordyk@oceans.ubc.ca</a:t>
-            </a:r>
-            <a:r>
-              <a:rPr lang="en-US" dirty="0" smtClean="0"/>
-              <a:t> </a:t>
-            </a:r>
-            <a:r>
-              <a:rPr dirty="0" smtClean="0"/>
-              <a:t> </a:t>
-            </a:r>
-            <a:r>
-              <a:rPr dirty="0"/>
-              <a:t>• </a:t>
-            </a:r>
-            <a:r>
-              <a:rPr dirty="0" smtClean="0"/>
-              <a:t> </a:t>
-            </a:r>
-            <a:r>
-              <a:rPr lang="en-US" dirty="0" smtClean="0">
-                <a:hlinkClick r:id="rId5"/>
-              </a:rPr>
-              <a:t>http://datalimitedtoolkit.org</a:t>
-            </a:r>
-            <a:r>
-              <a:rPr lang="en-US" dirty="0" smtClean="0"/>
-              <a:t> </a:t>
-            </a:r>
-            <a:r>
-              <a:rPr dirty="0" smtClean="0"/>
-              <a:t> </a:t>
             </a:r>
             <a:r>
               <a:rPr dirty="0"/>
               <a:t>•  </a:t>
             </a:r>
             <a:r>
-              <a:rPr dirty="0" smtClean="0"/>
+              <a:rPr lang="en-US" dirty="0">
+                <a:hlinkClick r:id="rId8"/>
+              </a:rPr>
+              <a:t>a.hordyk@oceans.ubc.ca</a:t>
+            </a:r>
+            <a:r>
+              <a:rPr lang="en-US" dirty="0"/>
               <a:t> </a:t>
             </a:r>
             <a:r>
-              <a:rPr lang="en-US" dirty="0" smtClean="0"/>
+              <a:rPr dirty="0"/>
+              <a:t> •  </a:t>
+            </a:r>
+            <a:r>
+              <a:rPr lang="en-US" dirty="0">
+                <a:hlinkClick r:id="rId5"/>
+              </a:rPr>
+              <a:t>http://datalimitedtoolkit.org</a:t>
+            </a:r>
+            <a:r>
+              <a:rPr lang="en-US" dirty="0"/>
+              <a:t> </a:t>
+            </a:r>
+            <a:r>
+              <a:rPr dirty="0"/>
+              <a:t> •   </a:t>
+            </a:r>
+            <a:r>
+              <a:rPr lang="en-US" dirty="0"/>
               <a:t>DLMtool</a:t>
             </a:r>
             <a:r>
-              <a:rPr dirty="0" smtClean="0"/>
-              <a:t> </a:t>
-            </a:r>
-            <a:r>
               <a:rPr dirty="0"/>
-              <a:t>version  </a:t>
-            </a:r>
-            <a:r>
-              <a:rPr lang="en-US" dirty="0" smtClean="0"/>
+              <a:t> version  </a:t>
+            </a:r>
+            <a:r>
+              <a:rPr lang="en-US" dirty="0"/>
               <a:t>5.2</a:t>
             </a:r>
             <a:r>
-              <a:rPr dirty="0" smtClean="0"/>
-              <a:t> </a:t>
-            </a:r>
-            <a:r>
               <a:rPr dirty="0"/>
-              <a:t>•  Updated: </a:t>
-            </a:r>
-            <a:r>
-              <a:rPr lang="en-US" dirty="0" smtClean="0"/>
+              <a:t> •  Updated: </a:t>
+            </a:r>
+            <a:r>
+              <a:rPr lang="en-US" dirty="0"/>
               <a:t>September </a:t>
             </a:r>
             <a:r>
-              <a:rPr dirty="0" smtClean="0"/>
+              <a:rPr dirty="0"/>
               <a:t>201</a:t>
             </a:r>
             <a:r>
-              <a:rPr lang="en-US" dirty="0" smtClean="0"/>
+              <a:rPr lang="en-US" dirty="0"/>
               <a:t>8</a:t>
             </a:r>
             <a:endParaRPr dirty="0"/>
@@ -6083,10 +5969,9 @@
                     <a:p>
                       <a:pPr algn="l"/>
                       <a:r>
-                        <a:rPr lang="en-US" sz="1200" b="1" dirty="0" smtClean="0"/>
+                        <a:rPr lang="en-US" sz="1200" b="1" dirty="0"/>
                         <a:t>MP Type</a:t>
                       </a:r>
-                      <a:endParaRPr lang="en-US" sz="1200" b="1" dirty="0"/>
                     </a:p>
                   </a:txBody>
                   <a:tcPr anchor="ctr">
@@ -6135,10 +6020,9 @@
                     <a:p>
                       <a:pPr algn="l"/>
                       <a:r>
-                        <a:rPr lang="en-US" sz="1200" b="1" dirty="0" smtClean="0"/>
+                        <a:rPr lang="en-US" sz="1200" b="1" dirty="0"/>
                         <a:t>Returns</a:t>
                       </a:r>
-                      <a:endParaRPr lang="en-US" sz="1200" b="1" dirty="0"/>
                     </a:p>
                   </a:txBody>
                   <a:tcPr anchor="ctr">
@@ -6194,10 +6078,9 @@
                     <a:p>
                       <a:pPr algn="l"/>
                       <a:r>
-                        <a:rPr lang="en-US" sz="1200" dirty="0" smtClean="0"/>
+                        <a:rPr lang="en-US" sz="1200" dirty="0"/>
                         <a:t>Output</a:t>
                       </a:r>
-                      <a:endParaRPr lang="en-US" sz="1200" dirty="0"/>
                     </a:p>
                   </a:txBody>
                   <a:tcPr anchor="ctr">
@@ -6246,11 +6129,11 @@
                     <a:p>
                       <a:pPr algn="l"/>
                       <a:r>
-                        <a:rPr lang="en-US" sz="1200" dirty="0" smtClean="0"/>
+                        <a:rPr lang="en-US" sz="1200" dirty="0"/>
                         <a:t>TAC (total</a:t>
                       </a:r>
                       <a:r>
-                        <a:rPr lang="en-US" sz="1200" baseline="0" dirty="0" smtClean="0"/>
+                        <a:rPr lang="en-US" sz="1200" baseline="0" dirty="0"/>
                         <a:t> allowable catch)</a:t>
                       </a:r>
                       <a:endParaRPr lang="en-US" sz="1200" dirty="0"/>
@@ -6309,10 +6192,9 @@
                     <a:p>
                       <a:pPr algn="l"/>
                       <a:r>
-                        <a:rPr lang="en-US" sz="1200" dirty="0" smtClean="0"/>
+                        <a:rPr lang="en-US" sz="1200" dirty="0"/>
                         <a:t>Input</a:t>
                       </a:r>
-                      <a:endParaRPr lang="en-US" sz="1200" dirty="0"/>
                     </a:p>
                   </a:txBody>
                   <a:tcPr anchor="ctr">
@@ -6361,11 +6243,11 @@
                     <a:p>
                       <a:pPr algn="l"/>
                       <a:r>
-                        <a:rPr lang="en-US" sz="1200" dirty="0" smtClean="0"/>
+                        <a:rPr lang="en-US" sz="1200" dirty="0"/>
                         <a:t>TAE,</a:t>
                       </a:r>
                       <a:r>
-                        <a:rPr lang="en-US" sz="1200" baseline="0" dirty="0" smtClean="0"/>
+                        <a:rPr lang="en-US" sz="1200" baseline="0" dirty="0"/>
                         <a:t> SL, Spatial (total allowable effort, size limit, spatial closure)</a:t>
                       </a:r>
                       <a:endParaRPr lang="en-US" sz="1200" dirty="0"/>
@@ -6424,10 +6306,9 @@
                     <a:p>
                       <a:pPr algn="l"/>
                       <a:r>
-                        <a:rPr lang="en-US" sz="1200" dirty="0" smtClean="0"/>
+                        <a:rPr lang="en-US" sz="1200" dirty="0"/>
                         <a:t>Mixed</a:t>
                       </a:r>
-                      <a:endParaRPr lang="en-US" sz="1200" dirty="0"/>
                     </a:p>
                   </a:txBody>
                   <a:tcPr anchor="ctr">
@@ -6476,11 +6357,11 @@
                     <a:p>
                       <a:pPr algn="l"/>
                       <a:r>
-                        <a:rPr lang="en-US" sz="1200" dirty="0" smtClean="0"/>
+                        <a:rPr lang="en-US" sz="1200" dirty="0"/>
                         <a:t>Combination</a:t>
                       </a:r>
                       <a:r>
-                        <a:rPr lang="en-US" sz="1200" baseline="0" dirty="0" smtClean="0"/>
+                        <a:rPr lang="en-US" sz="1200" baseline="0" dirty="0"/>
                         <a:t> of Output and Input</a:t>
                       </a:r>
                       <a:endParaRPr lang="en-US" sz="1200" dirty="0"/>
@@ -6539,10 +6420,9 @@
                     <a:p>
                       <a:pPr algn="l"/>
                       <a:r>
-                        <a:rPr lang="en-US" sz="1200" dirty="0" smtClean="0"/>
+                        <a:rPr lang="en-US" sz="1200" dirty="0"/>
                         <a:t>Reference</a:t>
                       </a:r>
-                      <a:endParaRPr lang="en-US" sz="1200" dirty="0"/>
                     </a:p>
                   </a:txBody>
                   <a:tcPr anchor="ctr">
@@ -6591,11 +6471,11 @@
                     <a:p>
                       <a:pPr algn="l"/>
                       <a:r>
-                        <a:rPr lang="en-US" sz="1200" dirty="0" smtClean="0"/>
+                        <a:rPr lang="en-US" sz="1200" dirty="0"/>
                         <a:t>TAC (assuming perfect </a:t>
                       </a:r>
                       <a:r>
-                        <a:rPr lang="en-US" sz="1200" baseline="0" dirty="0" smtClean="0"/>
+                        <a:rPr lang="en-US" sz="1200" baseline="0" dirty="0"/>
                         <a:t>data)</a:t>
                       </a:r>
                       <a:endParaRPr lang="en-US" sz="1200" dirty="0"/>
@@ -6683,7 +6563,7 @@
             </a:ln>
             <a:extLst>
               <a:ext uri="{C572A759-6A51-4108-AA02-DFA0A04FC94B}">
-                <ma14:wrappingTextBoxFlag xmlns="" xmlns:ma14="http://schemas.microsoft.com/office/mac/drawingml/2011/main" val="1"/>
+                <ma14:wrappingTextBoxFlag xmlns:ma14="http://schemas.microsoft.com/office/mac/drawingml/2011/main" xmlns="" val="1"/>
               </a:ext>
             </a:extLst>
           </p:spPr>
@@ -6707,7 +6587,7 @@
                 </a:defRPr>
               </a:pPr>
               <a:r>
-                <a:rPr lang="en-US" dirty="0" smtClean="0"/>
+                <a:rPr lang="en-US" dirty="0"/>
                 <a:t>Customize OM</a:t>
               </a:r>
               <a:endParaRPr dirty="0"/>
@@ -6733,7 +6613,7 @@
             </a:ln>
             <a:extLst>
               <a:ext uri="{C572A759-6A51-4108-AA02-DFA0A04FC94B}">
-                <ma14:wrappingTextBoxFlag xmlns="" xmlns:ma14="http://schemas.microsoft.com/office/mac/drawingml/2011/main" val="1"/>
+                <ma14:wrappingTextBoxFlag xmlns:ma14="http://schemas.microsoft.com/office/mac/drawingml/2011/main" xmlns="" val="1"/>
               </a:ext>
             </a:extLst>
           </p:spPr>
@@ -6749,42 +6629,42 @@
                 </a:lnSpc>
               </a:pPr>
               <a:r>
-                <a:rPr lang="en-US" dirty="0" smtClean="0">
+                <a:rPr lang="en-US" dirty="0">
                   <a:latin typeface="Segoe UI" panose="020B0502040204020203" pitchFamily="34" charset="0"/>
                   <a:cs typeface="Segoe UI" panose="020B0502040204020203" pitchFamily="34" charset="0"/>
                 </a:rPr>
                 <a:t>Sketch Historical Fishing: </a:t>
               </a:r>
               <a:r>
-                <a:rPr lang="en-US" b="0" dirty="0" smtClean="0">
+                <a:rPr lang="en-US" b="0" dirty="0">
                   <a:latin typeface="Segoe UI" panose="020B0502040204020203" pitchFamily="34" charset="0"/>
                   <a:cs typeface="Segoe UI" panose="020B0502040204020203" pitchFamily="34" charset="0"/>
                 </a:rPr>
                 <a:t>Fleet/OM</a:t>
               </a:r>
               <a:r>
-                <a:rPr lang="en-US" dirty="0" smtClean="0">
+                <a:rPr lang="en-US" dirty="0">
                   <a:latin typeface="Segoe UI" panose="020B0502040204020203" pitchFamily="34" charset="0"/>
                   <a:cs typeface="Segoe UI" panose="020B0502040204020203" pitchFamily="34" charset="0"/>
                 </a:rPr>
                 <a:t> </a:t>
               </a:r>
               <a:r>
-                <a:rPr lang="en-US" b="0" dirty="0" smtClean="0">
+                <a:rPr lang="en-US" b="0" dirty="0">
                   <a:latin typeface="Segoe UI" panose="020B0502040204020203" pitchFamily="34" charset="0"/>
                   <a:cs typeface="Segoe UI" panose="020B0502040204020203" pitchFamily="34" charset="0"/>
                 </a:rPr>
                 <a:t>&lt;- </a:t>
               </a:r>
               <a:r>
-                <a:rPr lang="en-US" b="0" dirty="0" err="1" smtClean="0">
+                <a:rPr lang="en-US" b="0" dirty="0" err="1">
                   <a:latin typeface="Segoe UI" panose="020B0502040204020203" pitchFamily="34" charset="0"/>
                   <a:cs typeface="Segoe UI" panose="020B0502040204020203" pitchFamily="34" charset="0"/>
                 </a:rPr>
                 <a:t>ChooseEffort</a:t>
               </a:r>
               <a:r>
-                <a:rPr lang="en-US" b="0" dirty="0" smtClean="0">
+                <a:rPr lang="en-US" b="0" dirty="0">
                   <a:latin typeface="Segoe UI" panose="020B0502040204020203" pitchFamily="34" charset="0"/>
                   <a:cs typeface="Segoe UI" panose="020B0502040204020203" pitchFamily="34" charset="0"/>
                 </a:rPr>
@@ -6798,42 +6678,42 @@
                 </a:lnSpc>
               </a:pPr>
               <a:r>
-                <a:rPr lang="en-US" dirty="0" smtClean="0">
+                <a:rPr lang="en-US" dirty="0">
                   <a:latin typeface="Segoe UI" panose="020B0502040204020203" pitchFamily="34" charset="0"/>
                   <a:cs typeface="Segoe UI" panose="020B0502040204020203" pitchFamily="34" charset="0"/>
                 </a:rPr>
                 <a:t>Sketch Selectivity:</a:t>
               </a:r>
               <a:r>
-                <a:rPr lang="en-US" b="0" dirty="0" smtClean="0">
+                <a:rPr lang="en-US" b="0" dirty="0">
                   <a:latin typeface="Segoe UI" panose="020B0502040204020203" pitchFamily="34" charset="0"/>
                   <a:cs typeface="Segoe UI" panose="020B0502040204020203" pitchFamily="34" charset="0"/>
                 </a:rPr>
                 <a:t> Fleet &lt;- </a:t>
               </a:r>
               <a:r>
-                <a:rPr lang="en-US" b="0" dirty="0" err="1" smtClean="0">
+                <a:rPr lang="en-US" b="0" dirty="0" err="1">
                   <a:latin typeface="Segoe UI" panose="020B0502040204020203" pitchFamily="34" charset="0"/>
                   <a:cs typeface="Segoe UI" panose="020B0502040204020203" pitchFamily="34" charset="0"/>
                 </a:rPr>
                 <a:t>ChooseSelect</a:t>
               </a:r>
               <a:r>
-                <a:rPr lang="en-US" b="0" dirty="0" smtClean="0">
+                <a:rPr lang="en-US" b="0" dirty="0">
                   <a:latin typeface="Segoe UI" panose="020B0502040204020203" pitchFamily="34" charset="0"/>
                   <a:cs typeface="Segoe UI" panose="020B0502040204020203" pitchFamily="34" charset="0"/>
                 </a:rPr>
                 <a:t>(Fleet, </a:t>
               </a:r>
               <a:r>
-                <a:rPr lang="en-US" b="0" dirty="0" err="1" smtClean="0">
+                <a:rPr lang="en-US" b="0" dirty="0" err="1">
                   <a:latin typeface="Segoe UI" panose="020B0502040204020203" pitchFamily="34" charset="0"/>
                   <a:cs typeface="Segoe UI" panose="020B0502040204020203" pitchFamily="34" charset="0"/>
                 </a:rPr>
                 <a:t>FstYr</a:t>
               </a:r>
               <a:r>
-                <a:rPr lang="en-US" b="0" dirty="0" smtClean="0">
+                <a:rPr lang="en-US" b="0" dirty="0">
                   <a:latin typeface="Segoe UI" panose="020B0502040204020203" pitchFamily="34" charset="0"/>
                   <a:cs typeface="Segoe UI" panose="020B0502040204020203" pitchFamily="34" charset="0"/>
                 </a:rPr>
@@ -6847,42 +6727,42 @@
                 </a:lnSpc>
               </a:pPr>
               <a:r>
-                <a:rPr lang="en-US" dirty="0" smtClean="0">
+                <a:rPr lang="en-US" dirty="0">
                   <a:latin typeface="Segoe UI" panose="020B0502040204020203" pitchFamily="34" charset="0"/>
                   <a:cs typeface="Segoe UI" panose="020B0502040204020203" pitchFamily="34" charset="0"/>
                 </a:rPr>
                 <a:t>Sketch Age Specific </a:t>
               </a:r>
               <a:r>
-                <a:rPr lang="en-US" i="1" dirty="0" smtClean="0">
+                <a:rPr lang="en-US" i="1" dirty="0">
                   <a:latin typeface="Segoe UI" panose="020B0502040204020203" pitchFamily="34" charset="0"/>
                   <a:cs typeface="Segoe UI" panose="020B0502040204020203" pitchFamily="34" charset="0"/>
                 </a:rPr>
                 <a:t>M</a:t>
               </a:r>
               <a:r>
-                <a:rPr lang="en-US" dirty="0" smtClean="0">
+                <a:rPr lang="en-US" dirty="0">
                   <a:latin typeface="Segoe UI" panose="020B0502040204020203" pitchFamily="34" charset="0"/>
                   <a:cs typeface="Segoe UI" panose="020B0502040204020203" pitchFamily="34" charset="0"/>
                 </a:rPr>
                 <a:t>: </a:t>
               </a:r>
               <a:r>
-                <a:rPr lang="en-US" b="0" dirty="0" smtClean="0">
+                <a:rPr lang="en-US" b="0" dirty="0">
                   <a:latin typeface="Segoe UI" panose="020B0502040204020203" pitchFamily="34" charset="0"/>
                   <a:cs typeface="Segoe UI" panose="020B0502040204020203" pitchFamily="34" charset="0"/>
                 </a:rPr>
                 <a:t>OM &lt;- </a:t>
               </a:r>
               <a:r>
-                <a:rPr lang="en-US" b="0" dirty="0" err="1" smtClean="0">
+                <a:rPr lang="en-US" b="0" dirty="0" err="1">
                   <a:latin typeface="Segoe UI" panose="020B0502040204020203" pitchFamily="34" charset="0"/>
                   <a:cs typeface="Segoe UI" panose="020B0502040204020203" pitchFamily="34" charset="0"/>
                 </a:rPr>
                 <a:t>ChooseM</a:t>
               </a:r>
               <a:r>
-                <a:rPr lang="en-US" b="0" dirty="0" smtClean="0">
+                <a:rPr lang="en-US" b="0" dirty="0">
                   <a:latin typeface="Segoe UI" panose="020B0502040204020203" pitchFamily="34" charset="0"/>
                   <a:cs typeface="Segoe UI" panose="020B0502040204020203" pitchFamily="34" charset="0"/>
                 </a:rPr>
@@ -6896,42 +6776,42 @@
                 </a:lnSpc>
               </a:pPr>
               <a:r>
-                <a:rPr lang="en-US" dirty="0" smtClean="0">
+                <a:rPr lang="en-US" dirty="0">
                   <a:latin typeface="Segoe UI" panose="020B0502040204020203" pitchFamily="34" charset="0"/>
                   <a:cs typeface="Segoe UI" panose="020B0502040204020203" pitchFamily="34" charset="0"/>
                 </a:rPr>
                 <a:t>Sketch Length Specific </a:t>
               </a:r>
               <a:r>
-                <a:rPr lang="en-US" i="1" dirty="0" smtClean="0">
+                <a:rPr lang="en-US" i="1" dirty="0">
                   <a:latin typeface="Segoe UI" panose="020B0502040204020203" pitchFamily="34" charset="0"/>
                   <a:cs typeface="Segoe UI" panose="020B0502040204020203" pitchFamily="34" charset="0"/>
                 </a:rPr>
                 <a:t>M</a:t>
               </a:r>
               <a:r>
-                <a:rPr lang="en-US" dirty="0" smtClean="0">
+                <a:rPr lang="en-US" dirty="0">
                   <a:latin typeface="Segoe UI" panose="020B0502040204020203" pitchFamily="34" charset="0"/>
                   <a:cs typeface="Segoe UI" panose="020B0502040204020203" pitchFamily="34" charset="0"/>
                 </a:rPr>
                 <a:t>:</a:t>
               </a:r>
               <a:r>
-                <a:rPr lang="en-US" b="0" dirty="0" smtClean="0">
+                <a:rPr lang="en-US" b="0" dirty="0">
                   <a:latin typeface="Segoe UI" panose="020B0502040204020203" pitchFamily="34" charset="0"/>
                   <a:cs typeface="Segoe UI" panose="020B0502040204020203" pitchFamily="34" charset="0"/>
                 </a:rPr>
                 <a:t> OM &lt;- </a:t>
               </a:r>
               <a:r>
-                <a:rPr lang="en-US" b="0" dirty="0" err="1" smtClean="0">
+                <a:rPr lang="en-US" b="0" dirty="0" err="1">
                   <a:latin typeface="Segoe UI" panose="020B0502040204020203" pitchFamily="34" charset="0"/>
                   <a:cs typeface="Segoe UI" panose="020B0502040204020203" pitchFamily="34" charset="0"/>
                 </a:rPr>
                 <a:t>ChooseM</a:t>
               </a:r>
               <a:r>
-                <a:rPr lang="en-US" b="0" dirty="0" smtClean="0">
+                <a:rPr lang="en-US" b="0" dirty="0">
                   <a:latin typeface="Segoe UI" panose="020B0502040204020203" pitchFamily="34" charset="0"/>
                   <a:cs typeface="Segoe UI" panose="020B0502040204020203" pitchFamily="34" charset="0"/>
                 </a:rPr>
@@ -6945,7 +6825,7 @@
                 </a:lnSpc>
               </a:pPr>
               <a:r>
-                <a:rPr lang="en-US" dirty="0" smtClean="0">
+                <a:rPr lang="en-US" dirty="0">
                   <a:latin typeface="Segoe UI" panose="020B0502040204020203" pitchFamily="34" charset="0"/>
                   <a:cs typeface="Segoe UI" panose="020B0502040204020203" pitchFamily="34" charset="0"/>
                 </a:rPr>
@@ -6959,25 +6839,11 @@
                 </a:lnSpc>
               </a:pPr>
               <a:r>
-                <a:rPr lang="en-US" b="0" dirty="0" smtClean="0">
-                  <a:latin typeface="Segoe UI" panose="020B0502040204020203" pitchFamily="34" charset="0"/>
-                  <a:cs typeface="Segoe UI" panose="020B0502040204020203" pitchFamily="34" charset="0"/>
-                </a:rPr>
-                <a:t>e.g.</a:t>
-              </a:r>
-              <a:r>
                 <a:rPr lang="en-US" b="0" dirty="0">
                   <a:latin typeface="Segoe UI" panose="020B0502040204020203" pitchFamily="34" charset="0"/>
                   <a:cs typeface="Segoe UI" panose="020B0502040204020203" pitchFamily="34" charset="0"/>
                 </a:rPr>
-                <a:t>	</a:t>
-              </a:r>
-              <a:r>
-                <a:rPr lang="en-US" b="0" dirty="0" smtClean="0">
-                  <a:latin typeface="Segoe UI" panose="020B0502040204020203" pitchFamily="34" charset="0"/>
-                  <a:cs typeface="Segoe UI" panose="020B0502040204020203" pitchFamily="34" charset="0"/>
-                </a:rPr>
-                <a:t>OM &lt;- new('OM')</a:t>
+                <a:t>e.g.	OM &lt;- new('OM')</a:t>
               </a:r>
             </a:p>
             <a:p>
@@ -6994,42 +6860,42 @@
                 <a:t>	</a:t>
               </a:r>
               <a:r>
-                <a:rPr lang="en-US" b="0" dirty="0" err="1" smtClean="0">
+                <a:rPr lang="en-US" b="0" dirty="0" err="1">
                   <a:latin typeface="Segoe UI" panose="020B0502040204020203" pitchFamily="34" charset="0"/>
                   <a:cs typeface="Segoe UI" panose="020B0502040204020203" pitchFamily="34" charset="0"/>
                 </a:rPr>
                 <a:t>OM@Species</a:t>
-              </a:r>
-              <a:r>
-                <a:rPr lang="en-US" b="0" dirty="0" smtClean="0">
-                  <a:latin typeface="Segoe UI" panose="020B0502040204020203" pitchFamily="34" charset="0"/>
-                  <a:cs typeface="Segoe UI" panose="020B0502040204020203" pitchFamily="34" charset="0"/>
-                </a:rPr>
-                <a:t> &lt;- '</a:t>
-              </a:r>
-              <a:r>
-                <a:rPr lang="en-US" b="0" dirty="0" err="1" smtClean="0">
-                  <a:latin typeface="Segoe UI" panose="020B0502040204020203" pitchFamily="34" charset="0"/>
-                  <a:cs typeface="Segoe UI" panose="020B0502040204020203" pitchFamily="34" charset="0"/>
-                </a:rPr>
-                <a:t>Scomber</a:t>
               </a:r>
               <a:r>
                 <a:rPr lang="en-US" b="0" dirty="0">
                   <a:latin typeface="Segoe UI" panose="020B0502040204020203" pitchFamily="34" charset="0"/>
                   <a:cs typeface="Segoe UI" panose="020B0502040204020203" pitchFamily="34" charset="0"/>
                 </a:rPr>
-                <a:t> </a:t>
-              </a:r>
-              <a:r>
-                <a:rPr lang="en-US" b="0" dirty="0" err="1" smtClean="0">
+                <a:t> &lt;- '</a:t>
+              </a:r>
+              <a:r>
+                <a:rPr lang="en-US" b="0" dirty="0" err="1">
                   <a:latin typeface="Segoe UI" panose="020B0502040204020203" pitchFamily="34" charset="0"/>
                   <a:cs typeface="Segoe UI" panose="020B0502040204020203" pitchFamily="34" charset="0"/>
                 </a:rPr>
+                <a:t>Scomber</a:t>
+              </a:r>
+              <a:r>
+                <a:rPr lang="en-US" b="0" dirty="0">
+                  <a:latin typeface="Segoe UI" panose="020B0502040204020203" pitchFamily="34" charset="0"/>
+                  <a:cs typeface="Segoe UI" panose="020B0502040204020203" pitchFamily="34" charset="0"/>
+                </a:rPr>
+                <a:t> </a:t>
+              </a:r>
+              <a:r>
+                <a:rPr lang="en-US" b="0" dirty="0" err="1">
+                  <a:latin typeface="Segoe UI" panose="020B0502040204020203" pitchFamily="34" charset="0"/>
+                  <a:cs typeface="Segoe UI" panose="020B0502040204020203" pitchFamily="34" charset="0"/>
+                </a:rPr>
                 <a:t>japonicus</a:t>
               </a:r>
               <a:r>
-                <a:rPr lang="en-US" b="0" dirty="0" smtClean="0">
+                <a:rPr lang="en-US" b="0" dirty="0">
                   <a:latin typeface="Segoe UI" panose="020B0502040204020203" pitchFamily="34" charset="0"/>
                   <a:cs typeface="Segoe UI" panose="020B0502040204020203" pitchFamily="34" charset="0"/>
                 </a:rPr>
@@ -7047,14 +6913,7 @@
                   <a:latin typeface="Segoe UI" panose="020B0502040204020203" pitchFamily="34" charset="0"/>
                   <a:cs typeface="Segoe UI" panose="020B0502040204020203" pitchFamily="34" charset="0"/>
                 </a:rPr>
-                <a:t>	</a:t>
-              </a:r>
-              <a:r>
-                <a:rPr lang="en-US" b="0" dirty="0" smtClean="0">
-                  <a:latin typeface="Segoe UI" panose="020B0502040204020203" pitchFamily="34" charset="0"/>
-                  <a:cs typeface="Segoe UI" panose="020B0502040204020203" pitchFamily="34" charset="0"/>
-                </a:rPr>
-                <a:t>OM &lt;- LH2OM(OM)</a:t>
+                <a:t>	OM &lt;- LH2OM(OM)</a:t>
               </a:r>
             </a:p>
             <a:p>
@@ -7064,7 +6923,7 @@
                 </a:lnSpc>
               </a:pPr>
               <a:r>
-                <a:rPr lang="en-US" dirty="0" smtClean="0">
+                <a:rPr lang="en-US" dirty="0">
                   <a:latin typeface="Segoe UI" panose="020B0502040204020203" pitchFamily="34" charset="0"/>
                   <a:cs typeface="Segoe UI" panose="020B0502040204020203" pitchFamily="34" charset="0"/>
                 </a:rPr>
@@ -7078,49 +6937,49 @@
                 </a:lnSpc>
               </a:pPr>
               <a:r>
-                <a:rPr lang="en-US" b="0" dirty="0" smtClean="0">
+                <a:rPr lang="en-US" b="0" dirty="0">
                   <a:latin typeface="Segoe UI" panose="020B0502040204020203" pitchFamily="34" charset="0"/>
                   <a:cs typeface="Segoe UI" panose="020B0502040204020203" pitchFamily="34" charset="0"/>
                 </a:rPr>
                 <a:t>e.g.	OM &lt;- new('OM', Albacore, </a:t>
               </a:r>
               <a:r>
-                <a:rPr lang="en-US" b="0" dirty="0" err="1" smtClean="0">
+                <a:rPr lang="en-US" b="0" dirty="0" err="1">
                   <a:latin typeface="Segoe UI" panose="020B0502040204020203" pitchFamily="34" charset="0"/>
                   <a:cs typeface="Segoe UI" panose="020B0502040204020203" pitchFamily="34" charset="0"/>
                 </a:rPr>
                 <a:t>Generic_Fleet</a:t>
               </a:r>
               <a:r>
-                <a:rPr lang="en-US" b="0" dirty="0" smtClean="0">
+                <a:rPr lang="en-US" b="0" dirty="0">
                   <a:latin typeface="Segoe UI" panose="020B0502040204020203" pitchFamily="34" charset="0"/>
                   <a:cs typeface="Segoe UI" panose="020B0502040204020203" pitchFamily="34" charset="0"/>
                 </a:rPr>
                 <a:t>, </a:t>
               </a:r>
               <a:r>
-                <a:rPr lang="en-US" b="0" dirty="0" err="1" smtClean="0">
+                <a:rPr lang="en-US" b="0" dirty="0" err="1">
                   <a:latin typeface="Segoe UI" panose="020B0502040204020203" pitchFamily="34" charset="0"/>
                   <a:cs typeface="Segoe UI" panose="020B0502040204020203" pitchFamily="34" charset="0"/>
                 </a:rPr>
                 <a:t>Generic_Obs</a:t>
               </a:r>
               <a:r>
-                <a:rPr lang="en-US" b="0" dirty="0" smtClean="0">
+                <a:rPr lang="en-US" b="0" dirty="0">
                   <a:latin typeface="Segoe UI" panose="020B0502040204020203" pitchFamily="34" charset="0"/>
                   <a:cs typeface="Segoe UI" panose="020B0502040204020203" pitchFamily="34" charset="0"/>
                 </a:rPr>
                 <a:t>, </a:t>
               </a:r>
               <a:r>
-                <a:rPr lang="en-US" b="0" dirty="0" err="1" smtClean="0">
+                <a:rPr lang="en-US" b="0" dirty="0" err="1">
                   <a:latin typeface="Segoe UI" panose="020B0502040204020203" pitchFamily="34" charset="0"/>
                   <a:cs typeface="Segoe UI" panose="020B0502040204020203" pitchFamily="34" charset="0"/>
                 </a:rPr>
                 <a:t>Perfect_Imp</a:t>
               </a:r>
               <a:r>
-                <a:rPr lang="en-US" b="0" dirty="0" smtClean="0">
+                <a:rPr lang="en-US" b="0" dirty="0">
                   <a:latin typeface="Segoe UI" panose="020B0502040204020203" pitchFamily="34" charset="0"/>
                   <a:cs typeface="Segoe UI" panose="020B0502040204020203" pitchFamily="34" charset="0"/>
                 </a:rPr>
@@ -7141,42 +7000,42 @@
                 <a:t>	</a:t>
               </a:r>
               <a:r>
-                <a:rPr lang="en-US" b="0" dirty="0" err="1" smtClean="0">
+                <a:rPr lang="en-US" b="0" dirty="0" err="1">
                   <a:latin typeface="Segoe UI" panose="020B0502040204020203" pitchFamily="34" charset="0"/>
                   <a:cs typeface="Segoe UI" panose="020B0502040204020203" pitchFamily="34" charset="0"/>
                 </a:rPr>
                 <a:t>OM@cpars$M</a:t>
               </a:r>
               <a:r>
-                <a:rPr lang="en-US" b="0" dirty="0" smtClean="0">
+                <a:rPr lang="en-US" b="0" dirty="0">
                   <a:latin typeface="Segoe UI" panose="020B0502040204020203" pitchFamily="34" charset="0"/>
                   <a:cs typeface="Segoe UI" panose="020B0502040204020203" pitchFamily="34" charset="0"/>
                 </a:rPr>
                 <a:t> &lt;- </a:t>
               </a:r>
               <a:r>
-                <a:rPr lang="en-US" b="0" dirty="0" err="1" smtClean="0">
+                <a:rPr lang="en-US" b="0" dirty="0" err="1">
                   <a:latin typeface="Segoe UI" panose="020B0502040204020203" pitchFamily="34" charset="0"/>
                   <a:cs typeface="Segoe UI" panose="020B0502040204020203" pitchFamily="34" charset="0"/>
                 </a:rPr>
                 <a:t>rlnorm</a:t>
               </a:r>
               <a:r>
-                <a:rPr lang="en-US" b="0" dirty="0" smtClean="0">
+                <a:rPr lang="en-US" b="0" dirty="0">
                   <a:latin typeface="Segoe UI" panose="020B0502040204020203" pitchFamily="34" charset="0"/>
                   <a:cs typeface="Segoe UI" panose="020B0502040204020203" pitchFamily="34" charset="0"/>
                 </a:rPr>
                 <a:t>(</a:t>
               </a:r>
               <a:r>
-                <a:rPr lang="en-US" b="0" dirty="0" err="1" smtClean="0">
+                <a:rPr lang="en-US" b="0" dirty="0" err="1">
                   <a:latin typeface="Segoe UI" panose="020B0502040204020203" pitchFamily="34" charset="0"/>
                   <a:cs typeface="Segoe UI" panose="020B0502040204020203" pitchFamily="34" charset="0"/>
                 </a:rPr>
                 <a:t>OM@nsim</a:t>
               </a:r>
               <a:r>
-                <a:rPr lang="en-US" b="0" dirty="0" smtClean="0">
+                <a:rPr lang="en-US" b="0" dirty="0">
                   <a:latin typeface="Segoe UI" panose="020B0502040204020203" pitchFamily="34" charset="0"/>
                   <a:cs typeface="Segoe UI" panose="020B0502040204020203" pitchFamily="34" charset="0"/>
                 </a:rPr>
@@ -7190,28 +7049,28 @@
                 </a:lnSpc>
               </a:pPr>
               <a:r>
-                <a:rPr lang="en-US" dirty="0" smtClean="0">
+                <a:rPr lang="en-US" dirty="0">
                   <a:latin typeface="Segoe UI" panose="020B0502040204020203" pitchFamily="34" charset="0"/>
                   <a:cs typeface="Segoe UI" panose="020B0502040204020203" pitchFamily="34" charset="0"/>
                 </a:rPr>
                 <a:t>Remove Process and Observation Error: </a:t>
               </a:r>
               <a:r>
-                <a:rPr lang="en-US" b="0" dirty="0" smtClean="0">
+                <a:rPr lang="en-US" b="0" dirty="0">
                   <a:latin typeface="Segoe UI" panose="020B0502040204020203" pitchFamily="34" charset="0"/>
                   <a:cs typeface="Segoe UI" panose="020B0502040204020203" pitchFamily="34" charset="0"/>
                 </a:rPr>
                 <a:t>OM &lt;- </a:t>
               </a:r>
               <a:r>
-                <a:rPr lang="en-US" b="0" dirty="0" err="1" smtClean="0">
+                <a:rPr lang="en-US" b="0" dirty="0" err="1">
                   <a:latin typeface="Segoe UI" panose="020B0502040204020203" pitchFamily="34" charset="0"/>
                   <a:cs typeface="Segoe UI" panose="020B0502040204020203" pitchFamily="34" charset="0"/>
                 </a:rPr>
                 <a:t>tinyErr</a:t>
               </a:r>
               <a:r>
-                <a:rPr lang="en-US" b="0" dirty="0" smtClean="0">
+                <a:rPr lang="en-US" b="0" dirty="0">
                   <a:latin typeface="Segoe UI" panose="020B0502040204020203" pitchFamily="34" charset="0"/>
                   <a:cs typeface="Segoe UI" panose="020B0502040204020203" pitchFamily="34" charset="0"/>
                 </a:rPr>
@@ -7225,28 +7084,28 @@
                 </a:lnSpc>
               </a:pPr>
               <a:r>
-                <a:rPr lang="en-US" dirty="0" smtClean="0">
+                <a:rPr lang="en-US" dirty="0">
                   <a:latin typeface="Segoe UI" panose="020B0502040204020203" pitchFamily="34" charset="0"/>
                   <a:cs typeface="Segoe UI" panose="020B0502040204020203" pitchFamily="34" charset="0"/>
                 </a:rPr>
                 <a:t>Replace OM Component: </a:t>
               </a:r>
               <a:r>
-                <a:rPr lang="en-US" b="0" dirty="0" smtClean="0">
+                <a:rPr lang="en-US" b="0" dirty="0">
                   <a:latin typeface="Segoe UI" panose="020B0502040204020203" pitchFamily="34" charset="0"/>
                   <a:cs typeface="Segoe UI" panose="020B0502040204020203" pitchFamily="34" charset="0"/>
                 </a:rPr>
                 <a:t>OM &lt;- Replace(OM, </a:t>
               </a:r>
               <a:r>
-                <a:rPr lang="en-US" b="0" dirty="0" err="1" smtClean="0">
+                <a:rPr lang="en-US" b="0" dirty="0" err="1">
                   <a:latin typeface="Segoe UI" panose="020B0502040204020203" pitchFamily="34" charset="0"/>
                   <a:cs typeface="Segoe UI" panose="020B0502040204020203" pitchFamily="34" charset="0"/>
                 </a:rPr>
                 <a:t>Blue_shark</a:t>
               </a:r>
               <a:r>
-                <a:rPr lang="en-US" b="0" dirty="0" smtClean="0">
+                <a:rPr lang="en-US" b="0" dirty="0">
                   <a:latin typeface="Segoe UI" panose="020B0502040204020203" pitchFamily="34" charset="0"/>
                   <a:cs typeface="Segoe UI" panose="020B0502040204020203" pitchFamily="34" charset="0"/>
                 </a:rPr>
@@ -7377,7 +7236,7 @@
             </a:ln>
             <a:extLst>
               <a:ext uri="{C572A759-6A51-4108-AA02-DFA0A04FC94B}">
-                <ma14:wrappingTextBoxFlag xmlns="" xmlns:ma14="http://schemas.microsoft.com/office/mac/drawingml/2011/main" val="1"/>
+                <ma14:wrappingTextBoxFlag xmlns:ma14="http://schemas.microsoft.com/office/mac/drawingml/2011/main" xmlns="" val="1"/>
               </a:ext>
             </a:extLst>
           </p:spPr>
@@ -7401,7 +7260,7 @@
                 </a:defRPr>
               </a:pPr>
               <a:r>
-                <a:rPr lang="en-US" dirty="0" smtClean="0"/>
+                <a:rPr lang="en-US" dirty="0"/>
                 <a:t>Examine OM </a:t>
               </a:r>
               <a:endParaRPr dirty="0"/>
@@ -7427,7 +7286,7 @@
             </a:ln>
             <a:extLst>
               <a:ext uri="{C572A759-6A51-4108-AA02-DFA0A04FC94B}">
-                <ma14:wrappingTextBoxFlag xmlns="" xmlns:ma14="http://schemas.microsoft.com/office/mac/drawingml/2011/main" val="1"/>
+                <ma14:wrappingTextBoxFlag xmlns:ma14="http://schemas.microsoft.com/office/mac/drawingml/2011/main" xmlns="" val="1"/>
               </a:ext>
             </a:extLst>
           </p:spPr>
@@ -7443,7 +7302,7 @@
                 </a:lnSpc>
               </a:pPr>
               <a:r>
-                <a:rPr lang="en-US" dirty="0" smtClean="0">
+                <a:rPr lang="en-US" dirty="0">
                   <a:latin typeface="Segoe UI" panose="020B0502040204020203" pitchFamily="34" charset="0"/>
                   <a:cs typeface="Segoe UI" panose="020B0502040204020203" pitchFamily="34" charset="0"/>
                 </a:rPr>
@@ -7461,7 +7320,7 @@
                 </a:lnSpc>
               </a:pPr>
               <a:r>
-                <a:rPr lang="en-US" b="0" dirty="0" smtClean="0">
+                <a:rPr lang="en-US" b="0" dirty="0">
                   <a:latin typeface="Segoe UI" panose="020B0502040204020203" pitchFamily="34" charset="0"/>
                   <a:cs typeface="Segoe UI" panose="020B0502040204020203" pitchFamily="34" charset="0"/>
                 </a:rPr>
@@ -7479,24 +7338,17 @@
                   <a:latin typeface="Segoe UI" panose="020B0502040204020203" pitchFamily="34" charset="0"/>
                   <a:cs typeface="Segoe UI" panose="020B0502040204020203" pitchFamily="34" charset="0"/>
                 </a:rPr>
-                <a:t>	</a:t>
-              </a:r>
-              <a:r>
-                <a:rPr lang="en-US" b="0" dirty="0" smtClean="0">
+                <a:t>	plot(</a:t>
+              </a:r>
+              <a:r>
+                <a:rPr lang="en-US" b="0" dirty="0" err="1">
                   <a:latin typeface="Segoe UI" panose="020B0502040204020203" pitchFamily="34" charset="0"/>
                   <a:cs typeface="Segoe UI" panose="020B0502040204020203" pitchFamily="34" charset="0"/>
                 </a:rPr>
-                <a:t>plot(</a:t>
-              </a:r>
-              <a:r>
-                <a:rPr lang="en-US" b="0" dirty="0" err="1" smtClean="0">
-                  <a:latin typeface="Segoe UI" panose="020B0502040204020203" pitchFamily="34" charset="0"/>
-                  <a:cs typeface="Segoe UI" panose="020B0502040204020203" pitchFamily="34" charset="0"/>
-                </a:rPr>
                 <a:t>Generic_Fleet</a:t>
               </a:r>
               <a:r>
-                <a:rPr lang="en-US" b="0" dirty="0" smtClean="0">
+                <a:rPr lang="en-US" b="0" dirty="0">
                   <a:latin typeface="Segoe UI" panose="020B0502040204020203" pitchFamily="34" charset="0"/>
                   <a:cs typeface="Segoe UI" panose="020B0502040204020203" pitchFamily="34" charset="0"/>
                 </a:rPr>
@@ -7510,14 +7362,14 @@
                 </a:lnSpc>
               </a:pPr>
               <a:r>
-                <a:rPr lang="en-US" dirty="0" smtClean="0">
+                <a:rPr lang="en-US" dirty="0">
                   <a:latin typeface="Segoe UI" panose="020B0502040204020203" pitchFamily="34" charset="0"/>
                   <a:cs typeface="Segoe UI" panose="020B0502040204020203" pitchFamily="34" charset="0"/>
                 </a:rPr>
                 <a:t>Plot OM: </a:t>
               </a:r>
               <a:r>
-                <a:rPr lang="en-US" b="0" dirty="0" smtClean="0">
+                <a:rPr lang="en-US" b="0" dirty="0">
                   <a:latin typeface="Segoe UI" panose="020B0502040204020203" pitchFamily="34" charset="0"/>
                   <a:cs typeface="Segoe UI" panose="020B0502040204020203" pitchFamily="34" charset="0"/>
                 </a:rPr>
@@ -7531,34 +7383,34 @@
                 </a:lnSpc>
               </a:pPr>
               <a:r>
-                <a:rPr lang="en-US" dirty="0" smtClean="0">
+                <a:rPr lang="en-US" dirty="0">
                   <a:latin typeface="Segoe UI" panose="020B0502040204020203" pitchFamily="34" charset="0"/>
                   <a:cs typeface="Segoe UI" panose="020B0502040204020203" pitchFamily="34" charset="0"/>
                 </a:rPr>
                 <a:t>Plot Existing MPA:</a:t>
               </a:r>
               <a:r>
-                <a:rPr lang="en-US" b="0" dirty="0" smtClean="0">
+                <a:rPr lang="en-US" b="0" dirty="0">
                   <a:latin typeface="Segoe UI" panose="020B0502040204020203" pitchFamily="34" charset="0"/>
                   <a:cs typeface="Segoe UI" panose="020B0502040204020203" pitchFamily="34" charset="0"/>
                 </a:rPr>
                 <a:t> </a:t>
               </a:r>
               <a:r>
-                <a:rPr lang="en-US" b="0" dirty="0" err="1" smtClean="0">
+                <a:rPr lang="en-US" b="0" dirty="0" err="1">
                   <a:latin typeface="Segoe UI" panose="020B0502040204020203" pitchFamily="34" charset="0"/>
                   <a:cs typeface="Segoe UI" panose="020B0502040204020203" pitchFamily="34" charset="0"/>
                 </a:rPr>
                 <a:t>plotMPA</a:t>
               </a:r>
               <a:r>
-                <a:rPr lang="en-US" b="0" dirty="0" smtClean="0">
+                <a:rPr lang="en-US" b="0" dirty="0">
                   <a:latin typeface="Segoe UI" panose="020B0502040204020203" pitchFamily="34" charset="0"/>
                   <a:cs typeface="Segoe UI" panose="020B0502040204020203" pitchFamily="34" charset="0"/>
                 </a:rPr>
                 <a:t>(OM)</a:t>
               </a:r>
-              <a:endParaRPr lang="en-US" dirty="0" smtClean="0">
+              <a:endParaRPr lang="en-US" dirty="0">
                 <a:latin typeface="Segoe UI" panose="020B0502040204020203" pitchFamily="34" charset="0"/>
                 <a:cs typeface="Segoe UI" panose="020B0502040204020203" pitchFamily="34" charset="0"/>
               </a:endParaRPr>
@@ -7570,42 +7422,42 @@
                 </a:lnSpc>
               </a:pPr>
               <a:r>
-                <a:rPr lang="en-US" dirty="0" smtClean="0">
+                <a:rPr lang="en-US" dirty="0">
                   <a:latin typeface="Segoe UI" panose="020B0502040204020203" pitchFamily="34" charset="0"/>
                   <a:cs typeface="Segoe UI" panose="020B0502040204020203" pitchFamily="34" charset="0"/>
                 </a:rPr>
                 <a:t>Plot </a:t>
               </a:r>
               <a:r>
-                <a:rPr lang="en-US" i="1" dirty="0" smtClean="0">
+                <a:rPr lang="en-US" i="1" dirty="0">
                   <a:latin typeface="Segoe UI" panose="020B0502040204020203" pitchFamily="34" charset="0"/>
                   <a:cs typeface="Segoe UI" panose="020B0502040204020203" pitchFamily="34" charset="0"/>
                 </a:rPr>
                 <a:t>M</a:t>
               </a:r>
               <a:r>
-                <a:rPr lang="en-US" dirty="0" smtClean="0">
+                <a:rPr lang="en-US" dirty="0">
                   <a:latin typeface="Segoe UI" panose="020B0502040204020203" pitchFamily="34" charset="0"/>
                   <a:cs typeface="Segoe UI" panose="020B0502040204020203" pitchFamily="34" charset="0"/>
                 </a:rPr>
                 <a:t>:</a:t>
               </a:r>
               <a:r>
-                <a:rPr lang="en-US" b="0" dirty="0" smtClean="0">
+                <a:rPr lang="en-US" b="0" dirty="0">
                   <a:latin typeface="Segoe UI" panose="020B0502040204020203" pitchFamily="34" charset="0"/>
                   <a:cs typeface="Segoe UI" panose="020B0502040204020203" pitchFamily="34" charset="0"/>
                 </a:rPr>
                 <a:t> </a:t>
               </a:r>
               <a:r>
-                <a:rPr lang="en-US" b="0" dirty="0" err="1" smtClean="0">
+                <a:rPr lang="en-US" b="0" dirty="0" err="1">
                   <a:latin typeface="Segoe UI" panose="020B0502040204020203" pitchFamily="34" charset="0"/>
                   <a:cs typeface="Segoe UI" panose="020B0502040204020203" pitchFamily="34" charset="0"/>
                 </a:rPr>
                 <a:t>plotM</a:t>
               </a:r>
               <a:r>
-                <a:rPr lang="en-US" b="0" dirty="0" smtClean="0">
+                <a:rPr lang="en-US" b="0" dirty="0">
                   <a:latin typeface="Segoe UI" panose="020B0502040204020203" pitchFamily="34" charset="0"/>
                   <a:cs typeface="Segoe UI" panose="020B0502040204020203" pitchFamily="34" charset="0"/>
                 </a:rPr>
@@ -7619,21 +7471,21 @@
                 </a:lnSpc>
               </a:pPr>
               <a:r>
-                <a:rPr lang="en-US" dirty="0" smtClean="0">
+                <a:rPr lang="en-US" dirty="0">
                   <a:latin typeface="Segoe UI" panose="020B0502040204020203" pitchFamily="34" charset="0"/>
                   <a:cs typeface="Segoe UI" panose="020B0502040204020203" pitchFamily="34" charset="0"/>
                 </a:rPr>
                 <a:t>Plot Selectivity: </a:t>
               </a:r>
               <a:r>
-                <a:rPr lang="en-US" b="0" dirty="0" err="1" smtClean="0">
+                <a:rPr lang="en-US" b="0" dirty="0" err="1">
                   <a:latin typeface="Segoe UI" panose="020B0502040204020203" pitchFamily="34" charset="0"/>
                   <a:cs typeface="Segoe UI" panose="020B0502040204020203" pitchFamily="34" charset="0"/>
                 </a:rPr>
                 <a:t>plotSelect</a:t>
               </a:r>
               <a:r>
-                <a:rPr lang="en-US" b="0" dirty="0" smtClean="0">
+                <a:rPr lang="en-US" b="0" dirty="0">
                   <a:latin typeface="Segoe UI" panose="020B0502040204020203" pitchFamily="34" charset="0"/>
                   <a:cs typeface="Segoe UI" panose="020B0502040204020203" pitchFamily="34" charset="0"/>
                 </a:rPr>
@@ -7650,7 +7502,7 @@
                   <a:spcPct val="150000"/>
                 </a:lnSpc>
               </a:pPr>
-              <a:endParaRPr lang="en-US" b="0" dirty="0" smtClean="0"/>
+              <a:endParaRPr lang="en-US" b="0" dirty="0"/>
             </a:p>
           </p:txBody>
         </p:sp>
@@ -7674,7 +7526,7 @@
           </a:ln>
           <a:extLst>
             <a:ext uri="{C572A759-6A51-4108-AA02-DFA0A04FC94B}">
-              <ma14:wrappingTextBoxFlag xmlns="" xmlns:ma14="http://schemas.microsoft.com/office/mac/drawingml/2011/main" val="1"/>
+              <ma14:wrappingTextBoxFlag xmlns:ma14="http://schemas.microsoft.com/office/mac/drawingml/2011/main" xmlns="" val="1"/>
             </a:ext>
           </a:extLst>
         </p:spPr>
@@ -7698,7 +7550,7 @@
               </a:defRPr>
             </a:pPr>
             <a:r>
-              <a:rPr lang="en-US" dirty="0" smtClean="0"/>
+              <a:rPr lang="en-US" dirty="0"/>
               <a:t>Management Procedures</a:t>
             </a:r>
             <a:endParaRPr dirty="0"/>
@@ -7774,21 +7626,21 @@
               </a:lnSpc>
             </a:pPr>
             <a:r>
-              <a:rPr lang="en-US" dirty="0" smtClean="0">
+              <a:rPr lang="en-US" dirty="0">
                 <a:latin typeface="Segoe UI" panose="020B0502040204020203" pitchFamily="34" charset="0"/>
                 <a:cs typeface="Segoe UI" panose="020B0502040204020203" pitchFamily="34" charset="0"/>
               </a:rPr>
               <a:t>Find MP type: </a:t>
             </a:r>
             <a:r>
-              <a:rPr lang="en-US" b="0" dirty="0" err="1" smtClean="0">
+              <a:rPr lang="en-US" b="0" dirty="0" err="1">
                 <a:latin typeface="Segoe UI" panose="020B0502040204020203" pitchFamily="34" charset="0"/>
                 <a:cs typeface="Segoe UI" panose="020B0502040204020203" pitchFamily="34" charset="0"/>
               </a:rPr>
               <a:t>MPtype</a:t>
             </a:r>
             <a:r>
-              <a:rPr lang="en-US" b="0" dirty="0" smtClean="0">
+              <a:rPr lang="en-US" b="0" dirty="0">
                 <a:latin typeface="Segoe UI" panose="020B0502040204020203" pitchFamily="34" charset="0"/>
                 <a:cs typeface="Segoe UI" panose="020B0502040204020203" pitchFamily="34" charset="0"/>
               </a:rPr>
@@ -7797,86 +7649,82 @@
           </a:p>
           <a:p>
             <a:r>
-              <a:rPr lang="en-US" b="0" dirty="0" smtClean="0">
+              <a:rPr lang="en-US" b="0" dirty="0">
                 <a:latin typeface="Segoe UI" panose="020B0502040204020203" pitchFamily="34" charset="0"/>
                 <a:cs typeface="Segoe UI" panose="020B0502040204020203" pitchFamily="34" charset="0"/>
               </a:rPr>
               <a:t>e.g.	</a:t>
             </a:r>
             <a:r>
-              <a:rPr lang="en-US" b="0" dirty="0" err="1" smtClean="0">
+              <a:rPr lang="en-US" b="0" dirty="0" err="1">
                 <a:latin typeface="Segoe UI" panose="020B0502040204020203" pitchFamily="34" charset="0"/>
                 <a:cs typeface="Segoe UI" panose="020B0502040204020203" pitchFamily="34" charset="0"/>
               </a:rPr>
               <a:t>MPtype</a:t>
             </a:r>
             <a:r>
-              <a:rPr lang="en-US" b="0" dirty="0" smtClean="0">
+              <a:rPr lang="en-US" b="0" dirty="0">
                 <a:latin typeface="Segoe UI" panose="020B0502040204020203" pitchFamily="34" charset="0"/>
                 <a:cs typeface="Segoe UI" panose="020B0502040204020203" pitchFamily="34" charset="0"/>
               </a:rPr>
               <a:t>(c('</a:t>
             </a:r>
             <a:r>
-              <a:rPr lang="en-US" b="0" dirty="0" err="1" smtClean="0">
+              <a:rPr lang="en-US" b="0" dirty="0" err="1">
                 <a:latin typeface="Segoe UI" panose="020B0502040204020203" pitchFamily="34" charset="0"/>
                 <a:cs typeface="Segoe UI" panose="020B0502040204020203" pitchFamily="34" charset="0"/>
               </a:rPr>
               <a:t>AvC</a:t>
             </a:r>
             <a:r>
-              <a:rPr lang="en-US" b="0" dirty="0" smtClean="0">
+              <a:rPr lang="en-US" b="0" dirty="0">
                 <a:latin typeface="Segoe UI" panose="020B0502040204020203" pitchFamily="34" charset="0"/>
                 <a:cs typeface="Segoe UI" panose="020B0502040204020203" pitchFamily="34" charset="0"/>
               </a:rPr>
               <a:t>', '</a:t>
             </a:r>
             <a:r>
-              <a:rPr lang="en-US" b="0" dirty="0" err="1" smtClean="0">
+              <a:rPr lang="en-US" b="0" dirty="0" err="1">
                 <a:latin typeface="Segoe UI" panose="020B0502040204020203" pitchFamily="34" charset="0"/>
                 <a:cs typeface="Segoe UI" panose="020B0502040204020203" pitchFamily="34" charset="0"/>
               </a:rPr>
               <a:t>curE</a:t>
             </a:r>
             <a:r>
-              <a:rPr lang="en-US" b="0" dirty="0" smtClean="0">
+              <a:rPr lang="en-US" b="0" dirty="0">
                 <a:latin typeface="Segoe UI" panose="020B0502040204020203" pitchFamily="34" charset="0"/>
                 <a:cs typeface="Segoe UI" panose="020B0502040204020203" pitchFamily="34" charset="0"/>
               </a:rPr>
               <a:t>', '</a:t>
             </a:r>
             <a:r>
-              <a:rPr lang="en-US" b="0" dirty="0" err="1" smtClean="0">
+              <a:rPr lang="en-US" b="0" dirty="0" err="1">
                 <a:latin typeface="Segoe UI" panose="020B0502040204020203" pitchFamily="34" charset="0"/>
                 <a:cs typeface="Segoe UI" panose="020B0502040204020203" pitchFamily="34" charset="0"/>
               </a:rPr>
               <a:t>matlenlim</a:t>
             </a:r>
             <a:r>
-              <a:rPr lang="en-US" b="0" dirty="0" smtClean="0">
+              <a:rPr lang="en-US" b="0" dirty="0">
                 <a:latin typeface="Segoe UI" panose="020B0502040204020203" pitchFamily="34" charset="0"/>
                 <a:cs typeface="Segoe UI" panose="020B0502040204020203" pitchFamily="34" charset="0"/>
               </a:rPr>
               <a:t>', '</a:t>
             </a:r>
             <a:r>
-              <a:rPr lang="en-US" b="0" dirty="0" err="1" smtClean="0">
+              <a:rPr lang="en-US" b="0" dirty="0" err="1">
                 <a:latin typeface="Segoe UI" panose="020B0502040204020203" pitchFamily="34" charset="0"/>
                 <a:cs typeface="Segoe UI" panose="020B0502040204020203" pitchFamily="34" charset="0"/>
               </a:rPr>
               <a:t>FMSYref</a:t>
             </a:r>
             <a:r>
-              <a:rPr lang="en-US" b="0" dirty="0" smtClean="0">
+              <a:rPr lang="en-US" b="0" dirty="0">
                 <a:latin typeface="Segoe UI" panose="020B0502040204020203" pitchFamily="34" charset="0"/>
                 <a:cs typeface="Segoe UI" panose="020B0502040204020203" pitchFamily="34" charset="0"/>
               </a:rPr>
               <a:t>'))</a:t>
             </a:r>
-            <a:endParaRPr lang="en-US" b="0" dirty="0">
-              <a:latin typeface="Segoe UI" panose="020B0502040204020203" pitchFamily="34" charset="0"/>
-              <a:cs typeface="Segoe UI" panose="020B0502040204020203" pitchFamily="34" charset="0"/>
-            </a:endParaRPr>
           </a:p>
         </p:txBody>
       </p:sp>
@@ -7955,7 +7803,7 @@
             </a:ln>
             <a:extLst>
               <a:ext uri="{C572A759-6A51-4108-AA02-DFA0A04FC94B}">
-                <ma14:wrappingTextBoxFlag xmlns="" xmlns:ma14="http://schemas.microsoft.com/office/mac/drawingml/2011/main" val="1"/>
+                <ma14:wrappingTextBoxFlag xmlns:ma14="http://schemas.microsoft.com/office/mac/drawingml/2011/main" xmlns="" val="1"/>
               </a:ext>
             </a:extLst>
           </p:spPr>
@@ -7979,7 +7827,7 @@
                 </a:defRPr>
               </a:pPr>
               <a:r>
-                <a:rPr lang="en-US" dirty="0" smtClean="0"/>
+                <a:rPr lang="en-US" dirty="0"/>
                 <a:t>Run MSE</a:t>
               </a:r>
               <a:endParaRPr dirty="0"/>
@@ -8005,7 +7853,7 @@
             </a:ln>
             <a:extLst>
               <a:ext uri="{C572A759-6A51-4108-AA02-DFA0A04FC94B}">
-                <ma14:wrappingTextBoxFlag xmlns="" xmlns:ma14="http://schemas.microsoft.com/office/mac/drawingml/2011/main" val="1"/>
+                <ma14:wrappingTextBoxFlag xmlns:ma14="http://schemas.microsoft.com/office/mac/drawingml/2011/main" xmlns="" val="1"/>
               </a:ext>
             </a:extLst>
           </p:spPr>
@@ -8021,48 +7869,48 @@
                 </a:lnSpc>
               </a:pPr>
               <a:r>
-                <a:rPr lang="en-US" dirty="0" smtClean="0">
+                <a:rPr lang="en-US" dirty="0">
                   <a:latin typeface="Segoe UI" panose="020B0502040204020203" pitchFamily="34" charset="0"/>
                   <a:cs typeface="Segoe UI" panose="020B0502040204020203" pitchFamily="34" charset="0"/>
                 </a:rPr>
                 <a:t>Run MSE: </a:t>
               </a:r>
               <a:r>
-                <a:rPr lang="en-US" b="0" dirty="0" err="1" smtClean="0">
+                <a:rPr lang="en-US" b="0" dirty="0" err="1">
                   <a:latin typeface="Segoe UI" panose="020B0502040204020203" pitchFamily="34" charset="0"/>
                   <a:cs typeface="Segoe UI" panose="020B0502040204020203" pitchFamily="34" charset="0"/>
                 </a:rPr>
                 <a:t>runMSE</a:t>
               </a:r>
               <a:r>
-                <a:rPr lang="en-US" b="0" dirty="0" smtClean="0">
+                <a:rPr lang="en-US" b="0" dirty="0">
                   <a:latin typeface="Segoe UI" panose="020B0502040204020203" pitchFamily="34" charset="0"/>
                   <a:cs typeface="Segoe UI" panose="020B0502040204020203" pitchFamily="34" charset="0"/>
                 </a:rPr>
                 <a:t>()</a:t>
               </a:r>
-              <a:endParaRPr lang="en-US" dirty="0" smtClean="0">
+              <a:endParaRPr lang="en-US" dirty="0">
                 <a:latin typeface="Segoe UI" panose="020B0502040204020203" pitchFamily="34" charset="0"/>
                 <a:cs typeface="Segoe UI" panose="020B0502040204020203" pitchFamily="34" charset="0"/>
               </a:endParaRPr>
             </a:p>
             <a:p>
               <a:r>
-                <a:rPr lang="en-US" b="0" dirty="0" smtClean="0">
+                <a:rPr lang="en-US" b="0" dirty="0">
                   <a:latin typeface="Segoe UI" panose="020B0502040204020203" pitchFamily="34" charset="0"/>
                   <a:cs typeface="Segoe UI" panose="020B0502040204020203" pitchFamily="34" charset="0"/>
                 </a:rPr>
                 <a:t>e.g. MSE &lt;- </a:t>
               </a:r>
               <a:r>
-                <a:rPr lang="en-US" b="0" dirty="0" err="1" smtClean="0">
+                <a:rPr lang="en-US" b="0" dirty="0" err="1">
                   <a:latin typeface="Segoe UI" panose="020B0502040204020203" pitchFamily="34" charset="0"/>
                   <a:cs typeface="Segoe UI" panose="020B0502040204020203" pitchFamily="34" charset="0"/>
                 </a:rPr>
                 <a:t>runMSE</a:t>
               </a:r>
               <a:r>
-                <a:rPr lang="en-US" b="0" dirty="0" smtClean="0">
+                <a:rPr lang="en-US" b="0" dirty="0">
                   <a:latin typeface="Segoe UI" panose="020B0502040204020203" pitchFamily="34" charset="0"/>
                   <a:cs typeface="Segoe UI" panose="020B0502040204020203" pitchFamily="34" charset="0"/>
                 </a:rPr>
@@ -8071,70 +7919,70 @@
             </a:p>
             <a:p>
               <a:r>
-                <a:rPr lang="en-US" b="0" dirty="0" smtClean="0">
+                <a:rPr lang="en-US" b="0" dirty="0">
                   <a:latin typeface="Segoe UI" panose="020B0502040204020203" pitchFamily="34" charset="0"/>
                   <a:cs typeface="Segoe UI" panose="020B0502040204020203" pitchFamily="34" charset="0"/>
                 </a:rPr>
                 <a:t>	  MPs=c('</a:t>
               </a:r>
               <a:r>
-                <a:rPr lang="en-US" b="0" dirty="0" err="1" smtClean="0">
+                <a:rPr lang="en-US" b="0" dirty="0" err="1">
                   <a:latin typeface="Segoe UI" panose="020B0502040204020203" pitchFamily="34" charset="0"/>
                   <a:cs typeface="Segoe UI" panose="020B0502040204020203" pitchFamily="34" charset="0"/>
                 </a:rPr>
                 <a:t>AvC</a:t>
               </a:r>
               <a:r>
-                <a:rPr lang="en-US" b="0" dirty="0" smtClean="0">
+                <a:rPr lang="en-US" b="0" dirty="0">
                   <a:latin typeface="Segoe UI" panose="020B0502040204020203" pitchFamily="34" charset="0"/>
                   <a:cs typeface="Segoe UI" panose="020B0502040204020203" pitchFamily="34" charset="0"/>
                 </a:rPr>
                 <a:t>', '</a:t>
               </a:r>
               <a:r>
-                <a:rPr lang="en-US" b="0" dirty="0" err="1" smtClean="0">
+                <a:rPr lang="en-US" b="0" dirty="0" err="1">
                   <a:latin typeface="Segoe UI" panose="020B0502040204020203" pitchFamily="34" charset="0"/>
                   <a:cs typeface="Segoe UI" panose="020B0502040204020203" pitchFamily="34" charset="0"/>
                 </a:rPr>
                 <a:t>curE</a:t>
               </a:r>
               <a:r>
-                <a:rPr lang="en-US" b="0" dirty="0" smtClean="0">
+                <a:rPr lang="en-US" b="0" dirty="0">
                   <a:latin typeface="Segoe UI" panose="020B0502040204020203" pitchFamily="34" charset="0"/>
                   <a:cs typeface="Segoe UI" panose="020B0502040204020203" pitchFamily="34" charset="0"/>
                 </a:rPr>
                 <a:t>', '</a:t>
               </a:r>
               <a:r>
-                <a:rPr lang="en-US" b="0" dirty="0" err="1" smtClean="0">
+                <a:rPr lang="en-US" b="0" dirty="0" err="1">
                   <a:latin typeface="Segoe UI" panose="020B0502040204020203" pitchFamily="34" charset="0"/>
                   <a:cs typeface="Segoe UI" panose="020B0502040204020203" pitchFamily="34" charset="0"/>
                 </a:rPr>
                 <a:t>matlenlim</a:t>
               </a:r>
               <a:r>
-                <a:rPr lang="en-US" b="0" dirty="0" smtClean="0">
+                <a:rPr lang="en-US" b="0" dirty="0">
                   <a:latin typeface="Segoe UI" panose="020B0502040204020203" pitchFamily="34" charset="0"/>
                   <a:cs typeface="Segoe UI" panose="020B0502040204020203" pitchFamily="34" charset="0"/>
                 </a:rPr>
                 <a:t>', '</a:t>
               </a:r>
               <a:r>
-                <a:rPr lang="en-US" b="0" dirty="0" err="1" smtClean="0">
+                <a:rPr lang="en-US" b="0" dirty="0" err="1">
                   <a:latin typeface="Segoe UI" panose="020B0502040204020203" pitchFamily="34" charset="0"/>
                   <a:cs typeface="Segoe UI" panose="020B0502040204020203" pitchFamily="34" charset="0"/>
                 </a:rPr>
                 <a:t>FMSYref</a:t>
               </a:r>
               <a:r>
-                <a:rPr lang="en-US" b="0" dirty="0" smtClean="0">
+                <a:rPr lang="en-US" b="0" dirty="0">
                   <a:latin typeface="Segoe UI" panose="020B0502040204020203" pitchFamily="34" charset="0"/>
                   <a:cs typeface="Segoe UI" panose="020B0502040204020203" pitchFamily="34" charset="0"/>
                 </a:rPr>
                 <a:t>')) </a:t>
               </a:r>
               <a:r>
-                <a:rPr lang="en-US" dirty="0" smtClean="0">
+                <a:rPr lang="en-US" dirty="0">
                   <a:latin typeface="Segoe UI" panose="020B0502040204020203" pitchFamily="34" charset="0"/>
                   <a:cs typeface="Segoe UI" panose="020B0502040204020203" pitchFamily="34" charset="0"/>
                 </a:rPr>
@@ -8148,75 +7996,61 @@
                 </a:lnSpc>
               </a:pPr>
               <a:r>
-                <a:rPr lang="en-US" dirty="0" smtClean="0">
+                <a:rPr lang="en-US" dirty="0">
                   <a:latin typeface="Segoe UI" panose="020B0502040204020203" pitchFamily="34" charset="0"/>
                   <a:cs typeface="Segoe UI" panose="020B0502040204020203" pitchFamily="34" charset="0"/>
                 </a:rPr>
                 <a:t>Run MSE in parallel: </a:t>
               </a:r>
               <a:r>
-                <a:rPr lang="en-US" b="0" dirty="0" err="1" smtClean="0">
+                <a:rPr lang="en-US" b="0" dirty="0" err="1">
                   <a:latin typeface="Segoe UI" panose="020B0502040204020203" pitchFamily="34" charset="0"/>
                   <a:cs typeface="Segoe UI" panose="020B0502040204020203" pitchFamily="34" charset="0"/>
                 </a:rPr>
                 <a:t>runMSE</a:t>
               </a:r>
               <a:r>
-                <a:rPr lang="en-US" b="0" dirty="0" smtClean="0">
+                <a:rPr lang="en-US" b="0" dirty="0">
                   <a:latin typeface="Segoe UI" panose="020B0502040204020203" pitchFamily="34" charset="0"/>
                   <a:cs typeface="Segoe UI" panose="020B0502040204020203" pitchFamily="34" charset="0"/>
                 </a:rPr>
                 <a:t>(parallel=TRUE)</a:t>
               </a:r>
-              <a:endParaRPr lang="en-US" dirty="0" smtClean="0">
+              <a:endParaRPr lang="en-US" dirty="0">
                 <a:latin typeface="Segoe UI" panose="020B0502040204020203" pitchFamily="34" charset="0"/>
                 <a:cs typeface="Segoe UI" panose="020B0502040204020203" pitchFamily="34" charset="0"/>
               </a:endParaRPr>
             </a:p>
             <a:p>
               <a:r>
-                <a:rPr lang="en-US" b="0" dirty="0" smtClean="0">
-                  <a:latin typeface="Segoe UI" panose="020B0502040204020203" pitchFamily="34" charset="0"/>
-                  <a:cs typeface="Segoe UI" panose="020B0502040204020203" pitchFamily="34" charset="0"/>
-                </a:rPr>
-                <a:t>e.g. MSE </a:t>
-              </a:r>
-              <a:r>
                 <a:rPr lang="en-US" b="0" dirty="0">
                   <a:latin typeface="Segoe UI" panose="020B0502040204020203" pitchFamily="34" charset="0"/>
                   <a:cs typeface="Segoe UI" panose="020B0502040204020203" pitchFamily="34" charset="0"/>
                 </a:rPr>
-                <a:t>&lt;- </a:t>
-              </a:r>
-              <a:r>
-                <a:rPr lang="en-US" b="0" dirty="0" err="1" smtClean="0">
+                <a:t>e.g. MSE &lt;- </a:t>
+              </a:r>
+              <a:r>
+                <a:rPr lang="en-US" b="0" dirty="0" err="1">
                   <a:latin typeface="Segoe UI" panose="020B0502040204020203" pitchFamily="34" charset="0"/>
                   <a:cs typeface="Segoe UI" panose="020B0502040204020203" pitchFamily="34" charset="0"/>
                 </a:rPr>
                 <a:t>runMSE</a:t>
-              </a:r>
-              <a:r>
-                <a:rPr lang="en-US" b="0" dirty="0" smtClean="0">
-                  <a:latin typeface="Segoe UI" panose="020B0502040204020203" pitchFamily="34" charset="0"/>
-                  <a:cs typeface="Segoe UI" panose="020B0502040204020203" pitchFamily="34" charset="0"/>
-                </a:rPr>
-                <a:t>(OM, </a:t>
-              </a:r>
-            </a:p>
-            <a:p>
-              <a:r>
-                <a:rPr lang="en-US" b="0" dirty="0" smtClean="0">
-                  <a:latin typeface="Segoe UI" panose="020B0502040204020203" pitchFamily="34" charset="0"/>
-                  <a:cs typeface="Segoe UI" panose="020B0502040204020203" pitchFamily="34" charset="0"/>
-                </a:rPr>
-                <a:t>	  MPs=c</a:t>
               </a:r>
               <a:r>
                 <a:rPr lang="en-US" b="0" dirty="0">
                   <a:latin typeface="Segoe UI" panose="020B0502040204020203" pitchFamily="34" charset="0"/>
                   <a:cs typeface="Segoe UI" panose="020B0502040204020203" pitchFamily="34" charset="0"/>
                 </a:rPr>
-                <a:t>('</a:t>
+                <a:t>(OM, </a:t>
+              </a:r>
+            </a:p>
+            <a:p>
+              <a:r>
+                <a:rPr lang="en-US" b="0" dirty="0">
+                  <a:latin typeface="Segoe UI" panose="020B0502040204020203" pitchFamily="34" charset="0"/>
+                  <a:cs typeface="Segoe UI" panose="020B0502040204020203" pitchFamily="34" charset="0"/>
+                </a:rPr>
+                <a:t>	  MPs=c('</a:t>
               </a:r>
               <a:r>
                 <a:rPr lang="en-US" b="0" dirty="0" err="1">
@@ -8268,27 +8102,20 @@
                 <a:t>FMSYref</a:t>
               </a:r>
               <a:r>
-                <a:rPr lang="en-US" b="0" dirty="0" smtClean="0">
-                  <a:latin typeface="Segoe UI" panose="020B0502040204020203" pitchFamily="34" charset="0"/>
-                  <a:cs typeface="Segoe UI" panose="020B0502040204020203" pitchFamily="34" charset="0"/>
-                </a:rPr>
-                <a:t>'), </a:t>
-              </a:r>
-            </a:p>
-            <a:p>
-              <a:r>
                 <a:rPr lang="en-US" b="0" dirty="0">
                   <a:latin typeface="Segoe UI" panose="020B0502040204020203" pitchFamily="34" charset="0"/>
                   <a:cs typeface="Segoe UI" panose="020B0502040204020203" pitchFamily="34" charset="0"/>
                 </a:rPr>
-                <a:t>	</a:t>
-              </a:r>
-              <a:r>
-                <a:rPr lang="en-US" b="0" dirty="0" smtClean="0">
+                <a:t>'), </a:t>
+              </a:r>
+            </a:p>
+            <a:p>
+              <a:r>
+                <a:rPr lang="en-US" b="0" dirty="0">
                   <a:latin typeface="Segoe UI" panose="020B0502040204020203" pitchFamily="34" charset="0"/>
                   <a:cs typeface="Segoe UI" panose="020B0502040204020203" pitchFamily="34" charset="0"/>
                 </a:rPr>
-                <a:t>  parallel=TRUE)</a:t>
+                <a:t>	  parallel=TRUE)</a:t>
               </a:r>
             </a:p>
             <a:p>
@@ -8318,10 +8145,6 @@
                 </a:rPr>
                 <a:t> </a:t>
               </a:r>
-              <a:endParaRPr lang="en-US" dirty="0" smtClean="0">
-                <a:latin typeface="Segoe UI" panose="020B0502040204020203" pitchFamily="34" charset="0"/>
-                <a:cs typeface="Segoe UI" panose="020B0502040204020203" pitchFamily="34" charset="0"/>
-              </a:endParaRPr>
             </a:p>
             <a:p>
               <a:pPr>
@@ -8330,7 +8153,7 @@
                 </a:lnSpc>
               </a:pPr>
               <a:r>
-                <a:rPr lang="en-US" dirty="0" smtClean="0">
+                <a:rPr lang="en-US" dirty="0">
                   <a:latin typeface="Segoe UI" panose="020B0502040204020203" pitchFamily="34" charset="0"/>
                   <a:cs typeface="Segoe UI" panose="020B0502040204020203" pitchFamily="34" charset="0"/>
                 </a:rPr>
@@ -8344,42 +8167,42 @@
                 </a:lnSpc>
               </a:pPr>
               <a:r>
-                <a:rPr lang="en-US" b="0" dirty="0" err="1" smtClean="0">
+                <a:rPr lang="en-US" b="0" dirty="0" err="1">
                   <a:latin typeface="Segoe UI" panose="020B0502040204020203" pitchFamily="34" charset="0"/>
                   <a:cs typeface="Segoe UI" panose="020B0502040204020203" pitchFamily="34" charset="0"/>
                 </a:rPr>
                 <a:t>Hist</a:t>
               </a:r>
               <a:r>
-                <a:rPr lang="en-US" b="0" dirty="0" smtClean="0">
+                <a:rPr lang="en-US" b="0" dirty="0">
                   <a:latin typeface="Segoe UI" panose="020B0502040204020203" pitchFamily="34" charset="0"/>
                   <a:cs typeface="Segoe UI" panose="020B0502040204020203" pitchFamily="34" charset="0"/>
                 </a:rPr>
                 <a:t> &lt;- </a:t>
               </a:r>
               <a:r>
-                <a:rPr lang="en-US" b="0" dirty="0" err="1" smtClean="0">
+                <a:rPr lang="en-US" b="0" dirty="0" err="1">
                   <a:latin typeface="Segoe UI" panose="020B0502040204020203" pitchFamily="34" charset="0"/>
                   <a:cs typeface="Segoe UI" panose="020B0502040204020203" pitchFamily="34" charset="0"/>
                 </a:rPr>
                 <a:t>runMSE</a:t>
               </a:r>
               <a:r>
-                <a:rPr lang="en-US" b="0" dirty="0" smtClean="0">
+                <a:rPr lang="en-US" b="0" dirty="0">
                   <a:latin typeface="Segoe UI" panose="020B0502040204020203" pitchFamily="34" charset="0"/>
                   <a:cs typeface="Segoe UI" panose="020B0502040204020203" pitchFamily="34" charset="0"/>
                 </a:rPr>
                 <a:t>(OM, </a:t>
               </a:r>
               <a:r>
-                <a:rPr lang="en-US" b="0" dirty="0" err="1" smtClean="0">
+                <a:rPr lang="en-US" b="0" dirty="0" err="1">
                   <a:latin typeface="Segoe UI" panose="020B0502040204020203" pitchFamily="34" charset="0"/>
                   <a:cs typeface="Segoe UI" panose="020B0502040204020203" pitchFamily="34" charset="0"/>
                 </a:rPr>
                 <a:t>Hist</a:t>
               </a:r>
               <a:r>
-                <a:rPr lang="en-US" b="0" dirty="0" smtClean="0">
+                <a:rPr lang="en-US" b="0" dirty="0">
                   <a:latin typeface="Segoe UI" panose="020B0502040204020203" pitchFamily="34" charset="0"/>
                   <a:cs typeface="Segoe UI" panose="020B0502040204020203" pitchFamily="34" charset="0"/>
                 </a:rPr>
@@ -8408,7 +8231,7 @@
           </a:ln>
           <a:extLst>
             <a:ext uri="{C572A759-6A51-4108-AA02-DFA0A04FC94B}">
-              <ma14:wrappingTextBoxFlag xmlns="" xmlns:ma14="http://schemas.microsoft.com/office/mac/drawingml/2011/main" val="1"/>
+              <ma14:wrappingTextBoxFlag xmlns:ma14="http://schemas.microsoft.com/office/mac/drawingml/2011/main" xmlns="" val="1"/>
             </a:ext>
           </a:extLst>
         </p:spPr>
@@ -8420,30 +8243,30 @@
           <a:p>
             <a:pPr lvl="1" indent="0"/>
             <a:r>
-              <a:rPr lang="en-US" dirty="0" smtClean="0"/>
+              <a:rPr lang="en-US" dirty="0"/>
               <a:t>Slot Names: </a:t>
             </a:r>
             <a:r>
-              <a:rPr lang="en-US" b="0" dirty="0" err="1" smtClean="0"/>
+              <a:rPr lang="en-US" b="0" dirty="0" err="1"/>
               <a:t>slotNames</a:t>
             </a:r>
             <a:r>
-              <a:rPr lang="en-US" b="0" dirty="0" smtClean="0"/>
+              <a:rPr lang="en-US" b="0" dirty="0"/>
               <a:t>('Object Class')</a:t>
             </a:r>
           </a:p>
           <a:p>
             <a:pPr lvl="1" indent="0"/>
             <a:r>
-              <a:rPr lang="en-US" b="0" dirty="0" smtClean="0"/>
+              <a:rPr lang="en-US" b="0" dirty="0"/>
               <a:t>e.g.	</a:t>
             </a:r>
             <a:r>
-              <a:rPr lang="en-US" b="0" dirty="0" err="1" smtClean="0"/>
+              <a:rPr lang="en-US" b="0" dirty="0" err="1"/>
               <a:t>slotNames</a:t>
             </a:r>
             <a:r>
-              <a:rPr lang="en-US" b="0" dirty="0" smtClean="0"/>
+              <a:rPr lang="en-US" b="0" dirty="0"/>
               <a:t>('Stock')</a:t>
             </a:r>
             <a:endParaRPr dirty="0"/>
@@ -8536,11 +8359,11 @@
           <a:lstStyle/>
           <a:p>
             <a:r>
-              <a:rPr lang="en-US" dirty="0" smtClean="0"/>
+              <a:rPr lang="en-US" dirty="0"/>
               <a:t>DLMtool</a:t>
             </a:r>
             <a:r>
-              <a:rPr dirty="0" smtClean="0"/>
+              <a:rPr dirty="0"/>
               <a:t> </a:t>
             </a:r>
             <a:r>
@@ -8550,28 +8373,19 @@
                 <a:cs typeface="Source Sans Pro Semibold"/>
                 <a:sym typeface="Source Sans Pro Semibold"/>
               </a:rPr>
-              <a:t>CHEAT </a:t>
-            </a:r>
-            <a:r>
-              <a:rPr sz="3300" dirty="0" smtClean="0">
+              <a:t>CHEAT SHEET</a:t>
+            </a:r>
+            <a:r>
+              <a:rPr lang="en-US" sz="3300" dirty="0">
                 <a:latin typeface="Source Sans Pro Semibold"/>
                 <a:ea typeface="Source Sans Pro Semibold"/>
                 <a:cs typeface="Source Sans Pro Semibold"/>
                 <a:sym typeface="Source Sans Pro Semibold"/>
               </a:rPr>
-              <a:t>SHEET</a:t>
-            </a:r>
-            <a:r>
-              <a:rPr lang="en-US" sz="3300" dirty="0" smtClean="0">
-                <a:latin typeface="Source Sans Pro Semibold"/>
-                <a:ea typeface="Source Sans Pro Semibold"/>
-                <a:cs typeface="Source Sans Pro Semibold"/>
-                <a:sym typeface="Source Sans Pro Semibold"/>
-              </a:rPr>
               <a:t> 2</a:t>
             </a:r>
             <a:br>
-              <a:rPr lang="en-US" sz="3300" dirty="0" smtClean="0">
+              <a:rPr lang="en-US" sz="3300" dirty="0">
                 <a:latin typeface="Source Sans Pro Semibold"/>
                 <a:ea typeface="Source Sans Pro Semibold"/>
                 <a:cs typeface="Source Sans Pro Semibold"/>
@@ -8643,7 +8457,7 @@
           </a:ln>
           <a:extLst>
             <a:ext uri="{C572A759-6A51-4108-AA02-DFA0A04FC94B}">
-              <ma14:wrappingTextBoxFlag xmlns:ma14="http://schemas.microsoft.com/office/mac/drawingml/2011/main" xmlns="" val="1"/>
+              <ma14:wrappingTextBoxFlag xmlns="" xmlns:ma14="http://schemas.microsoft.com/office/mac/drawingml/2011/main" val="1"/>
             </a:ext>
           </a:extLst>
         </p:spPr>
@@ -8667,7 +8481,7 @@
               </a:defRPr>
             </a:pPr>
             <a:r>
-              <a:rPr dirty="0" smtClean="0"/>
+              <a:rPr dirty="0"/>
               <a:t>.    </a:t>
             </a:r>
             <a:r>
@@ -8681,91 +8495,67 @@
               <a:t> </a:t>
             </a:r>
             <a:r>
-              <a:rPr lang="en-US" dirty="0" smtClean="0"/>
+              <a:rPr lang="en-US" dirty="0"/>
               <a:t>Adrian Hordyk </a:t>
-            </a:r>
-            <a:r>
-              <a:rPr dirty="0" smtClean="0"/>
-              <a:t>•  </a:t>
-            </a:r>
-            <a:r>
-              <a:rPr lang="en-US" dirty="0" smtClean="0">
-                <a:hlinkClick r:id="rId4"/>
-              </a:rPr>
-              <a:t>a.hordyk@oceans.ubc.ca</a:t>
-            </a:r>
-            <a:r>
-              <a:rPr lang="en-US" dirty="0" smtClean="0"/>
-              <a:t> </a:t>
-            </a:r>
-            <a:r>
-              <a:rPr dirty="0" smtClean="0"/>
-              <a:t> </a:t>
-            </a:r>
-            <a:r>
-              <a:rPr dirty="0"/>
-              <a:t>• </a:t>
-            </a:r>
-            <a:r>
-              <a:rPr dirty="0" smtClean="0"/>
-              <a:t> </a:t>
-            </a:r>
-            <a:r>
-              <a:rPr lang="en-US" dirty="0" smtClean="0">
-                <a:hlinkClick r:id="rId5"/>
-              </a:rPr>
-              <a:t>http://datalimitedtoolkit.org</a:t>
-            </a:r>
-            <a:r>
-              <a:rPr lang="en-US" dirty="0" smtClean="0"/>
-              <a:t> </a:t>
-            </a:r>
-            <a:r>
-              <a:rPr dirty="0" smtClean="0"/>
-              <a:t> </a:t>
             </a:r>
             <a:r>
               <a:rPr dirty="0"/>
               <a:t>•  </a:t>
             </a:r>
             <a:r>
-              <a:rPr dirty="0" smtClean="0"/>
+              <a:rPr lang="en-US" dirty="0">
+                <a:hlinkClick r:id="rId4"/>
+              </a:rPr>
+              <a:t>a.hordyk@oceans.ubc.ca</a:t>
+            </a:r>
+            <a:r>
+              <a:rPr lang="en-US" dirty="0"/>
               <a:t> </a:t>
             </a:r>
             <a:r>
-              <a:rPr lang="en-US" dirty="0" smtClean="0"/>
+              <a:rPr dirty="0"/>
+              <a:t> •  </a:t>
+            </a:r>
+            <a:r>
+              <a:rPr lang="en-US" dirty="0">
+                <a:hlinkClick r:id="rId5"/>
+              </a:rPr>
+              <a:t>http://datalimitedtoolkit.org</a:t>
+            </a:r>
+            <a:r>
+              <a:rPr lang="en-US" dirty="0"/>
+              <a:t> </a:t>
+            </a:r>
+            <a:r>
+              <a:rPr dirty="0"/>
+              <a:t> •   </a:t>
+            </a:r>
+            <a:r>
+              <a:rPr lang="en-US" dirty="0"/>
               <a:t>DLMtool</a:t>
             </a:r>
             <a:r>
-              <a:rPr dirty="0" smtClean="0"/>
-              <a:t> </a:t>
-            </a:r>
-            <a:r>
               <a:rPr dirty="0"/>
-              <a:t>version  </a:t>
-            </a:r>
-            <a:r>
-              <a:rPr lang="en-US" dirty="0" smtClean="0"/>
+              <a:t> version  </a:t>
+            </a:r>
+            <a:r>
+              <a:rPr lang="en-US" dirty="0"/>
               <a:t>5.2</a:t>
             </a:r>
             <a:r>
-              <a:rPr dirty="0" smtClean="0"/>
-              <a:t> </a:t>
-            </a:r>
-            <a:r>
               <a:rPr dirty="0"/>
-              <a:t>•  Updated: </a:t>
-            </a:r>
-            <a:r>
-              <a:rPr lang="en-US" dirty="0" smtClean="0"/>
+              <a:t> •  Updated: </a:t>
+            </a:r>
+            <a:r>
+              <a:rPr lang="en-US" dirty="0"/>
               <a:t>September </a:t>
             </a:r>
             <a:r>
-              <a:rPr dirty="0" smtClean="0"/>
+              <a:rPr dirty="0"/>
               <a:t>201</a:t>
             </a:r>
             <a:r>
-              <a:rPr lang="en-US" dirty="0" smtClean="0"/>
+              <a:rPr lang="en-US" dirty="0"/>
               <a:t>8</a:t>
             </a:r>
             <a:endParaRPr dirty="0"/>
@@ -8833,7 +8623,7 @@
           </a:ln>
           <a:extLst>
             <a:ext uri="{C572A759-6A51-4108-AA02-DFA0A04FC94B}">
-              <ma14:wrappingTextBoxFlag xmlns="" xmlns:ma14="http://schemas.microsoft.com/office/mac/drawingml/2011/main" val="1"/>
+              <ma14:wrappingTextBoxFlag xmlns:ma14="http://schemas.microsoft.com/office/mac/drawingml/2011/main" xmlns="" val="1"/>
             </a:ext>
           </a:extLst>
         </p:spPr>
@@ -8857,7 +8647,7 @@
               </a:defRPr>
             </a:pPr>
             <a:r>
-              <a:rPr lang="en-US" dirty="0" smtClean="0"/>
+              <a:rPr lang="en-US" dirty="0"/>
               <a:t>Examine MSE Results</a:t>
             </a:r>
             <a:endParaRPr dirty="0"/>
@@ -8883,7 +8673,7 @@
           </a:ln>
           <a:extLst>
             <a:ext uri="{C572A759-6A51-4108-AA02-DFA0A04FC94B}">
-              <ma14:wrappingTextBoxFlag xmlns="" xmlns:ma14="http://schemas.microsoft.com/office/mac/drawingml/2011/main" val="1"/>
+              <ma14:wrappingTextBoxFlag xmlns:ma14="http://schemas.microsoft.com/office/mac/drawingml/2011/main" xmlns="" val="1"/>
             </a:ext>
           </a:extLst>
         </p:spPr>
@@ -8907,7 +8697,7 @@
               </a:defRPr>
             </a:pPr>
             <a:r>
-              <a:rPr lang="en-US" dirty="0" smtClean="0"/>
+              <a:rPr lang="en-US" dirty="0"/>
               <a:t>Fishery Data Object</a:t>
             </a:r>
             <a:endParaRPr dirty="0"/>
@@ -8933,7 +8723,7 @@
           </a:ln>
           <a:extLst>
             <a:ext uri="{C572A759-6A51-4108-AA02-DFA0A04FC94B}">
-              <ma14:wrappingTextBoxFlag xmlns="" xmlns:ma14="http://schemas.microsoft.com/office/mac/drawingml/2011/main" val="1"/>
+              <ma14:wrappingTextBoxFlag xmlns:ma14="http://schemas.microsoft.com/office/mac/drawingml/2011/main" xmlns="" val="1"/>
             </a:ext>
           </a:extLst>
         </p:spPr>
@@ -8957,7 +8747,7 @@
               </a:defRPr>
             </a:pPr>
             <a:r>
-              <a:rPr lang="en-US" dirty="0" smtClean="0"/>
+              <a:rPr lang="en-US" dirty="0"/>
               <a:t>Performance Metrics</a:t>
             </a:r>
             <a:endParaRPr dirty="0"/>
@@ -9025,7 +8815,7 @@
           </a:ln>
           <a:extLst>
             <a:ext uri="{C572A759-6A51-4108-AA02-DFA0A04FC94B}">
-              <ma14:wrappingTextBoxFlag xmlns="" xmlns:ma14="http://schemas.microsoft.com/office/mac/drawingml/2011/main" val="1"/>
+              <ma14:wrappingTextBoxFlag xmlns:ma14="http://schemas.microsoft.com/office/mac/drawingml/2011/main" xmlns="" val="1"/>
             </a:ext>
           </a:extLst>
         </p:spPr>
@@ -9049,7 +8839,7 @@
               </a:defRPr>
             </a:pPr>
             <a:r>
-              <a:rPr lang="en-US" dirty="0" smtClean="0"/>
+              <a:rPr lang="en-US" dirty="0"/>
               <a:t>Apply MPs</a:t>
             </a:r>
             <a:endParaRPr dirty="0"/>
@@ -9083,14 +8873,14 @@
               </a:lnSpc>
             </a:pPr>
             <a:r>
-              <a:rPr lang="en-US" dirty="0" smtClean="0">
+              <a:rPr lang="en-US" dirty="0">
                 <a:latin typeface="Segoe UI" panose="020B0502040204020203" pitchFamily="34" charset="0"/>
                 <a:cs typeface="Segoe UI" panose="020B0502040204020203" pitchFamily="34" charset="0"/>
               </a:rPr>
               <a:t>Available PM Functions: </a:t>
             </a:r>
             <a:r>
-              <a:rPr lang="en-US" b="0" dirty="0" smtClean="0">
+              <a:rPr lang="en-US" b="0" dirty="0">
                 <a:latin typeface="Segoe UI" panose="020B0502040204020203" pitchFamily="34" charset="0"/>
                 <a:cs typeface="Segoe UI" panose="020B0502040204020203" pitchFamily="34" charset="0"/>
               </a:rPr>
@@ -9104,7 +8894,7 @@
               </a:lnSpc>
             </a:pPr>
             <a:r>
-              <a:rPr lang="en-US" dirty="0" smtClean="0">
+              <a:rPr lang="en-US" dirty="0">
                 <a:latin typeface="Segoe UI" panose="020B0502040204020203" pitchFamily="34" charset="0"/>
                 <a:cs typeface="Segoe UI" panose="020B0502040204020203" pitchFamily="34" charset="0"/>
               </a:rPr>
@@ -9113,21 +8903,21 @@
           </a:p>
           <a:p>
             <a:r>
-              <a:rPr lang="en-US" b="0" dirty="0" smtClean="0">
+              <a:rPr lang="en-US" b="0" dirty="0">
                 <a:latin typeface="Segoe UI" panose="020B0502040204020203" pitchFamily="34" charset="0"/>
                 <a:cs typeface="Segoe UI" panose="020B0502040204020203" pitchFamily="34" charset="0"/>
               </a:rPr>
               <a:t>e.g.	MSE &lt;- </a:t>
             </a:r>
             <a:r>
-              <a:rPr lang="en-US" b="0" dirty="0" err="1" smtClean="0">
+              <a:rPr lang="en-US" b="0" dirty="0" err="1">
                 <a:latin typeface="Segoe UI" panose="020B0502040204020203" pitchFamily="34" charset="0"/>
                 <a:cs typeface="Segoe UI" panose="020B0502040204020203" pitchFamily="34" charset="0"/>
               </a:rPr>
               <a:t>runMSE</a:t>
             </a:r>
             <a:r>
-              <a:rPr lang="en-US" b="0" dirty="0" smtClean="0">
+              <a:rPr lang="en-US" b="0" dirty="0">
                 <a:latin typeface="Segoe UI" panose="020B0502040204020203" pitchFamily="34" charset="0"/>
                 <a:cs typeface="Segoe UI" panose="020B0502040204020203" pitchFamily="34" charset="0"/>
               </a:rPr>
@@ -9140,14 +8930,7 @@
                 <a:latin typeface="Segoe UI" panose="020B0502040204020203" pitchFamily="34" charset="0"/>
                 <a:cs typeface="Segoe UI" panose="020B0502040204020203" pitchFamily="34" charset="0"/>
               </a:rPr>
-              <a:t>	</a:t>
-            </a:r>
-            <a:r>
-              <a:rPr lang="en-US" b="0" dirty="0" smtClean="0">
-                <a:latin typeface="Segoe UI" panose="020B0502040204020203" pitchFamily="34" charset="0"/>
-                <a:cs typeface="Segoe UI" panose="020B0502040204020203" pitchFamily="34" charset="0"/>
-              </a:rPr>
-              <a:t>P50(MSE)</a:t>
+              <a:t>	P50(MSE)</a:t>
             </a:r>
           </a:p>
         </p:txBody>
@@ -9179,14 +8962,14 @@
               </a:lnSpc>
             </a:pPr>
             <a:r>
-              <a:rPr lang="en-US" dirty="0" smtClean="0">
+              <a:rPr lang="en-US" dirty="0">
                 <a:latin typeface="Segoe UI" panose="020B0502040204020203" pitchFamily="34" charset="0"/>
                 <a:cs typeface="Segoe UI" panose="020B0502040204020203" pitchFamily="34" charset="0"/>
               </a:rPr>
               <a:t>Summary Results: </a:t>
             </a:r>
             <a:r>
-              <a:rPr lang="en-US" b="0" dirty="0" smtClean="0">
+              <a:rPr lang="en-US" b="0" dirty="0">
                 <a:latin typeface="Segoe UI" panose="020B0502040204020203" pitchFamily="34" charset="0"/>
                 <a:cs typeface="Segoe UI" panose="020B0502040204020203" pitchFamily="34" charset="0"/>
               </a:rPr>
@@ -9200,21 +8983,21 @@
               </a:lnSpc>
             </a:pPr>
             <a:r>
-              <a:rPr lang="en-US" dirty="0" smtClean="0">
+              <a:rPr lang="en-US" dirty="0">
                 <a:latin typeface="Segoe UI" panose="020B0502040204020203" pitchFamily="34" charset="0"/>
                 <a:cs typeface="Segoe UI" panose="020B0502040204020203" pitchFamily="34" charset="0"/>
               </a:rPr>
               <a:t>Trade-Off Plots: </a:t>
             </a:r>
             <a:r>
-              <a:rPr lang="en-US" b="0" dirty="0" err="1" smtClean="0">
+              <a:rPr lang="en-US" b="0" dirty="0" err="1">
                 <a:latin typeface="Segoe UI" panose="020B0502040204020203" pitchFamily="34" charset="0"/>
                 <a:cs typeface="Segoe UI" panose="020B0502040204020203" pitchFamily="34" charset="0"/>
               </a:rPr>
               <a:t>TradePlot</a:t>
             </a:r>
             <a:r>
-              <a:rPr lang="en-US" b="0" dirty="0" smtClean="0">
+              <a:rPr lang="en-US" b="0" dirty="0">
                 <a:latin typeface="Segoe UI" panose="020B0502040204020203" pitchFamily="34" charset="0"/>
                 <a:cs typeface="Segoe UI" panose="020B0502040204020203" pitchFamily="34" charset="0"/>
               </a:rPr>
@@ -9228,21 +9011,21 @@
               </a:lnSpc>
             </a:pPr>
             <a:r>
-              <a:rPr lang="en-US" b="0" dirty="0" smtClean="0">
+              <a:rPr lang="en-US" b="0" dirty="0">
                 <a:latin typeface="Segoe UI" panose="020B0502040204020203" pitchFamily="34" charset="0"/>
                 <a:cs typeface="Segoe UI" panose="020B0502040204020203" pitchFamily="34" charset="0"/>
               </a:rPr>
               <a:t>e.g.	</a:t>
             </a:r>
             <a:r>
-              <a:rPr lang="en-US" b="0" dirty="0" err="1" smtClean="0">
+              <a:rPr lang="en-US" b="0" dirty="0" err="1">
                 <a:latin typeface="Segoe UI" panose="020B0502040204020203" pitchFamily="34" charset="0"/>
                 <a:cs typeface="Segoe UI" panose="020B0502040204020203" pitchFamily="34" charset="0"/>
               </a:rPr>
               <a:t>TradePlot</a:t>
             </a:r>
             <a:r>
-              <a:rPr lang="en-US" b="0" dirty="0" smtClean="0">
+              <a:rPr lang="en-US" b="0" dirty="0">
                 <a:latin typeface="Segoe UI" panose="020B0502040204020203" pitchFamily="34" charset="0"/>
                 <a:cs typeface="Segoe UI" panose="020B0502040204020203" pitchFamily="34" charset="0"/>
               </a:rPr>
@@ -9263,14 +9046,14 @@
               <a:t>	</a:t>
             </a:r>
             <a:r>
-              <a:rPr lang="en-US" b="0" dirty="0" err="1" smtClean="0">
+              <a:rPr lang="en-US" b="0" dirty="0" err="1">
                 <a:latin typeface="Segoe UI" panose="020B0502040204020203" pitchFamily="34" charset="0"/>
                 <a:cs typeface="Segoe UI" panose="020B0502040204020203" pitchFamily="34" charset="0"/>
               </a:rPr>
               <a:t>Tplot</a:t>
             </a:r>
             <a:r>
-              <a:rPr lang="en-US" b="0" dirty="0" smtClean="0">
+              <a:rPr lang="en-US" b="0" dirty="0">
                 <a:latin typeface="Segoe UI" panose="020B0502040204020203" pitchFamily="34" charset="0"/>
                 <a:cs typeface="Segoe UI" panose="020B0502040204020203" pitchFamily="34" charset="0"/>
               </a:rPr>
@@ -9288,14 +9071,7 @@
                 <a:latin typeface="Segoe UI" panose="020B0502040204020203" pitchFamily="34" charset="0"/>
                 <a:cs typeface="Segoe UI" panose="020B0502040204020203" pitchFamily="34" charset="0"/>
               </a:rPr>
-              <a:t>	</a:t>
-            </a:r>
-            <a:r>
-              <a:rPr lang="en-US" b="0" dirty="0" smtClean="0">
-                <a:latin typeface="Segoe UI" panose="020B0502040204020203" pitchFamily="34" charset="0"/>
-                <a:cs typeface="Segoe UI" panose="020B0502040204020203" pitchFamily="34" charset="0"/>
-              </a:rPr>
-              <a:t>Tplot2(MSE)</a:t>
+              <a:t>	Tplot2(MSE)</a:t>
             </a:r>
           </a:p>
           <a:p>
@@ -9312,14 +9088,14 @@
               <a:t>	</a:t>
             </a:r>
             <a:r>
-              <a:rPr lang="en-US" b="0" dirty="0" err="1" smtClean="0">
+              <a:rPr lang="en-US" b="0" dirty="0" err="1">
                 <a:latin typeface="Segoe UI" panose="020B0502040204020203" pitchFamily="34" charset="0"/>
                 <a:cs typeface="Segoe UI" panose="020B0502040204020203" pitchFamily="34" charset="0"/>
               </a:rPr>
               <a:t>NOAA_plot</a:t>
             </a:r>
             <a:r>
-              <a:rPr lang="en-US" b="0" dirty="0" smtClean="0">
+              <a:rPr lang="en-US" b="0" dirty="0">
                 <a:latin typeface="Segoe UI" panose="020B0502040204020203" pitchFamily="34" charset="0"/>
                 <a:cs typeface="Segoe UI" panose="020B0502040204020203" pitchFamily="34" charset="0"/>
               </a:rPr>
@@ -9333,7 +9109,7 @@
               </a:lnSpc>
             </a:pPr>
             <a:r>
-              <a:rPr lang="en-US" dirty="0" smtClean="0">
+              <a:rPr lang="en-US" dirty="0">
                 <a:latin typeface="Segoe UI" panose="020B0502040204020203" pitchFamily="34" charset="0"/>
                 <a:cs typeface="Segoe UI" panose="020B0502040204020203" pitchFamily="34" charset="0"/>
               </a:rPr>
@@ -9354,14 +9130,14 @@
               <a:t>	</a:t>
             </a:r>
             <a:r>
-              <a:rPr lang="en-US" b="0" dirty="0" err="1" smtClean="0">
+              <a:rPr lang="en-US" b="0" dirty="0" err="1">
                 <a:latin typeface="Segoe UI" panose="020B0502040204020203" pitchFamily="34" charset="0"/>
                 <a:cs typeface="Segoe UI" panose="020B0502040204020203" pitchFamily="34" charset="0"/>
               </a:rPr>
               <a:t>Pplot</a:t>
             </a:r>
             <a:r>
-              <a:rPr lang="en-US" b="0" dirty="0" smtClean="0">
+              <a:rPr lang="en-US" b="0" dirty="0">
                 <a:latin typeface="Segoe UI" panose="020B0502040204020203" pitchFamily="34" charset="0"/>
                 <a:cs typeface="Segoe UI" panose="020B0502040204020203" pitchFamily="34" charset="0"/>
               </a:rPr>
@@ -9379,14 +9155,7 @@
                 <a:latin typeface="Segoe UI" panose="020B0502040204020203" pitchFamily="34" charset="0"/>
                 <a:cs typeface="Segoe UI" panose="020B0502040204020203" pitchFamily="34" charset="0"/>
               </a:rPr>
-              <a:t>	</a:t>
-            </a:r>
-            <a:r>
-              <a:rPr lang="en-US" b="0" dirty="0" smtClean="0">
-                <a:latin typeface="Segoe UI" panose="020B0502040204020203" pitchFamily="34" charset="0"/>
-                <a:cs typeface="Segoe UI" panose="020B0502040204020203" pitchFamily="34" charset="0"/>
-              </a:rPr>
-              <a:t>Pplot2(MSE)</a:t>
+              <a:t>	Pplot2(MSE)</a:t>
             </a:r>
           </a:p>
           <a:p>
@@ -9396,21 +9165,21 @@
               </a:lnSpc>
             </a:pPr>
             <a:r>
-              <a:rPr lang="en-US" dirty="0" smtClean="0">
+              <a:rPr lang="en-US" dirty="0">
                 <a:latin typeface="Segoe UI" panose="020B0502040204020203" pitchFamily="34" charset="0"/>
                 <a:cs typeface="Segoe UI" panose="020B0502040204020203" pitchFamily="34" charset="0"/>
               </a:rPr>
               <a:t>Kobe Plot: </a:t>
             </a:r>
             <a:r>
-              <a:rPr lang="en-US" b="0" dirty="0" err="1" smtClean="0">
+              <a:rPr lang="en-US" b="0" dirty="0" err="1">
                 <a:latin typeface="Segoe UI" panose="020B0502040204020203" pitchFamily="34" charset="0"/>
                 <a:cs typeface="Segoe UI" panose="020B0502040204020203" pitchFamily="34" charset="0"/>
               </a:rPr>
               <a:t>Kplot</a:t>
             </a:r>
             <a:r>
-              <a:rPr lang="en-US" b="0" dirty="0" smtClean="0">
+              <a:rPr lang="en-US" b="0" dirty="0">
                 <a:latin typeface="Segoe UI" panose="020B0502040204020203" pitchFamily="34" charset="0"/>
                 <a:cs typeface="Segoe UI" panose="020B0502040204020203" pitchFamily="34" charset="0"/>
               </a:rPr>
@@ -9427,8 +9196,8 @@
         </p:nvSpPr>
         <p:spPr>
           <a:xfrm>
-            <a:off x="5162906" y="4180714"/>
-            <a:ext cx="3048912" cy="1513235"/>
+            <a:off x="5162906" y="4135507"/>
+            <a:ext cx="3021661" cy="1781450"/>
           </a:xfrm>
           <a:prstGeom prst="rect">
             <a:avLst/>
@@ -9438,7 +9207,7 @@
           </a:ln>
           <a:extLst>
             <a:ext uri="{C572A759-6A51-4108-AA02-DFA0A04FC94B}">
-              <ma14:wrappingTextBoxFlag xmlns="" xmlns:ma14="http://schemas.microsoft.com/office/mac/drawingml/2011/main" val="1"/>
+              <ma14:wrappingTextBoxFlag xmlns:ma14="http://schemas.microsoft.com/office/mac/drawingml/2011/main" xmlns="" val="1"/>
             </a:ext>
           </a:extLst>
         </p:spPr>
@@ -9454,20 +9223,20 @@
               </a:lnSpc>
             </a:pPr>
             <a:r>
-              <a:rPr lang="en-US" dirty="0" smtClean="0">
+              <a:rPr lang="en-US" dirty="0">
                 <a:latin typeface="Segoe UI" panose="020B0502040204020203" pitchFamily="34" charset="0"/>
                 <a:cs typeface="Segoe UI" panose="020B0502040204020203" pitchFamily="34" charset="0"/>
               </a:rPr>
               <a:t>Example Data: </a:t>
             </a:r>
             <a:r>
-              <a:rPr lang="en-US" b="0" dirty="0" smtClean="0">
+              <a:rPr lang="en-US" b="0" dirty="0">
                 <a:latin typeface="Segoe UI" panose="020B0502040204020203" pitchFamily="34" charset="0"/>
                 <a:cs typeface="Segoe UI" panose="020B0502040204020203" pitchFamily="34" charset="0"/>
               </a:rPr>
               <a:t>avail('Data')</a:t>
             </a:r>
-            <a:endParaRPr lang="en-US" dirty="0" smtClean="0">
+            <a:endParaRPr lang="en-US" dirty="0">
               <a:latin typeface="Segoe UI" panose="020B0502040204020203" pitchFamily="34" charset="0"/>
               <a:cs typeface="Segoe UI" panose="020B0502040204020203" pitchFamily="34" charset="0"/>
             </a:endParaRPr>
@@ -9479,14 +9248,14 @@
               </a:lnSpc>
             </a:pPr>
             <a:r>
-              <a:rPr lang="en-US" dirty="0" smtClean="0">
+              <a:rPr lang="en-US" dirty="0">
                 <a:latin typeface="Segoe UI" panose="020B0502040204020203" pitchFamily="34" charset="0"/>
                 <a:cs typeface="Segoe UI" panose="020B0502040204020203" pitchFamily="34" charset="0"/>
               </a:rPr>
               <a:t>Blank Data: </a:t>
             </a:r>
             <a:r>
-              <a:rPr lang="en-US" b="0" dirty="0" smtClean="0">
+              <a:rPr lang="en-US" b="0" dirty="0">
                 <a:latin typeface="Segoe UI" panose="020B0502040204020203" pitchFamily="34" charset="0"/>
                 <a:cs typeface="Segoe UI" panose="020B0502040204020203" pitchFamily="34" charset="0"/>
               </a:rPr>
@@ -9500,21 +9269,21 @@
               </a:lnSpc>
             </a:pPr>
             <a:r>
-              <a:rPr lang="en-US" dirty="0" smtClean="0">
+              <a:rPr lang="en-US" dirty="0">
                 <a:latin typeface="Segoe UI" panose="020B0502040204020203" pitchFamily="34" charset="0"/>
                 <a:cs typeface="Segoe UI" panose="020B0502040204020203" pitchFamily="34" charset="0"/>
               </a:rPr>
               <a:t>Initialize Data Excel: </a:t>
             </a:r>
             <a:r>
-              <a:rPr lang="en-US" b="0" dirty="0" err="1" smtClean="0">
+              <a:rPr lang="en-US" b="0" dirty="0" err="1">
                 <a:latin typeface="Segoe UI" panose="020B0502040204020203" pitchFamily="34" charset="0"/>
                 <a:cs typeface="Segoe UI" panose="020B0502040204020203" pitchFamily="34" charset="0"/>
               </a:rPr>
               <a:t>DataInit</a:t>
             </a:r>
             <a:r>
-              <a:rPr lang="en-US" b="0" dirty="0" smtClean="0">
+              <a:rPr lang="en-US" b="0" dirty="0">
                 <a:latin typeface="Segoe UI" panose="020B0502040204020203" pitchFamily="34" charset="0"/>
                 <a:cs typeface="Segoe UI" panose="020B0502040204020203" pitchFamily="34" charset="0"/>
               </a:rPr>
@@ -9528,14 +9297,14 @@
               </a:lnSpc>
             </a:pPr>
             <a:r>
-              <a:rPr lang="en-US" dirty="0" smtClean="0">
+              <a:rPr lang="en-US" dirty="0">
                 <a:latin typeface="Segoe UI" panose="020B0502040204020203" pitchFamily="34" charset="0"/>
                 <a:cs typeface="Segoe UI" panose="020B0502040204020203" pitchFamily="34" charset="0"/>
               </a:rPr>
               <a:t>Import Data from Excel: </a:t>
             </a:r>
             <a:r>
-              <a:rPr lang="en-US" b="0" dirty="0" smtClean="0">
+              <a:rPr lang="en-US" b="0" dirty="0">
                 <a:latin typeface="Segoe UI" panose="020B0502040204020203" pitchFamily="34" charset="0"/>
                 <a:cs typeface="Segoe UI" panose="020B0502040204020203" pitchFamily="34" charset="0"/>
               </a:rPr>
@@ -9549,19 +9318,44 @@
               </a:lnSpc>
             </a:pPr>
             <a:r>
-              <a:rPr lang="en-US" dirty="0" smtClean="0">
+              <a:rPr lang="en-US" dirty="0">
                 <a:latin typeface="Segoe UI" panose="020B0502040204020203" pitchFamily="34" charset="0"/>
                 <a:cs typeface="Segoe UI" panose="020B0502040204020203" pitchFamily="34" charset="0"/>
               </a:rPr>
               <a:t>Plot Data: </a:t>
             </a:r>
             <a:r>
-              <a:rPr lang="en-US" b="0" dirty="0" smtClean="0">
+              <a:rPr lang="en-US" b="0" dirty="0">
                 <a:latin typeface="Segoe UI" panose="020B0502040204020203" pitchFamily="34" charset="0"/>
                 <a:cs typeface="Segoe UI" panose="020B0502040204020203" pitchFamily="34" charset="0"/>
               </a:rPr>
               <a:t>summary(Data)</a:t>
             </a:r>
+          </a:p>
+          <a:p>
+            <a:pPr>
+              <a:lnSpc>
+                <a:spcPct val="150000"/>
+              </a:lnSpc>
+            </a:pPr>
+            <a:r>
+              <a:rPr lang="en-US" dirty="0">
+                <a:latin typeface="Segoe UI" panose="020B0502040204020203" pitchFamily="34" charset="0"/>
+                <a:cs typeface="Segoe UI" panose="020B0502040204020203" pitchFamily="34" charset="0"/>
+              </a:rPr>
+              <a:t>Write Data: </a:t>
+            </a:r>
+            <a:r>
+              <a:rPr lang="en-US" b="0" dirty="0">
+                <a:latin typeface="Segoe UI" panose="020B0502040204020203" pitchFamily="34" charset="0"/>
+                <a:cs typeface="Segoe UI" panose="020B0502040204020203" pitchFamily="34" charset="0"/>
+              </a:rPr>
+              <a:t>Data2csv(Data, ‘Data.csv’)</a:t>
+            </a:r>
+            <a:endParaRPr lang="en-US" dirty="0">
+              <a:latin typeface="Segoe UI" panose="020B0502040204020203" pitchFamily="34" charset="0"/>
+              <a:cs typeface="Segoe UI" panose="020B0502040204020203" pitchFamily="34" charset="0"/>
+            </a:endParaRPr>
           </a:p>
         </p:txBody>
       </p:sp>
@@ -9573,7 +9367,7 @@
         </p:nvSpPr>
         <p:spPr>
           <a:xfrm>
-            <a:off x="5157296" y="7051116"/>
+            <a:off x="5157296" y="7444816"/>
             <a:ext cx="3624390" cy="333425"/>
           </a:xfrm>
           <a:prstGeom prst="rect">
@@ -9584,7 +9378,7 @@
           </a:ln>
           <a:extLst>
             <a:ext uri="{C572A759-6A51-4108-AA02-DFA0A04FC94B}">
-              <ma14:wrappingTextBoxFlag xmlns="" xmlns:ma14="http://schemas.microsoft.com/office/mac/drawingml/2011/main" val="1"/>
+              <ma14:wrappingTextBoxFlag xmlns:ma14="http://schemas.microsoft.com/office/mac/drawingml/2011/main" xmlns="" val="1"/>
             </a:ext>
           </a:extLst>
         </p:spPr>
@@ -9608,7 +9402,7 @@
               </a:defRPr>
             </a:pPr>
             <a:r>
-              <a:rPr lang="en-US" dirty="0" smtClean="0"/>
+              <a:rPr lang="en-US" dirty="0"/>
               <a:t>Management Procedures</a:t>
             </a:r>
             <a:endParaRPr dirty="0"/>
@@ -9623,7 +9417,7 @@
         </p:nvSpPr>
         <p:spPr>
           <a:xfrm flipV="1">
-            <a:off x="5162906" y="5704589"/>
+            <a:off x="5162906" y="6098289"/>
             <a:ext cx="2928939" cy="15875"/>
           </a:xfrm>
           <a:prstGeom prst="line">
@@ -9665,7 +9459,7 @@
         </p:nvSpPr>
         <p:spPr>
           <a:xfrm>
-            <a:off x="5157296" y="7423961"/>
+            <a:off x="5157296" y="7817661"/>
             <a:ext cx="4111938" cy="2723823"/>
           </a:xfrm>
           <a:prstGeom prst="rect">
@@ -9676,7 +9470,7 @@
           </a:ln>
           <a:extLst>
             <a:ext uri="{C572A759-6A51-4108-AA02-DFA0A04FC94B}">
-              <ma14:wrappingTextBoxFlag xmlns="" xmlns:ma14="http://schemas.microsoft.com/office/mac/drawingml/2011/main" val="1"/>
+              <ma14:wrappingTextBoxFlag xmlns:ma14="http://schemas.microsoft.com/office/mac/drawingml/2011/main" xmlns="" val="1"/>
             </a:ext>
           </a:extLst>
         </p:spPr>
@@ -9692,14 +9486,14 @@
               </a:lnSpc>
             </a:pPr>
             <a:r>
-              <a:rPr lang="en-US" dirty="0" smtClean="0">
+              <a:rPr lang="en-US" dirty="0">
                 <a:latin typeface="Segoe UI" panose="020B0502040204020203" pitchFamily="34" charset="0"/>
                 <a:cs typeface="Segoe UI" panose="020B0502040204020203" pitchFamily="34" charset="0"/>
               </a:rPr>
               <a:t>Available MPs: </a:t>
             </a:r>
             <a:r>
-              <a:rPr lang="en-US" b="0" dirty="0" smtClean="0">
+              <a:rPr lang="en-US" b="0" dirty="0">
                 <a:latin typeface="Segoe UI" panose="020B0502040204020203" pitchFamily="34" charset="0"/>
                 <a:cs typeface="Segoe UI" panose="020B0502040204020203" pitchFamily="34" charset="0"/>
               </a:rPr>
@@ -9713,14 +9507,14 @@
               </a:lnSpc>
             </a:pPr>
             <a:r>
-              <a:rPr lang="en-US" dirty="0" smtClean="0">
+              <a:rPr lang="en-US" dirty="0">
                 <a:latin typeface="Segoe UI" panose="020B0502040204020203" pitchFamily="34" charset="0"/>
                 <a:cs typeface="Segoe UI" panose="020B0502040204020203" pitchFamily="34" charset="0"/>
               </a:rPr>
               <a:t>Unavailable MPs: </a:t>
             </a:r>
             <a:r>
-              <a:rPr lang="en-US" b="0" dirty="0" smtClean="0">
+              <a:rPr lang="en-US" b="0" dirty="0">
                 <a:latin typeface="Segoe UI" panose="020B0502040204020203" pitchFamily="34" charset="0"/>
                 <a:cs typeface="Segoe UI" panose="020B0502040204020203" pitchFamily="34" charset="0"/>
               </a:rPr>
@@ -9734,27 +9528,27 @@
               </a:lnSpc>
             </a:pPr>
             <a:r>
-              <a:rPr lang="en-US" dirty="0" smtClean="0">
+              <a:rPr lang="en-US" dirty="0">
                 <a:latin typeface="Segoe UI" panose="020B0502040204020203" pitchFamily="34" charset="0"/>
                 <a:cs typeface="Segoe UI" panose="020B0502040204020203" pitchFamily="34" charset="0"/>
               </a:rPr>
               <a:t>Feasible MPs:</a:t>
             </a:r>
             <a:r>
-              <a:rPr lang="en-US" b="0" dirty="0" smtClean="0">
+              <a:rPr lang="en-US" b="0" dirty="0">
                 <a:latin typeface="Segoe UI" panose="020B0502040204020203" pitchFamily="34" charset="0"/>
                 <a:cs typeface="Segoe UI" panose="020B0502040204020203" pitchFamily="34" charset="0"/>
               </a:rPr>
               <a:t> ?</a:t>
             </a:r>
             <a:r>
-              <a:rPr lang="en-US" b="0" dirty="0" err="1" smtClean="0">
+              <a:rPr lang="en-US" b="0" dirty="0" err="1">
                 <a:latin typeface="Segoe UI" panose="020B0502040204020203" pitchFamily="34" charset="0"/>
                 <a:cs typeface="Segoe UI" panose="020B0502040204020203" pitchFamily="34" charset="0"/>
               </a:rPr>
               <a:t>Fease</a:t>
             </a:r>
-            <a:endParaRPr lang="en-US" b="0" dirty="0" smtClean="0">
+            <a:endParaRPr lang="en-US" b="0" dirty="0">
               <a:latin typeface="Segoe UI" panose="020B0502040204020203" pitchFamily="34" charset="0"/>
               <a:cs typeface="Segoe UI" panose="020B0502040204020203" pitchFamily="34" charset="0"/>
             </a:endParaRPr>
@@ -9766,21 +9560,21 @@
               </a:lnSpc>
             </a:pPr>
             <a:r>
-              <a:rPr lang="en-US" b="0" dirty="0" smtClean="0">
+              <a:rPr lang="en-US" b="0" dirty="0">
                 <a:latin typeface="Segoe UI" panose="020B0502040204020203" pitchFamily="34" charset="0"/>
                 <a:cs typeface="Segoe UI" panose="020B0502040204020203" pitchFamily="34" charset="0"/>
               </a:rPr>
               <a:t>e.g. All Management Options: </a:t>
             </a:r>
             <a:r>
-              <a:rPr lang="en-US" b="0" dirty="0" err="1" smtClean="0">
+              <a:rPr lang="en-US" b="0" dirty="0" err="1">
                 <a:latin typeface="Segoe UI" panose="020B0502040204020203" pitchFamily="34" charset="0"/>
                 <a:cs typeface="Segoe UI" panose="020B0502040204020203" pitchFamily="34" charset="0"/>
               </a:rPr>
               <a:t>Fease</a:t>
             </a:r>
             <a:r>
-              <a:rPr lang="en-US" b="0" dirty="0" smtClean="0">
+              <a:rPr lang="en-US" b="0" dirty="0">
                 <a:latin typeface="Segoe UI" panose="020B0502040204020203" pitchFamily="34" charset="0"/>
                 <a:cs typeface="Segoe UI" panose="020B0502040204020203" pitchFamily="34" charset="0"/>
               </a:rPr>
@@ -9794,21 +9588,21 @@
               </a:lnSpc>
             </a:pPr>
             <a:r>
-              <a:rPr lang="en-US" b="0" dirty="0" smtClean="0">
+              <a:rPr lang="en-US" b="0" dirty="0">
                 <a:latin typeface="Segoe UI" panose="020B0502040204020203" pitchFamily="34" charset="0"/>
                 <a:cs typeface="Segoe UI" panose="020B0502040204020203" pitchFamily="34" charset="0"/>
               </a:rPr>
               <a:t>TAC Only: </a:t>
             </a:r>
             <a:r>
-              <a:rPr lang="en-US" b="0" dirty="0" err="1" smtClean="0">
+              <a:rPr lang="en-US" b="0" dirty="0" err="1">
                 <a:latin typeface="Segoe UI" panose="020B0502040204020203" pitchFamily="34" charset="0"/>
                 <a:cs typeface="Segoe UI" panose="020B0502040204020203" pitchFamily="34" charset="0"/>
               </a:rPr>
               <a:t>Fease</a:t>
             </a:r>
             <a:r>
-              <a:rPr lang="en-US" b="0" dirty="0" smtClean="0">
+              <a:rPr lang="en-US" b="0" dirty="0">
                 <a:latin typeface="Segoe UI" panose="020B0502040204020203" pitchFamily="34" charset="0"/>
                 <a:cs typeface="Segoe UI" panose="020B0502040204020203" pitchFamily="34" charset="0"/>
               </a:rPr>
@@ -9826,14 +9620,7 @@
                 <a:latin typeface="Segoe UI" panose="020B0502040204020203" pitchFamily="34" charset="0"/>
                 <a:cs typeface="Segoe UI" panose="020B0502040204020203" pitchFamily="34" charset="0"/>
               </a:rPr>
-              <a:t>	</a:t>
-            </a:r>
-            <a:r>
-              <a:rPr lang="en-US" b="0" dirty="0" smtClean="0">
-                <a:latin typeface="Segoe UI" panose="020B0502040204020203" pitchFamily="34" charset="0"/>
-                <a:cs typeface="Segoe UI" panose="020B0502040204020203" pitchFamily="34" charset="0"/>
-              </a:rPr>
-              <a:t>	SL=FALSE, Spatial=FALSE)</a:t>
+              <a:t>		SL=FALSE, Spatial=FALSE)</a:t>
             </a:r>
           </a:p>
           <a:p>
@@ -9843,39 +9630,25 @@
               </a:lnSpc>
             </a:pPr>
             <a:r>
-              <a:rPr lang="en-US" b="0" dirty="0" smtClean="0">
+              <a:rPr lang="en-US" b="0" dirty="0">
                 <a:latin typeface="Segoe UI" panose="020B0502040204020203" pitchFamily="34" charset="0"/>
                 <a:cs typeface="Segoe UI" panose="020B0502040204020203" pitchFamily="34" charset="0"/>
               </a:rPr>
               <a:t>Size Reg. Only: </a:t>
             </a:r>
             <a:r>
-              <a:rPr lang="en-US" b="0" dirty="0" err="1" smtClean="0">
+              <a:rPr lang="en-US" b="0" dirty="0" err="1">
                 <a:latin typeface="Segoe UI" panose="020B0502040204020203" pitchFamily="34" charset="0"/>
                 <a:cs typeface="Segoe UI" panose="020B0502040204020203" pitchFamily="34" charset="0"/>
               </a:rPr>
               <a:t>Fease</a:t>
             </a:r>
             <a:r>
-              <a:rPr lang="en-US" b="0" dirty="0" smtClean="0">
-                <a:latin typeface="Segoe UI" panose="020B0502040204020203" pitchFamily="34" charset="0"/>
-                <a:cs typeface="Segoe UI" panose="020B0502040204020203" pitchFamily="34" charset="0"/>
-              </a:rPr>
-              <a:t>(Data</a:t>
-            </a:r>
-            <a:r>
-              <a:rPr lang="en-US" b="0" dirty="0">
-                <a:latin typeface="Segoe UI" panose="020B0502040204020203" pitchFamily="34" charset="0"/>
-                <a:cs typeface="Segoe UI" panose="020B0502040204020203" pitchFamily="34" charset="0"/>
-              </a:rPr>
-              <a:t>, </a:t>
-            </a:r>
-            <a:r>
-              <a:rPr lang="en-US" b="0" dirty="0" smtClean="0">
-                <a:latin typeface="Segoe UI" panose="020B0502040204020203" pitchFamily="34" charset="0"/>
-                <a:cs typeface="Segoe UI" panose="020B0502040204020203" pitchFamily="34" charset="0"/>
-              </a:rPr>
-              <a:t>TAC=FALSE,</a:t>
+              <a:rPr lang="en-US" b="0" dirty="0">
+                <a:latin typeface="Segoe UI" panose="020B0502040204020203" pitchFamily="34" charset="0"/>
+                <a:cs typeface="Segoe UI" panose="020B0502040204020203" pitchFamily="34" charset="0"/>
+              </a:rPr>
+              <a:t>(Data, TAC=FALSE,</a:t>
             </a:r>
           </a:p>
           <a:p>
@@ -9889,21 +9662,7 @@
                 <a:latin typeface="Segoe UI" panose="020B0502040204020203" pitchFamily="34" charset="0"/>
                 <a:cs typeface="Segoe UI" panose="020B0502040204020203" pitchFamily="34" charset="0"/>
               </a:rPr>
-              <a:t>	</a:t>
-            </a:r>
-            <a:r>
-              <a:rPr lang="en-US" b="0" dirty="0" smtClean="0">
-                <a:latin typeface="Segoe UI" panose="020B0502040204020203" pitchFamily="34" charset="0"/>
-                <a:cs typeface="Segoe UI" panose="020B0502040204020203" pitchFamily="34" charset="0"/>
-              </a:rPr>
-              <a:t>	TAE=FALSE, </a:t>
-            </a:r>
-            <a:r>
-              <a:rPr lang="en-US" b="0" dirty="0">
-                <a:latin typeface="Segoe UI" panose="020B0502040204020203" pitchFamily="34" charset="0"/>
-                <a:cs typeface="Segoe UI" panose="020B0502040204020203" pitchFamily="34" charset="0"/>
-              </a:rPr>
-              <a:t>Spatial=FALSE)</a:t>
+              <a:t>		TAE=FALSE, Spatial=FALSE)</a:t>
             </a:r>
           </a:p>
           <a:p>
@@ -9912,7 +9671,7 @@
                 <a:spcPct val="150000"/>
               </a:lnSpc>
             </a:pPr>
-            <a:endParaRPr lang="en-US" b="0" dirty="0" smtClean="0">
+            <a:endParaRPr lang="en-US" b="0" dirty="0">
               <a:latin typeface="Segoe UI" panose="020B0502040204020203" pitchFamily="34" charset="0"/>
               <a:cs typeface="Segoe UI" panose="020B0502040204020203" pitchFamily="34" charset="0"/>
             </a:endParaRPr>
@@ -9938,7 +9697,7 @@
           </a:ln>
           <a:extLst>
             <a:ext uri="{C572A759-6A51-4108-AA02-DFA0A04FC94B}">
-              <ma14:wrappingTextBoxFlag xmlns="" xmlns:ma14="http://schemas.microsoft.com/office/mac/drawingml/2011/main" val="1"/>
+              <ma14:wrappingTextBoxFlag xmlns:ma14="http://schemas.microsoft.com/office/mac/drawingml/2011/main" xmlns="" val="1"/>
             </a:ext>
           </a:extLst>
         </p:spPr>
@@ -9954,21 +9713,21 @@
               </a:lnSpc>
             </a:pPr>
             <a:r>
-              <a:rPr lang="en-US" dirty="0" smtClean="0">
+              <a:rPr lang="en-US" dirty="0">
                 <a:latin typeface="Segoe UI" panose="020B0502040204020203" pitchFamily="34" charset="0"/>
                 <a:cs typeface="Segoe UI" panose="020B0502040204020203" pitchFamily="34" charset="0"/>
               </a:rPr>
               <a:t>Apply MP: </a:t>
             </a:r>
             <a:r>
-              <a:rPr lang="en-US" b="0" dirty="0" err="1" smtClean="0">
+              <a:rPr lang="en-US" b="0" dirty="0" err="1">
                 <a:latin typeface="Segoe UI" panose="020B0502040204020203" pitchFamily="34" charset="0"/>
                 <a:cs typeface="Segoe UI" panose="020B0502040204020203" pitchFamily="34" charset="0"/>
               </a:rPr>
               <a:t>runMP</a:t>
             </a:r>
             <a:r>
-              <a:rPr lang="en-US" b="0" dirty="0" smtClean="0">
+              <a:rPr lang="en-US" b="0" dirty="0">
                 <a:latin typeface="Segoe UI" panose="020B0502040204020203" pitchFamily="34" charset="0"/>
                 <a:cs typeface="Segoe UI" panose="020B0502040204020203" pitchFamily="34" charset="0"/>
               </a:rPr>
@@ -9982,28 +9741,28 @@
               </a:lnSpc>
             </a:pPr>
             <a:r>
-              <a:rPr lang="en-US" b="0" dirty="0" smtClean="0">
+              <a:rPr lang="en-US" b="0" dirty="0">
                 <a:latin typeface="Segoe UI" panose="020B0502040204020203" pitchFamily="34" charset="0"/>
                 <a:cs typeface="Segoe UI" panose="020B0502040204020203" pitchFamily="34" charset="0"/>
               </a:rPr>
               <a:t>e.g.	All Available MPs: </a:t>
             </a:r>
             <a:r>
-              <a:rPr lang="en-US" b="0" dirty="0" err="1" smtClean="0">
+              <a:rPr lang="en-US" b="0" dirty="0" err="1">
                 <a:latin typeface="Segoe UI" panose="020B0502040204020203" pitchFamily="34" charset="0"/>
                 <a:cs typeface="Segoe UI" panose="020B0502040204020203" pitchFamily="34" charset="0"/>
               </a:rPr>
               <a:t>runMP</a:t>
             </a:r>
             <a:r>
-              <a:rPr lang="en-US" b="0" dirty="0" smtClean="0">
+              <a:rPr lang="en-US" b="0" dirty="0">
                 <a:latin typeface="Segoe UI" panose="020B0502040204020203" pitchFamily="34" charset="0"/>
                 <a:cs typeface="Segoe UI" panose="020B0502040204020203" pitchFamily="34" charset="0"/>
               </a:rPr>
               <a:t>(</a:t>
             </a:r>
             <a:r>
-              <a:rPr lang="en-US" b="0" dirty="0" err="1" smtClean="0">
+              <a:rPr lang="en-US" b="0" dirty="0" err="1">
                 <a:latin typeface="Segoe UI" panose="020B0502040204020203" pitchFamily="34" charset="0"/>
                 <a:cs typeface="Segoe UI" panose="020B0502040204020203" pitchFamily="34" charset="0"/>
               </a:rPr>
@@ -10016,10 +9775,6 @@
               </a:rPr>
               <a:t>)</a:t>
             </a:r>
-            <a:endParaRPr lang="en-US" b="0" dirty="0" smtClean="0">
-              <a:latin typeface="Segoe UI" panose="020B0502040204020203" pitchFamily="34" charset="0"/>
-              <a:cs typeface="Segoe UI" panose="020B0502040204020203" pitchFamily="34" charset="0"/>
-            </a:endParaRPr>
           </a:p>
           <a:p>
             <a:pPr>
@@ -10032,52 +9787,45 @@
                 <a:latin typeface="Segoe UI" panose="020B0502040204020203" pitchFamily="34" charset="0"/>
                 <a:cs typeface="Segoe UI" panose="020B0502040204020203" pitchFamily="34" charset="0"/>
               </a:rPr>
-              <a:t>	</a:t>
-            </a:r>
-            <a:r>
-              <a:rPr lang="en-US" b="0" dirty="0" smtClean="0">
-                <a:latin typeface="Segoe UI" panose="020B0502040204020203" pitchFamily="34" charset="0"/>
-                <a:cs typeface="Segoe UI" panose="020B0502040204020203" pitchFamily="34" charset="0"/>
-              </a:rPr>
-              <a:t>TAC &lt;- </a:t>
-            </a:r>
-            <a:r>
-              <a:rPr lang="en-US" b="0" dirty="0" err="1" smtClean="0">
+              <a:t>	TAC &lt;- </a:t>
+            </a:r>
+            <a:r>
+              <a:rPr lang="en-US" b="0" dirty="0" err="1">
                 <a:latin typeface="Segoe UI" panose="020B0502040204020203" pitchFamily="34" charset="0"/>
                 <a:cs typeface="Segoe UI" panose="020B0502040204020203" pitchFamily="34" charset="0"/>
               </a:rPr>
               <a:t>runMP</a:t>
             </a:r>
             <a:r>
-              <a:rPr lang="en-US" b="0" dirty="0" smtClean="0">
+              <a:rPr lang="en-US" b="0" dirty="0">
                 <a:latin typeface="Segoe UI" panose="020B0502040204020203" pitchFamily="34" charset="0"/>
                 <a:cs typeface="Segoe UI" panose="020B0502040204020203" pitchFamily="34" charset="0"/>
               </a:rPr>
               <a:t>(</a:t>
             </a:r>
             <a:r>
-              <a:rPr lang="en-US" b="0" dirty="0" err="1" smtClean="0">
+              <a:rPr lang="en-US" b="0" dirty="0" err="1">
                 <a:latin typeface="Segoe UI" panose="020B0502040204020203" pitchFamily="34" charset="0"/>
                 <a:cs typeface="Segoe UI" panose="020B0502040204020203" pitchFamily="34" charset="0"/>
               </a:rPr>
               <a:t>Atlantic_mackerel</a:t>
             </a:r>
             <a:r>
-              <a:rPr lang="en-US" b="0" dirty="0" smtClean="0">
+              <a:rPr lang="en-US" b="0" dirty="0">
                 <a:latin typeface="Segoe UI" panose="020B0502040204020203" pitchFamily="34" charset="0"/>
                 <a:cs typeface="Segoe UI" panose="020B0502040204020203" pitchFamily="34" charset="0"/>
               </a:rPr>
               <a:t>, '</a:t>
             </a:r>
             <a:r>
-              <a:rPr lang="en-US" b="0" dirty="0" err="1" smtClean="0">
+              <a:rPr lang="en-US" b="0" dirty="0" err="1">
                 <a:latin typeface="Segoe UI" panose="020B0502040204020203" pitchFamily="34" charset="0"/>
                 <a:cs typeface="Segoe UI" panose="020B0502040204020203" pitchFamily="34" charset="0"/>
               </a:rPr>
               <a:t>AvC</a:t>
             </a:r>
             <a:r>
-              <a:rPr lang="en-US" b="0" dirty="0" smtClean="0">
+              <a:rPr lang="en-US" b="0" dirty="0">
                 <a:latin typeface="Segoe UI" panose="020B0502040204020203" pitchFamily="34" charset="0"/>
                 <a:cs typeface="Segoe UI" panose="020B0502040204020203" pitchFamily="34" charset="0"/>
               </a:rPr>
@@ -10091,7 +9839,7 @@
               </a:lnSpc>
             </a:pPr>
             <a:r>
-              <a:rPr lang="en-US" dirty="0" smtClean="0">
+              <a:rPr lang="en-US" dirty="0">
                 <a:latin typeface="Segoe UI" panose="020B0502040204020203" pitchFamily="34" charset="0"/>
                 <a:cs typeface="Segoe UI" panose="020B0502040204020203" pitchFamily="34" charset="0"/>
               </a:rPr>
@@ -10105,49 +9853,49 @@
               </a:lnSpc>
             </a:pPr>
             <a:r>
-              <a:rPr lang="en-US" b="0" dirty="0" smtClean="0">
+              <a:rPr lang="en-US" b="0" dirty="0">
                 <a:latin typeface="Segoe UI" panose="020B0502040204020203" pitchFamily="34" charset="0"/>
                 <a:cs typeface="Segoe UI" panose="020B0502040204020203" pitchFamily="34" charset="0"/>
               </a:rPr>
               <a:t>e.g. 	</a:t>
             </a:r>
             <a:r>
-              <a:rPr lang="en-US" b="0" dirty="0" err="1" smtClean="0">
+              <a:rPr lang="en-US" b="0" dirty="0" err="1">
                 <a:latin typeface="Segoe UI" panose="020B0502040204020203" pitchFamily="34" charset="0"/>
                 <a:cs typeface="Segoe UI" panose="020B0502040204020203" pitchFamily="34" charset="0"/>
               </a:rPr>
               <a:t>Atlantic_mackerel</a:t>
             </a:r>
             <a:r>
-              <a:rPr lang="en-US" b="0" dirty="0" smtClean="0">
+              <a:rPr lang="en-US" b="0" dirty="0">
                 <a:latin typeface="Segoe UI" panose="020B0502040204020203" pitchFamily="34" charset="0"/>
                 <a:cs typeface="Segoe UI" panose="020B0502040204020203" pitchFamily="34" charset="0"/>
               </a:rPr>
               <a:t> &lt;- </a:t>
             </a:r>
             <a:r>
-              <a:rPr lang="en-US" b="0" dirty="0" err="1" smtClean="0">
+              <a:rPr lang="en-US" b="0" dirty="0" err="1">
                 <a:latin typeface="Segoe UI" panose="020B0502040204020203" pitchFamily="34" charset="0"/>
                 <a:cs typeface="Segoe UI" panose="020B0502040204020203" pitchFamily="34" charset="0"/>
               </a:rPr>
               <a:t>runMP</a:t>
             </a:r>
             <a:r>
-              <a:rPr lang="en-US" b="0" dirty="0" smtClean="0">
+              <a:rPr lang="en-US" b="0" dirty="0">
                 <a:latin typeface="Segoe UI" panose="020B0502040204020203" pitchFamily="34" charset="0"/>
                 <a:cs typeface="Segoe UI" panose="020B0502040204020203" pitchFamily="34" charset="0"/>
               </a:rPr>
               <a:t>(</a:t>
             </a:r>
             <a:r>
-              <a:rPr lang="en-US" b="0" dirty="0" err="1" smtClean="0">
+              <a:rPr lang="en-US" b="0" dirty="0" err="1">
                 <a:latin typeface="Segoe UI" panose="020B0502040204020203" pitchFamily="34" charset="0"/>
                 <a:cs typeface="Segoe UI" panose="020B0502040204020203" pitchFamily="34" charset="0"/>
               </a:rPr>
               <a:t>Atlantic_mackerel</a:t>
             </a:r>
             <a:r>
-              <a:rPr lang="en-US" b="0" dirty="0" smtClean="0">
+              <a:rPr lang="en-US" b="0" dirty="0">
                 <a:latin typeface="Segoe UI" panose="020B0502040204020203" pitchFamily="34" charset="0"/>
                 <a:cs typeface="Segoe UI" panose="020B0502040204020203" pitchFamily="34" charset="0"/>
               </a:rPr>
@@ -10161,21 +9909,21 @@
               </a:lnSpc>
             </a:pPr>
             <a:r>
-              <a:rPr lang="en-US" b="0" dirty="0" smtClean="0">
+              <a:rPr lang="en-US" b="0" dirty="0">
                 <a:latin typeface="Segoe UI" panose="020B0502040204020203" pitchFamily="34" charset="0"/>
                 <a:cs typeface="Segoe UI" panose="020B0502040204020203" pitchFamily="34" charset="0"/>
               </a:rPr>
               <a:t>	boxplot(</a:t>
             </a:r>
             <a:r>
-              <a:rPr lang="en-US" b="0" dirty="0" err="1" smtClean="0">
+              <a:rPr lang="en-US" b="0" dirty="0" err="1">
                 <a:latin typeface="Segoe UI" panose="020B0502040204020203" pitchFamily="34" charset="0"/>
                 <a:cs typeface="Segoe UI" panose="020B0502040204020203" pitchFamily="34" charset="0"/>
               </a:rPr>
               <a:t>Atlantic_mackerel</a:t>
             </a:r>
             <a:r>
-              <a:rPr lang="en-US" b="0" dirty="0" smtClean="0">
+              <a:rPr lang="en-US" b="0" dirty="0">
                 <a:latin typeface="Segoe UI" panose="020B0502040204020203" pitchFamily="34" charset="0"/>
                 <a:cs typeface="Segoe UI" panose="020B0502040204020203" pitchFamily="34" charset="0"/>
               </a:rPr>
@@ -10203,7 +9951,7 @@
           </a:ln>
           <a:extLst>
             <a:ext uri="{C572A759-6A51-4108-AA02-DFA0A04FC94B}">
-              <ma14:wrappingTextBoxFlag xmlns="" xmlns:ma14="http://schemas.microsoft.com/office/mac/drawingml/2011/main" val="1"/>
+              <ma14:wrappingTextBoxFlag xmlns:ma14="http://schemas.microsoft.com/office/mac/drawingml/2011/main" xmlns="" val="1"/>
             </a:ext>
           </a:extLst>
         </p:spPr>
@@ -10227,7 +9975,7 @@
               </a:defRPr>
             </a:pPr>
             <a:r>
-              <a:rPr lang="en-US" dirty="0" smtClean="0"/>
+              <a:rPr lang="en-US" dirty="0"/>
               <a:t>Custom MPs</a:t>
             </a:r>
             <a:endParaRPr dirty="0"/>
@@ -10253,7 +10001,7 @@
           </a:ln>
           <a:extLst>
             <a:ext uri="{C572A759-6A51-4108-AA02-DFA0A04FC94B}">
-              <ma14:wrappingTextBoxFlag xmlns="" xmlns:ma14="http://schemas.microsoft.com/office/mac/drawingml/2011/main" val="1"/>
+              <ma14:wrappingTextBoxFlag xmlns:ma14="http://schemas.microsoft.com/office/mac/drawingml/2011/main" xmlns="" val="1"/>
             </a:ext>
           </a:extLst>
         </p:spPr>
@@ -10264,7 +10012,7 @@
           <a:lstStyle/>
           <a:p>
             <a:r>
-              <a:rPr lang="en-US" dirty="0" smtClean="0">
+              <a:rPr lang="en-US" dirty="0">
                 <a:latin typeface="Segoe UI" panose="020B0502040204020203" pitchFamily="34" charset="0"/>
                 <a:cs typeface="Segoe UI" panose="020B0502040204020203" pitchFamily="34" charset="0"/>
               </a:rPr>
@@ -10273,14 +10021,14 @@
           </a:p>
           <a:p>
             <a:r>
-              <a:rPr lang="en-US" b="0" dirty="0" err="1" smtClean="0">
+              <a:rPr lang="en-US" b="0" dirty="0" err="1">
                 <a:latin typeface="Segoe UI" panose="020B0502040204020203" pitchFamily="34" charset="0"/>
                 <a:cs typeface="Segoe UI" panose="020B0502040204020203" pitchFamily="34" charset="0"/>
               </a:rPr>
               <a:t>AvCatchMP</a:t>
             </a:r>
             <a:r>
-              <a:rPr lang="en-US" b="0" dirty="0" smtClean="0">
+              <a:rPr lang="en-US" b="0" dirty="0">
                 <a:latin typeface="Segoe UI" panose="020B0502040204020203" pitchFamily="34" charset="0"/>
                 <a:cs typeface="Segoe UI" panose="020B0502040204020203" pitchFamily="34" charset="0"/>
               </a:rPr>
@@ -10293,38 +10041,31 @@
                 <a:latin typeface="Segoe UI" panose="020B0502040204020203" pitchFamily="34" charset="0"/>
                 <a:cs typeface="Segoe UI" panose="020B0502040204020203" pitchFamily="34" charset="0"/>
               </a:rPr>
-              <a:t> </a:t>
-            </a:r>
-            <a:r>
-              <a:rPr lang="en-US" b="0" dirty="0" smtClean="0">
-                <a:latin typeface="Segoe UI" panose="020B0502040204020203" pitchFamily="34" charset="0"/>
-                <a:cs typeface="Segoe UI" panose="020B0502040204020203" pitchFamily="34" charset="0"/>
-              </a:rPr>
-              <a:t> </a:t>
-            </a:r>
-            <a:r>
-              <a:rPr lang="en-US" b="0" dirty="0" err="1" smtClean="0">
+              <a:t>  </a:t>
+            </a:r>
+            <a:r>
+              <a:rPr lang="en-US" b="0" dirty="0" err="1">
                 <a:latin typeface="Segoe UI" panose="020B0502040204020203" pitchFamily="34" charset="0"/>
                 <a:cs typeface="Segoe UI" panose="020B0502040204020203" pitchFamily="34" charset="0"/>
               </a:rPr>
               <a:t>AvC</a:t>
             </a:r>
             <a:r>
-              <a:rPr lang="en-US" b="0" dirty="0" smtClean="0">
+              <a:rPr lang="en-US" b="0" dirty="0">
                 <a:latin typeface="Segoe UI" panose="020B0502040204020203" pitchFamily="34" charset="0"/>
                 <a:cs typeface="Segoe UI" panose="020B0502040204020203" pitchFamily="34" charset="0"/>
               </a:rPr>
               <a:t> &lt;- </a:t>
             </a:r>
             <a:r>
-              <a:rPr lang="en-US" b="0" dirty="0" err="1" smtClean="0">
+              <a:rPr lang="en-US" b="0" dirty="0" err="1">
                 <a:latin typeface="Segoe UI" panose="020B0502040204020203" pitchFamily="34" charset="0"/>
                 <a:cs typeface="Segoe UI" panose="020B0502040204020203" pitchFamily="34" charset="0"/>
               </a:rPr>
               <a:t>Data@AvC</a:t>
             </a:r>
             <a:r>
-              <a:rPr lang="en-US" b="0" dirty="0" smtClean="0">
+              <a:rPr lang="en-US" b="0" dirty="0">
                 <a:latin typeface="Segoe UI" panose="020B0502040204020203" pitchFamily="34" charset="0"/>
                 <a:cs typeface="Segoe UI" panose="020B0502040204020203" pitchFamily="34" charset="0"/>
               </a:rPr>
@@ -10333,7 +10074,7 @@
           </a:p>
           <a:p>
             <a:r>
-              <a:rPr lang="en-US" b="0" dirty="0" smtClean="0">
+              <a:rPr lang="en-US" b="0" dirty="0">
                 <a:latin typeface="Segoe UI" panose="020B0502040204020203" pitchFamily="34" charset="0"/>
                 <a:cs typeface="Segoe UI" panose="020B0502040204020203" pitchFamily="34" charset="0"/>
               </a:rPr>
@@ -10342,7 +10083,7 @@
           </a:p>
           <a:p>
             <a:r>
-              <a:rPr lang="en-US" b="0" dirty="0" smtClean="0">
+              <a:rPr lang="en-US" b="0" dirty="0">
                 <a:latin typeface="Segoe UI" panose="020B0502040204020203" pitchFamily="34" charset="0"/>
                 <a:cs typeface="Segoe UI" panose="020B0502040204020203" pitchFamily="34" charset="0"/>
               </a:rPr>
@@ -10355,24 +10096,17 @@
                 <a:latin typeface="Segoe UI" panose="020B0502040204020203" pitchFamily="34" charset="0"/>
                 <a:cs typeface="Segoe UI" panose="020B0502040204020203" pitchFamily="34" charset="0"/>
               </a:rPr>
-              <a:t> </a:t>
-            </a:r>
-            <a:r>
-              <a:rPr lang="en-US" b="0" dirty="0" smtClean="0">
-                <a:latin typeface="Segoe UI" panose="020B0502040204020203" pitchFamily="34" charset="0"/>
-                <a:cs typeface="Segoe UI" panose="020B0502040204020203" pitchFamily="34" charset="0"/>
-              </a:rPr>
-              <a:t> # </a:t>
-            </a:r>
-            <a:r>
-              <a:rPr lang="en-US" b="0" dirty="0" err="1" smtClean="0">
+              <a:t>  # </a:t>
+            </a:r>
+            <a:r>
+              <a:rPr lang="en-US" b="0" dirty="0" err="1">
                 <a:latin typeface="Segoe UI" panose="020B0502040204020203" pitchFamily="34" charset="0"/>
                 <a:cs typeface="Segoe UI" panose="020B0502040204020203" pitchFamily="34" charset="0"/>
               </a:rPr>
               <a:t>slotNames</a:t>
             </a:r>
             <a:r>
-              <a:rPr lang="en-US" b="0" dirty="0" smtClean="0">
+              <a:rPr lang="en-US" b="0" dirty="0">
                 <a:latin typeface="Segoe UI" panose="020B0502040204020203" pitchFamily="34" charset="0"/>
                 <a:cs typeface="Segoe UI" panose="020B0502040204020203" pitchFamily="34" charset="0"/>
               </a:rPr>
@@ -10381,35 +10115,35 @@
           </a:p>
           <a:p>
             <a:r>
-              <a:rPr lang="en-US" b="0" dirty="0" smtClean="0">
+              <a:rPr lang="en-US" b="0" dirty="0">
                 <a:latin typeface="Segoe UI" panose="020B0502040204020203" pitchFamily="34" charset="0"/>
                 <a:cs typeface="Segoe UI" panose="020B0502040204020203" pitchFamily="34" charset="0"/>
               </a:rPr>
               <a:t>  </a:t>
             </a:r>
             <a:r>
-              <a:rPr lang="en-US" b="0" dirty="0" err="1" smtClean="0">
+              <a:rPr lang="en-US" b="0" dirty="0" err="1">
                 <a:latin typeface="Segoe UI" panose="020B0502040204020203" pitchFamily="34" charset="0"/>
                 <a:cs typeface="Segoe UI" panose="020B0502040204020203" pitchFamily="34" charset="0"/>
               </a:rPr>
               <a:t>Rec@TAC</a:t>
             </a:r>
             <a:r>
-              <a:rPr lang="en-US" b="0" dirty="0" smtClean="0">
+              <a:rPr lang="en-US" b="0" dirty="0">
                 <a:latin typeface="Segoe UI" panose="020B0502040204020203" pitchFamily="34" charset="0"/>
                 <a:cs typeface="Segoe UI" panose="020B0502040204020203" pitchFamily="34" charset="0"/>
               </a:rPr>
               <a:t> &lt;- </a:t>
             </a:r>
             <a:r>
-              <a:rPr lang="en-US" b="0" dirty="0" err="1" smtClean="0">
+              <a:rPr lang="en-US" b="0" dirty="0" err="1">
                 <a:latin typeface="Segoe UI" panose="020B0502040204020203" pitchFamily="34" charset="0"/>
                 <a:cs typeface="Segoe UI" panose="020B0502040204020203" pitchFamily="34" charset="0"/>
               </a:rPr>
               <a:t>AvC</a:t>
             </a:r>
             <a:r>
-              <a:rPr lang="en-US" b="0" dirty="0" smtClean="0">
+              <a:rPr lang="en-US" b="0" dirty="0">
                 <a:latin typeface="Segoe UI" panose="020B0502040204020203" pitchFamily="34" charset="0"/>
                 <a:cs typeface="Segoe UI" panose="020B0502040204020203" pitchFamily="34" charset="0"/>
               </a:rPr>
@@ -10422,23 +10156,12 @@
                 <a:latin typeface="Segoe UI" panose="020B0502040204020203" pitchFamily="34" charset="0"/>
                 <a:cs typeface="Segoe UI" panose="020B0502040204020203" pitchFamily="34" charset="0"/>
               </a:rPr>
-              <a:t> </a:t>
-            </a:r>
-            <a:r>
-              <a:rPr lang="en-US" b="0" dirty="0" smtClean="0">
-                <a:latin typeface="Segoe UI" panose="020B0502040204020203" pitchFamily="34" charset="0"/>
-                <a:cs typeface="Segoe UI" panose="020B0502040204020203" pitchFamily="34" charset="0"/>
-              </a:rPr>
-              <a:t> Rec # return Rec object</a:t>
-            </a:r>
-            <a:endParaRPr lang="en-US" b="0" dirty="0">
-              <a:latin typeface="Segoe UI" panose="020B0502040204020203" pitchFamily="34" charset="0"/>
-              <a:cs typeface="Segoe UI" panose="020B0502040204020203" pitchFamily="34" charset="0"/>
-            </a:endParaRPr>
-          </a:p>
-          <a:p>
-            <a:r>
-              <a:rPr lang="en-US" b="0" dirty="0" smtClean="0">
+              <a:t>  Rec # return Rec object</a:t>
+            </a:r>
+          </a:p>
+          <a:p>
+            <a:r>
+              <a:rPr lang="en-US" b="0" dirty="0">
                 <a:latin typeface="Segoe UI" panose="020B0502040204020203" pitchFamily="34" charset="0"/>
                 <a:cs typeface="Segoe UI" panose="020B0502040204020203" pitchFamily="34" charset="0"/>
               </a:rPr>
@@ -10447,21 +10170,21 @@
           </a:p>
           <a:p>
             <a:r>
-              <a:rPr lang="en-US" b="0" dirty="0" smtClean="0">
+              <a:rPr lang="en-US" b="0" dirty="0">
                 <a:latin typeface="Segoe UI" panose="020B0502040204020203" pitchFamily="34" charset="0"/>
                 <a:cs typeface="Segoe UI" panose="020B0502040204020203" pitchFamily="34" charset="0"/>
               </a:rPr>
               <a:t>class('</a:t>
             </a:r>
             <a:r>
-              <a:rPr lang="en-US" b="0" dirty="0" err="1" smtClean="0">
+              <a:rPr lang="en-US" b="0" dirty="0" err="1">
                 <a:latin typeface="Segoe UI" panose="020B0502040204020203" pitchFamily="34" charset="0"/>
                 <a:cs typeface="Segoe UI" panose="020B0502040204020203" pitchFamily="34" charset="0"/>
               </a:rPr>
               <a:t>AvCatchMP</a:t>
             </a:r>
             <a:r>
-              <a:rPr lang="en-US" b="0" dirty="0" smtClean="0">
+              <a:rPr lang="en-US" b="0" dirty="0">
                 <a:latin typeface="Segoe UI" panose="020B0502040204020203" pitchFamily="34" charset="0"/>
                 <a:cs typeface="Segoe UI" panose="020B0502040204020203" pitchFamily="34" charset="0"/>
               </a:rPr>
@@ -10489,7 +10212,7 @@
           </a:ln>
           <a:extLst>
             <a:ext uri="{C572A759-6A51-4108-AA02-DFA0A04FC94B}">
-              <ma14:wrappingTextBoxFlag xmlns="" xmlns:ma14="http://schemas.microsoft.com/office/mac/drawingml/2011/main" val="1"/>
+              <ma14:wrappingTextBoxFlag xmlns:ma14="http://schemas.microsoft.com/office/mac/drawingml/2011/main" xmlns="" val="1"/>
             </a:ext>
           </a:extLst>
         </p:spPr>
@@ -10505,35 +10228,35 @@
               </a:lnSpc>
             </a:pPr>
             <a:r>
-              <a:rPr lang="en-US" dirty="0" smtClean="0">
+              <a:rPr lang="en-US" dirty="0">
                 <a:latin typeface="Segoe UI" panose="020B0502040204020203" pitchFamily="34" charset="0"/>
                 <a:cs typeface="Segoe UI" panose="020B0502040204020203" pitchFamily="34" charset="0"/>
               </a:rPr>
               <a:t>Averaging MPs: </a:t>
             </a:r>
             <a:r>
-              <a:rPr lang="en-US" b="0" dirty="0" err="1" smtClean="0">
+              <a:rPr lang="en-US" b="0" dirty="0" err="1">
                 <a:latin typeface="Segoe UI" panose="020B0502040204020203" pitchFamily="34" charset="0"/>
                 <a:cs typeface="Segoe UI" panose="020B0502040204020203" pitchFamily="34" charset="0"/>
               </a:rPr>
               <a:t>myMP</a:t>
             </a:r>
             <a:r>
-              <a:rPr lang="en-US" b="0" dirty="0" smtClean="0">
+              <a:rPr lang="en-US" b="0" dirty="0">
                 <a:latin typeface="Segoe UI" panose="020B0502040204020203" pitchFamily="34" charset="0"/>
                 <a:cs typeface="Segoe UI" panose="020B0502040204020203" pitchFamily="34" charset="0"/>
               </a:rPr>
               <a:t> &lt;- </a:t>
             </a:r>
             <a:r>
-              <a:rPr lang="en-US" b="0" dirty="0" err="1" smtClean="0">
+              <a:rPr lang="en-US" b="0" dirty="0" err="1">
                 <a:latin typeface="Segoe UI" panose="020B0502040204020203" pitchFamily="34" charset="0"/>
                 <a:cs typeface="Segoe UI" panose="020B0502040204020203" pitchFamily="34" charset="0"/>
               </a:rPr>
               <a:t>makeMeanMP</a:t>
             </a:r>
             <a:r>
-              <a:rPr lang="en-US" b="0" dirty="0" smtClean="0">
+              <a:rPr lang="en-US" b="0" dirty="0">
                 <a:latin typeface="Segoe UI" panose="020B0502040204020203" pitchFamily="34" charset="0"/>
                 <a:cs typeface="Segoe UI" panose="020B0502040204020203" pitchFamily="34" charset="0"/>
               </a:rPr>
@@ -10547,63 +10270,63 @@
               </a:lnSpc>
             </a:pPr>
             <a:r>
-              <a:rPr lang="en-US" b="0" dirty="0" smtClean="0">
+              <a:rPr lang="en-US" b="0" dirty="0">
                 <a:latin typeface="Segoe UI" panose="020B0502040204020203" pitchFamily="34" charset="0"/>
                 <a:cs typeface="Segoe UI" panose="020B0502040204020203" pitchFamily="34" charset="0"/>
               </a:rPr>
               <a:t>e.g.	</a:t>
             </a:r>
             <a:r>
-              <a:rPr lang="en-US" b="0" dirty="0" err="1" smtClean="0">
+              <a:rPr lang="en-US" b="0" dirty="0" err="1">
                 <a:latin typeface="Segoe UI" panose="020B0502040204020203" pitchFamily="34" charset="0"/>
                 <a:cs typeface="Segoe UI" panose="020B0502040204020203" pitchFamily="34" charset="0"/>
               </a:rPr>
               <a:t>avgMP</a:t>
             </a:r>
             <a:r>
-              <a:rPr lang="en-US" b="0" dirty="0" smtClean="0">
+              <a:rPr lang="en-US" b="0" dirty="0">
                 <a:latin typeface="Segoe UI" panose="020B0502040204020203" pitchFamily="34" charset="0"/>
                 <a:cs typeface="Segoe UI" panose="020B0502040204020203" pitchFamily="34" charset="0"/>
               </a:rPr>
               <a:t> &lt;- </a:t>
             </a:r>
             <a:r>
-              <a:rPr lang="en-US" b="0" dirty="0" err="1" smtClean="0">
+              <a:rPr lang="en-US" b="0" dirty="0" err="1">
                 <a:latin typeface="Segoe UI" panose="020B0502040204020203" pitchFamily="34" charset="0"/>
                 <a:cs typeface="Segoe UI" panose="020B0502040204020203" pitchFamily="34" charset="0"/>
               </a:rPr>
               <a:t>makeMeanMP</a:t>
             </a:r>
             <a:r>
-              <a:rPr lang="en-US" b="0" dirty="0" smtClean="0">
+              <a:rPr lang="en-US" b="0" dirty="0">
                 <a:latin typeface="Segoe UI" panose="020B0502040204020203" pitchFamily="34" charset="0"/>
                 <a:cs typeface="Segoe UI" panose="020B0502040204020203" pitchFamily="34" charset="0"/>
               </a:rPr>
               <a:t>(c('BK', 'DBSRA', '</a:t>
             </a:r>
             <a:r>
-              <a:rPr lang="en-US" b="0" dirty="0" err="1" smtClean="0">
+              <a:rPr lang="en-US" b="0" dirty="0" err="1">
                 <a:latin typeface="Segoe UI" panose="020B0502040204020203" pitchFamily="34" charset="0"/>
                 <a:cs typeface="Segoe UI" panose="020B0502040204020203" pitchFamily="34" charset="0"/>
               </a:rPr>
               <a:t>Fadapt</a:t>
             </a:r>
             <a:r>
-              <a:rPr lang="en-US" b="0" dirty="0" smtClean="0">
+              <a:rPr lang="en-US" b="0" dirty="0">
                 <a:latin typeface="Segoe UI" panose="020B0502040204020203" pitchFamily="34" charset="0"/>
                 <a:cs typeface="Segoe UI" panose="020B0502040204020203" pitchFamily="34" charset="0"/>
               </a:rPr>
               <a:t>', '</a:t>
             </a:r>
             <a:r>
-              <a:rPr lang="en-US" b="0" dirty="0" err="1" smtClean="0">
+              <a:rPr lang="en-US" b="0" dirty="0" err="1">
                 <a:latin typeface="Segoe UI" panose="020B0502040204020203" pitchFamily="34" charset="0"/>
                 <a:cs typeface="Segoe UI" panose="020B0502040204020203" pitchFamily="34" charset="0"/>
               </a:rPr>
               <a:t>Rcontrol</a:t>
             </a:r>
             <a:r>
-              <a:rPr lang="en-US" b="0" dirty="0" smtClean="0">
+              <a:rPr lang="en-US" b="0" dirty="0">
                 <a:latin typeface="Segoe UI" panose="020B0502040204020203" pitchFamily="34" charset="0"/>
                 <a:cs typeface="Segoe UI" panose="020B0502040204020203" pitchFamily="34" charset="0"/>
               </a:rPr>
@@ -10621,59 +10344,38 @@
                 <a:latin typeface="Segoe UI" panose="020B0502040204020203" pitchFamily="34" charset="0"/>
                 <a:cs typeface="Segoe UI" panose="020B0502040204020203" pitchFamily="34" charset="0"/>
               </a:rPr>
-              <a:t>	</a:t>
-            </a:r>
-            <a:r>
-              <a:rPr lang="en-US" b="0" dirty="0" smtClean="0">
-                <a:latin typeface="Segoe UI" panose="020B0502040204020203" pitchFamily="34" charset="0"/>
-                <a:cs typeface="Segoe UI" panose="020B0502040204020203" pitchFamily="34" charset="0"/>
-              </a:rPr>
-              <a:t>MSE &lt;- </a:t>
-            </a:r>
-            <a:r>
-              <a:rPr lang="en-US" b="0" dirty="0" err="1" smtClean="0">
+              <a:t>	MSE &lt;- </a:t>
+            </a:r>
+            <a:r>
+              <a:rPr lang="en-US" b="0" dirty="0" err="1">
                 <a:latin typeface="Segoe UI" panose="020B0502040204020203" pitchFamily="34" charset="0"/>
                 <a:cs typeface="Segoe UI" panose="020B0502040204020203" pitchFamily="34" charset="0"/>
               </a:rPr>
               <a:t>runMSE</a:t>
             </a:r>
             <a:r>
-              <a:rPr lang="en-US" b="0" dirty="0" smtClean="0">
+              <a:rPr lang="en-US" b="0" dirty="0">
                 <a:latin typeface="Segoe UI" panose="020B0502040204020203" pitchFamily="34" charset="0"/>
                 <a:cs typeface="Segoe UI" panose="020B0502040204020203" pitchFamily="34" charset="0"/>
               </a:rPr>
               <a:t>(DLMtool::</a:t>
             </a:r>
             <a:r>
-              <a:rPr lang="en-US" b="0" dirty="0" err="1" smtClean="0">
+              <a:rPr lang="en-US" b="0" dirty="0" err="1">
                 <a:latin typeface="Segoe UI" panose="020B0502040204020203" pitchFamily="34" charset="0"/>
                 <a:cs typeface="Segoe UI" panose="020B0502040204020203" pitchFamily="34" charset="0"/>
               </a:rPr>
               <a:t>testOM</a:t>
             </a:r>
             <a:r>
-              <a:rPr lang="en-US" b="0" dirty="0" smtClean="0">
-                <a:latin typeface="Segoe UI" panose="020B0502040204020203" pitchFamily="34" charset="0"/>
-                <a:cs typeface="Segoe UI" panose="020B0502040204020203" pitchFamily="34" charset="0"/>
-              </a:rPr>
-              <a:t>, MPs=c</a:t>
-            </a:r>
-            <a:r>
-              <a:rPr lang="en-US" b="0" dirty="0">
-                <a:latin typeface="Segoe UI" panose="020B0502040204020203" pitchFamily="34" charset="0"/>
-                <a:cs typeface="Segoe UI" panose="020B0502040204020203" pitchFamily="34" charset="0"/>
-              </a:rPr>
-              <a:t> ('BK', 'DBSRA', </a:t>
-            </a:r>
-            <a:r>
-              <a:rPr lang="en-US" b="0" dirty="0" smtClean="0">
-                <a:latin typeface="Segoe UI" panose="020B0502040204020203" pitchFamily="34" charset="0"/>
-                <a:cs typeface="Segoe UI" panose="020B0502040204020203" pitchFamily="34" charset="0"/>
-              </a:rPr>
-              <a:t>			'</a:t>
-            </a:r>
-            <a:r>
-              <a:rPr lang="en-US" b="0" dirty="0" err="1" smtClean="0">
+              <a:rPr lang="en-US" b="0" dirty="0">
+                <a:latin typeface="Segoe UI" panose="020B0502040204020203" pitchFamily="34" charset="0"/>
+                <a:cs typeface="Segoe UI" panose="020B0502040204020203" pitchFamily="34" charset="0"/>
+              </a:rPr>
+              <a:t>, MPs=c ('BK', 'DBSRA', 			'</a:t>
+            </a:r>
+            <a:r>
+              <a:rPr lang="en-US" b="0" dirty="0" err="1">
                 <a:latin typeface="Segoe UI" panose="020B0502040204020203" pitchFamily="34" charset="0"/>
                 <a:cs typeface="Segoe UI" panose="020B0502040204020203" pitchFamily="34" charset="0"/>
               </a:rPr>
@@ -10694,21 +10396,21 @@
               <a:t>Rcontrol</a:t>
             </a:r>
             <a:r>
-              <a:rPr lang="en-US" b="0" dirty="0" smtClean="0">
+              <a:rPr lang="en-US" b="0" dirty="0">
                 <a:latin typeface="Segoe UI" panose="020B0502040204020203" pitchFamily="34" charset="0"/>
                 <a:cs typeface="Segoe UI" panose="020B0502040204020203" pitchFamily="34" charset="0"/>
               </a:rPr>
               <a:t>', '</a:t>
             </a:r>
             <a:r>
-              <a:rPr lang="en-US" b="0" dirty="0" err="1" smtClean="0">
+              <a:rPr lang="en-US" b="0" dirty="0" err="1">
                 <a:latin typeface="Segoe UI" panose="020B0502040204020203" pitchFamily="34" charset="0"/>
                 <a:cs typeface="Segoe UI" panose="020B0502040204020203" pitchFamily="34" charset="0"/>
               </a:rPr>
               <a:t>avgMP</a:t>
             </a:r>
             <a:r>
-              <a:rPr lang="en-US" b="0" dirty="0" smtClean="0">
+              <a:rPr lang="en-US" b="0" dirty="0">
                 <a:latin typeface="Segoe UI" panose="020B0502040204020203" pitchFamily="34" charset="0"/>
                 <a:cs typeface="Segoe UI" panose="020B0502040204020203" pitchFamily="34" charset="0"/>
               </a:rPr>
@@ -10729,20 +10431,20 @@
               <a:t>	</a:t>
             </a:r>
             <a:r>
-              <a:rPr lang="en-US" b="0" dirty="0" err="1" smtClean="0">
+              <a:rPr lang="en-US" b="0" dirty="0" err="1">
                 <a:latin typeface="Segoe UI" panose="020B0502040204020203" pitchFamily="34" charset="0"/>
                 <a:cs typeface="Segoe UI" panose="020B0502040204020203" pitchFamily="34" charset="0"/>
               </a:rPr>
               <a:t>Tplot</a:t>
             </a:r>
             <a:r>
-              <a:rPr lang="en-US" b="0" dirty="0" smtClean="0">
+              <a:rPr lang="en-US" b="0" dirty="0">
                 <a:latin typeface="Segoe UI" panose="020B0502040204020203" pitchFamily="34" charset="0"/>
                 <a:cs typeface="Segoe UI" panose="020B0502040204020203" pitchFamily="34" charset="0"/>
               </a:rPr>
               <a:t>(MSE)</a:t>
             </a:r>
-            <a:endParaRPr lang="en-US" dirty="0" smtClean="0">
+            <a:endParaRPr lang="en-US" dirty="0">
               <a:latin typeface="Segoe UI" panose="020B0502040204020203" pitchFamily="34" charset="0"/>
               <a:cs typeface="Segoe UI" panose="020B0502040204020203" pitchFamily="34" charset="0"/>
             </a:endParaRPr>
@@ -10768,7 +10470,7 @@
           </a:ln>
           <a:extLst>
             <a:ext uri="{C572A759-6A51-4108-AA02-DFA0A04FC94B}">
-              <ma14:wrappingTextBoxFlag xmlns="" xmlns:ma14="http://schemas.microsoft.com/office/mac/drawingml/2011/main" val="1"/>
+              <ma14:wrappingTextBoxFlag xmlns:ma14="http://schemas.microsoft.com/office/mac/drawingml/2011/main" xmlns="" val="1"/>
             </a:ext>
           </a:extLst>
         </p:spPr>
@@ -10792,7 +10494,7 @@
               </a:defRPr>
             </a:pPr>
             <a:r>
-              <a:rPr lang="en-US" dirty="0" smtClean="0"/>
+              <a:rPr lang="en-US" dirty="0"/>
               <a:t>Subset MSE</a:t>
             </a:r>
             <a:endParaRPr dirty="0"/>
@@ -10860,7 +10562,7 @@
           </a:ln>
           <a:extLst>
             <a:ext uri="{C572A759-6A51-4108-AA02-DFA0A04FC94B}">
-              <ma14:wrappingTextBoxFlag xmlns="" xmlns:ma14="http://schemas.microsoft.com/office/mac/drawingml/2011/main" val="1"/>
+              <ma14:wrappingTextBoxFlag xmlns:ma14="http://schemas.microsoft.com/office/mac/drawingml/2011/main" xmlns="" val="1"/>
             </a:ext>
           </a:extLst>
         </p:spPr>
@@ -10876,14 +10578,14 @@
               </a:lnSpc>
             </a:pPr>
             <a:r>
-              <a:rPr lang="en-US" dirty="0" smtClean="0">
+              <a:rPr lang="en-US" dirty="0">
                 <a:latin typeface="Segoe UI" panose="020B0502040204020203" pitchFamily="34" charset="0"/>
                 <a:cs typeface="Segoe UI" panose="020B0502040204020203" pitchFamily="34" charset="0"/>
               </a:rPr>
               <a:t>Subset by MP: </a:t>
             </a:r>
             <a:r>
-              <a:rPr lang="en-US" b="0" dirty="0" smtClean="0">
+              <a:rPr lang="en-US" b="0" dirty="0">
                 <a:latin typeface="Segoe UI" panose="020B0502040204020203" pitchFamily="34" charset="0"/>
                 <a:cs typeface="Segoe UI" panose="020B0502040204020203" pitchFamily="34" charset="0"/>
               </a:rPr>
@@ -10897,21 +10599,21 @@
               </a:lnSpc>
             </a:pPr>
             <a:r>
-              <a:rPr lang="en-US" b="0" dirty="0" smtClean="0">
+              <a:rPr lang="en-US" b="0" dirty="0">
                 <a:latin typeface="Segoe UI" panose="020B0502040204020203" pitchFamily="34" charset="0"/>
                 <a:cs typeface="Segoe UI" panose="020B0502040204020203" pitchFamily="34" charset="0"/>
               </a:rPr>
               <a:t>e.g.	MSE &lt;- </a:t>
             </a:r>
             <a:r>
-              <a:rPr lang="en-US" b="0" dirty="0" err="1" smtClean="0">
+              <a:rPr lang="en-US" b="0" dirty="0" err="1">
                 <a:latin typeface="Segoe UI" panose="020B0502040204020203" pitchFamily="34" charset="0"/>
                 <a:cs typeface="Segoe UI" panose="020B0502040204020203" pitchFamily="34" charset="0"/>
               </a:rPr>
               <a:t>runMSE</a:t>
             </a:r>
             <a:r>
-              <a:rPr lang="en-US" b="0" dirty="0" smtClean="0">
+              <a:rPr lang="en-US" b="0" dirty="0">
                 <a:latin typeface="Segoe UI" panose="020B0502040204020203" pitchFamily="34" charset="0"/>
                 <a:cs typeface="Segoe UI" panose="020B0502040204020203" pitchFamily="34" charset="0"/>
               </a:rPr>
@@ -10929,14 +10631,7 @@
                 <a:latin typeface="Segoe UI" panose="020B0502040204020203" pitchFamily="34" charset="0"/>
                 <a:cs typeface="Segoe UI" panose="020B0502040204020203" pitchFamily="34" charset="0"/>
               </a:rPr>
-              <a:t>	</a:t>
-            </a:r>
-            <a:r>
-              <a:rPr lang="en-US" b="0" dirty="0" smtClean="0">
-                <a:latin typeface="Segoe UI" panose="020B0502040204020203" pitchFamily="34" charset="0"/>
-                <a:cs typeface="Segoe UI" panose="020B0502040204020203" pitchFamily="34" charset="0"/>
-              </a:rPr>
-              <a:t>stats &lt;- summary(MSE)</a:t>
+              <a:t>	stats &lt;- summary(MSE)</a:t>
             </a:r>
           </a:p>
           <a:p>
@@ -10950,14 +10645,7 @@
                 <a:latin typeface="Segoe UI" panose="020B0502040204020203" pitchFamily="34" charset="0"/>
                 <a:cs typeface="Segoe UI" panose="020B0502040204020203" pitchFamily="34" charset="0"/>
               </a:rPr>
-              <a:t>	</a:t>
-            </a:r>
-            <a:r>
-              <a:rPr lang="en-US" b="0" dirty="0" smtClean="0">
-                <a:latin typeface="Segoe UI" panose="020B0502040204020203" pitchFamily="34" charset="0"/>
-                <a:cs typeface="Segoe UI" panose="020B0502040204020203" pitchFamily="34" charset="0"/>
-              </a:rPr>
-              <a:t>accept &lt;- which(stats$P50 &gt; 0.7)</a:t>
+              <a:t>	accept &lt;- which(stats$P50 &gt; 0.7)</a:t>
             </a:r>
           </a:p>
           <a:p>
@@ -10974,14 +10662,14 @@
               <a:t>	</a:t>
             </a:r>
             <a:r>
-              <a:rPr lang="en-US" b="0" dirty="0" err="1" smtClean="0">
+              <a:rPr lang="en-US" b="0" dirty="0" err="1">
                 <a:latin typeface="Segoe UI" panose="020B0502040204020203" pitchFamily="34" charset="0"/>
                 <a:cs typeface="Segoe UI" panose="020B0502040204020203" pitchFamily="34" charset="0"/>
               </a:rPr>
               <a:t>acceptMPs</a:t>
             </a:r>
             <a:r>
-              <a:rPr lang="en-US" b="0" dirty="0" smtClean="0">
+              <a:rPr lang="en-US" b="0" dirty="0">
                 <a:latin typeface="Segoe UI" panose="020B0502040204020203" pitchFamily="34" charset="0"/>
                 <a:cs typeface="Segoe UI" panose="020B0502040204020203" pitchFamily="34" charset="0"/>
               </a:rPr>
@@ -11002,28 +10690,28 @@
               <a:t>	</a:t>
             </a:r>
             <a:r>
-              <a:rPr lang="en-US" b="0" dirty="0" err="1" smtClean="0">
+              <a:rPr lang="en-US" b="0" dirty="0" err="1">
                 <a:latin typeface="Segoe UI" panose="020B0502040204020203" pitchFamily="34" charset="0"/>
                 <a:cs typeface="Segoe UI" panose="020B0502040204020203" pitchFamily="34" charset="0"/>
               </a:rPr>
               <a:t>subMSE</a:t>
             </a:r>
             <a:r>
-              <a:rPr lang="en-US" b="0" dirty="0" smtClean="0">
+              <a:rPr lang="en-US" b="0" dirty="0">
                 <a:latin typeface="Segoe UI" panose="020B0502040204020203" pitchFamily="34" charset="0"/>
                 <a:cs typeface="Segoe UI" panose="020B0502040204020203" pitchFamily="34" charset="0"/>
               </a:rPr>
               <a:t> &lt;- Sub(MSE, MPs=</a:t>
             </a:r>
             <a:r>
-              <a:rPr lang="en-US" b="0" dirty="0" err="1" smtClean="0">
+              <a:rPr lang="en-US" b="0" dirty="0" err="1">
                 <a:latin typeface="Segoe UI" panose="020B0502040204020203" pitchFamily="34" charset="0"/>
                 <a:cs typeface="Segoe UI" panose="020B0502040204020203" pitchFamily="34" charset="0"/>
               </a:rPr>
               <a:t>acceptMPs</a:t>
             </a:r>
             <a:r>
-              <a:rPr lang="en-US" b="0" dirty="0" smtClean="0">
+              <a:rPr lang="en-US" b="0" dirty="0">
                 <a:latin typeface="Segoe UI" panose="020B0502040204020203" pitchFamily="34" charset="0"/>
                 <a:cs typeface="Segoe UI" panose="020B0502040204020203" pitchFamily="34" charset="0"/>
               </a:rPr>
@@ -11041,28 +10729,14 @@
                 <a:latin typeface="Segoe UI" panose="020B0502040204020203" pitchFamily="34" charset="0"/>
                 <a:cs typeface="Segoe UI" panose="020B0502040204020203" pitchFamily="34" charset="0"/>
               </a:rPr>
-              <a:t>Subset by </a:t>
-            </a:r>
-            <a:r>
-              <a:rPr lang="en-US" dirty="0" smtClean="0">
-                <a:latin typeface="Segoe UI" panose="020B0502040204020203" pitchFamily="34" charset="0"/>
-                <a:cs typeface="Segoe UI" panose="020B0502040204020203" pitchFamily="34" charset="0"/>
-              </a:rPr>
-              <a:t>Simulation: </a:t>
-            </a:r>
-            <a:r>
-              <a:rPr lang="en-US" b="0" dirty="0">
-                <a:latin typeface="Segoe UI" panose="020B0502040204020203" pitchFamily="34" charset="0"/>
-                <a:cs typeface="Segoe UI" panose="020B0502040204020203" pitchFamily="34" charset="0"/>
-              </a:rPr>
-              <a:t>MSE2 &lt;- Sub(MSE, </a:t>
-            </a:r>
-            <a:r>
-              <a:rPr lang="en-US" b="0" dirty="0" smtClean="0">
-                <a:latin typeface="Segoe UI" panose="020B0502040204020203" pitchFamily="34" charset="0"/>
-                <a:cs typeface="Segoe UI" panose="020B0502040204020203" pitchFamily="34" charset="0"/>
-              </a:rPr>
-              <a:t>sims= …)</a:t>
+              <a:t>Subset by Simulation: </a:t>
+            </a:r>
+            <a:r>
+              <a:rPr lang="en-US" b="0" dirty="0">
+                <a:latin typeface="Segoe UI" panose="020B0502040204020203" pitchFamily="34" charset="0"/>
+                <a:cs typeface="Segoe UI" panose="020B0502040204020203" pitchFamily="34" charset="0"/>
+              </a:rPr>
+              <a:t>MSE2 &lt;- Sub(MSE, sims= …)</a:t>
             </a:r>
           </a:p>
           <a:p>
@@ -11072,7 +10746,7 @@
               </a:lnSpc>
             </a:pPr>
             <a:r>
-              <a:rPr lang="en-US" b="0" dirty="0" smtClean="0">
+              <a:rPr lang="en-US" b="0" dirty="0">
                 <a:latin typeface="Segoe UI" panose="020B0502040204020203" pitchFamily="34" charset="0"/>
                 <a:cs typeface="Segoe UI" panose="020B0502040204020203" pitchFamily="34" charset="0"/>
               </a:rPr>
@@ -11093,14 +10767,14 @@
               <a:t>	</a:t>
             </a:r>
             <a:r>
-              <a:rPr lang="en-US" b="0" dirty="0" err="1" smtClean="0">
+              <a:rPr lang="en-US" b="0" dirty="0" err="1">
                 <a:latin typeface="Segoe UI" panose="020B0502040204020203" pitchFamily="34" charset="0"/>
                 <a:cs typeface="Segoe UI" panose="020B0502040204020203" pitchFamily="34" charset="0"/>
               </a:rPr>
               <a:t>subMSE</a:t>
             </a:r>
             <a:r>
-              <a:rPr lang="en-US" b="0" dirty="0" smtClean="0">
+              <a:rPr lang="en-US" b="0" dirty="0">
                 <a:latin typeface="Segoe UI" panose="020B0502040204020203" pitchFamily="34" charset="0"/>
                 <a:cs typeface="Segoe UI" panose="020B0502040204020203" pitchFamily="34" charset="0"/>
               </a:rPr>
@@ -11121,7 +10795,7 @@
         </p:nvSpPr>
         <p:spPr>
           <a:xfrm>
-            <a:off x="5162906" y="5859406"/>
+            <a:off x="5162906" y="6253106"/>
             <a:ext cx="2127185" cy="333425"/>
           </a:xfrm>
           <a:prstGeom prst="rect">
@@ -11132,7 +10806,7 @@
           </a:ln>
           <a:extLst>
             <a:ext uri="{C572A759-6A51-4108-AA02-DFA0A04FC94B}">
-              <ma14:wrappingTextBoxFlag xmlns="" xmlns:ma14="http://schemas.microsoft.com/office/mac/drawingml/2011/main" val="1"/>
+              <ma14:wrappingTextBoxFlag xmlns:ma14="http://schemas.microsoft.com/office/mac/drawingml/2011/main" xmlns="" val="1"/>
             </a:ext>
           </a:extLst>
         </p:spPr>
@@ -11156,7 +10830,7 @@
               </a:defRPr>
             </a:pPr>
             <a:r>
-              <a:rPr lang="en-US" dirty="0" smtClean="0"/>
+              <a:rPr lang="en-US" dirty="0"/>
               <a:t>Evaluating OM</a:t>
             </a:r>
             <a:endParaRPr dirty="0"/>
@@ -11171,7 +10845,7 @@
         </p:nvSpPr>
         <p:spPr>
           <a:xfrm>
-            <a:off x="5162906" y="6242586"/>
+            <a:off x="5162906" y="6636286"/>
             <a:ext cx="2825245" cy="605294"/>
           </a:xfrm>
           <a:prstGeom prst="rect">
@@ -11182,7 +10856,7 @@
           </a:ln>
           <a:extLst>
             <a:ext uri="{C572A759-6A51-4108-AA02-DFA0A04FC94B}">
-              <ma14:wrappingTextBoxFlag xmlns="" xmlns:ma14="http://schemas.microsoft.com/office/mac/drawingml/2011/main" val="1"/>
+              <ma14:wrappingTextBoxFlag xmlns:ma14="http://schemas.microsoft.com/office/mac/drawingml/2011/main" xmlns="" val="1"/>
             </a:ext>
           </a:extLst>
         </p:spPr>
@@ -11198,7 +10872,7 @@
               </a:lnSpc>
             </a:pPr>
             <a:r>
-              <a:rPr lang="en-US" dirty="0" smtClean="0">
+              <a:rPr lang="en-US" dirty="0">
                 <a:latin typeface="Segoe UI" panose="020B0502040204020203" pitchFamily="34" charset="0"/>
                 <a:cs typeface="Segoe UI" panose="020B0502040204020203" pitchFamily="34" charset="0"/>
               </a:rPr>
@@ -11212,7 +10886,7 @@
               </a:lnSpc>
             </a:pPr>
             <a:r>
-              <a:rPr lang="en-US" b="0" dirty="0" smtClean="0">
+              <a:rPr lang="en-US" b="0" dirty="0">
                 <a:latin typeface="Segoe UI" panose="020B0502040204020203" pitchFamily="34" charset="0"/>
                 <a:cs typeface="Segoe UI" panose="020B0502040204020203" pitchFamily="34" charset="0"/>
               </a:rPr>
@@ -11229,7 +10903,7 @@
         </p:nvSpPr>
         <p:spPr>
           <a:xfrm flipV="1">
-            <a:off x="5162906" y="6881760"/>
+            <a:off x="5162906" y="7275460"/>
             <a:ext cx="2928939" cy="15875"/>
           </a:xfrm>
           <a:prstGeom prst="line">
@@ -11282,7 +10956,7 @@
           </a:ln>
           <a:extLst>
             <a:ext uri="{C572A759-6A51-4108-AA02-DFA0A04FC94B}">
-              <ma14:wrappingTextBoxFlag xmlns="" xmlns:ma14="http://schemas.microsoft.com/office/mac/drawingml/2011/main" val="1"/>
+              <ma14:wrappingTextBoxFlag xmlns:ma14="http://schemas.microsoft.com/office/mac/drawingml/2011/main" xmlns="" val="1"/>
             </a:ext>
           </a:extLst>
         </p:spPr>
@@ -11306,7 +10980,7 @@
               </a:defRPr>
             </a:pPr>
             <a:r>
-              <a:rPr lang="en-US" dirty="0" smtClean="0"/>
+              <a:rPr lang="en-US" dirty="0"/>
               <a:t>Posterior Predicted Data</a:t>
             </a:r>
             <a:endParaRPr dirty="0"/>
@@ -11374,7 +11048,7 @@
           </a:ln>
           <a:extLst>
             <a:ext uri="{C572A759-6A51-4108-AA02-DFA0A04FC94B}">
-              <ma14:wrappingTextBoxFlag xmlns="" xmlns:ma14="http://schemas.microsoft.com/office/mac/drawingml/2011/main" val="1"/>
+              <ma14:wrappingTextBoxFlag xmlns:ma14="http://schemas.microsoft.com/office/mac/drawingml/2011/main" xmlns="" val="1"/>
             </a:ext>
           </a:extLst>
         </p:spPr>
@@ -11390,7 +11064,7 @@
               </a:lnSpc>
             </a:pPr>
             <a:r>
-              <a:rPr lang="en-US" dirty="0" smtClean="0">
+              <a:rPr lang="en-US" dirty="0">
                 <a:latin typeface="Segoe UI" panose="020B0502040204020203" pitchFamily="34" charset="0"/>
                 <a:cs typeface="Segoe UI" panose="020B0502040204020203" pitchFamily="34" charset="0"/>
               </a:rPr>
@@ -11408,21 +11082,21 @@
               </a:lnSpc>
             </a:pPr>
             <a:r>
-              <a:rPr lang="en-US" b="0" dirty="0" smtClean="0">
+              <a:rPr lang="en-US" b="0" dirty="0">
                 <a:latin typeface="Segoe UI" panose="020B0502040204020203" pitchFamily="34" charset="0"/>
                 <a:cs typeface="Segoe UI" panose="020B0502040204020203" pitchFamily="34" charset="0"/>
               </a:rPr>
               <a:t>e.g.	MSE &lt;- </a:t>
             </a:r>
             <a:r>
-              <a:rPr lang="en-US" b="0" dirty="0" err="1" smtClean="0">
+              <a:rPr lang="en-US" b="0" dirty="0" err="1">
                 <a:latin typeface="Segoe UI" panose="020B0502040204020203" pitchFamily="34" charset="0"/>
                 <a:cs typeface="Segoe UI" panose="020B0502040204020203" pitchFamily="34" charset="0"/>
               </a:rPr>
               <a:t>runMSE</a:t>
             </a:r>
             <a:r>
-              <a:rPr lang="en-US" b="0" dirty="0" smtClean="0">
+              <a:rPr lang="en-US" b="0" dirty="0">
                 <a:latin typeface="Segoe UI" panose="020B0502040204020203" pitchFamily="34" charset="0"/>
                 <a:cs typeface="Segoe UI" panose="020B0502040204020203" pitchFamily="34" charset="0"/>
               </a:rPr>
@@ -11443,41 +11117,41 @@
               <a:t>	</a:t>
             </a:r>
             <a:r>
-              <a:rPr lang="en-US" b="0" dirty="0" err="1" smtClean="0">
+              <a:rPr lang="en-US" b="0" dirty="0" err="1">
                 <a:latin typeface="Segoe UI" panose="020B0502040204020203" pitchFamily="34" charset="0"/>
                 <a:cs typeface="Segoe UI" panose="020B0502040204020203" pitchFamily="34" charset="0"/>
               </a:rPr>
               <a:t>Predicted_Ind</a:t>
             </a:r>
             <a:r>
-              <a:rPr lang="en-US" b="0" dirty="0" smtClean="0">
+              <a:rPr lang="en-US" b="0" dirty="0">
                 <a:latin typeface="Segoe UI" panose="020B0502040204020203" pitchFamily="34" charset="0"/>
                 <a:cs typeface="Segoe UI" panose="020B0502040204020203" pitchFamily="34" charset="0"/>
               </a:rPr>
               <a:t> &lt;- </a:t>
             </a:r>
             <a:r>
-              <a:rPr lang="en-US" b="0" dirty="0" err="1" smtClean="0">
+              <a:rPr lang="en-US" b="0" dirty="0" err="1">
                 <a:latin typeface="Segoe UI" panose="020B0502040204020203" pitchFamily="34" charset="0"/>
                 <a:cs typeface="Segoe UI" panose="020B0502040204020203" pitchFamily="34" charset="0"/>
               </a:rPr>
               <a:t>MSE@Misc</a:t>
             </a:r>
             <a:r>
-              <a:rPr lang="en-US" b="0" dirty="0" smtClean="0">
+              <a:rPr lang="en-US" b="0" dirty="0">
                 <a:latin typeface="Segoe UI" panose="020B0502040204020203" pitchFamily="34" charset="0"/>
                 <a:cs typeface="Segoe UI" panose="020B0502040204020203" pitchFamily="34" charset="0"/>
               </a:rPr>
               <a:t>[[1]]@</a:t>
             </a:r>
             <a:r>
-              <a:rPr lang="en-US" b="0" dirty="0" err="1" smtClean="0">
+              <a:rPr lang="en-US" b="0" dirty="0" err="1">
                 <a:latin typeface="Segoe UI" panose="020B0502040204020203" pitchFamily="34" charset="0"/>
                 <a:cs typeface="Segoe UI" panose="020B0502040204020203" pitchFamily="34" charset="0"/>
               </a:rPr>
               <a:t>Ind</a:t>
             </a:r>
-            <a:endParaRPr lang="en-US" b="0" dirty="0" smtClean="0">
+            <a:endParaRPr lang="en-US" b="0" dirty="0">
               <a:latin typeface="Segoe UI" panose="020B0502040204020203" pitchFamily="34" charset="0"/>
               <a:cs typeface="Segoe UI" panose="020B0502040204020203" pitchFamily="34" charset="0"/>
             </a:endParaRPr>
@@ -11496,28 +11170,28 @@
               <a:t>	</a:t>
             </a:r>
             <a:r>
-              <a:rPr lang="en-US" b="0" dirty="0" err="1" smtClean="0">
+              <a:rPr lang="en-US" b="0" dirty="0" err="1">
                 <a:latin typeface="Segoe UI" panose="020B0502040204020203" pitchFamily="34" charset="0"/>
                 <a:cs typeface="Segoe UI" panose="020B0502040204020203" pitchFamily="34" charset="0"/>
               </a:rPr>
               <a:t>matplot</a:t>
             </a:r>
             <a:r>
-              <a:rPr lang="en-US" b="0" dirty="0" smtClean="0">
+              <a:rPr lang="en-US" b="0" dirty="0">
                 <a:latin typeface="Segoe UI" panose="020B0502040204020203" pitchFamily="34" charset="0"/>
                 <a:cs typeface="Segoe UI" panose="020B0502040204020203" pitchFamily="34" charset="0"/>
               </a:rPr>
               <a:t>(t(</a:t>
             </a:r>
             <a:r>
-              <a:rPr lang="en-US" b="0" dirty="0" err="1" smtClean="0">
+              <a:rPr lang="en-US" b="0" dirty="0" err="1">
                 <a:latin typeface="Segoe UI" panose="020B0502040204020203" pitchFamily="34" charset="0"/>
                 <a:cs typeface="Segoe UI" panose="020B0502040204020203" pitchFamily="34" charset="0"/>
               </a:rPr>
               <a:t>Predicted_Ind</a:t>
             </a:r>
             <a:r>
-              <a:rPr lang="en-US" b="0" dirty="0" smtClean="0">
+              <a:rPr lang="en-US" b="0" dirty="0">
                 <a:latin typeface="Segoe UI" panose="020B0502040204020203" pitchFamily="34" charset="0"/>
                 <a:cs typeface="Segoe UI" panose="020B0502040204020203" pitchFamily="34" charset="0"/>
               </a:rPr>
@@ -11538,28 +11212,28 @@
               <a:t>		</a:t>
             </a:r>
             <a:r>
-              <a:rPr lang="en-US" b="0" dirty="0" err="1" smtClean="0">
+              <a:rPr lang="en-US" b="0" dirty="0" err="1">
                 <a:latin typeface="Segoe UI" panose="020B0502040204020203" pitchFamily="34" charset="0"/>
                 <a:cs typeface="Segoe UI" panose="020B0502040204020203" pitchFamily="34" charset="0"/>
               </a:rPr>
               <a:t>xlab</a:t>
             </a:r>
             <a:r>
-              <a:rPr lang="en-US" b="0" dirty="0" smtClean="0">
+              <a:rPr lang="en-US" b="0" dirty="0">
                 <a:latin typeface="Segoe UI" panose="020B0502040204020203" pitchFamily="34" charset="0"/>
                 <a:cs typeface="Segoe UI" panose="020B0502040204020203" pitchFamily="34" charset="0"/>
               </a:rPr>
               <a:t>='Projected Year', </a:t>
             </a:r>
             <a:r>
-              <a:rPr lang="en-US" b="0" dirty="0" err="1" smtClean="0">
+              <a:rPr lang="en-US" b="0" dirty="0" err="1">
                 <a:latin typeface="Segoe UI" panose="020B0502040204020203" pitchFamily="34" charset="0"/>
                 <a:cs typeface="Segoe UI" panose="020B0502040204020203" pitchFamily="34" charset="0"/>
               </a:rPr>
               <a:t>ylab</a:t>
             </a:r>
             <a:r>
-              <a:rPr lang="en-US" b="0" dirty="0" smtClean="0">
+              <a:rPr lang="en-US" b="0" dirty="0">
                 <a:latin typeface="Segoe UI" panose="020B0502040204020203" pitchFamily="34" charset="0"/>
                 <a:cs typeface="Segoe UI" panose="020B0502040204020203" pitchFamily="34" charset="0"/>
               </a:rPr>
@@ -11920,7 +11594,7 @@
           </a:ln>
           <a:extLst>
             <a:ext uri="{C572A759-6A51-4108-AA02-DFA0A04FC94B}">
-              <ma14:wrappingTextBoxFlag xmlns="" xmlns:ma14="http://schemas.microsoft.com/office/mac/drawingml/2011/main" val="1"/>
+              <ma14:wrappingTextBoxFlag xmlns:ma14="http://schemas.microsoft.com/office/mac/drawingml/2011/main" xmlns="" val="1"/>
             </a:ext>
           </a:extLst>
         </p:spPr>
@@ -11931,7 +11605,7 @@
           <a:lstStyle/>
           <a:p>
             <a:r>
-              <a:rPr lang="en-US" dirty="0" smtClean="0">
+              <a:rPr lang="en-US" dirty="0">
                 <a:latin typeface="Segoe UI" panose="020B0502040204020203" pitchFamily="34" charset="0"/>
                 <a:cs typeface="Segoe UI" panose="020B0502040204020203" pitchFamily="34" charset="0"/>
               </a:rPr>
@@ -11940,7 +11614,7 @@
           </a:p>
           <a:p>
             <a:r>
-              <a:rPr lang="en-US" b="0" dirty="0" smtClean="0">
+              <a:rPr lang="en-US" b="0" dirty="0">
                 <a:latin typeface="Segoe UI" panose="020B0502040204020203" pitchFamily="34" charset="0"/>
                 <a:cs typeface="Segoe UI" panose="020B0502040204020203" pitchFamily="34" charset="0"/>
               </a:rPr>
@@ -11949,42 +11623,42 @@
           </a:p>
           <a:p>
             <a:r>
-              <a:rPr lang="en-US" b="0" dirty="0" err="1" smtClean="0">
+              <a:rPr lang="en-US" b="0" dirty="0" err="1">
                 <a:latin typeface="Segoe UI" panose="020B0502040204020203" pitchFamily="34" charset="0"/>
                 <a:cs typeface="Segoe UI" panose="020B0502040204020203" pitchFamily="34" charset="0"/>
               </a:rPr>
               <a:t>myPM</a:t>
             </a:r>
             <a:r>
-              <a:rPr lang="en-US" b="0" dirty="0" smtClean="0">
+              <a:rPr lang="en-US" b="0" dirty="0">
                 <a:latin typeface="Segoe UI" panose="020B0502040204020203" pitchFamily="34" charset="0"/>
                 <a:cs typeface="Segoe UI" panose="020B0502040204020203" pitchFamily="34" charset="0"/>
               </a:rPr>
               <a:t> &lt;- function(</a:t>
             </a:r>
             <a:r>
-              <a:rPr lang="en-US" b="0" dirty="0" err="1" smtClean="0">
+              <a:rPr lang="en-US" b="0" dirty="0" err="1">
                 <a:latin typeface="Segoe UI" panose="020B0502040204020203" pitchFamily="34" charset="0"/>
                 <a:cs typeface="Segoe UI" panose="020B0502040204020203" pitchFamily="34" charset="0"/>
               </a:rPr>
               <a:t>MSEobj</a:t>
             </a:r>
             <a:r>
-              <a:rPr lang="en-US" b="0" dirty="0" smtClean="0">
+              <a:rPr lang="en-US" b="0" dirty="0">
                 <a:latin typeface="Segoe UI" panose="020B0502040204020203" pitchFamily="34" charset="0"/>
                 <a:cs typeface="Segoe UI" panose="020B0502040204020203" pitchFamily="34" charset="0"/>
               </a:rPr>
               <a:t>=NULL, Ref=2, </a:t>
             </a:r>
             <a:r>
-              <a:rPr lang="en-US" b="0" dirty="0" err="1" smtClean="0">
+              <a:rPr lang="en-US" b="0" dirty="0" err="1">
                 <a:latin typeface="Segoe UI" panose="020B0502040204020203" pitchFamily="34" charset="0"/>
                 <a:cs typeface="Segoe UI" panose="020B0502040204020203" pitchFamily="34" charset="0"/>
               </a:rPr>
               <a:t>Yrs</a:t>
             </a:r>
             <a:r>
-              <a:rPr lang="en-US" b="0" dirty="0" smtClean="0">
+              <a:rPr lang="en-US" b="0" dirty="0">
                 <a:latin typeface="Segoe UI" panose="020B0502040204020203" pitchFamily="34" charset="0"/>
                 <a:cs typeface="Segoe UI" panose="020B0502040204020203" pitchFamily="34" charset="0"/>
               </a:rPr>
@@ -11993,63 +11667,63 @@
           </a:p>
           <a:p>
             <a:r>
-              <a:rPr lang="en-US" b="0" dirty="0" smtClean="0">
+              <a:rPr lang="en-US" b="0" dirty="0">
                 <a:latin typeface="Segoe UI" panose="020B0502040204020203" pitchFamily="34" charset="0"/>
                 <a:cs typeface="Segoe UI" panose="020B0502040204020203" pitchFamily="34" charset="0"/>
               </a:rPr>
               <a:t>  </a:t>
             </a:r>
             <a:r>
-              <a:rPr lang="en-US" b="0" dirty="0" err="1" smtClean="0">
+              <a:rPr lang="en-US" b="0" dirty="0" err="1">
                 <a:latin typeface="Segoe UI" panose="020B0502040204020203" pitchFamily="34" charset="0"/>
                 <a:cs typeface="Segoe UI" panose="020B0502040204020203" pitchFamily="34" charset="0"/>
               </a:rPr>
               <a:t>Yrs</a:t>
             </a:r>
             <a:r>
-              <a:rPr lang="en-US" b="0" dirty="0" smtClean="0">
+              <a:rPr lang="en-US" b="0" dirty="0">
                 <a:latin typeface="Segoe UI" panose="020B0502040204020203" pitchFamily="34" charset="0"/>
                 <a:cs typeface="Segoe UI" panose="020B0502040204020203" pitchFamily="34" charset="0"/>
               </a:rPr>
               <a:t> &lt;- </a:t>
             </a:r>
             <a:r>
-              <a:rPr lang="en-US" b="0" dirty="0" err="1" smtClean="0">
+              <a:rPr lang="en-US" b="0" dirty="0" err="1">
                 <a:latin typeface="Segoe UI" panose="020B0502040204020203" pitchFamily="34" charset="0"/>
                 <a:cs typeface="Segoe UI" panose="020B0502040204020203" pitchFamily="34" charset="0"/>
               </a:rPr>
               <a:t>ChkYrs</a:t>
             </a:r>
             <a:r>
-              <a:rPr lang="en-US" b="0" dirty="0" smtClean="0">
+              <a:rPr lang="en-US" b="0" dirty="0">
                 <a:latin typeface="Segoe UI" panose="020B0502040204020203" pitchFamily="34" charset="0"/>
                 <a:cs typeface="Segoe UI" panose="020B0502040204020203" pitchFamily="34" charset="0"/>
               </a:rPr>
               <a:t>(</a:t>
             </a:r>
             <a:r>
-              <a:rPr lang="en-US" b="0" dirty="0" err="1" smtClean="0">
+              <a:rPr lang="en-US" b="0" dirty="0" err="1">
                 <a:latin typeface="Segoe UI" panose="020B0502040204020203" pitchFamily="34" charset="0"/>
                 <a:cs typeface="Segoe UI" panose="020B0502040204020203" pitchFamily="34" charset="0"/>
               </a:rPr>
               <a:t>Yrs</a:t>
             </a:r>
             <a:r>
-              <a:rPr lang="en-US" b="0" dirty="0" smtClean="0">
+              <a:rPr lang="en-US" b="0" dirty="0">
                 <a:latin typeface="Segoe UI" panose="020B0502040204020203" pitchFamily="34" charset="0"/>
                 <a:cs typeface="Segoe UI" panose="020B0502040204020203" pitchFamily="34" charset="0"/>
               </a:rPr>
               <a:t>, </a:t>
             </a:r>
             <a:r>
-              <a:rPr lang="en-US" b="0" dirty="0" err="1" smtClean="0">
+              <a:rPr lang="en-US" b="0" dirty="0" err="1">
                 <a:latin typeface="Segoe UI" panose="020B0502040204020203" pitchFamily="34" charset="0"/>
                 <a:cs typeface="Segoe UI" panose="020B0502040204020203" pitchFamily="34" charset="0"/>
               </a:rPr>
               <a:t>MSEobj</a:t>
             </a:r>
             <a:r>
-              <a:rPr lang="en-US" b="0" dirty="0" smtClean="0">
+              <a:rPr lang="en-US" b="0" dirty="0">
                 <a:latin typeface="Segoe UI" panose="020B0502040204020203" pitchFamily="34" charset="0"/>
                 <a:cs typeface="Segoe UI" panose="020B0502040204020203" pitchFamily="34" charset="0"/>
               </a:rPr>
@@ -12062,38 +11736,31 @@
                 <a:latin typeface="Segoe UI" panose="020B0502040204020203" pitchFamily="34" charset="0"/>
                 <a:cs typeface="Segoe UI" panose="020B0502040204020203" pitchFamily="34" charset="0"/>
               </a:rPr>
-              <a:t> </a:t>
-            </a:r>
-            <a:r>
-              <a:rPr lang="en-US" b="0" dirty="0" smtClean="0">
-                <a:latin typeface="Segoe UI" panose="020B0502040204020203" pitchFamily="34" charset="0"/>
-                <a:cs typeface="Segoe UI" panose="020B0502040204020203" pitchFamily="34" charset="0"/>
-              </a:rPr>
-              <a:t> </a:t>
-            </a:r>
-            <a:r>
-              <a:rPr lang="en-US" b="0" dirty="0" err="1" smtClean="0">
+              <a:t>  </a:t>
+            </a:r>
+            <a:r>
+              <a:rPr lang="en-US" b="0" dirty="0" err="1">
                 <a:latin typeface="Segoe UI" panose="020B0502040204020203" pitchFamily="34" charset="0"/>
                 <a:cs typeface="Segoe UI" panose="020B0502040204020203" pitchFamily="34" charset="0"/>
               </a:rPr>
               <a:t>PMobj</a:t>
             </a:r>
             <a:r>
-              <a:rPr lang="en-US" b="0" dirty="0" smtClean="0">
+              <a:rPr lang="en-US" b="0" dirty="0">
                 <a:latin typeface="Segoe UI" panose="020B0502040204020203" pitchFamily="34" charset="0"/>
                 <a:cs typeface="Segoe UI" panose="020B0502040204020203" pitchFamily="34" charset="0"/>
               </a:rPr>
               <a:t> &lt;- new('</a:t>
             </a:r>
             <a:r>
-              <a:rPr lang="en-US" b="0" dirty="0" err="1" smtClean="0">
+              <a:rPr lang="en-US" b="0" dirty="0" err="1">
                 <a:latin typeface="Segoe UI" panose="020B0502040204020203" pitchFamily="34" charset="0"/>
                 <a:cs typeface="Segoe UI" panose="020B0502040204020203" pitchFamily="34" charset="0"/>
               </a:rPr>
               <a:t>PMobj</a:t>
             </a:r>
             <a:r>
-              <a:rPr lang="en-US" b="0" dirty="0" smtClean="0">
+              <a:rPr lang="en-US" b="0" dirty="0">
                 <a:latin typeface="Segoe UI" panose="020B0502040204020203" pitchFamily="34" charset="0"/>
                 <a:cs typeface="Segoe UI" panose="020B0502040204020203" pitchFamily="34" charset="0"/>
               </a:rPr>
@@ -12106,24 +11773,17 @@
                 <a:latin typeface="Segoe UI" panose="020B0502040204020203" pitchFamily="34" charset="0"/>
                 <a:cs typeface="Segoe UI" panose="020B0502040204020203" pitchFamily="34" charset="0"/>
               </a:rPr>
-              <a:t> </a:t>
-            </a:r>
-            <a:r>
-              <a:rPr lang="en-US" b="0" dirty="0" smtClean="0">
-                <a:latin typeface="Segoe UI" panose="020B0502040204020203" pitchFamily="34" charset="0"/>
-                <a:cs typeface="Segoe UI" panose="020B0502040204020203" pitchFamily="34" charset="0"/>
-              </a:rPr>
-              <a:t> </a:t>
-            </a:r>
-            <a:r>
-              <a:rPr lang="en-US" b="0" dirty="0" err="1" smtClean="0">
+              <a:t>  </a:t>
+            </a:r>
+            <a:r>
+              <a:rPr lang="en-US" b="0" dirty="0" err="1">
                 <a:latin typeface="Segoe UI" panose="020B0502040204020203" pitchFamily="34" charset="0"/>
                 <a:cs typeface="Segoe UI" panose="020B0502040204020203" pitchFamily="34" charset="0"/>
               </a:rPr>
               <a:t>PMobj@Name</a:t>
             </a:r>
             <a:r>
-              <a:rPr lang="en-US" b="0" dirty="0" smtClean="0">
+              <a:rPr lang="en-US" b="0" dirty="0">
                 <a:latin typeface="Segoe UI" panose="020B0502040204020203" pitchFamily="34" charset="0"/>
                 <a:cs typeface="Segoe UI" panose="020B0502040204020203" pitchFamily="34" charset="0"/>
               </a:rPr>
@@ -12136,51 +11796,91 @@
                 <a:latin typeface="Segoe UI" panose="020B0502040204020203" pitchFamily="34" charset="0"/>
                 <a:cs typeface="Segoe UI" panose="020B0502040204020203" pitchFamily="34" charset="0"/>
               </a:rPr>
-              <a:t> </a:t>
-            </a:r>
-            <a:r>
-              <a:rPr lang="en-US" b="0" dirty="0" smtClean="0">
-                <a:latin typeface="Segoe UI" panose="020B0502040204020203" pitchFamily="34" charset="0"/>
-                <a:cs typeface="Segoe UI" panose="020B0502040204020203" pitchFamily="34" charset="0"/>
-              </a:rPr>
-              <a:t> </a:t>
-            </a:r>
-            <a:r>
-              <a:rPr lang="en-US" b="0" dirty="0" err="1" smtClean="0">
+              <a:t>  </a:t>
+            </a:r>
+            <a:r>
+              <a:rPr lang="en-US" b="0" dirty="0" err="1">
                 <a:latin typeface="Segoe UI" panose="020B0502040204020203" pitchFamily="34" charset="0"/>
                 <a:cs typeface="Segoe UI" panose="020B0502040204020203" pitchFamily="34" charset="0"/>
               </a:rPr>
               <a:t>PMobj@Caption</a:t>
             </a:r>
             <a:r>
-              <a:rPr lang="en-US" b="0" dirty="0" smtClean="0">
+              <a:rPr lang="en-US" b="0" dirty="0">
+                <a:latin typeface="Segoe UI" panose="020B0502040204020203" pitchFamily="34" charset="0"/>
+                <a:cs typeface="Segoe UI" panose="020B0502040204020203" pitchFamily="34" charset="0"/>
+              </a:rPr>
+              <a:t> &lt;- paste0('Probability F/FMSY &lt; ', Ref) # caption</a:t>
+            </a:r>
+          </a:p>
+          <a:p>
+            <a:r>
+              <a:rPr lang="en-US" b="0" dirty="0">
+                <a:latin typeface="Segoe UI" panose="020B0502040204020203" pitchFamily="34" charset="0"/>
+                <a:cs typeface="Segoe UI" panose="020B0502040204020203" pitchFamily="34" charset="0"/>
+              </a:rPr>
+              <a:t>  </a:t>
+            </a:r>
+            <a:r>
+              <a:rPr lang="en-US" b="0" dirty="0" err="1">
+                <a:latin typeface="Segoe UI" panose="020B0502040204020203" pitchFamily="34" charset="0"/>
+                <a:cs typeface="Segoe UI" panose="020B0502040204020203" pitchFamily="34" charset="0"/>
+              </a:rPr>
+              <a:t>PMobj@Stat</a:t>
+            </a:r>
+            <a:r>
+              <a:rPr lang="en-US" b="0" dirty="0">
                 <a:latin typeface="Segoe UI" panose="020B0502040204020203" pitchFamily="34" charset="0"/>
                 <a:cs typeface="Segoe UI" panose="020B0502040204020203" pitchFamily="34" charset="0"/>
               </a:rPr>
               <a:t> &lt;- </a:t>
             </a:r>
             <a:r>
-              <a:rPr lang="en-US" b="0" dirty="0">
-                <a:latin typeface="Segoe UI" panose="020B0502040204020203" pitchFamily="34" charset="0"/>
-                <a:cs typeface="Segoe UI" panose="020B0502040204020203" pitchFamily="34" charset="0"/>
-              </a:rPr>
-              <a:t>paste0('Probability F/FMSY &lt; ', Ref</a:t>
-            </a:r>
-            <a:r>
-              <a:rPr lang="en-US" b="0" dirty="0" smtClean="0">
-                <a:latin typeface="Segoe UI" panose="020B0502040204020203" pitchFamily="34" charset="0"/>
-                <a:cs typeface="Segoe UI" panose="020B0502040204020203" pitchFamily="34" charset="0"/>
-              </a:rPr>
-              <a:t>) # caption</a:t>
-            </a:r>
-            <a:endParaRPr lang="en-US" b="0" dirty="0">
-              <a:latin typeface="Segoe UI" panose="020B0502040204020203" pitchFamily="34" charset="0"/>
-              <a:cs typeface="Segoe UI" panose="020B0502040204020203" pitchFamily="34" charset="0"/>
-            </a:endParaRPr>
-          </a:p>
-          <a:p>
-            <a:r>
-              <a:rPr lang="en-US" b="0" dirty="0" smtClean="0">
+              <a:rPr lang="en-US" b="0" dirty="0" err="1">
+                <a:latin typeface="Segoe UI" panose="020B0502040204020203" pitchFamily="34" charset="0"/>
+                <a:cs typeface="Segoe UI" panose="020B0502040204020203" pitchFamily="34" charset="0"/>
+              </a:rPr>
+              <a:t>MSEobj@F_FMSY</a:t>
+            </a:r>
+            <a:r>
+              <a:rPr lang="en-US" b="0" dirty="0">
+                <a:latin typeface="Segoe UI" panose="020B0502040204020203" pitchFamily="34" charset="0"/>
+                <a:cs typeface="Segoe UI" panose="020B0502040204020203" pitchFamily="34" charset="0"/>
+              </a:rPr>
+              <a:t>[, , </a:t>
+            </a:r>
+            <a:r>
+              <a:rPr lang="en-US" b="0" dirty="0" err="1">
+                <a:latin typeface="Segoe UI" panose="020B0502040204020203" pitchFamily="34" charset="0"/>
+                <a:cs typeface="Segoe UI" panose="020B0502040204020203" pitchFamily="34" charset="0"/>
+              </a:rPr>
+              <a:t>Yrs</a:t>
+            </a:r>
+            <a:r>
+              <a:rPr lang="en-US" b="0" dirty="0">
+                <a:latin typeface="Segoe UI" panose="020B0502040204020203" pitchFamily="34" charset="0"/>
+                <a:cs typeface="Segoe UI" panose="020B0502040204020203" pitchFamily="34" charset="0"/>
+              </a:rPr>
+              <a:t>[1]:</a:t>
+            </a:r>
+            <a:r>
+              <a:rPr lang="en-US" b="0" dirty="0" err="1">
+                <a:latin typeface="Segoe UI" panose="020B0502040204020203" pitchFamily="34" charset="0"/>
+                <a:cs typeface="Segoe UI" panose="020B0502040204020203" pitchFamily="34" charset="0"/>
+              </a:rPr>
+              <a:t>Yrs</a:t>
+            </a:r>
+            <a:r>
+              <a:rPr lang="en-US" b="0" dirty="0">
+                <a:latin typeface="Segoe UI" panose="020B0502040204020203" pitchFamily="34" charset="0"/>
+                <a:cs typeface="Segoe UI" panose="020B0502040204020203" pitchFamily="34" charset="0"/>
+              </a:rPr>
+              <a:t>[2]] # statistic</a:t>
+            </a:r>
+          </a:p>
+          <a:p>
+            <a:r>
+              <a:rPr lang="en-US" b="0" dirty="0">
                 <a:latin typeface="Segoe UI" panose="020B0502040204020203" pitchFamily="34" charset="0"/>
                 <a:cs typeface="Segoe UI" panose="020B0502040204020203" pitchFamily="34" charset="0"/>
               </a:rPr>
@@ -12191,6 +11891,57 @@
                 <a:latin typeface="Segoe UI" panose="020B0502040204020203" pitchFamily="34" charset="0"/>
                 <a:cs typeface="Segoe UI" panose="020B0502040204020203" pitchFamily="34" charset="0"/>
               </a:rPr>
+              <a:t>PMobj@Ref</a:t>
+            </a:r>
+            <a:r>
+              <a:rPr lang="en-US" b="0" dirty="0">
+                <a:latin typeface="Segoe UI" panose="020B0502040204020203" pitchFamily="34" charset="0"/>
+                <a:cs typeface="Segoe UI" panose="020B0502040204020203" pitchFamily="34" charset="0"/>
+              </a:rPr>
+              <a:t> &lt;- Ref # save Reference</a:t>
+            </a:r>
+          </a:p>
+          <a:p>
+            <a:r>
+              <a:rPr lang="en-US" b="0" dirty="0">
+                <a:latin typeface="Segoe UI" panose="020B0502040204020203" pitchFamily="34" charset="0"/>
+                <a:cs typeface="Segoe UI" panose="020B0502040204020203" pitchFamily="34" charset="0"/>
+              </a:rPr>
+              <a:t>  </a:t>
+            </a:r>
+            <a:r>
+              <a:rPr lang="en-US" b="0" dirty="0" err="1">
+                <a:latin typeface="Segoe UI" panose="020B0502040204020203" pitchFamily="34" charset="0"/>
+                <a:cs typeface="Segoe UI" panose="020B0502040204020203" pitchFamily="34" charset="0"/>
+              </a:rPr>
+              <a:t>PMobj@Prob</a:t>
+            </a:r>
+            <a:r>
+              <a:rPr lang="en-US" b="0" dirty="0">
+                <a:latin typeface="Segoe UI" panose="020B0502040204020203" pitchFamily="34" charset="0"/>
+                <a:cs typeface="Segoe UI" panose="020B0502040204020203" pitchFamily="34" charset="0"/>
+              </a:rPr>
+              <a:t> &lt;- </a:t>
+            </a:r>
+            <a:r>
+              <a:rPr lang="en-US" b="0" dirty="0" err="1">
+                <a:latin typeface="Segoe UI" panose="020B0502040204020203" pitchFamily="34" charset="0"/>
+                <a:cs typeface="Segoe UI" panose="020B0502040204020203" pitchFamily="34" charset="0"/>
+              </a:rPr>
+              <a:t>calcProb</a:t>
+            </a:r>
+            <a:r>
+              <a:rPr lang="en-US" b="0" dirty="0">
+                <a:latin typeface="Segoe UI" panose="020B0502040204020203" pitchFamily="34" charset="0"/>
+                <a:cs typeface="Segoe UI" panose="020B0502040204020203" pitchFamily="34" charset="0"/>
+              </a:rPr>
+              <a:t>(</a:t>
+            </a:r>
+            <a:r>
+              <a:rPr lang="en-US" b="0" dirty="0" err="1">
+                <a:latin typeface="Segoe UI" panose="020B0502040204020203" pitchFamily="34" charset="0"/>
+                <a:cs typeface="Segoe UI" panose="020B0502040204020203" pitchFamily="34" charset="0"/>
+              </a:rPr>
               <a:t>PMobj@Stat</a:t>
             </a:r>
             <a:r>
@@ -12198,6 +11949,57 @@
                 <a:latin typeface="Segoe UI" panose="020B0502040204020203" pitchFamily="34" charset="0"/>
                 <a:cs typeface="Segoe UI" panose="020B0502040204020203" pitchFamily="34" charset="0"/>
               </a:rPr>
+              <a:t> &lt; </a:t>
+            </a:r>
+            <a:r>
+              <a:rPr lang="en-US" b="0" dirty="0" err="1">
+                <a:latin typeface="Segoe UI" panose="020B0502040204020203" pitchFamily="34" charset="0"/>
+                <a:cs typeface="Segoe UI" panose="020B0502040204020203" pitchFamily="34" charset="0"/>
+              </a:rPr>
+              <a:t>PMobj@Ref</a:t>
+            </a:r>
+            <a:r>
+              <a:rPr lang="en-US" b="0" dirty="0">
+                <a:latin typeface="Segoe UI" panose="020B0502040204020203" pitchFamily="34" charset="0"/>
+                <a:cs typeface="Segoe UI" panose="020B0502040204020203" pitchFamily="34" charset="0"/>
+              </a:rPr>
+              <a:t>, </a:t>
+            </a:r>
+            <a:r>
+              <a:rPr lang="en-US" b="0" dirty="0" err="1">
+                <a:latin typeface="Segoe UI" panose="020B0502040204020203" pitchFamily="34" charset="0"/>
+                <a:cs typeface="Segoe UI" panose="020B0502040204020203" pitchFamily="34" charset="0"/>
+              </a:rPr>
+              <a:t>MSEobj</a:t>
+            </a:r>
+            <a:r>
+              <a:rPr lang="en-US" b="0" dirty="0">
+                <a:latin typeface="Segoe UI" panose="020B0502040204020203" pitchFamily="34" charset="0"/>
+                <a:cs typeface="Segoe UI" panose="020B0502040204020203" pitchFamily="34" charset="0"/>
+              </a:rPr>
+              <a:t>) # prob.</a:t>
+            </a:r>
+          </a:p>
+          <a:p>
+            <a:r>
+              <a:rPr lang="en-US" b="0" dirty="0">
+                <a:latin typeface="Segoe UI" panose="020B0502040204020203" pitchFamily="34" charset="0"/>
+                <a:cs typeface="Segoe UI" panose="020B0502040204020203" pitchFamily="34" charset="0"/>
+              </a:rPr>
+              <a:t>  </a:t>
+            </a:r>
+            <a:r>
+              <a:rPr lang="en-US" b="0" dirty="0" err="1">
+                <a:latin typeface="Segoe UI" panose="020B0502040204020203" pitchFamily="34" charset="0"/>
+                <a:cs typeface="Segoe UI" panose="020B0502040204020203" pitchFamily="34" charset="0"/>
+              </a:rPr>
+              <a:t>PMobj@Mean</a:t>
+            </a:r>
+            <a:r>
+              <a:rPr lang="en-US" b="0" dirty="0">
+                <a:latin typeface="Segoe UI" panose="020B0502040204020203" pitchFamily="34" charset="0"/>
+                <a:cs typeface="Segoe UI" panose="020B0502040204020203" pitchFamily="34" charset="0"/>
+              </a:rPr>
               <a:t> &lt;- </a:t>
             </a:r>
             <a:r>
@@ -12205,54 +12007,66 @@
                 <a:latin typeface="Segoe UI" panose="020B0502040204020203" pitchFamily="34" charset="0"/>
                 <a:cs typeface="Segoe UI" panose="020B0502040204020203" pitchFamily="34" charset="0"/>
               </a:rPr>
-              <a:t>MSEobj@F_FMSY</a:t>
-            </a:r>
-            <a:r>
-              <a:rPr lang="en-US" b="0" dirty="0">
-                <a:latin typeface="Segoe UI" panose="020B0502040204020203" pitchFamily="34" charset="0"/>
-                <a:cs typeface="Segoe UI" panose="020B0502040204020203" pitchFamily="34" charset="0"/>
-              </a:rPr>
-              <a:t>[, , </a:t>
+              <a:t>calcMean</a:t>
+            </a:r>
+            <a:r>
+              <a:rPr lang="en-US" b="0" dirty="0">
+                <a:latin typeface="Segoe UI" panose="020B0502040204020203" pitchFamily="34" charset="0"/>
+                <a:cs typeface="Segoe UI" panose="020B0502040204020203" pitchFamily="34" charset="0"/>
+              </a:rPr>
+              <a:t>(</a:t>
             </a:r>
             <a:r>
               <a:rPr lang="en-US" b="0" dirty="0" err="1">
                 <a:latin typeface="Segoe UI" panose="020B0502040204020203" pitchFamily="34" charset="0"/>
                 <a:cs typeface="Segoe UI" panose="020B0502040204020203" pitchFamily="34" charset="0"/>
               </a:rPr>
-              <a:t>Yrs</a:t>
-            </a:r>
-            <a:r>
-              <a:rPr lang="en-US" b="0" dirty="0">
-                <a:latin typeface="Segoe UI" panose="020B0502040204020203" pitchFamily="34" charset="0"/>
-                <a:cs typeface="Segoe UI" panose="020B0502040204020203" pitchFamily="34" charset="0"/>
-              </a:rPr>
-              <a:t>[1]:</a:t>
+              <a:t>PMobj@Prob</a:t>
+            </a:r>
+            <a:r>
+              <a:rPr lang="en-US" b="0" dirty="0">
+                <a:latin typeface="Segoe UI" panose="020B0502040204020203" pitchFamily="34" charset="0"/>
+                <a:cs typeface="Segoe UI" panose="020B0502040204020203" pitchFamily="34" charset="0"/>
+              </a:rPr>
+              <a:t>) # average prob.</a:t>
+            </a:r>
+          </a:p>
+          <a:p>
+            <a:r>
+              <a:rPr lang="en-US" b="0" dirty="0">
+                <a:latin typeface="Segoe UI" panose="020B0502040204020203" pitchFamily="34" charset="0"/>
+                <a:cs typeface="Segoe UI" panose="020B0502040204020203" pitchFamily="34" charset="0"/>
+              </a:rPr>
+              <a:t>  </a:t>
             </a:r>
             <a:r>
               <a:rPr lang="en-US" b="0" dirty="0" err="1">
                 <a:latin typeface="Segoe UI" panose="020B0502040204020203" pitchFamily="34" charset="0"/>
                 <a:cs typeface="Segoe UI" panose="020B0502040204020203" pitchFamily="34" charset="0"/>
               </a:rPr>
-              <a:t>Yrs</a:t>
-            </a:r>
-            <a:r>
-              <a:rPr lang="en-US" b="0" dirty="0">
-                <a:latin typeface="Segoe UI" panose="020B0502040204020203" pitchFamily="34" charset="0"/>
-                <a:cs typeface="Segoe UI" panose="020B0502040204020203" pitchFamily="34" charset="0"/>
-              </a:rPr>
-              <a:t>[2</a:t>
-            </a:r>
-            <a:r>
-              <a:rPr lang="en-US" b="0" dirty="0" smtClean="0">
-                <a:latin typeface="Segoe UI" panose="020B0502040204020203" pitchFamily="34" charset="0"/>
-                <a:cs typeface="Segoe UI" panose="020B0502040204020203" pitchFamily="34" charset="0"/>
-              </a:rPr>
-              <a:t>]] # statistic</a:t>
-            </a:r>
-            <a:endParaRPr lang="en-US" b="0" dirty="0">
-              <a:latin typeface="Segoe UI" panose="020B0502040204020203" pitchFamily="34" charset="0"/>
-              <a:cs typeface="Segoe UI" panose="020B0502040204020203" pitchFamily="34" charset="0"/>
-            </a:endParaRPr>
+              <a:t>PMobj@MPs</a:t>
+            </a:r>
+            <a:r>
+              <a:rPr lang="en-US" b="0" dirty="0">
+                <a:latin typeface="Segoe UI" panose="020B0502040204020203" pitchFamily="34" charset="0"/>
+                <a:cs typeface="Segoe UI" panose="020B0502040204020203" pitchFamily="34" charset="0"/>
+              </a:rPr>
+              <a:t> &lt;- </a:t>
+            </a:r>
+            <a:r>
+              <a:rPr lang="en-US" b="0" dirty="0" err="1">
+                <a:latin typeface="Segoe UI" panose="020B0502040204020203" pitchFamily="34" charset="0"/>
+                <a:cs typeface="Segoe UI" panose="020B0502040204020203" pitchFamily="34" charset="0"/>
+              </a:rPr>
+              <a:t>MSEobj@MPs</a:t>
+            </a:r>
+            <a:r>
+              <a:rPr lang="en-US" b="0" dirty="0">
+                <a:latin typeface="Segoe UI" panose="020B0502040204020203" pitchFamily="34" charset="0"/>
+                <a:cs typeface="Segoe UI" panose="020B0502040204020203" pitchFamily="34" charset="0"/>
+              </a:rPr>
+              <a:t> # record MPs</a:t>
+            </a:r>
           </a:p>
           <a:p>
             <a:r>
@@ -12263,291 +12077,46 @@
               <a:t>  </a:t>
             </a:r>
             <a:r>
-              <a:rPr lang="en-US" b="0" dirty="0" err="1" smtClean="0">
-                <a:latin typeface="Segoe UI" panose="020B0502040204020203" pitchFamily="34" charset="0"/>
-                <a:cs typeface="Segoe UI" panose="020B0502040204020203" pitchFamily="34" charset="0"/>
-              </a:rPr>
-              <a:t>PMobj@Ref</a:t>
-            </a:r>
-            <a:r>
-              <a:rPr lang="en-US" b="0" dirty="0" smtClean="0">
-                <a:latin typeface="Segoe UI" panose="020B0502040204020203" pitchFamily="34" charset="0"/>
-                <a:cs typeface="Segoe UI" panose="020B0502040204020203" pitchFamily="34" charset="0"/>
-              </a:rPr>
-              <a:t> </a:t>
-            </a:r>
-            <a:r>
-              <a:rPr lang="en-US" b="0" dirty="0">
-                <a:latin typeface="Segoe UI" panose="020B0502040204020203" pitchFamily="34" charset="0"/>
-                <a:cs typeface="Segoe UI" panose="020B0502040204020203" pitchFamily="34" charset="0"/>
-              </a:rPr>
-              <a:t>&lt;- </a:t>
-            </a:r>
-            <a:r>
-              <a:rPr lang="en-US" b="0" dirty="0" smtClean="0">
-                <a:latin typeface="Segoe UI" panose="020B0502040204020203" pitchFamily="34" charset="0"/>
-                <a:cs typeface="Segoe UI" panose="020B0502040204020203" pitchFamily="34" charset="0"/>
-              </a:rPr>
-              <a:t>Ref # save Reference</a:t>
-            </a:r>
-            <a:endParaRPr lang="en-US" b="0" dirty="0">
-              <a:latin typeface="Segoe UI" panose="020B0502040204020203" pitchFamily="34" charset="0"/>
-              <a:cs typeface="Segoe UI" panose="020B0502040204020203" pitchFamily="34" charset="0"/>
-            </a:endParaRPr>
-          </a:p>
-          <a:p>
-            <a:r>
-              <a:rPr lang="en-US" b="0" dirty="0">
-                <a:latin typeface="Segoe UI" panose="020B0502040204020203" pitchFamily="34" charset="0"/>
-                <a:cs typeface="Segoe UI" panose="020B0502040204020203" pitchFamily="34" charset="0"/>
-              </a:rPr>
-              <a:t>  </a:t>
-            </a:r>
-            <a:r>
-              <a:rPr lang="en-US" b="0" dirty="0" err="1" smtClean="0">
-                <a:latin typeface="Segoe UI" panose="020B0502040204020203" pitchFamily="34" charset="0"/>
-                <a:cs typeface="Segoe UI" panose="020B0502040204020203" pitchFamily="34" charset="0"/>
-              </a:rPr>
-              <a:t>PMobj@Prob</a:t>
-            </a:r>
-            <a:r>
-              <a:rPr lang="en-US" b="0" dirty="0" smtClean="0">
-                <a:latin typeface="Segoe UI" panose="020B0502040204020203" pitchFamily="34" charset="0"/>
-                <a:cs typeface="Segoe UI" panose="020B0502040204020203" pitchFamily="34" charset="0"/>
-              </a:rPr>
-              <a:t> </a:t>
-            </a:r>
-            <a:r>
-              <a:rPr lang="en-US" b="0" dirty="0">
-                <a:latin typeface="Segoe UI" panose="020B0502040204020203" pitchFamily="34" charset="0"/>
-                <a:cs typeface="Segoe UI" panose="020B0502040204020203" pitchFamily="34" charset="0"/>
-              </a:rPr>
-              <a:t>&lt;- </a:t>
-            </a:r>
-            <a:r>
               <a:rPr lang="en-US" b="0" dirty="0" err="1">
                 <a:latin typeface="Segoe UI" panose="020B0502040204020203" pitchFamily="34" charset="0"/>
                 <a:cs typeface="Segoe UI" panose="020B0502040204020203" pitchFamily="34" charset="0"/>
               </a:rPr>
-              <a:t>calcProb</a:t>
-            </a:r>
-            <a:r>
-              <a:rPr lang="en-US" b="0" dirty="0">
-                <a:latin typeface="Segoe UI" panose="020B0502040204020203" pitchFamily="34" charset="0"/>
-                <a:cs typeface="Segoe UI" panose="020B0502040204020203" pitchFamily="34" charset="0"/>
-              </a:rPr>
-              <a:t>(</a:t>
+              <a:t>PMobj</a:t>
+            </a:r>
+            <a:r>
+              <a:rPr lang="en-US" b="0" dirty="0">
+                <a:latin typeface="Segoe UI" panose="020B0502040204020203" pitchFamily="34" charset="0"/>
+                <a:cs typeface="Segoe UI" panose="020B0502040204020203" pitchFamily="34" charset="0"/>
+              </a:rPr>
+              <a:t>  # return PM object</a:t>
+            </a:r>
+          </a:p>
+          <a:p>
+            <a:r>
+              <a:rPr lang="en-US" b="0" dirty="0">
+                <a:latin typeface="Segoe UI" panose="020B0502040204020203" pitchFamily="34" charset="0"/>
+                <a:cs typeface="Segoe UI" panose="020B0502040204020203" pitchFamily="34" charset="0"/>
+              </a:rPr>
+              <a:t>}</a:t>
+            </a:r>
+          </a:p>
+          <a:p>
+            <a:r>
+              <a:rPr lang="en-US" b="0" dirty="0">
+                <a:latin typeface="Segoe UI" panose="020B0502040204020203" pitchFamily="34" charset="0"/>
+                <a:cs typeface="Segoe UI" panose="020B0502040204020203" pitchFamily="34" charset="0"/>
+              </a:rPr>
+              <a:t>class(</a:t>
             </a:r>
             <a:r>
               <a:rPr lang="en-US" b="0" dirty="0" err="1">
                 <a:latin typeface="Segoe UI" panose="020B0502040204020203" pitchFamily="34" charset="0"/>
                 <a:cs typeface="Segoe UI" panose="020B0502040204020203" pitchFamily="34" charset="0"/>
               </a:rPr>
-              <a:t>PMobj@Stat</a:t>
-            </a:r>
-            <a:r>
-              <a:rPr lang="en-US" b="0" dirty="0">
-                <a:latin typeface="Segoe UI" panose="020B0502040204020203" pitchFamily="34" charset="0"/>
-                <a:cs typeface="Segoe UI" panose="020B0502040204020203" pitchFamily="34" charset="0"/>
-              </a:rPr>
-              <a:t> &lt; </a:t>
-            </a:r>
-            <a:r>
-              <a:rPr lang="en-US" b="0" dirty="0" err="1">
-                <a:latin typeface="Segoe UI" panose="020B0502040204020203" pitchFamily="34" charset="0"/>
-                <a:cs typeface="Segoe UI" panose="020B0502040204020203" pitchFamily="34" charset="0"/>
-              </a:rPr>
-              <a:t>PMobj@Ref</a:t>
-            </a:r>
-            <a:r>
-              <a:rPr lang="en-US" b="0" dirty="0">
-                <a:latin typeface="Segoe UI" panose="020B0502040204020203" pitchFamily="34" charset="0"/>
-                <a:cs typeface="Segoe UI" panose="020B0502040204020203" pitchFamily="34" charset="0"/>
-              </a:rPr>
-              <a:t>, </a:t>
-            </a:r>
-            <a:r>
-              <a:rPr lang="en-US" b="0" dirty="0" err="1">
-                <a:latin typeface="Segoe UI" panose="020B0502040204020203" pitchFamily="34" charset="0"/>
-                <a:cs typeface="Segoe UI" panose="020B0502040204020203" pitchFamily="34" charset="0"/>
-              </a:rPr>
-              <a:t>MSEobj</a:t>
-            </a:r>
-            <a:r>
-              <a:rPr lang="en-US" b="0" dirty="0" smtClean="0">
-                <a:latin typeface="Segoe UI" panose="020B0502040204020203" pitchFamily="34" charset="0"/>
-                <a:cs typeface="Segoe UI" panose="020B0502040204020203" pitchFamily="34" charset="0"/>
-              </a:rPr>
-              <a:t>) # prob.</a:t>
-            </a:r>
-            <a:endParaRPr lang="en-US" b="0" dirty="0">
-              <a:latin typeface="Segoe UI" panose="020B0502040204020203" pitchFamily="34" charset="0"/>
-              <a:cs typeface="Segoe UI" panose="020B0502040204020203" pitchFamily="34" charset="0"/>
-            </a:endParaRPr>
-          </a:p>
-          <a:p>
-            <a:r>
-              <a:rPr lang="en-US" b="0" dirty="0">
-                <a:latin typeface="Segoe UI" panose="020B0502040204020203" pitchFamily="34" charset="0"/>
-                <a:cs typeface="Segoe UI" panose="020B0502040204020203" pitchFamily="34" charset="0"/>
-              </a:rPr>
-              <a:t>  </a:t>
-            </a:r>
-            <a:r>
-              <a:rPr lang="en-US" b="0" dirty="0" err="1" smtClean="0">
-                <a:latin typeface="Segoe UI" panose="020B0502040204020203" pitchFamily="34" charset="0"/>
-                <a:cs typeface="Segoe UI" panose="020B0502040204020203" pitchFamily="34" charset="0"/>
-              </a:rPr>
-              <a:t>PMobj@Mean</a:t>
-            </a:r>
-            <a:r>
-              <a:rPr lang="en-US" b="0" dirty="0" smtClean="0">
-                <a:latin typeface="Segoe UI" panose="020B0502040204020203" pitchFamily="34" charset="0"/>
-                <a:cs typeface="Segoe UI" panose="020B0502040204020203" pitchFamily="34" charset="0"/>
-              </a:rPr>
-              <a:t> </a:t>
-            </a:r>
-            <a:r>
-              <a:rPr lang="en-US" b="0" dirty="0">
-                <a:latin typeface="Segoe UI" panose="020B0502040204020203" pitchFamily="34" charset="0"/>
-                <a:cs typeface="Segoe UI" panose="020B0502040204020203" pitchFamily="34" charset="0"/>
-              </a:rPr>
-              <a:t>&lt;- </a:t>
-            </a:r>
-            <a:r>
-              <a:rPr lang="en-US" b="0" dirty="0" err="1">
-                <a:latin typeface="Segoe UI" panose="020B0502040204020203" pitchFamily="34" charset="0"/>
-                <a:cs typeface="Segoe UI" panose="020B0502040204020203" pitchFamily="34" charset="0"/>
-              </a:rPr>
-              <a:t>calcMean</a:t>
-            </a:r>
-            <a:r>
-              <a:rPr lang="en-US" b="0" dirty="0">
-                <a:latin typeface="Segoe UI" panose="020B0502040204020203" pitchFamily="34" charset="0"/>
-                <a:cs typeface="Segoe UI" panose="020B0502040204020203" pitchFamily="34" charset="0"/>
-              </a:rPr>
-              <a:t>(</a:t>
-            </a:r>
-            <a:r>
-              <a:rPr lang="en-US" b="0" dirty="0" err="1">
-                <a:latin typeface="Segoe UI" panose="020B0502040204020203" pitchFamily="34" charset="0"/>
-                <a:cs typeface="Segoe UI" panose="020B0502040204020203" pitchFamily="34" charset="0"/>
-              </a:rPr>
-              <a:t>PMobj@Prob</a:t>
-            </a:r>
-            <a:r>
-              <a:rPr lang="en-US" b="0" dirty="0" smtClean="0">
-                <a:latin typeface="Segoe UI" panose="020B0502040204020203" pitchFamily="34" charset="0"/>
-                <a:cs typeface="Segoe UI" panose="020B0502040204020203" pitchFamily="34" charset="0"/>
-              </a:rPr>
-              <a:t>) # average prob.</a:t>
-            </a:r>
-            <a:endParaRPr lang="en-US" b="0" dirty="0">
-              <a:latin typeface="Segoe UI" panose="020B0502040204020203" pitchFamily="34" charset="0"/>
-              <a:cs typeface="Segoe UI" panose="020B0502040204020203" pitchFamily="34" charset="0"/>
-            </a:endParaRPr>
-          </a:p>
-          <a:p>
-            <a:r>
-              <a:rPr lang="en-US" b="0" dirty="0">
-                <a:latin typeface="Segoe UI" panose="020B0502040204020203" pitchFamily="34" charset="0"/>
-                <a:cs typeface="Segoe UI" panose="020B0502040204020203" pitchFamily="34" charset="0"/>
-              </a:rPr>
-              <a:t>  </a:t>
-            </a:r>
-            <a:r>
-              <a:rPr lang="en-US" b="0" dirty="0" err="1" smtClean="0">
-                <a:latin typeface="Segoe UI" panose="020B0502040204020203" pitchFamily="34" charset="0"/>
-                <a:cs typeface="Segoe UI" panose="020B0502040204020203" pitchFamily="34" charset="0"/>
-              </a:rPr>
-              <a:t>PMobj@MPs</a:t>
-            </a:r>
-            <a:r>
-              <a:rPr lang="en-US" b="0" dirty="0" smtClean="0">
-                <a:latin typeface="Segoe UI" panose="020B0502040204020203" pitchFamily="34" charset="0"/>
-                <a:cs typeface="Segoe UI" panose="020B0502040204020203" pitchFamily="34" charset="0"/>
-              </a:rPr>
-              <a:t> </a:t>
-            </a:r>
-            <a:r>
-              <a:rPr lang="en-US" b="0" dirty="0">
-                <a:latin typeface="Segoe UI" panose="020B0502040204020203" pitchFamily="34" charset="0"/>
-                <a:cs typeface="Segoe UI" panose="020B0502040204020203" pitchFamily="34" charset="0"/>
-              </a:rPr>
-              <a:t>&lt;- </a:t>
-            </a:r>
-            <a:r>
-              <a:rPr lang="en-US" b="0" dirty="0" err="1" smtClean="0">
-                <a:latin typeface="Segoe UI" panose="020B0502040204020203" pitchFamily="34" charset="0"/>
-                <a:cs typeface="Segoe UI" panose="020B0502040204020203" pitchFamily="34" charset="0"/>
-              </a:rPr>
-              <a:t>MSEobj@MPs</a:t>
-            </a:r>
-            <a:r>
-              <a:rPr lang="en-US" b="0" dirty="0" smtClean="0">
-                <a:latin typeface="Segoe UI" panose="020B0502040204020203" pitchFamily="34" charset="0"/>
-                <a:cs typeface="Segoe UI" panose="020B0502040204020203" pitchFamily="34" charset="0"/>
-              </a:rPr>
-              <a:t> # record MPs</a:t>
-            </a:r>
-            <a:endParaRPr lang="en-US" b="0" dirty="0">
-              <a:latin typeface="Segoe UI" panose="020B0502040204020203" pitchFamily="34" charset="0"/>
-              <a:cs typeface="Segoe UI" panose="020B0502040204020203" pitchFamily="34" charset="0"/>
-            </a:endParaRPr>
-          </a:p>
-          <a:p>
-            <a:r>
-              <a:rPr lang="en-US" b="0" dirty="0">
-                <a:latin typeface="Segoe UI" panose="020B0502040204020203" pitchFamily="34" charset="0"/>
-                <a:cs typeface="Segoe UI" panose="020B0502040204020203" pitchFamily="34" charset="0"/>
-              </a:rPr>
-              <a:t>  </a:t>
-            </a:r>
-            <a:r>
-              <a:rPr lang="en-US" b="0" dirty="0" err="1" smtClean="0">
-                <a:latin typeface="Segoe UI" panose="020B0502040204020203" pitchFamily="34" charset="0"/>
-                <a:cs typeface="Segoe UI" panose="020B0502040204020203" pitchFamily="34" charset="0"/>
-              </a:rPr>
-              <a:t>PMobj</a:t>
-            </a:r>
-            <a:r>
-              <a:rPr lang="en-US" b="0" dirty="0" smtClean="0">
-                <a:latin typeface="Segoe UI" panose="020B0502040204020203" pitchFamily="34" charset="0"/>
-                <a:cs typeface="Segoe UI" panose="020B0502040204020203" pitchFamily="34" charset="0"/>
-              </a:rPr>
-              <a:t>  # return PM object</a:t>
-            </a:r>
-          </a:p>
-          <a:p>
-            <a:r>
-              <a:rPr lang="en-US" b="0" dirty="0">
-                <a:latin typeface="Segoe UI" panose="020B0502040204020203" pitchFamily="34" charset="0"/>
-                <a:cs typeface="Segoe UI" panose="020B0502040204020203" pitchFamily="34" charset="0"/>
-              </a:rPr>
-              <a:t>}</a:t>
-            </a:r>
-            <a:endParaRPr lang="en-US" b="0" dirty="0" smtClean="0">
-              <a:latin typeface="Segoe UI" panose="020B0502040204020203" pitchFamily="34" charset="0"/>
-              <a:cs typeface="Segoe UI" panose="020B0502040204020203" pitchFamily="34" charset="0"/>
-            </a:endParaRPr>
-          </a:p>
-          <a:p>
-            <a:r>
-              <a:rPr lang="en-US" b="0" dirty="0" smtClean="0">
-                <a:latin typeface="Segoe UI" panose="020B0502040204020203" pitchFamily="34" charset="0"/>
-                <a:cs typeface="Segoe UI" panose="020B0502040204020203" pitchFamily="34" charset="0"/>
-              </a:rPr>
-              <a:t>class(</a:t>
-            </a:r>
-            <a:r>
-              <a:rPr lang="en-US" b="0" dirty="0" err="1" smtClean="0">
-                <a:latin typeface="Segoe UI" panose="020B0502040204020203" pitchFamily="34" charset="0"/>
-                <a:cs typeface="Segoe UI" panose="020B0502040204020203" pitchFamily="34" charset="0"/>
-              </a:rPr>
               <a:t>myPM</a:t>
             </a:r>
             <a:r>
-              <a:rPr lang="en-US" b="0" dirty="0" smtClean="0">
+              <a:rPr lang="en-US" b="0" dirty="0">
                 <a:latin typeface="Segoe UI" panose="020B0502040204020203" pitchFamily="34" charset="0"/>
                 <a:cs typeface="Segoe UI" panose="020B0502040204020203" pitchFamily="34" charset="0"/>
               </a:rPr>
@@ -12562,21 +12131,21 @@
           </a:p>
           <a:p>
             <a:r>
-              <a:rPr lang="en-US" b="0" dirty="0" smtClean="0">
+              <a:rPr lang="en-US" b="0" dirty="0">
                 <a:latin typeface="Segoe UI" panose="020B0502040204020203" pitchFamily="34" charset="0"/>
                 <a:cs typeface="Segoe UI" panose="020B0502040204020203" pitchFamily="34" charset="0"/>
               </a:rPr>
               <a:t>summary(MSE, '</a:t>
             </a:r>
             <a:r>
-              <a:rPr lang="en-US" b="0" dirty="0" err="1" smtClean="0">
+              <a:rPr lang="en-US" b="0" dirty="0" err="1">
                 <a:latin typeface="Segoe UI" panose="020B0502040204020203" pitchFamily="34" charset="0"/>
                 <a:cs typeface="Segoe UI" panose="020B0502040204020203" pitchFamily="34" charset="0"/>
               </a:rPr>
               <a:t>myPM</a:t>
             </a:r>
             <a:r>
-              <a:rPr lang="en-US" b="0" dirty="0" smtClean="0">
+              <a:rPr lang="en-US" b="0" dirty="0">
                 <a:latin typeface="Segoe UI" panose="020B0502040204020203" pitchFamily="34" charset="0"/>
                 <a:cs typeface="Segoe UI" panose="020B0502040204020203" pitchFamily="34" charset="0"/>
               </a:rPr>
@@ -12585,44 +12154,33 @@
           </a:p>
           <a:p>
             <a:r>
-              <a:rPr lang="en-US" b="0" dirty="0" err="1" smtClean="0">
+              <a:rPr lang="en-US" b="0" dirty="0" err="1">
                 <a:latin typeface="Segoe UI" panose="020B0502040204020203" pitchFamily="34" charset="0"/>
                 <a:cs typeface="Segoe UI" panose="020B0502040204020203" pitchFamily="34" charset="0"/>
               </a:rPr>
               <a:t>TradePlot</a:t>
             </a:r>
             <a:r>
-              <a:rPr lang="en-US" b="0" dirty="0" smtClean="0">
+              <a:rPr lang="en-US" b="0" dirty="0">
                 <a:latin typeface="Segoe UI" panose="020B0502040204020203" pitchFamily="34" charset="0"/>
                 <a:cs typeface="Segoe UI" panose="020B0502040204020203" pitchFamily="34" charset="0"/>
               </a:rPr>
               <a:t>(MSE, '</a:t>
             </a:r>
             <a:r>
-              <a:rPr lang="en-US" b="0" dirty="0" err="1" smtClean="0">
+              <a:rPr lang="en-US" b="0" dirty="0" err="1">
                 <a:latin typeface="Segoe UI" panose="020B0502040204020203" pitchFamily="34" charset="0"/>
                 <a:cs typeface="Segoe UI" panose="020B0502040204020203" pitchFamily="34" charset="0"/>
               </a:rPr>
               <a:t>myPM</a:t>
             </a:r>
             <a:r>
-              <a:rPr lang="en-US" b="0" dirty="0" smtClean="0">
-                <a:latin typeface="Segoe UI" panose="020B0502040204020203" pitchFamily="34" charset="0"/>
-                <a:cs typeface="Segoe UI" panose="020B0502040204020203" pitchFamily="34" charset="0"/>
-              </a:rPr>
-              <a:t>', 'P50') # </a:t>
-            </a:r>
-            <a:r>
-              <a:rPr lang="en-US" b="0" smtClean="0">
-                <a:latin typeface="Segoe UI" panose="020B0502040204020203" pitchFamily="34" charset="0"/>
-                <a:cs typeface="Segoe UI" panose="020B0502040204020203" pitchFamily="34" charset="0"/>
-              </a:rPr>
-              <a:t>trade-off plot with new PM</a:t>
-            </a:r>
-            <a:endParaRPr lang="en-US" b="0" dirty="0" smtClean="0">
-              <a:latin typeface="Segoe UI" panose="020B0502040204020203" pitchFamily="34" charset="0"/>
-              <a:cs typeface="Segoe UI" panose="020B0502040204020203" pitchFamily="34" charset="0"/>
-            </a:endParaRPr>
+              <a:rPr lang="en-US" b="0" dirty="0">
+                <a:latin typeface="Segoe UI" panose="020B0502040204020203" pitchFamily="34" charset="0"/>
+                <a:cs typeface="Segoe UI" panose="020B0502040204020203" pitchFamily="34" charset="0"/>
+              </a:rPr>
+              <a:t>', 'P50') # trade-off plot with new PM</a:t>
+            </a:r>
           </a:p>
         </p:txBody>
       </p:sp>

--- a/docs/cheat_sheets/DLMtool_CheatSheets.pptx
+++ b/docs/cheat_sheets/DLMtool_CheatSheets.pptx
@@ -5367,7 +5367,7 @@
         <p:grpSpPr>
           <a:xfrm>
             <a:off x="9939883" y="684177"/>
-            <a:ext cx="1575818" cy="3931975"/>
+            <a:ext cx="1415547" cy="3532067"/>
             <a:chOff x="8758836" y="2597366"/>
             <a:chExt cx="1940979" cy="4843123"/>
           </a:xfrm>
@@ -5899,7 +5899,7 @@
             </a:r>
             <a:r>
               <a:rPr lang="en-US" dirty="0"/>
-              <a:t>5.2</a:t>
+              <a:t>5.3</a:t>
             </a:r>
             <a:r>
               <a:rPr dirty="0"/>
@@ -5907,15 +5907,15 @@
             </a:r>
             <a:r>
               <a:rPr lang="en-US" dirty="0"/>
-              <a:t>September </a:t>
+              <a:t>January </a:t>
             </a:r>
             <a:r>
               <a:rPr dirty="0"/>
               <a:t>201</a:t>
             </a:r>
             <a:r>
-              <a:rPr lang="en-US" dirty="0"/>
-              <a:t>8</a:t>
+              <a:rPr lang="en-AU" dirty="0"/>
+              <a:t>9</a:t>
             </a:r>
             <a:endParaRPr dirty="0"/>
           </a:p>
@@ -5930,13 +5930,13 @@
           <p:nvPr>
             <p:extLst>
               <p:ext uri="{D42A27DB-BD31-4B8C-83A1-F6EECF244321}">
-                <p14:modId xmlns:p14="http://schemas.microsoft.com/office/powerpoint/2010/main" val="1792184370"/>
+                <p14:modId xmlns:p14="http://schemas.microsoft.com/office/powerpoint/2010/main" val="435676596"/>
               </p:ext>
             </p:extLst>
           </p:nvPr>
         </p:nvGraphicFramePr>
         <p:xfrm>
-          <a:off x="9913473" y="5202260"/>
+          <a:off x="9913473" y="4541860"/>
           <a:ext cx="3677210" cy="1718515"/>
         </p:xfrm>
         <a:graphic>
@@ -7515,7 +7515,7 @@
         </p:nvSpPr>
         <p:spPr>
           <a:xfrm>
-            <a:off x="9939883" y="4931925"/>
+            <a:off x="9939883" y="4271525"/>
             <a:ext cx="3624390" cy="333425"/>
           </a:xfrm>
           <a:prstGeom prst="rect">
@@ -7565,7 +7565,7 @@
         </p:nvSpPr>
         <p:spPr>
           <a:xfrm flipV="1">
-            <a:off x="9974607" y="4783169"/>
+            <a:off x="9974607" y="4122769"/>
             <a:ext cx="2928939" cy="15875"/>
           </a:xfrm>
           <a:prstGeom prst="line">
@@ -7607,7 +7607,7 @@
         </p:nvSpPr>
         <p:spPr>
           <a:xfrm>
-            <a:off x="9887025" y="6786519"/>
+            <a:off x="9887025" y="6126119"/>
             <a:ext cx="3852337" cy="579646"/>
           </a:xfrm>
           <a:prstGeom prst="rect">
@@ -8270,6 +8270,64 @@
               <a:t>('Stock')</a:t>
             </a:r>
             <a:endParaRPr dirty="0"/>
+          </a:p>
+        </p:txBody>
+      </p:sp>
+      <p:sp>
+        <p:nvSpPr>
+          <p:cNvPr id="48" name="Rectangle 47">
+            <a:extLst>
+              <a:ext uri="{FF2B5EF4-FFF2-40B4-BE49-F238E27FC236}">
+                <a16:creationId xmlns:a16="http://schemas.microsoft.com/office/drawing/2014/main" id="{25674987-EB75-4FBE-B9D9-F0B462369DC5}"/>
+              </a:ext>
+            </a:extLst>
+          </p:cNvPr>
+          <p:cNvSpPr/>
+          <p:nvPr/>
+        </p:nvSpPr>
+        <p:spPr>
+          <a:xfrm>
+            <a:off x="9887025" y="6709239"/>
+            <a:ext cx="2502608" cy="579646"/>
+          </a:xfrm>
+          <a:prstGeom prst="rect">
+            <a:avLst/>
+          </a:prstGeom>
+        </p:spPr>
+        <p:txBody>
+          <a:bodyPr wrap="none">
+            <a:spAutoFit/>
+          </a:bodyPr>
+          <a:lstStyle/>
+          <a:p>
+            <a:pPr>
+              <a:lnSpc>
+                <a:spcPct val="150000"/>
+              </a:lnSpc>
+            </a:pPr>
+            <a:r>
+              <a:rPr lang="en-US" dirty="0">
+                <a:latin typeface="Segoe UI" panose="020B0502040204020203" pitchFamily="34" charset="0"/>
+                <a:cs typeface="Segoe UI" panose="020B0502040204020203" pitchFamily="34" charset="0"/>
+              </a:rPr>
+              <a:t>Find MPs using Data slot: </a:t>
+            </a:r>
+            <a:r>
+              <a:rPr lang="en-US" b="0" dirty="0">
+                <a:latin typeface="Segoe UI" panose="020B0502040204020203" pitchFamily="34" charset="0"/>
+                <a:cs typeface="Segoe UI" panose="020B0502040204020203" pitchFamily="34" charset="0"/>
+              </a:rPr>
+              <a:t>Uses()</a:t>
+            </a:r>
+          </a:p>
+          <a:p>
+            <a:r>
+              <a:rPr lang="en-US" b="0" dirty="0">
+                <a:latin typeface="Segoe UI" panose="020B0502040204020203" pitchFamily="34" charset="0"/>
+                <a:cs typeface="Segoe UI" panose="020B0502040204020203" pitchFamily="34" charset="0"/>
+              </a:rPr>
+              <a:t>e.g.	Uses('Mort')</a:t>
+            </a:r>
           </a:p>
         </p:txBody>
       </p:sp>
@@ -8540,23 +8598,23 @@
             </a:r>
             <a:r>
               <a:rPr lang="en-US" dirty="0"/>
-              <a:t>5.2</a:t>
+              <a:t>5.3</a:t>
             </a:r>
             <a:r>
               <a:rPr dirty="0"/>
-              <a:t> •  Updated: </a:t>
-            </a:r>
-            <a:r>
-              <a:rPr lang="en-US" dirty="0"/>
-              <a:t>September </a:t>
+              <a:t> •  Updated:</a:t>
+            </a:r>
+            <a:r>
+              <a:rPr lang="en-AU" dirty="0"/>
+              <a:t> January </a:t>
             </a:r>
             <a:r>
               <a:rPr dirty="0"/>
               <a:t>201</a:t>
             </a:r>
             <a:r>
-              <a:rPr lang="en-US" dirty="0"/>
-              <a:t>8</a:t>
+              <a:rPr lang="en-AU"/>
+              <a:t>9</a:t>
             </a:r>
             <a:endParaRPr dirty="0"/>
           </a:p>
@@ -11135,26 +11193,15 @@
                 <a:latin typeface="Segoe UI" panose="020B0502040204020203" pitchFamily="34" charset="0"/>
                 <a:cs typeface="Segoe UI" panose="020B0502040204020203" pitchFamily="34" charset="0"/>
               </a:rPr>
-              <a:t>MSE@Misc</a:t>
-            </a:r>
-            <a:r>
-              <a:rPr lang="en-US" b="0" dirty="0">
-                <a:latin typeface="Segoe UI" panose="020B0502040204020203" pitchFamily="34" charset="0"/>
-                <a:cs typeface="Segoe UI" panose="020B0502040204020203" pitchFamily="34" charset="0"/>
-              </a:rPr>
-              <a:t>[[1]]@</a:t>
-            </a:r>
-            <a:r>
-              <a:rPr lang="en-US" b="0" dirty="0" err="1">
-                <a:latin typeface="Segoe UI" panose="020B0502040204020203" pitchFamily="34" charset="0"/>
-                <a:cs typeface="Segoe UI" panose="020B0502040204020203" pitchFamily="34" charset="0"/>
-              </a:rPr>
-              <a:t>Ind</a:t>
-            </a:r>
-            <a:endParaRPr lang="en-US" b="0" dirty="0">
-              <a:latin typeface="Segoe UI" panose="020B0502040204020203" pitchFamily="34" charset="0"/>
-              <a:cs typeface="Segoe UI" panose="020B0502040204020203" pitchFamily="34" charset="0"/>
-            </a:endParaRPr>
+              <a:t>MSE@Misc$Data</a:t>
+            </a:r>
+            <a:r>
+              <a:rPr lang="en-US" b="0" dirty="0">
+                <a:latin typeface="Segoe UI" panose="020B0502040204020203" pitchFamily="34" charset="0"/>
+                <a:cs typeface="Segoe UI" panose="020B0502040204020203" pitchFamily="34" charset="0"/>
+              </a:rPr>
+              <a:t>[[1]]@Ind</a:t>
+            </a:r>
           </a:p>
           <a:p>
             <a:pPr>
